--- a/Presentation.pptx
+++ b/Presentation.pptx
@@ -5,7 +5,7 @@
     <p:sldMasterId id="2147483648" r:id="rId1"/>
   </p:sldMasterIdLst>
   <p:notesMasterIdLst>
-    <p:notesMasterId r:id="rId27"/>
+    <p:notesMasterId r:id="rId32"/>
   </p:notesMasterIdLst>
   <p:sldIdLst>
     <p:sldId id="256" r:id="rId2"/>
@@ -16,23 +16,28 @@
     <p:sldId id="261" r:id="rId7"/>
     <p:sldId id="262" r:id="rId8"/>
     <p:sldId id="263" r:id="rId9"/>
-    <p:sldId id="264" r:id="rId10"/>
-    <p:sldId id="268" r:id="rId11"/>
-    <p:sldId id="269" r:id="rId12"/>
-    <p:sldId id="272" r:id="rId13"/>
-    <p:sldId id="275" r:id="rId14"/>
-    <p:sldId id="277" r:id="rId15"/>
-    <p:sldId id="278" r:id="rId16"/>
-    <p:sldId id="279" r:id="rId17"/>
-    <p:sldId id="280" r:id="rId18"/>
-    <p:sldId id="281" r:id="rId19"/>
-    <p:sldId id="271" r:id="rId20"/>
-    <p:sldId id="276" r:id="rId21"/>
-    <p:sldId id="270" r:id="rId22"/>
-    <p:sldId id="273" r:id="rId23"/>
-    <p:sldId id="274" r:id="rId24"/>
-    <p:sldId id="257" r:id="rId25"/>
-    <p:sldId id="265" r:id="rId26"/>
+    <p:sldId id="268" r:id="rId10"/>
+    <p:sldId id="269" r:id="rId11"/>
+    <p:sldId id="272" r:id="rId12"/>
+    <p:sldId id="275" r:id="rId13"/>
+    <p:sldId id="277" r:id="rId14"/>
+    <p:sldId id="278" r:id="rId15"/>
+    <p:sldId id="279" r:id="rId16"/>
+    <p:sldId id="280" r:id="rId17"/>
+    <p:sldId id="281" r:id="rId18"/>
+    <p:sldId id="282" r:id="rId19"/>
+    <p:sldId id="283" r:id="rId20"/>
+    <p:sldId id="284" r:id="rId21"/>
+    <p:sldId id="285" r:id="rId22"/>
+    <p:sldId id="271" r:id="rId23"/>
+    <p:sldId id="286" r:id="rId24"/>
+    <p:sldId id="276" r:id="rId25"/>
+    <p:sldId id="270" r:id="rId26"/>
+    <p:sldId id="273" r:id="rId27"/>
+    <p:sldId id="274" r:id="rId28"/>
+    <p:sldId id="257" r:id="rId29"/>
+    <p:sldId id="265" r:id="rId30"/>
+    <p:sldId id="264" r:id="rId31"/>
   </p:sldIdLst>
   <p:sldSz cx="12192000" cy="6858000"/>
   <p:notesSz cx="6858000" cy="9144000"/>
@@ -221,7 +226,7 @@
           <a:p>
             <a:fld id="{0028C32B-9F4B-49A2-AA43-7C2D1B14D789}" type="datetimeFigureOut">
               <a:rPr lang="en-DK" smtClean="0"/>
-              <a:t>27/01/2020</a:t>
+              <a:t>28/01/2020</a:t>
             </a:fld>
             <a:endParaRPr lang="en-DK"/>
           </a:p>
@@ -1046,7 +1051,7 @@
           <a:p>
             <a:fld id="{AC007A02-DF5E-4BA2-B628-4247071E235A}" type="slidenum">
               <a:rPr lang="en-DK" smtClean="0"/>
-              <a:t>9</a:t>
+              <a:t>30</a:t>
             </a:fld>
             <a:endParaRPr lang="en-DK"/>
           </a:p>
@@ -1214,7 +1219,7 @@
           <a:p>
             <a:fld id="{3427EE88-3E03-43C1-90FE-EAC4C149CF3C}" type="datetimeFigureOut">
               <a:rPr lang="en-DK" smtClean="0"/>
-              <a:t>27/01/2020</a:t>
+              <a:t>28/01/2020</a:t>
             </a:fld>
             <a:endParaRPr lang="en-DK"/>
           </a:p>
@@ -1414,7 +1419,7 @@
           <a:p>
             <a:fld id="{3427EE88-3E03-43C1-90FE-EAC4C149CF3C}" type="datetimeFigureOut">
               <a:rPr lang="en-DK" smtClean="0"/>
-              <a:t>27/01/2020</a:t>
+              <a:t>28/01/2020</a:t>
             </a:fld>
             <a:endParaRPr lang="en-DK"/>
           </a:p>
@@ -1624,7 +1629,7 @@
           <a:p>
             <a:fld id="{3427EE88-3E03-43C1-90FE-EAC4C149CF3C}" type="datetimeFigureOut">
               <a:rPr lang="en-DK" smtClean="0"/>
-              <a:t>27/01/2020</a:t>
+              <a:t>28/01/2020</a:t>
             </a:fld>
             <a:endParaRPr lang="en-DK"/>
           </a:p>
@@ -1824,7 +1829,7 @@
           <a:p>
             <a:fld id="{3427EE88-3E03-43C1-90FE-EAC4C149CF3C}" type="datetimeFigureOut">
               <a:rPr lang="en-DK" smtClean="0"/>
-              <a:t>27/01/2020</a:t>
+              <a:t>28/01/2020</a:t>
             </a:fld>
             <a:endParaRPr lang="en-DK"/>
           </a:p>
@@ -2100,7 +2105,7 @@
           <a:p>
             <a:fld id="{3427EE88-3E03-43C1-90FE-EAC4C149CF3C}" type="datetimeFigureOut">
               <a:rPr lang="en-DK" smtClean="0"/>
-              <a:t>27/01/2020</a:t>
+              <a:t>28/01/2020</a:t>
             </a:fld>
             <a:endParaRPr lang="en-DK"/>
           </a:p>
@@ -2368,7 +2373,7 @@
           <a:p>
             <a:fld id="{3427EE88-3E03-43C1-90FE-EAC4C149CF3C}" type="datetimeFigureOut">
               <a:rPr lang="en-DK" smtClean="0"/>
-              <a:t>27/01/2020</a:t>
+              <a:t>28/01/2020</a:t>
             </a:fld>
             <a:endParaRPr lang="en-DK"/>
           </a:p>
@@ -2783,7 +2788,7 @@
           <a:p>
             <a:fld id="{3427EE88-3E03-43C1-90FE-EAC4C149CF3C}" type="datetimeFigureOut">
               <a:rPr lang="en-DK" smtClean="0"/>
-              <a:t>27/01/2020</a:t>
+              <a:t>28/01/2020</a:t>
             </a:fld>
             <a:endParaRPr lang="en-DK"/>
           </a:p>
@@ -2925,7 +2930,7 @@
           <a:p>
             <a:fld id="{3427EE88-3E03-43C1-90FE-EAC4C149CF3C}" type="datetimeFigureOut">
               <a:rPr lang="en-DK" smtClean="0"/>
-              <a:t>27/01/2020</a:t>
+              <a:t>28/01/2020</a:t>
             </a:fld>
             <a:endParaRPr lang="en-DK"/>
           </a:p>
@@ -3038,7 +3043,7 @@
           <a:p>
             <a:fld id="{3427EE88-3E03-43C1-90FE-EAC4C149CF3C}" type="datetimeFigureOut">
               <a:rPr lang="en-DK" smtClean="0"/>
-              <a:t>27/01/2020</a:t>
+              <a:t>28/01/2020</a:t>
             </a:fld>
             <a:endParaRPr lang="en-DK"/>
           </a:p>
@@ -3351,7 +3356,7 @@
           <a:p>
             <a:fld id="{3427EE88-3E03-43C1-90FE-EAC4C149CF3C}" type="datetimeFigureOut">
               <a:rPr lang="en-DK" smtClean="0"/>
-              <a:t>27/01/2020</a:t>
+              <a:t>28/01/2020</a:t>
             </a:fld>
             <a:endParaRPr lang="en-DK"/>
           </a:p>
@@ -3640,7 +3645,7 @@
           <a:p>
             <a:fld id="{3427EE88-3E03-43C1-90FE-EAC4C149CF3C}" type="datetimeFigureOut">
               <a:rPr lang="en-DK" smtClean="0"/>
-              <a:t>27/01/2020</a:t>
+              <a:t>28/01/2020</a:t>
             </a:fld>
             <a:endParaRPr lang="en-DK"/>
           </a:p>
@@ -3883,7 +3888,7 @@
           <a:p>
             <a:fld id="{3427EE88-3E03-43C1-90FE-EAC4C149CF3C}" type="datetimeFigureOut">
               <a:rPr lang="en-DK" smtClean="0"/>
-              <a:t>27/01/2020</a:t>
+              <a:t>28/01/2020</a:t>
             </a:fld>
             <a:endParaRPr lang="en-DK"/>
           </a:p>
@@ -4286,6 +4291,16 @@
 <file path=ppt/slides/slide1.xml><?xml version="1.0" encoding="utf-8"?>
 <p:sld xmlns:a="http://schemas.openxmlformats.org/drawingml/2006/main" xmlns:r="http://schemas.openxmlformats.org/officeDocument/2006/relationships" xmlns:p="http://schemas.openxmlformats.org/presentationml/2006/main">
   <p:cSld>
+    <p:bg>
+      <p:bgPr>
+        <a:solidFill>
+          <a:schemeClr val="bg1">
+            <a:alpha val="99000"/>
+          </a:schemeClr>
+        </a:solidFill>
+        <a:effectLst/>
+      </p:bgPr>
+    </p:bg>
     <p:spTree>
       <p:nvGrpSpPr>
         <p:cNvPr id="1" name=""/>
@@ -4300,6 +4315,42 @@
           <a:chExt cx="0" cy="0"/>
         </a:xfrm>
       </p:grpSpPr>
+      <p:pic>
+        <p:nvPicPr>
+          <p:cNvPr id="5" name="Picture 4">
+            <a:extLst>
+              <a:ext uri="{FF2B5EF4-FFF2-40B4-BE49-F238E27FC236}">
+                <a16:creationId xmlns:a16="http://schemas.microsoft.com/office/drawing/2014/main" id="{1CB0ADA0-DD34-4B60-9E81-AD151A2F7FFA}"/>
+              </a:ext>
+            </a:extLst>
+          </p:cNvPr>
+          <p:cNvPicPr>
+            <a:picLocks noChangeAspect="1"/>
+          </p:cNvPicPr>
+          <p:nvPr/>
+        </p:nvPicPr>
+        <p:blipFill>
+          <a:blip r:embed="rId2">
+            <a:extLst>
+              <a:ext uri="{28A0092B-C50C-407E-A947-70E740481C1C}">
+                <a14:useLocalDpi xmlns:a14="http://schemas.microsoft.com/office/drawing/2010/main" val="0"/>
+              </a:ext>
+            </a:extLst>
+          </a:blip>
+          <a:stretch>
+            <a:fillRect/>
+          </a:stretch>
+        </p:blipFill>
+        <p:spPr>
+          <a:xfrm>
+            <a:off x="0" y="-839121"/>
+            <a:ext cx="12192000" cy="3828797"/>
+          </a:xfrm>
+          <a:prstGeom prst="rect">
+            <a:avLst/>
+          </a:prstGeom>
+        </p:spPr>
+      </p:pic>
       <p:sp>
         <p:nvSpPr>
           <p:cNvPr id="2" name="Title 1">
@@ -4316,16 +4367,46 @@
             <p:ph type="ctrTitle"/>
           </p:nvPr>
         </p:nvSpPr>
-        <p:spPr/>
-        <p:txBody>
-          <a:bodyPr/>
+        <p:spPr>
+          <a:xfrm>
+            <a:off x="2772076" y="1999086"/>
+            <a:ext cx="9419924" cy="2387600"/>
+          </a:xfrm>
+        </p:spPr>
+        <p:txBody>
+          <a:bodyPr anchor="t">
+            <a:normAutofit/>
+          </a:bodyPr>
           <a:lstStyle/>
           <a:p>
-            <a:r>
-              <a:rPr lang="en-US" dirty="0"/>
+            <a:pPr algn="l"/>
+            <a:r>
+              <a:rPr lang="en-US" sz="4800" b="1" dirty="0">
+                <a:ln>
+                  <a:solidFill>
+                    <a:schemeClr val="tx1">
+                      <a:alpha val="14000"/>
+                    </a:schemeClr>
+                  </a:solidFill>
+                </a:ln>
+                <a:solidFill>
+                  <a:schemeClr val="bg1"/>
+                </a:solidFill>
+              </a:rPr>
               <a:t>An introduction to Graph Databases</a:t>
             </a:r>
-            <a:endParaRPr lang="en-DK" dirty="0"/>
+            <a:endParaRPr lang="en-DK" sz="4800" b="1" dirty="0">
+              <a:ln>
+                <a:solidFill>
+                  <a:schemeClr val="tx1">
+                    <a:alpha val="14000"/>
+                  </a:schemeClr>
+                </a:solidFill>
+              </a:ln>
+              <a:solidFill>
+                <a:schemeClr val="bg1"/>
+              </a:solidFill>
+            </a:endParaRPr>
           </a:p>
         </p:txBody>
       </p:sp>
@@ -4345,19 +4426,148 @@
             <p:ph type="subTitle" idx="1"/>
           </p:nvPr>
         </p:nvSpPr>
-        <p:spPr/>
+        <p:spPr>
+          <a:xfrm>
+            <a:off x="496302" y="4830804"/>
+            <a:ext cx="9144000" cy="1655762"/>
+          </a:xfrm>
+        </p:spPr>
         <p:txBody>
           <a:bodyPr/>
           <a:lstStyle/>
           <a:p>
+            <a:pPr algn="l"/>
             <a:r>
               <a:rPr lang="en-US" dirty="0"/>
-              <a:t>the database type that cracked the “The Panama Papers”</a:t>
-            </a:r>
-            <a:endParaRPr lang="en-DK" dirty="0"/>
-          </a:p>
-        </p:txBody>
-      </p:sp>
+              <a:t>Mikkel Valentin Sørensen</a:t>
+            </a:r>
+          </a:p>
+          <a:p>
+            <a:pPr algn="l"/>
+            <a:br>
+              <a:rPr lang="en-US" dirty="0"/>
+            </a:br>
+            <a:r>
+              <a:rPr lang="en-US" sz="1600" dirty="0">
+                <a:hlinkClick r:id="rId3"/>
+              </a:rPr>
+              <a:t>https://www.linkedin.com/in/mikkelvalentinsorensen</a:t>
+            </a:r>
+            <a:endParaRPr lang="en-US" sz="1600" dirty="0"/>
+          </a:p>
+          <a:p>
+            <a:pPr algn="l"/>
+            <a:r>
+              <a:rPr lang="da-DK" sz="1600" dirty="0">
+                <a:hlinkClick r:id="rId4"/>
+              </a:rPr>
+              <a:t>https://github.com/mikkelvalentinsorensen</a:t>
+            </a:r>
+            <a:r>
+              <a:rPr lang="da-DK" sz="1600" dirty="0"/>
+              <a:t> </a:t>
+            </a:r>
+            <a:endParaRPr lang="en-DK" sz="1600" dirty="0"/>
+          </a:p>
+        </p:txBody>
+      </p:sp>
+      <p:pic>
+        <p:nvPicPr>
+          <p:cNvPr id="7" name="Picture 6">
+            <a:extLst>
+              <a:ext uri="{FF2B5EF4-FFF2-40B4-BE49-F238E27FC236}">
+                <a16:creationId xmlns:a16="http://schemas.microsoft.com/office/drawing/2014/main" id="{EFC4CD30-BB97-44E8-AAAE-6AA4F3710365}"/>
+              </a:ext>
+            </a:extLst>
+          </p:cNvPr>
+          <p:cNvPicPr>
+            <a:picLocks noChangeAspect="1"/>
+          </p:cNvPicPr>
+          <p:nvPr/>
+        </p:nvPicPr>
+        <p:blipFill>
+          <a:blip r:embed="rId5">
+            <a:extLst>
+              <a:ext uri="{28A0092B-C50C-407E-A947-70E740481C1C}">
+                <a14:useLocalDpi xmlns:a14="http://schemas.microsoft.com/office/drawing/2010/main" val="0"/>
+              </a:ext>
+            </a:extLst>
+          </a:blip>
+          <a:stretch>
+            <a:fillRect/>
+          </a:stretch>
+        </p:blipFill>
+        <p:spPr>
+          <a:xfrm>
+            <a:off x="496302" y="1829888"/>
+            <a:ext cx="1905782" cy="1905782"/>
+          </a:xfrm>
+          <a:prstGeom prst="ellipse">
+            <a:avLst/>
+          </a:prstGeom>
+          <a:ln w="63500" cap="rnd">
+            <a:solidFill>
+              <a:srgbClr val="333333"/>
+            </a:solidFill>
+          </a:ln>
+          <a:effectLst>
+            <a:outerShdw blurRad="381000" dist="25400" dir="5400000" sx="-80000" sy="-18000" rotWithShape="0">
+              <a:srgbClr val="000000">
+                <a:alpha val="22000"/>
+              </a:srgbClr>
+            </a:outerShdw>
+          </a:effectLst>
+          <a:scene3d>
+            <a:camera prst="orthographicFront"/>
+            <a:lightRig rig="contrasting" dir="t">
+              <a:rot lat="0" lon="0" rev="3000000"/>
+            </a:lightRig>
+          </a:scene3d>
+          <a:sp3d contourW="7620">
+            <a:bevelT w="95250" h="31750"/>
+            <a:contourClr>
+              <a:srgbClr val="333333"/>
+            </a:contourClr>
+          </a:sp3d>
+        </p:spPr>
+      </p:pic>
+      <p:pic>
+        <p:nvPicPr>
+          <p:cNvPr id="9" name="Picture 8">
+            <a:extLst>
+              <a:ext uri="{FF2B5EF4-FFF2-40B4-BE49-F238E27FC236}">
+                <a16:creationId xmlns:a16="http://schemas.microsoft.com/office/drawing/2014/main" id="{7258AB16-37A1-4FA0-A375-C226CE4A6E72}"/>
+              </a:ext>
+            </a:extLst>
+          </p:cNvPr>
+          <p:cNvPicPr>
+            <a:picLocks noChangeAspect="1"/>
+          </p:cNvPicPr>
+          <p:nvPr/>
+        </p:nvPicPr>
+        <p:blipFill>
+          <a:blip r:embed="rId6">
+            <a:extLst>
+              <a:ext uri="{28A0092B-C50C-407E-A947-70E740481C1C}">
+                <a14:useLocalDpi xmlns:a14="http://schemas.microsoft.com/office/drawing/2010/main" val="0"/>
+              </a:ext>
+            </a:extLst>
+          </a:blip>
+          <a:stretch>
+            <a:fillRect/>
+          </a:stretch>
+        </p:blipFill>
+        <p:spPr>
+          <a:xfrm>
+            <a:off x="7487811" y="2182011"/>
+            <a:ext cx="5297585" cy="5297585"/>
+          </a:xfrm>
+          <a:prstGeom prst="rect">
+            <a:avLst/>
+          </a:prstGeom>
+          <a:effectLst/>
+        </p:spPr>
+      </p:pic>
     </p:spTree>
     <p:extLst>
       <p:ext uri="{BB962C8B-B14F-4D97-AF65-F5344CB8AC3E}">
@@ -4388,12 +4598,124 @@
           <a:chExt cx="0" cy="0"/>
         </a:xfrm>
       </p:grpSpPr>
+      <p:grpSp>
+        <p:nvGrpSpPr>
+          <p:cNvPr id="4" name="Group 3">
+            <a:extLst>
+              <a:ext uri="{FF2B5EF4-FFF2-40B4-BE49-F238E27FC236}">
+                <a16:creationId xmlns:a16="http://schemas.microsoft.com/office/drawing/2014/main" id="{F362FF38-BCE7-45E4-B2CD-292C03DFF59D}"/>
+              </a:ext>
+            </a:extLst>
+          </p:cNvPr>
+          <p:cNvGrpSpPr/>
+          <p:nvPr/>
+        </p:nvGrpSpPr>
+        <p:grpSpPr>
+          <a:xfrm>
+            <a:off x="7487811" y="2182011"/>
+            <a:ext cx="5297585" cy="5306444"/>
+            <a:chOff x="7487811" y="2182011"/>
+            <a:chExt cx="5297585" cy="5306444"/>
+          </a:xfrm>
+        </p:grpSpPr>
+        <p:pic>
+          <p:nvPicPr>
+            <p:cNvPr id="6" name="Picture 5">
+              <a:extLst>
+                <a:ext uri="{FF2B5EF4-FFF2-40B4-BE49-F238E27FC236}">
+                  <a16:creationId xmlns:a16="http://schemas.microsoft.com/office/drawing/2014/main" id="{C9BB89EF-09D9-4C85-A057-789E1F00A151}"/>
+                </a:ext>
+              </a:extLst>
+            </p:cNvPr>
+            <p:cNvPicPr>
+              <a:picLocks noChangeAspect="1"/>
+            </p:cNvPicPr>
+            <p:nvPr/>
+          </p:nvPicPr>
+          <p:blipFill>
+            <a:blip r:embed="rId2">
+              <a:extLst>
+                <a:ext uri="{28A0092B-C50C-407E-A947-70E740481C1C}">
+                  <a14:useLocalDpi xmlns:a14="http://schemas.microsoft.com/office/drawing/2010/main" val="0"/>
+                </a:ext>
+              </a:extLst>
+            </a:blip>
+            <a:stretch>
+              <a:fillRect/>
+            </a:stretch>
+          </p:blipFill>
+          <p:spPr>
+            <a:xfrm>
+              <a:off x="7487811" y="2182011"/>
+              <a:ext cx="5297585" cy="5297585"/>
+            </a:xfrm>
+            <a:prstGeom prst="rect">
+              <a:avLst/>
+            </a:prstGeom>
+            <a:effectLst/>
+          </p:spPr>
+        </p:pic>
+        <p:sp>
+          <p:nvSpPr>
+            <p:cNvPr id="7" name="Rectangle 6">
+              <a:extLst>
+                <a:ext uri="{FF2B5EF4-FFF2-40B4-BE49-F238E27FC236}">
+                  <a16:creationId xmlns:a16="http://schemas.microsoft.com/office/drawing/2014/main" id="{9F66D15F-3F97-4D5C-8D81-0017176ADFBA}"/>
+                </a:ext>
+              </a:extLst>
+            </p:cNvPr>
+            <p:cNvSpPr/>
+            <p:nvPr/>
+          </p:nvSpPr>
+          <p:spPr>
+            <a:xfrm>
+              <a:off x="7488455" y="2184935"/>
+              <a:ext cx="5293894" cy="5303520"/>
+            </a:xfrm>
+            <a:prstGeom prst="rect">
+              <a:avLst/>
+            </a:prstGeom>
+            <a:solidFill>
+              <a:schemeClr val="bg1">
+                <a:alpha val="89000"/>
+              </a:schemeClr>
+            </a:solidFill>
+            <a:ln>
+              <a:noFill/>
+            </a:ln>
+          </p:spPr>
+          <p:style>
+            <a:lnRef idx="2">
+              <a:schemeClr val="accent1">
+                <a:shade val="50000"/>
+              </a:schemeClr>
+            </a:lnRef>
+            <a:fillRef idx="1">
+              <a:schemeClr val="accent1"/>
+            </a:fillRef>
+            <a:effectRef idx="0">
+              <a:schemeClr val="accent1"/>
+            </a:effectRef>
+            <a:fontRef idx="minor">
+              <a:schemeClr val="lt1"/>
+            </a:fontRef>
+          </p:style>
+          <p:txBody>
+            <a:bodyPr rtlCol="0" anchor="ctr"/>
+            <a:lstStyle/>
+            <a:p>
+              <a:pPr algn="ctr"/>
+              <a:endParaRPr lang="en-DK"/>
+            </a:p>
+          </p:txBody>
+        </p:sp>
+      </p:grpSp>
       <p:sp>
         <p:nvSpPr>
           <p:cNvPr id="2" name="Title 1">
             <a:extLst>
               <a:ext uri="{FF2B5EF4-FFF2-40B4-BE49-F238E27FC236}">
-                <a16:creationId xmlns:a16="http://schemas.microsoft.com/office/drawing/2014/main" id="{3B075B62-A669-48C7-8862-B0CC05ED729A}"/>
+                <a16:creationId xmlns:a16="http://schemas.microsoft.com/office/drawing/2014/main" id="{FE717F75-C35D-4014-9157-B6887E698C39}"/>
               </a:ext>
             </a:extLst>
           </p:cNvPr>
@@ -4411,44 +4733,51 @@
           <a:p>
             <a:r>
               <a:rPr lang="en-US" dirty="0"/>
-              <a:t>How does data truly look?</a:t>
+              <a:t>Like this?</a:t>
             </a:r>
             <a:endParaRPr lang="en-DK" dirty="0"/>
           </a:p>
         </p:txBody>
       </p:sp>
-      <p:sp>
-        <p:nvSpPr>
-          <p:cNvPr id="3" name="Text Placeholder 2">
-            <a:extLst>
-              <a:ext uri="{FF2B5EF4-FFF2-40B4-BE49-F238E27FC236}">
-                <a16:creationId xmlns:a16="http://schemas.microsoft.com/office/drawing/2014/main" id="{9537D7D8-196C-4229-853A-E33B538CEE1A}"/>
-              </a:ext>
-            </a:extLst>
-          </p:cNvPr>
-          <p:cNvSpPr>
-            <a:spLocks noGrp="1"/>
-          </p:cNvSpPr>
+      <p:pic>
+        <p:nvPicPr>
+          <p:cNvPr id="5" name="Content Placeholder 4">
+            <a:extLst>
+              <a:ext uri="{FF2B5EF4-FFF2-40B4-BE49-F238E27FC236}">
+                <a16:creationId xmlns:a16="http://schemas.microsoft.com/office/drawing/2014/main" id="{69AA6BD5-0645-470F-B9DD-D577B611FE07}"/>
+              </a:ext>
+            </a:extLst>
+          </p:cNvPr>
+          <p:cNvPicPr>
+            <a:picLocks noGrp="1" noChangeAspect="1"/>
+          </p:cNvPicPr>
           <p:nvPr>
-            <p:ph type="body" idx="1"/>
+            <p:ph idx="1"/>
           </p:nvPr>
-        </p:nvSpPr>
-        <p:spPr/>
-        <p:txBody>
-          <a:bodyPr/>
-          <a:lstStyle/>
-          <a:p>
-            <a:r>
-              <a:rPr lang="en-US" dirty="0"/>
-              <a:t>If the data model does not represent the data it describes, the data will be incorrect.</a:t>
-            </a:r>
-          </a:p>
-        </p:txBody>
-      </p:sp>
+        </p:nvPicPr>
+        <p:blipFill>
+          <a:blip r:embed="rId3">
+            <a:extLst>
+              <a:ext uri="{28A0092B-C50C-407E-A947-70E740481C1C}">
+                <a14:useLocalDpi xmlns:a14="http://schemas.microsoft.com/office/drawing/2010/main" val="0"/>
+              </a:ext>
+            </a:extLst>
+          </a:blip>
+          <a:stretch>
+            <a:fillRect/>
+          </a:stretch>
+        </p:blipFill>
+        <p:spPr>
+          <a:xfrm>
+            <a:off x="4132591" y="1825625"/>
+            <a:ext cx="3926817" cy="4351338"/>
+          </a:xfrm>
+        </p:spPr>
+      </p:pic>
     </p:spTree>
     <p:extLst>
       <p:ext uri="{BB962C8B-B14F-4D97-AF65-F5344CB8AC3E}">
-        <p14:creationId xmlns:p14="http://schemas.microsoft.com/office/powerpoint/2010/main" val="3870847368"/>
+        <p14:creationId xmlns:p14="http://schemas.microsoft.com/office/powerpoint/2010/main" val="1753444989"/>
       </p:ext>
     </p:extLst>
   </p:cSld>
@@ -4475,6 +4804,118 @@
           <a:chExt cx="0" cy="0"/>
         </a:xfrm>
       </p:grpSpPr>
+      <p:grpSp>
+        <p:nvGrpSpPr>
+          <p:cNvPr id="24" name="Group 23">
+            <a:extLst>
+              <a:ext uri="{FF2B5EF4-FFF2-40B4-BE49-F238E27FC236}">
+                <a16:creationId xmlns:a16="http://schemas.microsoft.com/office/drawing/2014/main" id="{E98C5253-FF9C-4E5C-802E-405662D9446D}"/>
+              </a:ext>
+            </a:extLst>
+          </p:cNvPr>
+          <p:cNvGrpSpPr/>
+          <p:nvPr/>
+        </p:nvGrpSpPr>
+        <p:grpSpPr>
+          <a:xfrm>
+            <a:off x="7487811" y="2182011"/>
+            <a:ext cx="5297585" cy="5306444"/>
+            <a:chOff x="7487811" y="2182011"/>
+            <a:chExt cx="5297585" cy="5306444"/>
+          </a:xfrm>
+        </p:grpSpPr>
+        <p:pic>
+          <p:nvPicPr>
+            <p:cNvPr id="25" name="Picture 24">
+              <a:extLst>
+                <a:ext uri="{FF2B5EF4-FFF2-40B4-BE49-F238E27FC236}">
+                  <a16:creationId xmlns:a16="http://schemas.microsoft.com/office/drawing/2014/main" id="{D332632A-2AE9-422E-BE37-A3E4F8F9150A}"/>
+                </a:ext>
+              </a:extLst>
+            </p:cNvPr>
+            <p:cNvPicPr>
+              <a:picLocks noChangeAspect="1"/>
+            </p:cNvPicPr>
+            <p:nvPr/>
+          </p:nvPicPr>
+          <p:blipFill>
+            <a:blip r:embed="rId2">
+              <a:extLst>
+                <a:ext uri="{28A0092B-C50C-407E-A947-70E740481C1C}">
+                  <a14:useLocalDpi xmlns:a14="http://schemas.microsoft.com/office/drawing/2010/main" val="0"/>
+                </a:ext>
+              </a:extLst>
+            </a:blip>
+            <a:stretch>
+              <a:fillRect/>
+            </a:stretch>
+          </p:blipFill>
+          <p:spPr>
+            <a:xfrm>
+              <a:off x="7487811" y="2182011"/>
+              <a:ext cx="5297585" cy="5297585"/>
+            </a:xfrm>
+            <a:prstGeom prst="rect">
+              <a:avLst/>
+            </a:prstGeom>
+            <a:effectLst/>
+          </p:spPr>
+        </p:pic>
+        <p:sp>
+          <p:nvSpPr>
+            <p:cNvPr id="26" name="Rectangle 25">
+              <a:extLst>
+                <a:ext uri="{FF2B5EF4-FFF2-40B4-BE49-F238E27FC236}">
+                  <a16:creationId xmlns:a16="http://schemas.microsoft.com/office/drawing/2014/main" id="{E08DB27E-4347-42AB-A418-D820962F80FE}"/>
+                </a:ext>
+              </a:extLst>
+            </p:cNvPr>
+            <p:cNvSpPr/>
+            <p:nvPr/>
+          </p:nvSpPr>
+          <p:spPr>
+            <a:xfrm>
+              <a:off x="7488455" y="2184935"/>
+              <a:ext cx="5293894" cy="5303520"/>
+            </a:xfrm>
+            <a:prstGeom prst="rect">
+              <a:avLst/>
+            </a:prstGeom>
+            <a:solidFill>
+              <a:schemeClr val="bg1">
+                <a:alpha val="89000"/>
+              </a:schemeClr>
+            </a:solidFill>
+            <a:ln>
+              <a:noFill/>
+            </a:ln>
+          </p:spPr>
+          <p:style>
+            <a:lnRef idx="2">
+              <a:schemeClr val="accent1">
+                <a:shade val="50000"/>
+              </a:schemeClr>
+            </a:lnRef>
+            <a:fillRef idx="1">
+              <a:schemeClr val="accent1"/>
+            </a:fillRef>
+            <a:effectRef idx="0">
+              <a:schemeClr val="accent1"/>
+            </a:effectRef>
+            <a:fontRef idx="minor">
+              <a:schemeClr val="lt1"/>
+            </a:fontRef>
+          </p:style>
+          <p:txBody>
+            <a:bodyPr rtlCol="0" anchor="ctr"/>
+            <a:lstStyle/>
+            <a:p>
+              <a:pPr algn="ctr"/>
+              <a:endParaRPr lang="en-DK"/>
+            </a:p>
+          </p:txBody>
+        </p:sp>
+      </p:grpSp>
       <p:sp>
         <p:nvSpPr>
           <p:cNvPr id="2" name="Title 1">
@@ -4498,7 +4939,7 @@
           <a:p>
             <a:r>
               <a:rPr lang="en-US" dirty="0"/>
-              <a:t>Like this?</a:t>
+              <a:t>Probably more, like this.</a:t>
             </a:r>
             <a:endParaRPr lang="en-DK" dirty="0"/>
           </a:p>
@@ -4521,101 +4962,7 @@
           </p:nvPr>
         </p:nvPicPr>
         <p:blipFill>
-          <a:blip r:embed="rId2">
-            <a:extLst>
-              <a:ext uri="{28A0092B-C50C-407E-A947-70E740481C1C}">
-                <a14:useLocalDpi xmlns:a14="http://schemas.microsoft.com/office/drawing/2010/main" val="0"/>
-              </a:ext>
-            </a:extLst>
-          </a:blip>
-          <a:stretch>
-            <a:fillRect/>
-          </a:stretch>
-        </p:blipFill>
-        <p:spPr>
-          <a:xfrm>
-            <a:off x="4132591" y="1825625"/>
-            <a:ext cx="3926817" cy="4351338"/>
-          </a:xfrm>
-        </p:spPr>
-      </p:pic>
-    </p:spTree>
-    <p:extLst>
-      <p:ext uri="{BB962C8B-B14F-4D97-AF65-F5344CB8AC3E}">
-        <p14:creationId xmlns:p14="http://schemas.microsoft.com/office/powerpoint/2010/main" val="1753444989"/>
-      </p:ext>
-    </p:extLst>
-  </p:cSld>
-  <p:clrMapOvr>
-    <a:masterClrMapping/>
-  </p:clrMapOvr>
-</p:sld>
-</file>
-
-<file path=ppt/slides/slide12.xml><?xml version="1.0" encoding="utf-8"?>
-<p:sld xmlns:a="http://schemas.openxmlformats.org/drawingml/2006/main" xmlns:r="http://schemas.openxmlformats.org/officeDocument/2006/relationships" xmlns:p="http://schemas.openxmlformats.org/presentationml/2006/main">
-  <p:cSld>
-    <p:spTree>
-      <p:nvGrpSpPr>
-        <p:cNvPr id="1" name=""/>
-        <p:cNvGrpSpPr/>
-        <p:nvPr/>
-      </p:nvGrpSpPr>
-      <p:grpSpPr>
-        <a:xfrm>
-          <a:off x="0" y="0"/>
-          <a:ext cx="0" cy="0"/>
-          <a:chOff x="0" y="0"/>
-          <a:chExt cx="0" cy="0"/>
-        </a:xfrm>
-      </p:grpSpPr>
-      <p:sp>
-        <p:nvSpPr>
-          <p:cNvPr id="2" name="Title 1">
-            <a:extLst>
-              <a:ext uri="{FF2B5EF4-FFF2-40B4-BE49-F238E27FC236}">
-                <a16:creationId xmlns:a16="http://schemas.microsoft.com/office/drawing/2014/main" id="{FE717F75-C35D-4014-9157-B6887E698C39}"/>
-              </a:ext>
-            </a:extLst>
-          </p:cNvPr>
-          <p:cNvSpPr>
-            <a:spLocks noGrp="1"/>
-          </p:cNvSpPr>
-          <p:nvPr>
-            <p:ph type="title"/>
-          </p:nvPr>
-        </p:nvSpPr>
-        <p:spPr/>
-        <p:txBody>
-          <a:bodyPr/>
-          <a:lstStyle/>
-          <a:p>
-            <a:r>
-              <a:rPr lang="en-US" dirty="0"/>
-              <a:t>Probably more, like this.</a:t>
-            </a:r>
-            <a:endParaRPr lang="en-DK" dirty="0"/>
-          </a:p>
-        </p:txBody>
-      </p:sp>
-      <p:pic>
-        <p:nvPicPr>
-          <p:cNvPr id="5" name="Content Placeholder 4">
-            <a:extLst>
-              <a:ext uri="{FF2B5EF4-FFF2-40B4-BE49-F238E27FC236}">
-                <a16:creationId xmlns:a16="http://schemas.microsoft.com/office/drawing/2014/main" id="{69AA6BD5-0645-470F-B9DD-D577B611FE07}"/>
-              </a:ext>
-            </a:extLst>
-          </p:cNvPr>
-          <p:cNvPicPr>
-            <a:picLocks noGrp="1" noChangeAspect="1"/>
-          </p:cNvPicPr>
-          <p:nvPr>
-            <p:ph idx="1"/>
-          </p:nvPr>
-        </p:nvPicPr>
-        <p:blipFill>
-          <a:blip r:embed="rId2">
+          <a:blip r:embed="rId3">
             <a:extLst>
               <a:ext uri="{28A0092B-C50C-407E-A947-70E740481C1C}">
                 <a14:useLocalDpi xmlns:a14="http://schemas.microsoft.com/office/drawing/2010/main" val="0"/>
@@ -4648,7 +4995,7 @@
           <p:nvPr/>
         </p:nvPicPr>
         <p:blipFill>
-          <a:blip r:embed="rId2">
+          <a:blip r:embed="rId3">
             <a:extLst>
               <a:ext uri="{28A0092B-C50C-407E-A947-70E740481C1C}">
                 <a14:useLocalDpi xmlns:a14="http://schemas.microsoft.com/office/drawing/2010/main" val="0"/>
@@ -4684,7 +5031,7 @@
           <p:nvPr/>
         </p:nvPicPr>
         <p:blipFill>
-          <a:blip r:embed="rId2">
+          <a:blip r:embed="rId3">
             <a:extLst>
               <a:ext uri="{28A0092B-C50C-407E-A947-70E740481C1C}">
                 <a14:useLocalDpi xmlns:a14="http://schemas.microsoft.com/office/drawing/2010/main" val="0"/>
@@ -4720,7 +5067,7 @@
           <p:nvPr/>
         </p:nvPicPr>
         <p:blipFill>
-          <a:blip r:embed="rId2">
+          <a:blip r:embed="rId3">
             <a:extLst>
               <a:ext uri="{28A0092B-C50C-407E-A947-70E740481C1C}">
                 <a14:useLocalDpi xmlns:a14="http://schemas.microsoft.com/office/drawing/2010/main" val="0"/>
@@ -4756,7 +5103,7 @@
           <p:nvPr/>
         </p:nvPicPr>
         <p:blipFill>
-          <a:blip r:embed="rId2">
+          <a:blip r:embed="rId3">
             <a:extLst>
               <a:ext uri="{28A0092B-C50C-407E-A947-70E740481C1C}">
                 <a14:useLocalDpi xmlns:a14="http://schemas.microsoft.com/office/drawing/2010/main" val="0"/>
@@ -4792,7 +5139,7 @@
           <p:nvPr/>
         </p:nvPicPr>
         <p:blipFill>
-          <a:blip r:embed="rId2">
+          <a:blip r:embed="rId3">
             <a:extLst>
               <a:ext uri="{28A0092B-C50C-407E-A947-70E740481C1C}">
                 <a14:useLocalDpi xmlns:a14="http://schemas.microsoft.com/office/drawing/2010/main" val="0"/>
@@ -4828,7 +5175,7 @@
           <p:nvPr/>
         </p:nvPicPr>
         <p:blipFill>
-          <a:blip r:embed="rId2">
+          <a:blip r:embed="rId3">
             <a:extLst>
               <a:ext uri="{28A0092B-C50C-407E-A947-70E740481C1C}">
                 <a14:useLocalDpi xmlns:a14="http://schemas.microsoft.com/office/drawing/2010/main" val="0"/>
@@ -4864,7 +5211,7 @@
           <p:nvPr/>
         </p:nvPicPr>
         <p:blipFill>
-          <a:blip r:embed="rId2">
+          <a:blip r:embed="rId3">
             <a:extLst>
               <a:ext uri="{28A0092B-C50C-407E-A947-70E740481C1C}">
                 <a14:useLocalDpi xmlns:a14="http://schemas.microsoft.com/office/drawing/2010/main" val="0"/>
@@ -4900,7 +5247,7 @@
           <p:nvPr/>
         </p:nvPicPr>
         <p:blipFill>
-          <a:blip r:embed="rId2">
+          <a:blip r:embed="rId3">
             <a:extLst>
               <a:ext uri="{28A0092B-C50C-407E-A947-70E740481C1C}">
                 <a14:useLocalDpi xmlns:a14="http://schemas.microsoft.com/office/drawing/2010/main" val="0"/>
@@ -4936,7 +5283,7 @@
           <p:nvPr/>
         </p:nvPicPr>
         <p:blipFill>
-          <a:blip r:embed="rId2">
+          <a:blip r:embed="rId3">
             <a:extLst>
               <a:ext uri="{28A0092B-C50C-407E-A947-70E740481C1C}">
                 <a14:useLocalDpi xmlns:a14="http://schemas.microsoft.com/office/drawing/2010/main" val="0"/>
@@ -4972,7 +5319,7 @@
           <p:nvPr/>
         </p:nvPicPr>
         <p:blipFill>
-          <a:blip r:embed="rId2">
+          <a:blip r:embed="rId3">
             <a:extLst>
               <a:ext uri="{28A0092B-C50C-407E-A947-70E740481C1C}">
                 <a14:useLocalDpi xmlns:a14="http://schemas.microsoft.com/office/drawing/2010/main" val="0"/>
@@ -5008,7 +5355,7 @@
           <p:nvPr/>
         </p:nvPicPr>
         <p:blipFill>
-          <a:blip r:embed="rId2">
+          <a:blip r:embed="rId3">
             <a:extLst>
               <a:ext uri="{28A0092B-C50C-407E-A947-70E740481C1C}">
                 <a14:useLocalDpi xmlns:a14="http://schemas.microsoft.com/office/drawing/2010/main" val="0"/>
@@ -5044,7 +5391,7 @@
           <p:nvPr/>
         </p:nvPicPr>
         <p:blipFill>
-          <a:blip r:embed="rId2">
+          <a:blip r:embed="rId3">
             <a:extLst>
               <a:ext uri="{28A0092B-C50C-407E-A947-70E740481C1C}">
                 <a14:useLocalDpi xmlns:a14="http://schemas.microsoft.com/office/drawing/2010/main" val="0"/>
@@ -5080,7 +5427,7 @@
           <p:nvPr/>
         </p:nvPicPr>
         <p:blipFill>
-          <a:blip r:embed="rId2">
+          <a:blip r:embed="rId3">
             <a:extLst>
               <a:ext uri="{28A0092B-C50C-407E-A947-70E740481C1C}">
                 <a14:useLocalDpi xmlns:a14="http://schemas.microsoft.com/office/drawing/2010/main" val="0"/>
@@ -5116,7 +5463,7 @@
           <p:nvPr/>
         </p:nvPicPr>
         <p:blipFill>
-          <a:blip r:embed="rId2">
+          <a:blip r:embed="rId3">
             <a:extLst>
               <a:ext uri="{28A0092B-C50C-407E-A947-70E740481C1C}">
                 <a14:useLocalDpi xmlns:a14="http://schemas.microsoft.com/office/drawing/2010/main" val="0"/>
@@ -5152,7 +5499,7 @@
           <p:nvPr/>
         </p:nvPicPr>
         <p:blipFill>
-          <a:blip r:embed="rId2">
+          <a:blip r:embed="rId3">
             <a:extLst>
               <a:ext uri="{28A0092B-C50C-407E-A947-70E740481C1C}">
                 <a14:useLocalDpi xmlns:a14="http://schemas.microsoft.com/office/drawing/2010/main" val="0"/>
@@ -5188,7 +5535,7 @@
           <p:nvPr/>
         </p:nvPicPr>
         <p:blipFill>
-          <a:blip r:embed="rId2">
+          <a:blip r:embed="rId3">
             <a:extLst>
               <a:ext uri="{28A0092B-C50C-407E-A947-70E740481C1C}">
                 <a14:useLocalDpi xmlns:a14="http://schemas.microsoft.com/office/drawing/2010/main" val="0"/>
@@ -5224,7 +5571,7 @@
           <p:nvPr/>
         </p:nvPicPr>
         <p:blipFill>
-          <a:blip r:embed="rId2">
+          <a:blip r:embed="rId3">
             <a:extLst>
               <a:ext uri="{28A0092B-C50C-407E-A947-70E740481C1C}">
                 <a14:useLocalDpi xmlns:a14="http://schemas.microsoft.com/office/drawing/2010/main" val="0"/>
@@ -5260,7 +5607,7 @@
           <p:nvPr/>
         </p:nvPicPr>
         <p:blipFill>
-          <a:blip r:embed="rId2">
+          <a:blip r:embed="rId3">
             <a:extLst>
               <a:ext uri="{28A0092B-C50C-407E-A947-70E740481C1C}">
                 <a14:useLocalDpi xmlns:a14="http://schemas.microsoft.com/office/drawing/2010/main" val="0"/>
@@ -5296,7 +5643,7 @@
           <p:nvPr/>
         </p:nvPicPr>
         <p:blipFill>
-          <a:blip r:embed="rId2">
+          <a:blip r:embed="rId3">
             <a:extLst>
               <a:ext uri="{28A0092B-C50C-407E-A947-70E740481C1C}">
                 <a14:useLocalDpi xmlns:a14="http://schemas.microsoft.com/office/drawing/2010/main" val="0"/>
@@ -5330,7 +5677,7 @@
 </p:sld>
 </file>
 
-<file path=ppt/slides/slide13.xml><?xml version="1.0" encoding="utf-8"?>
+<file path=ppt/slides/slide12.xml><?xml version="1.0" encoding="utf-8"?>
 <p:sld xmlns:a="http://schemas.openxmlformats.org/drawingml/2006/main" xmlns:r="http://schemas.openxmlformats.org/officeDocument/2006/relationships" xmlns:p="http://schemas.openxmlformats.org/presentationml/2006/main">
   <p:cSld>
     <p:spTree>
@@ -5377,8 +5724,8 @@
         </p:blipFill>
         <p:spPr>
           <a:xfrm>
-            <a:off x="1549847" y="84233"/>
-            <a:ext cx="9092305" cy="6773767"/>
+            <a:off x="-203915" y="-1188479"/>
+            <a:ext cx="12395915" cy="9234957"/>
           </a:xfrm>
         </p:spPr>
       </p:pic>
@@ -5418,7 +5765,7 @@
                   <a:noFill/>
                 </a:ln>
               </a:rPr>
-              <a:t>Probably more like this</a:t>
+              <a:t>But how does it actually look</a:t>
             </a:r>
             <a:endParaRPr lang="en-DK" dirty="0">
               <a:ln w="0">
@@ -5432,6 +5779,206 @@
     <p:extLst>
       <p:ext uri="{BB962C8B-B14F-4D97-AF65-F5344CB8AC3E}">
         <p14:creationId xmlns:p14="http://schemas.microsoft.com/office/powerpoint/2010/main" val="77855084"/>
+      </p:ext>
+    </p:extLst>
+  </p:cSld>
+  <p:clrMapOvr>
+    <a:masterClrMapping/>
+  </p:clrMapOvr>
+</p:sld>
+</file>
+
+<file path=ppt/slides/slide13.xml><?xml version="1.0" encoding="utf-8"?>
+<p:sld xmlns:a="http://schemas.openxmlformats.org/drawingml/2006/main" xmlns:r="http://schemas.openxmlformats.org/officeDocument/2006/relationships" xmlns:p="http://schemas.openxmlformats.org/presentationml/2006/main">
+  <p:cSld>
+    <p:spTree>
+      <p:nvGrpSpPr>
+        <p:cNvPr id="1" name=""/>
+        <p:cNvGrpSpPr/>
+        <p:nvPr/>
+      </p:nvGrpSpPr>
+      <p:grpSpPr>
+        <a:xfrm>
+          <a:off x="0" y="0"/>
+          <a:ext cx="0" cy="0"/>
+          <a:chOff x="0" y="0"/>
+          <a:chExt cx="0" cy="0"/>
+        </a:xfrm>
+      </p:grpSpPr>
+      <p:sp>
+        <p:nvSpPr>
+          <p:cNvPr id="2" name="Title 1">
+            <a:extLst>
+              <a:ext uri="{FF2B5EF4-FFF2-40B4-BE49-F238E27FC236}">
+                <a16:creationId xmlns:a16="http://schemas.microsoft.com/office/drawing/2014/main" id="{7D2B17E1-9A2B-4586-8E68-A8F049F29A57}"/>
+              </a:ext>
+            </a:extLst>
+          </p:cNvPr>
+          <p:cNvSpPr>
+            <a:spLocks noGrp="1"/>
+          </p:cNvSpPr>
+          <p:nvPr>
+            <p:ph type="title"/>
+          </p:nvPr>
+        </p:nvSpPr>
+        <p:spPr/>
+        <p:txBody>
+          <a:bodyPr/>
+          <a:lstStyle/>
+          <a:p>
+            <a:r>
+              <a:rPr lang="en-US" dirty="0"/>
+              <a:t>Modeling Challenges</a:t>
+            </a:r>
+            <a:endParaRPr lang="en-DK" dirty="0"/>
+          </a:p>
+        </p:txBody>
+      </p:sp>
+      <p:sp>
+        <p:nvSpPr>
+          <p:cNvPr id="3" name="Text Placeholder 2">
+            <a:extLst>
+              <a:ext uri="{FF2B5EF4-FFF2-40B4-BE49-F238E27FC236}">
+                <a16:creationId xmlns:a16="http://schemas.microsoft.com/office/drawing/2014/main" id="{91285AA8-2453-4972-A3C1-F0183BFE1E73}"/>
+              </a:ext>
+            </a:extLst>
+          </p:cNvPr>
+          <p:cNvSpPr>
+            <a:spLocks noGrp="1"/>
+          </p:cNvSpPr>
+          <p:nvPr>
+            <p:ph type="body" idx="1"/>
+          </p:nvPr>
+        </p:nvSpPr>
+        <p:spPr/>
+        <p:txBody>
+          <a:bodyPr/>
+          <a:lstStyle/>
+          <a:p>
+            <a:r>
+              <a:rPr lang="en-US" dirty="0"/>
+              <a:t>Let us look at some of the current modeling challenges.</a:t>
+            </a:r>
+            <a:endParaRPr lang="en-DK" dirty="0"/>
+          </a:p>
+        </p:txBody>
+      </p:sp>
+      <p:grpSp>
+        <p:nvGrpSpPr>
+          <p:cNvPr id="4" name="Group 3">
+            <a:extLst>
+              <a:ext uri="{FF2B5EF4-FFF2-40B4-BE49-F238E27FC236}">
+                <a16:creationId xmlns:a16="http://schemas.microsoft.com/office/drawing/2014/main" id="{CFC27FAF-3C0E-40ED-A06A-4E81D2AC7B85}"/>
+              </a:ext>
+            </a:extLst>
+          </p:cNvPr>
+          <p:cNvGrpSpPr/>
+          <p:nvPr/>
+        </p:nvGrpSpPr>
+        <p:grpSpPr>
+          <a:xfrm>
+            <a:off x="7487811" y="2182011"/>
+            <a:ext cx="5297585" cy="5306444"/>
+            <a:chOff x="7487811" y="2182011"/>
+            <a:chExt cx="5297585" cy="5306444"/>
+          </a:xfrm>
+        </p:grpSpPr>
+        <p:pic>
+          <p:nvPicPr>
+            <p:cNvPr id="5" name="Picture 4">
+              <a:extLst>
+                <a:ext uri="{FF2B5EF4-FFF2-40B4-BE49-F238E27FC236}">
+                  <a16:creationId xmlns:a16="http://schemas.microsoft.com/office/drawing/2014/main" id="{76D91D42-4107-489B-A3FA-5DFEBE7F34A1}"/>
+                </a:ext>
+              </a:extLst>
+            </p:cNvPr>
+            <p:cNvPicPr>
+              <a:picLocks noChangeAspect="1"/>
+            </p:cNvPicPr>
+            <p:nvPr/>
+          </p:nvPicPr>
+          <p:blipFill>
+            <a:blip r:embed="rId2">
+              <a:extLst>
+                <a:ext uri="{28A0092B-C50C-407E-A947-70E740481C1C}">
+                  <a14:useLocalDpi xmlns:a14="http://schemas.microsoft.com/office/drawing/2010/main" val="0"/>
+                </a:ext>
+              </a:extLst>
+            </a:blip>
+            <a:stretch>
+              <a:fillRect/>
+            </a:stretch>
+          </p:blipFill>
+          <p:spPr>
+            <a:xfrm>
+              <a:off x="7487811" y="2182011"/>
+              <a:ext cx="5297585" cy="5297585"/>
+            </a:xfrm>
+            <a:prstGeom prst="rect">
+              <a:avLst/>
+            </a:prstGeom>
+            <a:effectLst/>
+          </p:spPr>
+        </p:pic>
+        <p:sp>
+          <p:nvSpPr>
+            <p:cNvPr id="6" name="Rectangle 5">
+              <a:extLst>
+                <a:ext uri="{FF2B5EF4-FFF2-40B4-BE49-F238E27FC236}">
+                  <a16:creationId xmlns:a16="http://schemas.microsoft.com/office/drawing/2014/main" id="{EDEB3D51-F2A9-44FD-B935-A61002C9727E}"/>
+                </a:ext>
+              </a:extLst>
+            </p:cNvPr>
+            <p:cNvSpPr/>
+            <p:nvPr/>
+          </p:nvSpPr>
+          <p:spPr>
+            <a:xfrm>
+              <a:off x="7488455" y="2184935"/>
+              <a:ext cx="5293894" cy="5303520"/>
+            </a:xfrm>
+            <a:prstGeom prst="rect">
+              <a:avLst/>
+            </a:prstGeom>
+            <a:solidFill>
+              <a:schemeClr val="bg1">
+                <a:alpha val="89000"/>
+              </a:schemeClr>
+            </a:solidFill>
+            <a:ln>
+              <a:noFill/>
+            </a:ln>
+          </p:spPr>
+          <p:style>
+            <a:lnRef idx="2">
+              <a:schemeClr val="accent1">
+                <a:shade val="50000"/>
+              </a:schemeClr>
+            </a:lnRef>
+            <a:fillRef idx="1">
+              <a:schemeClr val="accent1"/>
+            </a:fillRef>
+            <a:effectRef idx="0">
+              <a:schemeClr val="accent1"/>
+            </a:effectRef>
+            <a:fontRef idx="minor">
+              <a:schemeClr val="lt1"/>
+            </a:fontRef>
+          </p:style>
+          <p:txBody>
+            <a:bodyPr rtlCol="0" anchor="ctr"/>
+            <a:lstStyle/>
+            <a:p>
+              <a:pPr algn="ctr"/>
+              <a:endParaRPr lang="en-DK"/>
+            </a:p>
+          </p:txBody>
+        </p:sp>
+      </p:grpSp>
+    </p:spTree>
+    <p:extLst>
+      <p:ext uri="{BB962C8B-B14F-4D97-AF65-F5344CB8AC3E}">
+        <p14:creationId xmlns:p14="http://schemas.microsoft.com/office/powerpoint/2010/main" val="4066800831"/>
       </p:ext>
     </p:extLst>
   </p:cSld>
@@ -5463,7 +6010,7 @@
           <p:cNvPr id="2" name="Title 1">
             <a:extLst>
               <a:ext uri="{FF2B5EF4-FFF2-40B4-BE49-F238E27FC236}">
-                <a16:creationId xmlns:a16="http://schemas.microsoft.com/office/drawing/2014/main" id="{7D2B17E1-9A2B-4586-8E68-A8F049F29A57}"/>
+                <a16:creationId xmlns:a16="http://schemas.microsoft.com/office/drawing/2014/main" id="{961BC8AB-E405-42EA-B5E4-5B963DC4ADB9}"/>
               </a:ext>
             </a:extLst>
           </p:cNvPr>
@@ -5481,7 +6028,7 @@
           <a:p>
             <a:r>
               <a:rPr lang="en-US" dirty="0"/>
-              <a:t>Modeling Challenges</a:t>
+              <a:t>Modeling components</a:t>
             </a:r>
             <a:endParaRPr lang="en-DK" dirty="0"/>
           </a:p>
@@ -5489,10 +6036,10 @@
       </p:sp>
       <p:sp>
         <p:nvSpPr>
-          <p:cNvPr id="3" name="Text Placeholder 2">
-            <a:extLst>
-              <a:ext uri="{FF2B5EF4-FFF2-40B4-BE49-F238E27FC236}">
-                <a16:creationId xmlns:a16="http://schemas.microsoft.com/office/drawing/2014/main" id="{91285AA8-2453-4972-A3C1-F0183BFE1E73}"/>
+          <p:cNvPr id="3" name="Content Placeholder 2">
+            <a:extLst>
+              <a:ext uri="{FF2B5EF4-FFF2-40B4-BE49-F238E27FC236}">
+                <a16:creationId xmlns:a16="http://schemas.microsoft.com/office/drawing/2014/main" id="{6B31680D-894A-4783-A351-8BE1C0873EC7}"/>
               </a:ext>
             </a:extLst>
           </p:cNvPr>
@@ -5500,7 +6047,7 @@
             <a:spLocks noGrp="1"/>
           </p:cNvSpPr>
           <p:nvPr>
-            <p:ph type="body" idx="1"/>
+            <p:ph idx="1"/>
           </p:nvPr>
         </p:nvSpPr>
         <p:spPr/>
@@ -5509,17 +6056,177 @@
           <a:lstStyle/>
           <a:p>
             <a:r>
+              <a:rPr lang="en-US" b="1" dirty="0"/>
+              <a:t>Entities</a:t>
+            </a:r>
+            <a:r>
               <a:rPr lang="en-US" dirty="0"/>
-              <a:t>Let us look at some of the current modeling challenges.</a:t>
+              <a:t> – </a:t>
+            </a:r>
+            <a:r>
+              <a:rPr lang="en-US" i="1" dirty="0"/>
+              <a:t>Noun</a:t>
+            </a:r>
+            <a:r>
+              <a:rPr lang="en-US" dirty="0"/>
+              <a:t>: Person, Place, Thing </a:t>
+            </a:r>
+          </a:p>
+          <a:p>
+            <a:r>
+              <a:rPr lang="en-US" b="1" dirty="0"/>
+              <a:t>Relations</a:t>
+            </a:r>
+            <a:r>
+              <a:rPr lang="en-US" dirty="0"/>
+              <a:t> – </a:t>
+            </a:r>
+            <a:r>
+              <a:rPr lang="en-US" i="1" dirty="0"/>
+              <a:t>Verb</a:t>
+            </a:r>
+            <a:r>
+              <a:rPr lang="en-US" dirty="0"/>
+              <a:t>: Action, Relations</a:t>
+            </a:r>
+          </a:p>
+          <a:p>
+            <a:r>
+              <a:rPr lang="en-US" b="1" dirty="0"/>
+              <a:t>Properties</a:t>
+            </a:r>
+            <a:r>
+              <a:rPr lang="en-US" dirty="0"/>
+              <a:t> – </a:t>
+            </a:r>
+            <a:r>
+              <a:rPr lang="en-US" i="1" dirty="0"/>
+              <a:t>Adjective</a:t>
+            </a:r>
+            <a:r>
+              <a:rPr lang="en-US" dirty="0"/>
+              <a:t>: Definition, Elaboration</a:t>
             </a:r>
             <a:endParaRPr lang="en-DK" dirty="0"/>
           </a:p>
         </p:txBody>
       </p:sp>
+      <p:grpSp>
+        <p:nvGrpSpPr>
+          <p:cNvPr id="4" name="Group 3">
+            <a:extLst>
+              <a:ext uri="{FF2B5EF4-FFF2-40B4-BE49-F238E27FC236}">
+                <a16:creationId xmlns:a16="http://schemas.microsoft.com/office/drawing/2014/main" id="{7155138A-58A0-4786-9BDF-9E24BD02EB42}"/>
+              </a:ext>
+            </a:extLst>
+          </p:cNvPr>
+          <p:cNvGrpSpPr/>
+          <p:nvPr/>
+        </p:nvGrpSpPr>
+        <p:grpSpPr>
+          <a:xfrm>
+            <a:off x="7487811" y="2182011"/>
+            <a:ext cx="5297585" cy="5306444"/>
+            <a:chOff x="7487811" y="2182011"/>
+            <a:chExt cx="5297585" cy="5306444"/>
+          </a:xfrm>
+        </p:grpSpPr>
+        <p:pic>
+          <p:nvPicPr>
+            <p:cNvPr id="5" name="Picture 4">
+              <a:extLst>
+                <a:ext uri="{FF2B5EF4-FFF2-40B4-BE49-F238E27FC236}">
+                  <a16:creationId xmlns:a16="http://schemas.microsoft.com/office/drawing/2014/main" id="{821DDD24-5F14-4F29-8101-C365E2A91A24}"/>
+                </a:ext>
+              </a:extLst>
+            </p:cNvPr>
+            <p:cNvPicPr>
+              <a:picLocks noChangeAspect="1"/>
+            </p:cNvPicPr>
+            <p:nvPr/>
+          </p:nvPicPr>
+          <p:blipFill>
+            <a:blip r:embed="rId2">
+              <a:extLst>
+                <a:ext uri="{28A0092B-C50C-407E-A947-70E740481C1C}">
+                  <a14:useLocalDpi xmlns:a14="http://schemas.microsoft.com/office/drawing/2010/main" val="0"/>
+                </a:ext>
+              </a:extLst>
+            </a:blip>
+            <a:stretch>
+              <a:fillRect/>
+            </a:stretch>
+          </p:blipFill>
+          <p:spPr>
+            <a:xfrm>
+              <a:off x="7487811" y="2182011"/>
+              <a:ext cx="5297585" cy="5297585"/>
+            </a:xfrm>
+            <a:prstGeom prst="rect">
+              <a:avLst/>
+            </a:prstGeom>
+            <a:effectLst/>
+          </p:spPr>
+        </p:pic>
+        <p:sp>
+          <p:nvSpPr>
+            <p:cNvPr id="6" name="Rectangle 5">
+              <a:extLst>
+                <a:ext uri="{FF2B5EF4-FFF2-40B4-BE49-F238E27FC236}">
+                  <a16:creationId xmlns:a16="http://schemas.microsoft.com/office/drawing/2014/main" id="{6256A171-EF66-4CDF-8C14-369C2498B1EA}"/>
+                </a:ext>
+              </a:extLst>
+            </p:cNvPr>
+            <p:cNvSpPr/>
+            <p:nvPr/>
+          </p:nvSpPr>
+          <p:spPr>
+            <a:xfrm>
+              <a:off x="7488455" y="2184935"/>
+              <a:ext cx="5293894" cy="5303520"/>
+            </a:xfrm>
+            <a:prstGeom prst="rect">
+              <a:avLst/>
+            </a:prstGeom>
+            <a:solidFill>
+              <a:schemeClr val="bg1">
+                <a:alpha val="89000"/>
+              </a:schemeClr>
+            </a:solidFill>
+            <a:ln>
+              <a:noFill/>
+            </a:ln>
+          </p:spPr>
+          <p:style>
+            <a:lnRef idx="2">
+              <a:schemeClr val="accent1">
+                <a:shade val="50000"/>
+              </a:schemeClr>
+            </a:lnRef>
+            <a:fillRef idx="1">
+              <a:schemeClr val="accent1"/>
+            </a:fillRef>
+            <a:effectRef idx="0">
+              <a:schemeClr val="accent1"/>
+            </a:effectRef>
+            <a:fontRef idx="minor">
+              <a:schemeClr val="lt1"/>
+            </a:fontRef>
+          </p:style>
+          <p:txBody>
+            <a:bodyPr rtlCol="0" anchor="ctr"/>
+            <a:lstStyle/>
+            <a:p>
+              <a:pPr algn="ctr"/>
+              <a:endParaRPr lang="en-DK"/>
+            </a:p>
+          </p:txBody>
+        </p:sp>
+      </p:grpSp>
     </p:spTree>
     <p:extLst>
       <p:ext uri="{BB962C8B-B14F-4D97-AF65-F5344CB8AC3E}">
-        <p14:creationId xmlns:p14="http://schemas.microsoft.com/office/powerpoint/2010/main" val="4066800831"/>
+        <p14:creationId xmlns:p14="http://schemas.microsoft.com/office/powerpoint/2010/main" val="207450391"/>
       </p:ext>
     </p:extLst>
   </p:cSld>
@@ -5551,7 +6258,7 @@
           <p:cNvPr id="2" name="Title 1">
             <a:extLst>
               <a:ext uri="{FF2B5EF4-FFF2-40B4-BE49-F238E27FC236}">
-                <a16:creationId xmlns:a16="http://schemas.microsoft.com/office/drawing/2014/main" id="{961BC8AB-E405-42EA-B5E4-5B963DC4ADB9}"/>
+                <a16:creationId xmlns:a16="http://schemas.microsoft.com/office/drawing/2014/main" id="{B6ABF94F-C2BC-4830-BE88-10AC3BF8080E}"/>
               </a:ext>
             </a:extLst>
           </p:cNvPr>
@@ -5569,7 +6276,7 @@
           <a:p>
             <a:r>
               <a:rPr lang="en-US" dirty="0"/>
-              <a:t>Modeling components</a:t>
+              <a:t>Strong Entities / Weak Relations</a:t>
             </a:r>
             <a:endParaRPr lang="en-DK" dirty="0"/>
           </a:p>
@@ -5580,7 +6287,7 @@
           <p:cNvPr id="3" name="Content Placeholder 2">
             <a:extLst>
               <a:ext uri="{FF2B5EF4-FFF2-40B4-BE49-F238E27FC236}">
-                <a16:creationId xmlns:a16="http://schemas.microsoft.com/office/drawing/2014/main" id="{6B31680D-894A-4783-A351-8BE1C0873EC7}"/>
+                <a16:creationId xmlns:a16="http://schemas.microsoft.com/office/drawing/2014/main" id="{C340C9F5-9E81-4025-9FB0-D261CC52FBE5}"/>
               </a:ext>
             </a:extLst>
           </p:cNvPr>
@@ -5597,65 +6304,146 @@
           <a:lstStyle/>
           <a:p>
             <a:r>
-              <a:rPr lang="en-US" b="1" dirty="0"/>
-              <a:t>Entities</a:t>
-            </a:r>
-            <a:r>
               <a:rPr lang="en-US" dirty="0"/>
-              <a:t> – </a:t>
-            </a:r>
-            <a:r>
-              <a:rPr lang="en-US" i="1" dirty="0"/>
-              <a:t>Noun</a:t>
-            </a:r>
+              <a:t>You have to extend a Entity to create an relation.</a:t>
+            </a:r>
+          </a:p>
+          <a:p>
             <a:r>
               <a:rPr lang="en-US" dirty="0"/>
-              <a:t>: Person, Place, Thing </a:t>
-            </a:r>
-          </a:p>
-          <a:p>
-            <a:r>
-              <a:rPr lang="en-US" b="1" dirty="0"/>
-              <a:t>Relations</a:t>
-            </a:r>
+              <a:t>You have to create an Entity to elaborate on a Relation</a:t>
+            </a:r>
+          </a:p>
+          <a:p>
             <a:r>
               <a:rPr lang="en-US" dirty="0"/>
-              <a:t> – </a:t>
-            </a:r>
-            <a:r>
-              <a:rPr lang="en-US" i="1" dirty="0"/>
-              <a:t>Verb</a:t>
-            </a:r>
+              <a:t>Owners on Entities have to be aware off Relations</a:t>
+            </a:r>
+          </a:p>
+          <a:p>
             <a:r>
               <a:rPr lang="en-US" dirty="0"/>
-              <a:t>: Action, Relations</a:t>
-            </a:r>
-          </a:p>
-          <a:p>
-            <a:r>
-              <a:rPr lang="en-US" b="1" dirty="0"/>
-              <a:t>Properties</a:t>
-            </a:r>
-            <a:r>
-              <a:rPr lang="en-US" dirty="0"/>
-              <a:t> – </a:t>
-            </a:r>
-            <a:r>
-              <a:rPr lang="en-US" i="1" dirty="0"/>
-              <a:t>Adjective</a:t>
-            </a:r>
-            <a:r>
-              <a:rPr lang="en-US" dirty="0"/>
-              <a:t>: Definition, Elaboration</a:t>
-            </a:r>
-            <a:endParaRPr lang="en-DK" dirty="0"/>
-          </a:p>
-        </p:txBody>
-      </p:sp>
+              <a:t>Many to many relations are trouble some</a:t>
+            </a:r>
+          </a:p>
+        </p:txBody>
+      </p:sp>
+      <p:grpSp>
+        <p:nvGrpSpPr>
+          <p:cNvPr id="4" name="Group 3">
+            <a:extLst>
+              <a:ext uri="{FF2B5EF4-FFF2-40B4-BE49-F238E27FC236}">
+                <a16:creationId xmlns:a16="http://schemas.microsoft.com/office/drawing/2014/main" id="{F373ABC3-5631-4C7E-B651-4A16DC287802}"/>
+              </a:ext>
+            </a:extLst>
+          </p:cNvPr>
+          <p:cNvGrpSpPr/>
+          <p:nvPr/>
+        </p:nvGrpSpPr>
+        <p:grpSpPr>
+          <a:xfrm>
+            <a:off x="7487811" y="2182011"/>
+            <a:ext cx="5297585" cy="5306444"/>
+            <a:chOff x="7487811" y="2182011"/>
+            <a:chExt cx="5297585" cy="5306444"/>
+          </a:xfrm>
+        </p:grpSpPr>
+        <p:pic>
+          <p:nvPicPr>
+            <p:cNvPr id="5" name="Picture 4">
+              <a:extLst>
+                <a:ext uri="{FF2B5EF4-FFF2-40B4-BE49-F238E27FC236}">
+                  <a16:creationId xmlns:a16="http://schemas.microsoft.com/office/drawing/2014/main" id="{378CB2A6-2385-4EA0-8F00-0403FDC42951}"/>
+                </a:ext>
+              </a:extLst>
+            </p:cNvPr>
+            <p:cNvPicPr>
+              <a:picLocks noChangeAspect="1"/>
+            </p:cNvPicPr>
+            <p:nvPr/>
+          </p:nvPicPr>
+          <p:blipFill>
+            <a:blip r:embed="rId2">
+              <a:extLst>
+                <a:ext uri="{28A0092B-C50C-407E-A947-70E740481C1C}">
+                  <a14:useLocalDpi xmlns:a14="http://schemas.microsoft.com/office/drawing/2010/main" val="0"/>
+                </a:ext>
+              </a:extLst>
+            </a:blip>
+            <a:stretch>
+              <a:fillRect/>
+            </a:stretch>
+          </p:blipFill>
+          <p:spPr>
+            <a:xfrm>
+              <a:off x="7487811" y="2182011"/>
+              <a:ext cx="5297585" cy="5297585"/>
+            </a:xfrm>
+            <a:prstGeom prst="rect">
+              <a:avLst/>
+            </a:prstGeom>
+            <a:effectLst/>
+          </p:spPr>
+        </p:pic>
+        <p:sp>
+          <p:nvSpPr>
+            <p:cNvPr id="6" name="Rectangle 5">
+              <a:extLst>
+                <a:ext uri="{FF2B5EF4-FFF2-40B4-BE49-F238E27FC236}">
+                  <a16:creationId xmlns:a16="http://schemas.microsoft.com/office/drawing/2014/main" id="{E53236E0-C3A2-47CF-BF47-85E95F9E0F94}"/>
+                </a:ext>
+              </a:extLst>
+            </p:cNvPr>
+            <p:cNvSpPr/>
+            <p:nvPr/>
+          </p:nvSpPr>
+          <p:spPr>
+            <a:xfrm>
+              <a:off x="7488455" y="2184935"/>
+              <a:ext cx="5293894" cy="5303520"/>
+            </a:xfrm>
+            <a:prstGeom prst="rect">
+              <a:avLst/>
+            </a:prstGeom>
+            <a:solidFill>
+              <a:schemeClr val="bg1">
+                <a:alpha val="89000"/>
+              </a:schemeClr>
+            </a:solidFill>
+            <a:ln>
+              <a:noFill/>
+            </a:ln>
+          </p:spPr>
+          <p:style>
+            <a:lnRef idx="2">
+              <a:schemeClr val="accent1">
+                <a:shade val="50000"/>
+              </a:schemeClr>
+            </a:lnRef>
+            <a:fillRef idx="1">
+              <a:schemeClr val="accent1"/>
+            </a:fillRef>
+            <a:effectRef idx="0">
+              <a:schemeClr val="accent1"/>
+            </a:effectRef>
+            <a:fontRef idx="minor">
+              <a:schemeClr val="lt1"/>
+            </a:fontRef>
+          </p:style>
+          <p:txBody>
+            <a:bodyPr rtlCol="0" anchor="ctr"/>
+            <a:lstStyle/>
+            <a:p>
+              <a:pPr algn="ctr"/>
+              <a:endParaRPr lang="en-DK"/>
+            </a:p>
+          </p:txBody>
+        </p:sp>
+      </p:grpSp>
     </p:spTree>
     <p:extLst>
       <p:ext uri="{BB962C8B-B14F-4D97-AF65-F5344CB8AC3E}">
-        <p14:creationId xmlns:p14="http://schemas.microsoft.com/office/powerpoint/2010/main" val="207450391"/>
+        <p14:creationId xmlns:p14="http://schemas.microsoft.com/office/powerpoint/2010/main" val="42982269"/>
       </p:ext>
     </p:extLst>
   </p:cSld>
@@ -5687,7 +6475,7 @@
           <p:cNvPr id="2" name="Title 1">
             <a:extLst>
               <a:ext uri="{FF2B5EF4-FFF2-40B4-BE49-F238E27FC236}">
-                <a16:creationId xmlns:a16="http://schemas.microsoft.com/office/drawing/2014/main" id="{B6ABF94F-C2BC-4830-BE88-10AC3BF8080E}"/>
+                <a16:creationId xmlns:a16="http://schemas.microsoft.com/office/drawing/2014/main" id="{84C3847F-6376-4858-88B2-DC5CA33956DB}"/>
               </a:ext>
             </a:extLst>
           </p:cNvPr>
@@ -5705,7 +6493,11 @@
           <a:p>
             <a:r>
               <a:rPr lang="en-US" dirty="0"/>
-              <a:t>Strong Entities / Weak Relations</a:t>
+              <a:t>This is </a:t>
+            </a:r>
+            <a:r>
+              <a:rPr lang="en-US" dirty="0" err="1"/>
+              <a:t>mikkel:Person</a:t>
             </a:r>
             <a:endParaRPr lang="en-DK" dirty="0"/>
           </a:p>
@@ -5716,7 +6508,7 @@
           <p:cNvPr id="3" name="Content Placeholder 2">
             <a:extLst>
               <a:ext uri="{FF2B5EF4-FFF2-40B4-BE49-F238E27FC236}">
-                <a16:creationId xmlns:a16="http://schemas.microsoft.com/office/drawing/2014/main" id="{C340C9F5-9E81-4025-9FB0-D261CC52FBE5}"/>
+                <a16:creationId xmlns:a16="http://schemas.microsoft.com/office/drawing/2014/main" id="{191AAF95-7595-4129-B413-6CC43C37F416}"/>
               </a:ext>
             </a:extLst>
           </p:cNvPr>
@@ -5732,35 +6524,187 @@
           <a:bodyPr/>
           <a:lstStyle/>
           <a:p>
-            <a:r>
-              <a:rPr lang="en-US" dirty="0"/>
-              <a:t>You have to extend a Entity to create an relation.</a:t>
-            </a:r>
-          </a:p>
-          <a:p>
-            <a:r>
-              <a:rPr lang="en-US" dirty="0"/>
-              <a:t>You have to create an Entity to elaborate on a Relation</a:t>
-            </a:r>
-          </a:p>
-          <a:p>
-            <a:r>
-              <a:rPr lang="en-US" dirty="0"/>
-              <a:t>Owners on Entities have to be aware off Relations</a:t>
-            </a:r>
-          </a:p>
-          <a:p>
-            <a:r>
-              <a:rPr lang="en-US" dirty="0"/>
-              <a:t>Many to many relations are trouble some</a:t>
-            </a:r>
-          </a:p>
-        </p:txBody>
-      </p:sp>
+            <a:endParaRPr lang="en-DK" dirty="0"/>
+          </a:p>
+        </p:txBody>
+      </p:sp>
+      <p:sp>
+        <p:nvSpPr>
+          <p:cNvPr id="4" name="Oval 3">
+            <a:extLst>
+              <a:ext uri="{FF2B5EF4-FFF2-40B4-BE49-F238E27FC236}">
+                <a16:creationId xmlns:a16="http://schemas.microsoft.com/office/drawing/2014/main" id="{BEAB7DDA-35BD-4750-9043-05A55BD13463}"/>
+              </a:ext>
+            </a:extLst>
+          </p:cNvPr>
+          <p:cNvSpPr/>
+          <p:nvPr/>
+        </p:nvSpPr>
+        <p:spPr>
+          <a:xfrm>
+            <a:off x="5010150" y="2915444"/>
+            <a:ext cx="2171700" cy="2171700"/>
+          </a:xfrm>
+          <a:prstGeom prst="ellipse">
+            <a:avLst/>
+          </a:prstGeom>
+        </p:spPr>
+        <p:style>
+          <a:lnRef idx="2">
+            <a:schemeClr val="accent1">
+              <a:shade val="50000"/>
+            </a:schemeClr>
+          </a:lnRef>
+          <a:fillRef idx="1">
+            <a:schemeClr val="accent1"/>
+          </a:fillRef>
+          <a:effectRef idx="0">
+            <a:schemeClr val="accent1"/>
+          </a:effectRef>
+          <a:fontRef idx="minor">
+            <a:schemeClr val="lt1"/>
+          </a:fontRef>
+        </p:style>
+        <p:txBody>
+          <a:bodyPr rtlCol="0" anchor="ctr"/>
+          <a:lstStyle/>
+          <a:p>
+            <a:pPr algn="ctr"/>
+            <a:r>
+              <a:rPr lang="en-US" sz="1600" dirty="0"/>
+              <a:t>:Person</a:t>
+            </a:r>
+            <a:br>
+              <a:rPr lang="en-US" sz="1600" dirty="0"/>
+            </a:br>
+            <a:endParaRPr lang="en-US" sz="1600" dirty="0"/>
+          </a:p>
+          <a:p>
+            <a:pPr algn="ctr"/>
+            <a:r>
+              <a:rPr lang="en-US" sz="1600" dirty="0"/>
+              <a:t>name: “Mikkel”</a:t>
+            </a:r>
+            <a:endParaRPr lang="en-DK" sz="1600" dirty="0"/>
+          </a:p>
+        </p:txBody>
+      </p:sp>
+      <p:grpSp>
+        <p:nvGrpSpPr>
+          <p:cNvPr id="5" name="Group 4">
+            <a:extLst>
+              <a:ext uri="{FF2B5EF4-FFF2-40B4-BE49-F238E27FC236}">
+                <a16:creationId xmlns:a16="http://schemas.microsoft.com/office/drawing/2014/main" id="{3870DD7E-1526-4D51-93C9-2B891BBB089F}"/>
+              </a:ext>
+            </a:extLst>
+          </p:cNvPr>
+          <p:cNvGrpSpPr/>
+          <p:nvPr/>
+        </p:nvGrpSpPr>
+        <p:grpSpPr>
+          <a:xfrm>
+            <a:off x="7487811" y="2182011"/>
+            <a:ext cx="5297585" cy="5306444"/>
+            <a:chOff x="7487811" y="2182011"/>
+            <a:chExt cx="5297585" cy="5306444"/>
+          </a:xfrm>
+        </p:grpSpPr>
+        <p:pic>
+          <p:nvPicPr>
+            <p:cNvPr id="6" name="Picture 5">
+              <a:extLst>
+                <a:ext uri="{FF2B5EF4-FFF2-40B4-BE49-F238E27FC236}">
+                  <a16:creationId xmlns:a16="http://schemas.microsoft.com/office/drawing/2014/main" id="{B52DCB38-82D5-49B3-8660-BDD63E57FE48}"/>
+                </a:ext>
+              </a:extLst>
+            </p:cNvPr>
+            <p:cNvPicPr>
+              <a:picLocks noChangeAspect="1"/>
+            </p:cNvPicPr>
+            <p:nvPr/>
+          </p:nvPicPr>
+          <p:blipFill>
+            <a:blip r:embed="rId2">
+              <a:extLst>
+                <a:ext uri="{28A0092B-C50C-407E-A947-70E740481C1C}">
+                  <a14:useLocalDpi xmlns:a14="http://schemas.microsoft.com/office/drawing/2010/main" val="0"/>
+                </a:ext>
+              </a:extLst>
+            </a:blip>
+            <a:stretch>
+              <a:fillRect/>
+            </a:stretch>
+          </p:blipFill>
+          <p:spPr>
+            <a:xfrm>
+              <a:off x="7487811" y="2182011"/>
+              <a:ext cx="5297585" cy="5297585"/>
+            </a:xfrm>
+            <a:prstGeom prst="rect">
+              <a:avLst/>
+            </a:prstGeom>
+            <a:effectLst/>
+          </p:spPr>
+        </p:pic>
+        <p:sp>
+          <p:nvSpPr>
+            <p:cNvPr id="7" name="Rectangle 6">
+              <a:extLst>
+                <a:ext uri="{FF2B5EF4-FFF2-40B4-BE49-F238E27FC236}">
+                  <a16:creationId xmlns:a16="http://schemas.microsoft.com/office/drawing/2014/main" id="{C452D9B8-D234-4B37-B4DD-B052A1AD0717}"/>
+                </a:ext>
+              </a:extLst>
+            </p:cNvPr>
+            <p:cNvSpPr/>
+            <p:nvPr/>
+          </p:nvSpPr>
+          <p:spPr>
+            <a:xfrm>
+              <a:off x="7488455" y="2184935"/>
+              <a:ext cx="5293894" cy="5303520"/>
+            </a:xfrm>
+            <a:prstGeom prst="rect">
+              <a:avLst/>
+            </a:prstGeom>
+            <a:solidFill>
+              <a:schemeClr val="bg1">
+                <a:alpha val="89000"/>
+              </a:schemeClr>
+            </a:solidFill>
+            <a:ln>
+              <a:noFill/>
+            </a:ln>
+          </p:spPr>
+          <p:style>
+            <a:lnRef idx="2">
+              <a:schemeClr val="accent1">
+                <a:shade val="50000"/>
+              </a:schemeClr>
+            </a:lnRef>
+            <a:fillRef idx="1">
+              <a:schemeClr val="accent1"/>
+            </a:fillRef>
+            <a:effectRef idx="0">
+              <a:schemeClr val="accent1"/>
+            </a:effectRef>
+            <a:fontRef idx="minor">
+              <a:schemeClr val="lt1"/>
+            </a:fontRef>
+          </p:style>
+          <p:txBody>
+            <a:bodyPr rtlCol="0" anchor="ctr"/>
+            <a:lstStyle/>
+            <a:p>
+              <a:pPr algn="ctr"/>
+              <a:endParaRPr lang="en-DK"/>
+            </a:p>
+          </p:txBody>
+        </p:sp>
+      </p:grpSp>
     </p:spTree>
     <p:extLst>
       <p:ext uri="{BB962C8B-B14F-4D97-AF65-F5344CB8AC3E}">
-        <p14:creationId xmlns:p14="http://schemas.microsoft.com/office/powerpoint/2010/main" val="42982269"/>
+        <p14:creationId xmlns:p14="http://schemas.microsoft.com/office/powerpoint/2010/main" val="2884846647"/>
       </p:ext>
     </p:extLst>
   </p:cSld>
@@ -5787,6 +6731,118 @@
           <a:chExt cx="0" cy="0"/>
         </a:xfrm>
       </p:grpSpPr>
+      <p:grpSp>
+        <p:nvGrpSpPr>
+          <p:cNvPr id="8" name="Group 7">
+            <a:extLst>
+              <a:ext uri="{FF2B5EF4-FFF2-40B4-BE49-F238E27FC236}">
+                <a16:creationId xmlns:a16="http://schemas.microsoft.com/office/drawing/2014/main" id="{9AFEFB38-DBFA-46B0-9236-7DFC7CFF3D96}"/>
+              </a:ext>
+            </a:extLst>
+          </p:cNvPr>
+          <p:cNvGrpSpPr/>
+          <p:nvPr/>
+        </p:nvGrpSpPr>
+        <p:grpSpPr>
+          <a:xfrm>
+            <a:off x="7487811" y="2182011"/>
+            <a:ext cx="5297585" cy="5306444"/>
+            <a:chOff x="7487811" y="2182011"/>
+            <a:chExt cx="5297585" cy="5306444"/>
+          </a:xfrm>
+        </p:grpSpPr>
+        <p:pic>
+          <p:nvPicPr>
+            <p:cNvPr id="9" name="Picture 8">
+              <a:extLst>
+                <a:ext uri="{FF2B5EF4-FFF2-40B4-BE49-F238E27FC236}">
+                  <a16:creationId xmlns:a16="http://schemas.microsoft.com/office/drawing/2014/main" id="{D9986277-8328-40C3-A042-972112C38806}"/>
+                </a:ext>
+              </a:extLst>
+            </p:cNvPr>
+            <p:cNvPicPr>
+              <a:picLocks noChangeAspect="1"/>
+            </p:cNvPicPr>
+            <p:nvPr/>
+          </p:nvPicPr>
+          <p:blipFill>
+            <a:blip r:embed="rId2">
+              <a:extLst>
+                <a:ext uri="{28A0092B-C50C-407E-A947-70E740481C1C}">
+                  <a14:useLocalDpi xmlns:a14="http://schemas.microsoft.com/office/drawing/2010/main" val="0"/>
+                </a:ext>
+              </a:extLst>
+            </a:blip>
+            <a:stretch>
+              <a:fillRect/>
+            </a:stretch>
+          </p:blipFill>
+          <p:spPr>
+            <a:xfrm>
+              <a:off x="7487811" y="2182011"/>
+              <a:ext cx="5297585" cy="5297585"/>
+            </a:xfrm>
+            <a:prstGeom prst="rect">
+              <a:avLst/>
+            </a:prstGeom>
+            <a:effectLst/>
+          </p:spPr>
+        </p:pic>
+        <p:sp>
+          <p:nvSpPr>
+            <p:cNvPr id="10" name="Rectangle 9">
+              <a:extLst>
+                <a:ext uri="{FF2B5EF4-FFF2-40B4-BE49-F238E27FC236}">
+                  <a16:creationId xmlns:a16="http://schemas.microsoft.com/office/drawing/2014/main" id="{41AA9875-C2D7-4712-8F57-EB3B90A3EF5F}"/>
+                </a:ext>
+              </a:extLst>
+            </p:cNvPr>
+            <p:cNvSpPr/>
+            <p:nvPr/>
+          </p:nvSpPr>
+          <p:spPr>
+            <a:xfrm>
+              <a:off x="7488455" y="2184935"/>
+              <a:ext cx="5293894" cy="5303520"/>
+            </a:xfrm>
+            <a:prstGeom prst="rect">
+              <a:avLst/>
+            </a:prstGeom>
+            <a:solidFill>
+              <a:schemeClr val="bg1">
+                <a:alpha val="89000"/>
+              </a:schemeClr>
+            </a:solidFill>
+            <a:ln>
+              <a:noFill/>
+            </a:ln>
+          </p:spPr>
+          <p:style>
+            <a:lnRef idx="2">
+              <a:schemeClr val="accent1">
+                <a:shade val="50000"/>
+              </a:schemeClr>
+            </a:lnRef>
+            <a:fillRef idx="1">
+              <a:schemeClr val="accent1"/>
+            </a:fillRef>
+            <a:effectRef idx="0">
+              <a:schemeClr val="accent1"/>
+            </a:effectRef>
+            <a:fontRef idx="minor">
+              <a:schemeClr val="lt1"/>
+            </a:fontRef>
+          </p:style>
+          <p:txBody>
+            <a:bodyPr rtlCol="0" anchor="ctr"/>
+            <a:lstStyle/>
+            <a:p>
+              <a:pPr algn="ctr"/>
+              <a:endParaRPr lang="en-DK"/>
+            </a:p>
+          </p:txBody>
+        </p:sp>
+      </p:grpSp>
       <p:sp>
         <p:nvSpPr>
           <p:cNvPr id="2" name="Title 1">
@@ -5809,173 +6865,24 @@
           <a:lstStyle/>
           <a:p>
             <a:r>
+              <a:rPr lang="en-US" dirty="0" err="1"/>
+              <a:t>mikkel:Person</a:t>
+            </a:r>
+            <a:r>
               <a:rPr lang="en-US" dirty="0"/>
-              <a:t>This is “</a:t>
+              <a:t> &gt; </a:t>
             </a:r>
             <a:r>
               <a:rPr lang="en-US" dirty="0" err="1"/>
-              <a:t>Mikkel”:Person</a:t>
-            </a:r>
-            <a:endParaRPr lang="en-DK" dirty="0"/>
-          </a:p>
-        </p:txBody>
-      </p:sp>
-      <p:sp>
-        <p:nvSpPr>
-          <p:cNvPr id="3" name="Content Placeholder 2">
-            <a:extLst>
-              <a:ext uri="{FF2B5EF4-FFF2-40B4-BE49-F238E27FC236}">
-                <a16:creationId xmlns:a16="http://schemas.microsoft.com/office/drawing/2014/main" id="{191AAF95-7595-4129-B413-6CC43C37F416}"/>
-              </a:ext>
-            </a:extLst>
-          </p:cNvPr>
-          <p:cNvSpPr>
-            <a:spLocks noGrp="1"/>
-          </p:cNvSpPr>
-          <p:nvPr>
-            <p:ph idx="1"/>
-          </p:nvPr>
-        </p:nvSpPr>
-        <p:spPr/>
-        <p:txBody>
-          <a:bodyPr/>
-          <a:lstStyle/>
-          <a:p>
-            <a:endParaRPr lang="en-DK" dirty="0"/>
-          </a:p>
-        </p:txBody>
-      </p:sp>
-      <p:sp>
-        <p:nvSpPr>
-          <p:cNvPr id="4" name="Oval 3">
-            <a:extLst>
-              <a:ext uri="{FF2B5EF4-FFF2-40B4-BE49-F238E27FC236}">
-                <a16:creationId xmlns:a16="http://schemas.microsoft.com/office/drawing/2014/main" id="{BEAB7DDA-35BD-4750-9043-05A55BD13463}"/>
-              </a:ext>
-            </a:extLst>
-          </p:cNvPr>
-          <p:cNvSpPr/>
-          <p:nvPr/>
-        </p:nvSpPr>
-        <p:spPr>
-          <a:xfrm>
-            <a:off x="5010150" y="2915444"/>
-            <a:ext cx="2171700" cy="2171700"/>
-          </a:xfrm>
-          <a:prstGeom prst="ellipse">
-            <a:avLst/>
-          </a:prstGeom>
-        </p:spPr>
-        <p:style>
-          <a:lnRef idx="2">
-            <a:schemeClr val="accent1">
-              <a:shade val="50000"/>
-            </a:schemeClr>
-          </a:lnRef>
-          <a:fillRef idx="1">
-            <a:schemeClr val="accent1"/>
-          </a:fillRef>
-          <a:effectRef idx="0">
-            <a:schemeClr val="accent1"/>
-          </a:effectRef>
-          <a:fontRef idx="minor">
-            <a:schemeClr val="lt1"/>
-          </a:fontRef>
-        </p:style>
-        <p:txBody>
-          <a:bodyPr rtlCol="0" anchor="ctr"/>
-          <a:lstStyle/>
-          <a:p>
-            <a:pPr algn="ctr"/>
-            <a:r>
-              <a:rPr lang="en-US" sz="1600" dirty="0"/>
-              <a:t>:Person</a:t>
-            </a:r>
-            <a:br>
-              <a:rPr lang="en-US" sz="1600" dirty="0"/>
-            </a:br>
-            <a:endParaRPr lang="en-US" sz="1600" dirty="0"/>
-          </a:p>
-          <a:p>
-            <a:pPr algn="ctr"/>
-            <a:r>
-              <a:rPr lang="en-US" sz="1600" dirty="0"/>
-              <a:t>name: “Mikkel”</a:t>
-            </a:r>
-            <a:endParaRPr lang="en-DK" sz="1600" dirty="0"/>
-          </a:p>
-        </p:txBody>
-      </p:sp>
-    </p:spTree>
-    <p:extLst>
-      <p:ext uri="{BB962C8B-B14F-4D97-AF65-F5344CB8AC3E}">
-        <p14:creationId xmlns:p14="http://schemas.microsoft.com/office/powerpoint/2010/main" val="2884846647"/>
-      </p:ext>
-    </p:extLst>
-  </p:cSld>
-  <p:clrMapOvr>
-    <a:masterClrMapping/>
-  </p:clrMapOvr>
-</p:sld>
-</file>
-
-<file path=ppt/slides/slide18.xml><?xml version="1.0" encoding="utf-8"?>
-<p:sld xmlns:a="http://schemas.openxmlformats.org/drawingml/2006/main" xmlns:r="http://schemas.openxmlformats.org/officeDocument/2006/relationships" xmlns:p="http://schemas.openxmlformats.org/presentationml/2006/main">
-  <p:cSld>
-    <p:spTree>
-      <p:nvGrpSpPr>
-        <p:cNvPr id="1" name=""/>
-        <p:cNvGrpSpPr/>
-        <p:nvPr/>
-      </p:nvGrpSpPr>
-      <p:grpSpPr>
-        <a:xfrm>
-          <a:off x="0" y="0"/>
-          <a:ext cx="0" cy="0"/>
-          <a:chOff x="0" y="0"/>
-          <a:chExt cx="0" cy="0"/>
-        </a:xfrm>
-      </p:grpSpPr>
-      <p:sp>
-        <p:nvSpPr>
-          <p:cNvPr id="2" name="Title 1">
-            <a:extLst>
-              <a:ext uri="{FF2B5EF4-FFF2-40B4-BE49-F238E27FC236}">
-                <a16:creationId xmlns:a16="http://schemas.microsoft.com/office/drawing/2014/main" id="{84C3847F-6376-4858-88B2-DC5CA33956DB}"/>
-              </a:ext>
-            </a:extLst>
-          </p:cNvPr>
-          <p:cNvSpPr>
-            <a:spLocks noGrp="1"/>
-          </p:cNvSpPr>
-          <p:nvPr>
-            <p:ph type="title"/>
-          </p:nvPr>
-        </p:nvSpPr>
-        <p:spPr/>
-        <p:txBody>
-          <a:bodyPr/>
-          <a:lstStyle/>
-          <a:p>
+              <a:t>Works_At</a:t>
+            </a:r>
             <a:r>
               <a:rPr lang="en-US" dirty="0"/>
-              <a:t>“</a:t>
+              <a:t> &gt; </a:t>
             </a:r>
             <a:r>
               <a:rPr lang="en-US" dirty="0" err="1"/>
-              <a:t>Mikkel”:Person</a:t>
-            </a:r>
-            <a:r>
-              <a:rPr lang="en-US" dirty="0"/>
-              <a:t> &gt; WORKS_AT &gt; “</a:t>
-            </a:r>
-            <a:r>
-              <a:rPr lang="en-US" dirty="0" err="1"/>
-              <a:t>Valtech</a:t>
-            </a:r>
-            <a:r>
-              <a:rPr lang="en-US" dirty="0"/>
-              <a:t>”:Company</a:t>
+              <a:t>valtech:Company</a:t>
             </a:r>
             <a:endParaRPr lang="en-DK" dirty="0"/>
           </a:p>
@@ -6217,9 +7124,10 @@
           <a:lstStyle/>
           <a:p>
             <a:r>
-              <a:rPr lang="en-US" dirty="0"/>
-              <a:t>WORKS_AT</a:t>
-            </a:r>
+              <a:rPr lang="en-US" dirty="0" err="1"/>
+              <a:t>Works_At</a:t>
+            </a:r>
+            <a:endParaRPr lang="en-US" dirty="0"/>
           </a:p>
           <a:p>
             <a:r>
@@ -6234,6 +7142,202 @@
     <p:extLst>
       <p:ext uri="{BB962C8B-B14F-4D97-AF65-F5344CB8AC3E}">
         <p14:creationId xmlns:p14="http://schemas.microsoft.com/office/powerpoint/2010/main" val="1470074801"/>
+      </p:ext>
+    </p:extLst>
+  </p:cSld>
+  <p:clrMapOvr>
+    <a:masterClrMapping/>
+  </p:clrMapOvr>
+</p:sld>
+</file>
+
+<file path=ppt/slides/slide18.xml><?xml version="1.0" encoding="utf-8"?>
+<p:sld xmlns:a="http://schemas.openxmlformats.org/drawingml/2006/main" xmlns:r="http://schemas.openxmlformats.org/officeDocument/2006/relationships" xmlns:p="http://schemas.openxmlformats.org/presentationml/2006/main">
+  <p:cSld>
+    <p:spTree>
+      <p:nvGrpSpPr>
+        <p:cNvPr id="1" name=""/>
+        <p:cNvGrpSpPr/>
+        <p:nvPr/>
+      </p:nvGrpSpPr>
+      <p:grpSpPr>
+        <a:xfrm>
+          <a:off x="0" y="0"/>
+          <a:ext cx="0" cy="0"/>
+          <a:chOff x="0" y="0"/>
+          <a:chExt cx="0" cy="0"/>
+        </a:xfrm>
+      </p:grpSpPr>
+      <p:sp>
+        <p:nvSpPr>
+          <p:cNvPr id="2" name="Title 1">
+            <a:extLst>
+              <a:ext uri="{FF2B5EF4-FFF2-40B4-BE49-F238E27FC236}">
+                <a16:creationId xmlns:a16="http://schemas.microsoft.com/office/drawing/2014/main" id="{98844CEC-848D-469C-A8C8-3FF629314F98}"/>
+              </a:ext>
+            </a:extLst>
+          </p:cNvPr>
+          <p:cNvSpPr>
+            <a:spLocks noGrp="1"/>
+          </p:cNvSpPr>
+          <p:nvPr>
+            <p:ph type="title"/>
+          </p:nvPr>
+        </p:nvSpPr>
+        <p:spPr/>
+        <p:txBody>
+          <a:bodyPr/>
+          <a:lstStyle/>
+          <a:p>
+            <a:r>
+              <a:rPr lang="en-US" dirty="0"/>
+              <a:t>Demo</a:t>
+            </a:r>
+            <a:endParaRPr lang="en-DK" dirty="0"/>
+          </a:p>
+        </p:txBody>
+      </p:sp>
+      <p:sp>
+        <p:nvSpPr>
+          <p:cNvPr id="3" name="Text Placeholder 2">
+            <a:extLst>
+              <a:ext uri="{FF2B5EF4-FFF2-40B4-BE49-F238E27FC236}">
+                <a16:creationId xmlns:a16="http://schemas.microsoft.com/office/drawing/2014/main" id="{7B91CD2A-7B56-4982-BC68-742FC4A10D62}"/>
+              </a:ext>
+            </a:extLst>
+          </p:cNvPr>
+          <p:cNvSpPr>
+            <a:spLocks noGrp="1"/>
+          </p:cNvSpPr>
+          <p:nvPr>
+            <p:ph type="body" idx="1"/>
+          </p:nvPr>
+        </p:nvSpPr>
+        <p:spPr/>
+        <p:txBody>
+          <a:bodyPr/>
+          <a:lstStyle/>
+          <a:p>
+            <a:endParaRPr lang="en-DK" dirty="0"/>
+          </a:p>
+        </p:txBody>
+      </p:sp>
+      <p:grpSp>
+        <p:nvGrpSpPr>
+          <p:cNvPr id="4" name="Group 3">
+            <a:extLst>
+              <a:ext uri="{FF2B5EF4-FFF2-40B4-BE49-F238E27FC236}">
+                <a16:creationId xmlns:a16="http://schemas.microsoft.com/office/drawing/2014/main" id="{CE5306C9-9099-418B-BB0A-BF125CE7C272}"/>
+              </a:ext>
+            </a:extLst>
+          </p:cNvPr>
+          <p:cNvGrpSpPr/>
+          <p:nvPr/>
+        </p:nvGrpSpPr>
+        <p:grpSpPr>
+          <a:xfrm>
+            <a:off x="7487811" y="2182011"/>
+            <a:ext cx="5297585" cy="5306444"/>
+            <a:chOff x="7487811" y="2182011"/>
+            <a:chExt cx="5297585" cy="5306444"/>
+          </a:xfrm>
+        </p:grpSpPr>
+        <p:pic>
+          <p:nvPicPr>
+            <p:cNvPr id="5" name="Picture 4">
+              <a:extLst>
+                <a:ext uri="{FF2B5EF4-FFF2-40B4-BE49-F238E27FC236}">
+                  <a16:creationId xmlns:a16="http://schemas.microsoft.com/office/drawing/2014/main" id="{F2E5DD4D-9151-43E9-9E1D-649AD1A73E0A}"/>
+                </a:ext>
+              </a:extLst>
+            </p:cNvPr>
+            <p:cNvPicPr>
+              <a:picLocks noChangeAspect="1"/>
+            </p:cNvPicPr>
+            <p:nvPr/>
+          </p:nvPicPr>
+          <p:blipFill>
+            <a:blip r:embed="rId2">
+              <a:extLst>
+                <a:ext uri="{28A0092B-C50C-407E-A947-70E740481C1C}">
+                  <a14:useLocalDpi xmlns:a14="http://schemas.microsoft.com/office/drawing/2010/main" val="0"/>
+                </a:ext>
+              </a:extLst>
+            </a:blip>
+            <a:stretch>
+              <a:fillRect/>
+            </a:stretch>
+          </p:blipFill>
+          <p:spPr>
+            <a:xfrm>
+              <a:off x="7487811" y="2182011"/>
+              <a:ext cx="5297585" cy="5297585"/>
+            </a:xfrm>
+            <a:prstGeom prst="rect">
+              <a:avLst/>
+            </a:prstGeom>
+            <a:effectLst/>
+          </p:spPr>
+        </p:pic>
+        <p:sp>
+          <p:nvSpPr>
+            <p:cNvPr id="6" name="Rectangle 5">
+              <a:extLst>
+                <a:ext uri="{FF2B5EF4-FFF2-40B4-BE49-F238E27FC236}">
+                  <a16:creationId xmlns:a16="http://schemas.microsoft.com/office/drawing/2014/main" id="{8ADF8B28-E021-4F53-B079-75F174B20409}"/>
+                </a:ext>
+              </a:extLst>
+            </p:cNvPr>
+            <p:cNvSpPr/>
+            <p:nvPr/>
+          </p:nvSpPr>
+          <p:spPr>
+            <a:xfrm>
+              <a:off x="7488455" y="2184935"/>
+              <a:ext cx="5293894" cy="5303520"/>
+            </a:xfrm>
+            <a:prstGeom prst="rect">
+              <a:avLst/>
+            </a:prstGeom>
+            <a:solidFill>
+              <a:schemeClr val="bg1">
+                <a:alpha val="89000"/>
+              </a:schemeClr>
+            </a:solidFill>
+            <a:ln>
+              <a:noFill/>
+            </a:ln>
+          </p:spPr>
+          <p:style>
+            <a:lnRef idx="2">
+              <a:schemeClr val="accent1">
+                <a:shade val="50000"/>
+              </a:schemeClr>
+            </a:lnRef>
+            <a:fillRef idx="1">
+              <a:schemeClr val="accent1"/>
+            </a:fillRef>
+            <a:effectRef idx="0">
+              <a:schemeClr val="accent1"/>
+            </a:effectRef>
+            <a:fontRef idx="minor">
+              <a:schemeClr val="lt1"/>
+            </a:fontRef>
+          </p:style>
+          <p:txBody>
+            <a:bodyPr rtlCol="0" anchor="ctr"/>
+            <a:lstStyle/>
+            <a:p>
+              <a:pPr algn="ctr"/>
+              <a:endParaRPr lang="en-DK"/>
+            </a:p>
+          </p:txBody>
+        </p:sp>
+      </p:grpSp>
+    </p:spTree>
+    <p:extLst>
+      <p:ext uri="{BB962C8B-B14F-4D97-AF65-F5344CB8AC3E}">
+        <p14:creationId xmlns:p14="http://schemas.microsoft.com/office/powerpoint/2010/main" val="3211245576"/>
       </p:ext>
     </p:extLst>
   </p:cSld>
@@ -6265,7 +7369,7 @@
           <p:cNvPr id="2" name="Title 1">
             <a:extLst>
               <a:ext uri="{FF2B5EF4-FFF2-40B4-BE49-F238E27FC236}">
-                <a16:creationId xmlns:a16="http://schemas.microsoft.com/office/drawing/2014/main" id="{3B075B62-A669-48C7-8862-B0CC05ED729A}"/>
+                <a16:creationId xmlns:a16="http://schemas.microsoft.com/office/drawing/2014/main" id="{2274CAEE-8839-4A44-8726-4CEF4262CD41}"/>
               </a:ext>
             </a:extLst>
           </p:cNvPr>
@@ -6283,7 +7387,7 @@
           <a:p>
             <a:r>
               <a:rPr lang="en-US" dirty="0"/>
-              <a:t>The reason for data is it’s relation to decisions</a:t>
+              <a:t>Life is complicated</a:t>
             </a:r>
             <a:endParaRPr lang="en-DK" dirty="0"/>
           </a:p>
@@ -6294,7 +7398,7 @@
           <p:cNvPr id="3" name="Text Placeholder 2">
             <a:extLst>
               <a:ext uri="{FF2B5EF4-FFF2-40B4-BE49-F238E27FC236}">
-                <a16:creationId xmlns:a16="http://schemas.microsoft.com/office/drawing/2014/main" id="{9537D7D8-196C-4229-853A-E33B538CEE1A}"/>
+                <a16:creationId xmlns:a16="http://schemas.microsoft.com/office/drawing/2014/main" id="{9457A721-8030-471F-A753-AD0EB8981A3C}"/>
               </a:ext>
             </a:extLst>
           </p:cNvPr>
@@ -6312,15 +7416,128 @@
           <a:p>
             <a:r>
               <a:rPr lang="en-US" dirty="0"/>
-              <a:t>Make choices based on fact.</a:t>
-            </a:r>
-          </a:p>
-        </p:txBody>
-      </p:sp>
+              <a:t>Model so you get it is correct</a:t>
+            </a:r>
+            <a:endParaRPr lang="en-DK" dirty="0"/>
+          </a:p>
+        </p:txBody>
+      </p:sp>
+      <p:grpSp>
+        <p:nvGrpSpPr>
+          <p:cNvPr id="4" name="Group 3">
+            <a:extLst>
+              <a:ext uri="{FF2B5EF4-FFF2-40B4-BE49-F238E27FC236}">
+                <a16:creationId xmlns:a16="http://schemas.microsoft.com/office/drawing/2014/main" id="{309F763E-1505-460E-BC00-1460C8F3D19F}"/>
+              </a:ext>
+            </a:extLst>
+          </p:cNvPr>
+          <p:cNvGrpSpPr/>
+          <p:nvPr/>
+        </p:nvGrpSpPr>
+        <p:grpSpPr>
+          <a:xfrm>
+            <a:off x="7487811" y="2182011"/>
+            <a:ext cx="5297585" cy="5306444"/>
+            <a:chOff x="7487811" y="2182011"/>
+            <a:chExt cx="5297585" cy="5306444"/>
+          </a:xfrm>
+        </p:grpSpPr>
+        <p:pic>
+          <p:nvPicPr>
+            <p:cNvPr id="5" name="Picture 4">
+              <a:extLst>
+                <a:ext uri="{FF2B5EF4-FFF2-40B4-BE49-F238E27FC236}">
+                  <a16:creationId xmlns:a16="http://schemas.microsoft.com/office/drawing/2014/main" id="{B6BCB366-D51E-4FFE-9E7E-28D5A9ABEED9}"/>
+                </a:ext>
+              </a:extLst>
+            </p:cNvPr>
+            <p:cNvPicPr>
+              <a:picLocks noChangeAspect="1"/>
+            </p:cNvPicPr>
+            <p:nvPr/>
+          </p:nvPicPr>
+          <p:blipFill>
+            <a:blip r:embed="rId2">
+              <a:extLst>
+                <a:ext uri="{28A0092B-C50C-407E-A947-70E740481C1C}">
+                  <a14:useLocalDpi xmlns:a14="http://schemas.microsoft.com/office/drawing/2010/main" val="0"/>
+                </a:ext>
+              </a:extLst>
+            </a:blip>
+            <a:stretch>
+              <a:fillRect/>
+            </a:stretch>
+          </p:blipFill>
+          <p:spPr>
+            <a:xfrm>
+              <a:off x="7487811" y="2182011"/>
+              <a:ext cx="5297585" cy="5297585"/>
+            </a:xfrm>
+            <a:prstGeom prst="rect">
+              <a:avLst/>
+            </a:prstGeom>
+            <a:effectLst/>
+          </p:spPr>
+        </p:pic>
+        <p:sp>
+          <p:nvSpPr>
+            <p:cNvPr id="6" name="Rectangle 5">
+              <a:extLst>
+                <a:ext uri="{FF2B5EF4-FFF2-40B4-BE49-F238E27FC236}">
+                  <a16:creationId xmlns:a16="http://schemas.microsoft.com/office/drawing/2014/main" id="{FBEBB004-2F8B-4C8E-838C-88FAD1FCDCD3}"/>
+                </a:ext>
+              </a:extLst>
+            </p:cNvPr>
+            <p:cNvSpPr/>
+            <p:nvPr/>
+          </p:nvSpPr>
+          <p:spPr>
+            <a:xfrm>
+              <a:off x="7488455" y="2184935"/>
+              <a:ext cx="5293894" cy="5303520"/>
+            </a:xfrm>
+            <a:prstGeom prst="rect">
+              <a:avLst/>
+            </a:prstGeom>
+            <a:solidFill>
+              <a:schemeClr val="bg1">
+                <a:alpha val="89000"/>
+              </a:schemeClr>
+            </a:solidFill>
+            <a:ln>
+              <a:noFill/>
+            </a:ln>
+          </p:spPr>
+          <p:style>
+            <a:lnRef idx="2">
+              <a:schemeClr val="accent1">
+                <a:shade val="50000"/>
+              </a:schemeClr>
+            </a:lnRef>
+            <a:fillRef idx="1">
+              <a:schemeClr val="accent1"/>
+            </a:fillRef>
+            <a:effectRef idx="0">
+              <a:schemeClr val="accent1"/>
+            </a:effectRef>
+            <a:fontRef idx="minor">
+              <a:schemeClr val="lt1"/>
+            </a:fontRef>
+          </p:style>
+          <p:txBody>
+            <a:bodyPr rtlCol="0" anchor="ctr"/>
+            <a:lstStyle/>
+            <a:p>
+              <a:pPr algn="ctr"/>
+              <a:endParaRPr lang="en-DK"/>
+            </a:p>
+          </p:txBody>
+        </p:sp>
+      </p:grpSp>
     </p:spTree>
     <p:extLst>
       <p:ext uri="{BB962C8B-B14F-4D97-AF65-F5344CB8AC3E}">
-        <p14:creationId xmlns:p14="http://schemas.microsoft.com/office/powerpoint/2010/main" val="3887011054"/>
+        <p14:creationId xmlns:p14="http://schemas.microsoft.com/office/powerpoint/2010/main" val="458088061"/>
       </p:ext>
     </p:extLst>
   </p:cSld>
@@ -6404,6 +7621,118 @@
           </a:p>
         </p:txBody>
       </p:sp>
+      <p:grpSp>
+        <p:nvGrpSpPr>
+          <p:cNvPr id="6" name="Group 5">
+            <a:extLst>
+              <a:ext uri="{FF2B5EF4-FFF2-40B4-BE49-F238E27FC236}">
+                <a16:creationId xmlns:a16="http://schemas.microsoft.com/office/drawing/2014/main" id="{C0B1A849-516E-4911-AA01-26C73A4238A0}"/>
+              </a:ext>
+            </a:extLst>
+          </p:cNvPr>
+          <p:cNvGrpSpPr/>
+          <p:nvPr/>
+        </p:nvGrpSpPr>
+        <p:grpSpPr>
+          <a:xfrm>
+            <a:off x="7487811" y="2182011"/>
+            <a:ext cx="5297585" cy="5306444"/>
+            <a:chOff x="7487811" y="2182011"/>
+            <a:chExt cx="5297585" cy="5306444"/>
+          </a:xfrm>
+        </p:grpSpPr>
+        <p:pic>
+          <p:nvPicPr>
+            <p:cNvPr id="4" name="Picture 3">
+              <a:extLst>
+                <a:ext uri="{FF2B5EF4-FFF2-40B4-BE49-F238E27FC236}">
+                  <a16:creationId xmlns:a16="http://schemas.microsoft.com/office/drawing/2014/main" id="{93CFFF30-BBE2-4744-B761-F39FCA662593}"/>
+                </a:ext>
+              </a:extLst>
+            </p:cNvPr>
+            <p:cNvPicPr>
+              <a:picLocks noChangeAspect="1"/>
+            </p:cNvPicPr>
+            <p:nvPr/>
+          </p:nvPicPr>
+          <p:blipFill>
+            <a:blip r:embed="rId2">
+              <a:extLst>
+                <a:ext uri="{28A0092B-C50C-407E-A947-70E740481C1C}">
+                  <a14:useLocalDpi xmlns:a14="http://schemas.microsoft.com/office/drawing/2010/main" val="0"/>
+                </a:ext>
+              </a:extLst>
+            </a:blip>
+            <a:stretch>
+              <a:fillRect/>
+            </a:stretch>
+          </p:blipFill>
+          <p:spPr>
+            <a:xfrm>
+              <a:off x="7487811" y="2182011"/>
+              <a:ext cx="5297585" cy="5297585"/>
+            </a:xfrm>
+            <a:prstGeom prst="rect">
+              <a:avLst/>
+            </a:prstGeom>
+            <a:effectLst/>
+          </p:spPr>
+        </p:pic>
+        <p:sp>
+          <p:nvSpPr>
+            <p:cNvPr id="5" name="Rectangle 4">
+              <a:extLst>
+                <a:ext uri="{FF2B5EF4-FFF2-40B4-BE49-F238E27FC236}">
+                  <a16:creationId xmlns:a16="http://schemas.microsoft.com/office/drawing/2014/main" id="{9C0AC24A-15FC-4BAC-A83D-71BF24AA1090}"/>
+                </a:ext>
+              </a:extLst>
+            </p:cNvPr>
+            <p:cNvSpPr/>
+            <p:nvPr/>
+          </p:nvSpPr>
+          <p:spPr>
+            <a:xfrm>
+              <a:off x="7488455" y="2184935"/>
+              <a:ext cx="5293894" cy="5303520"/>
+            </a:xfrm>
+            <a:prstGeom prst="rect">
+              <a:avLst/>
+            </a:prstGeom>
+            <a:solidFill>
+              <a:schemeClr val="bg1">
+                <a:alpha val="89000"/>
+              </a:schemeClr>
+            </a:solidFill>
+            <a:ln>
+              <a:noFill/>
+            </a:ln>
+          </p:spPr>
+          <p:style>
+            <a:lnRef idx="2">
+              <a:schemeClr val="accent1">
+                <a:shade val="50000"/>
+              </a:schemeClr>
+            </a:lnRef>
+            <a:fillRef idx="1">
+              <a:schemeClr val="accent1"/>
+            </a:fillRef>
+            <a:effectRef idx="0">
+              <a:schemeClr val="accent1"/>
+            </a:effectRef>
+            <a:fontRef idx="minor">
+              <a:schemeClr val="lt1"/>
+            </a:fontRef>
+          </p:style>
+          <p:txBody>
+            <a:bodyPr rtlCol="0" anchor="ctr"/>
+            <a:lstStyle/>
+            <a:p>
+              <a:pPr algn="ctr"/>
+              <a:endParaRPr lang="en-DK"/>
+            </a:p>
+          </p:txBody>
+        </p:sp>
+      </p:grpSp>
     </p:spTree>
     <p:extLst>
       <p:ext uri="{BB962C8B-B14F-4D97-AF65-F5344CB8AC3E}">
@@ -6434,6 +7763,841 @@
           <a:chExt cx="0" cy="0"/>
         </a:xfrm>
       </p:grpSpPr>
+      <p:pic>
+        <p:nvPicPr>
+          <p:cNvPr id="5" name="Picture 4">
+            <a:extLst>
+              <a:ext uri="{FF2B5EF4-FFF2-40B4-BE49-F238E27FC236}">
+                <a16:creationId xmlns:a16="http://schemas.microsoft.com/office/drawing/2014/main" id="{A7A46341-6829-45D6-84F6-A67B682460F4}"/>
+              </a:ext>
+            </a:extLst>
+          </p:cNvPr>
+          <p:cNvPicPr>
+            <a:picLocks noChangeAspect="1"/>
+          </p:cNvPicPr>
+          <p:nvPr/>
+        </p:nvPicPr>
+        <p:blipFill>
+          <a:blip r:embed="rId2">
+            <a:extLst>
+              <a:ext uri="{28A0092B-C50C-407E-A947-70E740481C1C}">
+                <a14:useLocalDpi xmlns:a14="http://schemas.microsoft.com/office/drawing/2010/main" val="0"/>
+              </a:ext>
+            </a:extLst>
+          </a:blip>
+          <a:stretch>
+            <a:fillRect/>
+          </a:stretch>
+        </p:blipFill>
+        <p:spPr>
+          <a:xfrm>
+            <a:off x="0" y="-815875"/>
+            <a:ext cx="12192000" cy="8134779"/>
+          </a:xfrm>
+          <a:prstGeom prst="rect">
+            <a:avLst/>
+          </a:prstGeom>
+        </p:spPr>
+      </p:pic>
+      <p:sp>
+        <p:nvSpPr>
+          <p:cNvPr id="2" name="Title 1">
+            <a:extLst>
+              <a:ext uri="{FF2B5EF4-FFF2-40B4-BE49-F238E27FC236}">
+                <a16:creationId xmlns:a16="http://schemas.microsoft.com/office/drawing/2014/main" id="{AD645CB7-D431-4ED8-8FE2-E3B015E90251}"/>
+              </a:ext>
+            </a:extLst>
+          </p:cNvPr>
+          <p:cNvSpPr>
+            <a:spLocks noGrp="1"/>
+          </p:cNvSpPr>
+          <p:nvPr>
+            <p:ph type="title"/>
+          </p:nvPr>
+        </p:nvSpPr>
+        <p:spPr/>
+        <p:txBody>
+          <a:bodyPr/>
+          <a:lstStyle/>
+          <a:p>
+            <a:endParaRPr lang="en-DK" dirty="0"/>
+          </a:p>
+        </p:txBody>
+      </p:sp>
+      <p:sp>
+        <p:nvSpPr>
+          <p:cNvPr id="3" name="Text Placeholder 2">
+            <a:extLst>
+              <a:ext uri="{FF2B5EF4-FFF2-40B4-BE49-F238E27FC236}">
+                <a16:creationId xmlns:a16="http://schemas.microsoft.com/office/drawing/2014/main" id="{90131B1A-11A6-4A74-96C4-3A1DA6D5F8EB}"/>
+              </a:ext>
+            </a:extLst>
+          </p:cNvPr>
+          <p:cNvSpPr>
+            <a:spLocks noGrp="1"/>
+          </p:cNvSpPr>
+          <p:nvPr>
+            <p:ph type="body" idx="1"/>
+          </p:nvPr>
+        </p:nvSpPr>
+        <p:spPr/>
+        <p:txBody>
+          <a:bodyPr/>
+          <a:lstStyle/>
+          <a:p>
+            <a:r>
+              <a:rPr lang="en-US" dirty="0">
+                <a:solidFill>
+                  <a:schemeClr val="bg1"/>
+                </a:solidFill>
+              </a:rPr>
+              <a:t>* This is Mikkel falling in love</a:t>
+            </a:r>
+            <a:endParaRPr lang="en-DK" dirty="0">
+              <a:solidFill>
+                <a:schemeClr val="bg1"/>
+              </a:solidFill>
+            </a:endParaRPr>
+          </a:p>
+        </p:txBody>
+      </p:sp>
+    </p:spTree>
+    <p:extLst>
+      <p:ext uri="{BB962C8B-B14F-4D97-AF65-F5344CB8AC3E}">
+        <p14:creationId xmlns:p14="http://schemas.microsoft.com/office/powerpoint/2010/main" val="4200438727"/>
+      </p:ext>
+    </p:extLst>
+  </p:cSld>
+  <p:clrMapOvr>
+    <a:masterClrMapping/>
+  </p:clrMapOvr>
+</p:sld>
+</file>
+
+<file path=ppt/slides/slide21.xml><?xml version="1.0" encoding="utf-8"?>
+<p:sld xmlns:a="http://schemas.openxmlformats.org/drawingml/2006/main" xmlns:r="http://schemas.openxmlformats.org/officeDocument/2006/relationships" xmlns:p="http://schemas.openxmlformats.org/presentationml/2006/main">
+  <p:cSld>
+    <p:spTree>
+      <p:nvGrpSpPr>
+        <p:cNvPr id="1" name=""/>
+        <p:cNvGrpSpPr/>
+        <p:nvPr/>
+      </p:nvGrpSpPr>
+      <p:grpSpPr>
+        <a:xfrm>
+          <a:off x="0" y="0"/>
+          <a:ext cx="0" cy="0"/>
+          <a:chOff x="0" y="0"/>
+          <a:chExt cx="0" cy="0"/>
+        </a:xfrm>
+      </p:grpSpPr>
+      <p:sp>
+        <p:nvSpPr>
+          <p:cNvPr id="2" name="Title 1">
+            <a:extLst>
+              <a:ext uri="{FF2B5EF4-FFF2-40B4-BE49-F238E27FC236}">
+                <a16:creationId xmlns:a16="http://schemas.microsoft.com/office/drawing/2014/main" id="{98844CEC-848D-469C-A8C8-3FF629314F98}"/>
+              </a:ext>
+            </a:extLst>
+          </p:cNvPr>
+          <p:cNvSpPr>
+            <a:spLocks noGrp="1"/>
+          </p:cNvSpPr>
+          <p:nvPr>
+            <p:ph type="title"/>
+          </p:nvPr>
+        </p:nvSpPr>
+        <p:spPr/>
+        <p:txBody>
+          <a:bodyPr/>
+          <a:lstStyle/>
+          <a:p>
+            <a:r>
+              <a:rPr lang="en-US" dirty="0"/>
+              <a:t>Demo</a:t>
+            </a:r>
+            <a:endParaRPr lang="en-DK" dirty="0"/>
+          </a:p>
+        </p:txBody>
+      </p:sp>
+      <p:sp>
+        <p:nvSpPr>
+          <p:cNvPr id="3" name="Text Placeholder 2">
+            <a:extLst>
+              <a:ext uri="{FF2B5EF4-FFF2-40B4-BE49-F238E27FC236}">
+                <a16:creationId xmlns:a16="http://schemas.microsoft.com/office/drawing/2014/main" id="{7B91CD2A-7B56-4982-BC68-742FC4A10D62}"/>
+              </a:ext>
+            </a:extLst>
+          </p:cNvPr>
+          <p:cNvSpPr>
+            <a:spLocks noGrp="1"/>
+          </p:cNvSpPr>
+          <p:nvPr>
+            <p:ph type="body" idx="1"/>
+          </p:nvPr>
+        </p:nvSpPr>
+        <p:spPr/>
+        <p:txBody>
+          <a:bodyPr/>
+          <a:lstStyle/>
+          <a:p>
+            <a:r>
+              <a:rPr lang="en-US" dirty="0"/>
+              <a:t>I know you are thinking “Mikkel please show me how love looks like in a graph database.”</a:t>
+            </a:r>
+            <a:endParaRPr lang="en-DK" dirty="0"/>
+          </a:p>
+        </p:txBody>
+      </p:sp>
+      <p:grpSp>
+        <p:nvGrpSpPr>
+          <p:cNvPr id="4" name="Group 3">
+            <a:extLst>
+              <a:ext uri="{FF2B5EF4-FFF2-40B4-BE49-F238E27FC236}">
+                <a16:creationId xmlns:a16="http://schemas.microsoft.com/office/drawing/2014/main" id="{102A380B-F3B8-4F53-B930-1FA9D0586065}"/>
+              </a:ext>
+            </a:extLst>
+          </p:cNvPr>
+          <p:cNvGrpSpPr/>
+          <p:nvPr/>
+        </p:nvGrpSpPr>
+        <p:grpSpPr>
+          <a:xfrm>
+            <a:off x="7487811" y="2182011"/>
+            <a:ext cx="5297585" cy="5306444"/>
+            <a:chOff x="7487811" y="2182011"/>
+            <a:chExt cx="5297585" cy="5306444"/>
+          </a:xfrm>
+        </p:grpSpPr>
+        <p:pic>
+          <p:nvPicPr>
+            <p:cNvPr id="5" name="Picture 4">
+              <a:extLst>
+                <a:ext uri="{FF2B5EF4-FFF2-40B4-BE49-F238E27FC236}">
+                  <a16:creationId xmlns:a16="http://schemas.microsoft.com/office/drawing/2014/main" id="{ABAADB5A-2902-462A-AAC2-04D214C47FFD}"/>
+                </a:ext>
+              </a:extLst>
+            </p:cNvPr>
+            <p:cNvPicPr>
+              <a:picLocks noChangeAspect="1"/>
+            </p:cNvPicPr>
+            <p:nvPr/>
+          </p:nvPicPr>
+          <p:blipFill>
+            <a:blip r:embed="rId2">
+              <a:extLst>
+                <a:ext uri="{28A0092B-C50C-407E-A947-70E740481C1C}">
+                  <a14:useLocalDpi xmlns:a14="http://schemas.microsoft.com/office/drawing/2010/main" val="0"/>
+                </a:ext>
+              </a:extLst>
+            </a:blip>
+            <a:stretch>
+              <a:fillRect/>
+            </a:stretch>
+          </p:blipFill>
+          <p:spPr>
+            <a:xfrm>
+              <a:off x="7487811" y="2182011"/>
+              <a:ext cx="5297585" cy="5297585"/>
+            </a:xfrm>
+            <a:prstGeom prst="rect">
+              <a:avLst/>
+            </a:prstGeom>
+            <a:effectLst/>
+          </p:spPr>
+        </p:pic>
+        <p:sp>
+          <p:nvSpPr>
+            <p:cNvPr id="6" name="Rectangle 5">
+              <a:extLst>
+                <a:ext uri="{FF2B5EF4-FFF2-40B4-BE49-F238E27FC236}">
+                  <a16:creationId xmlns:a16="http://schemas.microsoft.com/office/drawing/2014/main" id="{267A98D5-C2FB-4219-ADC8-9C634EC561C7}"/>
+                </a:ext>
+              </a:extLst>
+            </p:cNvPr>
+            <p:cNvSpPr/>
+            <p:nvPr/>
+          </p:nvSpPr>
+          <p:spPr>
+            <a:xfrm>
+              <a:off x="7488455" y="2184935"/>
+              <a:ext cx="5293894" cy="5303520"/>
+            </a:xfrm>
+            <a:prstGeom prst="rect">
+              <a:avLst/>
+            </a:prstGeom>
+            <a:solidFill>
+              <a:schemeClr val="bg1">
+                <a:alpha val="89000"/>
+              </a:schemeClr>
+            </a:solidFill>
+            <a:ln>
+              <a:noFill/>
+            </a:ln>
+          </p:spPr>
+          <p:style>
+            <a:lnRef idx="2">
+              <a:schemeClr val="accent1">
+                <a:shade val="50000"/>
+              </a:schemeClr>
+            </a:lnRef>
+            <a:fillRef idx="1">
+              <a:schemeClr val="accent1"/>
+            </a:fillRef>
+            <a:effectRef idx="0">
+              <a:schemeClr val="accent1"/>
+            </a:effectRef>
+            <a:fontRef idx="minor">
+              <a:schemeClr val="lt1"/>
+            </a:fontRef>
+          </p:style>
+          <p:txBody>
+            <a:bodyPr rtlCol="0" anchor="ctr"/>
+            <a:lstStyle/>
+            <a:p>
+              <a:pPr algn="ctr"/>
+              <a:endParaRPr lang="en-DK"/>
+            </a:p>
+          </p:txBody>
+        </p:sp>
+      </p:grpSp>
+    </p:spTree>
+    <p:extLst>
+      <p:ext uri="{BB962C8B-B14F-4D97-AF65-F5344CB8AC3E}">
+        <p14:creationId xmlns:p14="http://schemas.microsoft.com/office/powerpoint/2010/main" val="1634749368"/>
+      </p:ext>
+    </p:extLst>
+  </p:cSld>
+  <p:clrMapOvr>
+    <a:masterClrMapping/>
+  </p:clrMapOvr>
+</p:sld>
+</file>
+
+<file path=ppt/slides/slide22.xml><?xml version="1.0" encoding="utf-8"?>
+<p:sld xmlns:a="http://schemas.openxmlformats.org/drawingml/2006/main" xmlns:r="http://schemas.openxmlformats.org/officeDocument/2006/relationships" xmlns:p="http://schemas.openxmlformats.org/presentationml/2006/main">
+  <p:cSld>
+    <p:spTree>
+      <p:nvGrpSpPr>
+        <p:cNvPr id="1" name=""/>
+        <p:cNvGrpSpPr/>
+        <p:nvPr/>
+      </p:nvGrpSpPr>
+      <p:grpSpPr>
+        <a:xfrm>
+          <a:off x="0" y="0"/>
+          <a:ext cx="0" cy="0"/>
+          <a:chOff x="0" y="0"/>
+          <a:chExt cx="0" cy="0"/>
+        </a:xfrm>
+      </p:grpSpPr>
+      <p:grpSp>
+        <p:nvGrpSpPr>
+          <p:cNvPr id="4" name="Group 3">
+            <a:extLst>
+              <a:ext uri="{FF2B5EF4-FFF2-40B4-BE49-F238E27FC236}">
+                <a16:creationId xmlns:a16="http://schemas.microsoft.com/office/drawing/2014/main" id="{0D458ABF-87F4-48C5-9B74-3A2C0F254015}"/>
+              </a:ext>
+            </a:extLst>
+          </p:cNvPr>
+          <p:cNvGrpSpPr/>
+          <p:nvPr/>
+        </p:nvGrpSpPr>
+        <p:grpSpPr>
+          <a:xfrm>
+            <a:off x="7487811" y="2182011"/>
+            <a:ext cx="5297585" cy="5306444"/>
+            <a:chOff x="7487811" y="2182011"/>
+            <a:chExt cx="5297585" cy="5306444"/>
+          </a:xfrm>
+        </p:grpSpPr>
+        <p:pic>
+          <p:nvPicPr>
+            <p:cNvPr id="5" name="Picture 4">
+              <a:extLst>
+                <a:ext uri="{FF2B5EF4-FFF2-40B4-BE49-F238E27FC236}">
+                  <a16:creationId xmlns:a16="http://schemas.microsoft.com/office/drawing/2014/main" id="{06CA7591-6B7B-4F32-B5F2-C22FE3EAEB9A}"/>
+                </a:ext>
+              </a:extLst>
+            </p:cNvPr>
+            <p:cNvPicPr>
+              <a:picLocks noChangeAspect="1"/>
+            </p:cNvPicPr>
+            <p:nvPr/>
+          </p:nvPicPr>
+          <p:blipFill>
+            <a:blip r:embed="rId2">
+              <a:extLst>
+                <a:ext uri="{28A0092B-C50C-407E-A947-70E740481C1C}">
+                  <a14:useLocalDpi xmlns:a14="http://schemas.microsoft.com/office/drawing/2010/main" val="0"/>
+                </a:ext>
+              </a:extLst>
+            </a:blip>
+            <a:stretch>
+              <a:fillRect/>
+            </a:stretch>
+          </p:blipFill>
+          <p:spPr>
+            <a:xfrm>
+              <a:off x="7487811" y="2182011"/>
+              <a:ext cx="5297585" cy="5297585"/>
+            </a:xfrm>
+            <a:prstGeom prst="rect">
+              <a:avLst/>
+            </a:prstGeom>
+            <a:effectLst/>
+          </p:spPr>
+        </p:pic>
+        <p:sp>
+          <p:nvSpPr>
+            <p:cNvPr id="6" name="Rectangle 5">
+              <a:extLst>
+                <a:ext uri="{FF2B5EF4-FFF2-40B4-BE49-F238E27FC236}">
+                  <a16:creationId xmlns:a16="http://schemas.microsoft.com/office/drawing/2014/main" id="{548F8D82-5C79-4847-9991-60C25FA928BD}"/>
+                </a:ext>
+              </a:extLst>
+            </p:cNvPr>
+            <p:cNvSpPr/>
+            <p:nvPr/>
+          </p:nvSpPr>
+          <p:spPr>
+            <a:xfrm>
+              <a:off x="7488455" y="2184935"/>
+              <a:ext cx="5293894" cy="5303520"/>
+            </a:xfrm>
+            <a:prstGeom prst="rect">
+              <a:avLst/>
+            </a:prstGeom>
+            <a:solidFill>
+              <a:schemeClr val="bg1">
+                <a:alpha val="89000"/>
+              </a:schemeClr>
+            </a:solidFill>
+            <a:ln>
+              <a:noFill/>
+            </a:ln>
+          </p:spPr>
+          <p:style>
+            <a:lnRef idx="2">
+              <a:schemeClr val="accent1">
+                <a:shade val="50000"/>
+              </a:schemeClr>
+            </a:lnRef>
+            <a:fillRef idx="1">
+              <a:schemeClr val="accent1"/>
+            </a:fillRef>
+            <a:effectRef idx="0">
+              <a:schemeClr val="accent1"/>
+            </a:effectRef>
+            <a:fontRef idx="minor">
+              <a:schemeClr val="lt1"/>
+            </a:fontRef>
+          </p:style>
+          <p:txBody>
+            <a:bodyPr rtlCol="0" anchor="ctr"/>
+            <a:lstStyle/>
+            <a:p>
+              <a:pPr algn="ctr"/>
+              <a:endParaRPr lang="en-DK"/>
+            </a:p>
+          </p:txBody>
+        </p:sp>
+      </p:grpSp>
+      <p:sp>
+        <p:nvSpPr>
+          <p:cNvPr id="2" name="Title 1">
+            <a:extLst>
+              <a:ext uri="{FF2B5EF4-FFF2-40B4-BE49-F238E27FC236}">
+                <a16:creationId xmlns:a16="http://schemas.microsoft.com/office/drawing/2014/main" id="{3B075B62-A669-48C7-8862-B0CC05ED729A}"/>
+              </a:ext>
+            </a:extLst>
+          </p:cNvPr>
+          <p:cNvSpPr>
+            <a:spLocks noGrp="1"/>
+          </p:cNvSpPr>
+          <p:nvPr>
+            <p:ph type="title"/>
+          </p:nvPr>
+        </p:nvSpPr>
+        <p:spPr/>
+        <p:txBody>
+          <a:bodyPr/>
+          <a:lstStyle/>
+          <a:p>
+            <a:r>
+              <a:rPr lang="en-US" dirty="0"/>
+              <a:t>The reason for data is it’s relation to decisions</a:t>
+            </a:r>
+            <a:endParaRPr lang="en-DK" dirty="0"/>
+          </a:p>
+        </p:txBody>
+      </p:sp>
+      <p:sp>
+        <p:nvSpPr>
+          <p:cNvPr id="3" name="Text Placeholder 2">
+            <a:extLst>
+              <a:ext uri="{FF2B5EF4-FFF2-40B4-BE49-F238E27FC236}">
+                <a16:creationId xmlns:a16="http://schemas.microsoft.com/office/drawing/2014/main" id="{9537D7D8-196C-4229-853A-E33B538CEE1A}"/>
+              </a:ext>
+            </a:extLst>
+          </p:cNvPr>
+          <p:cNvSpPr>
+            <a:spLocks noGrp="1"/>
+          </p:cNvSpPr>
+          <p:nvPr>
+            <p:ph type="body" idx="1"/>
+          </p:nvPr>
+        </p:nvSpPr>
+        <p:spPr/>
+        <p:txBody>
+          <a:bodyPr/>
+          <a:lstStyle/>
+          <a:p>
+            <a:r>
+              <a:rPr lang="en-US" dirty="0"/>
+              <a:t>Make choices based on fact.</a:t>
+            </a:r>
+          </a:p>
+        </p:txBody>
+      </p:sp>
+    </p:spTree>
+    <p:extLst>
+      <p:ext uri="{BB962C8B-B14F-4D97-AF65-F5344CB8AC3E}">
+        <p14:creationId xmlns:p14="http://schemas.microsoft.com/office/powerpoint/2010/main" val="3887011054"/>
+      </p:ext>
+    </p:extLst>
+  </p:cSld>
+  <p:clrMapOvr>
+    <a:masterClrMapping/>
+  </p:clrMapOvr>
+</p:sld>
+</file>
+
+<file path=ppt/slides/slide23.xml><?xml version="1.0" encoding="utf-8"?>
+<p:sld xmlns:a="http://schemas.openxmlformats.org/drawingml/2006/main" xmlns:r="http://schemas.openxmlformats.org/officeDocument/2006/relationships" xmlns:p="http://schemas.openxmlformats.org/presentationml/2006/main">
+  <p:cSld>
+    <p:spTree>
+      <p:nvGrpSpPr>
+        <p:cNvPr id="1" name=""/>
+        <p:cNvGrpSpPr/>
+        <p:nvPr/>
+      </p:nvGrpSpPr>
+      <p:grpSpPr>
+        <a:xfrm>
+          <a:off x="0" y="0"/>
+          <a:ext cx="0" cy="0"/>
+          <a:chOff x="0" y="0"/>
+          <a:chExt cx="0" cy="0"/>
+        </a:xfrm>
+      </p:grpSpPr>
+      <p:sp>
+        <p:nvSpPr>
+          <p:cNvPr id="2" name="Title 1">
+            <a:extLst>
+              <a:ext uri="{FF2B5EF4-FFF2-40B4-BE49-F238E27FC236}">
+                <a16:creationId xmlns:a16="http://schemas.microsoft.com/office/drawing/2014/main" id="{14397800-4F7C-4164-A41D-B694BB821BB3}"/>
+              </a:ext>
+            </a:extLst>
+          </p:cNvPr>
+          <p:cNvSpPr>
+            <a:spLocks noGrp="1"/>
+          </p:cNvSpPr>
+          <p:nvPr>
+            <p:ph type="title"/>
+          </p:nvPr>
+        </p:nvSpPr>
+        <p:spPr/>
+        <p:txBody>
+          <a:bodyPr/>
+          <a:lstStyle/>
+          <a:p>
+            <a:r>
+              <a:rPr lang="en-US" dirty="0"/>
+              <a:t>Q&amp;A</a:t>
+            </a:r>
+            <a:endParaRPr lang="en-DK" dirty="0"/>
+          </a:p>
+        </p:txBody>
+      </p:sp>
+      <p:sp>
+        <p:nvSpPr>
+          <p:cNvPr id="3" name="Text Placeholder 2">
+            <a:extLst>
+              <a:ext uri="{FF2B5EF4-FFF2-40B4-BE49-F238E27FC236}">
+                <a16:creationId xmlns:a16="http://schemas.microsoft.com/office/drawing/2014/main" id="{20F0E223-990A-456B-B418-B8FBEDCEF4E1}"/>
+              </a:ext>
+            </a:extLst>
+          </p:cNvPr>
+          <p:cNvSpPr>
+            <a:spLocks noGrp="1"/>
+          </p:cNvSpPr>
+          <p:nvPr>
+            <p:ph type="body" idx="1"/>
+          </p:nvPr>
+        </p:nvSpPr>
+        <p:spPr/>
+        <p:txBody>
+          <a:bodyPr/>
+          <a:lstStyle/>
+          <a:p>
+            <a:endParaRPr lang="en-DK"/>
+          </a:p>
+        </p:txBody>
+      </p:sp>
+      <p:grpSp>
+        <p:nvGrpSpPr>
+          <p:cNvPr id="4" name="Group 3">
+            <a:extLst>
+              <a:ext uri="{FF2B5EF4-FFF2-40B4-BE49-F238E27FC236}">
+                <a16:creationId xmlns:a16="http://schemas.microsoft.com/office/drawing/2014/main" id="{AC076944-68E5-44B9-A30D-3EEE72BD1698}"/>
+              </a:ext>
+            </a:extLst>
+          </p:cNvPr>
+          <p:cNvGrpSpPr/>
+          <p:nvPr/>
+        </p:nvGrpSpPr>
+        <p:grpSpPr>
+          <a:xfrm>
+            <a:off x="7487811" y="2182011"/>
+            <a:ext cx="5297585" cy="5306444"/>
+            <a:chOff x="7487811" y="2182011"/>
+            <a:chExt cx="5297585" cy="5306444"/>
+          </a:xfrm>
+        </p:grpSpPr>
+        <p:pic>
+          <p:nvPicPr>
+            <p:cNvPr id="5" name="Picture 4">
+              <a:extLst>
+                <a:ext uri="{FF2B5EF4-FFF2-40B4-BE49-F238E27FC236}">
+                  <a16:creationId xmlns:a16="http://schemas.microsoft.com/office/drawing/2014/main" id="{A0471B3A-BF38-443A-95E1-FE9F284F55B7}"/>
+                </a:ext>
+              </a:extLst>
+            </p:cNvPr>
+            <p:cNvPicPr>
+              <a:picLocks noChangeAspect="1"/>
+            </p:cNvPicPr>
+            <p:nvPr/>
+          </p:nvPicPr>
+          <p:blipFill>
+            <a:blip r:embed="rId2">
+              <a:extLst>
+                <a:ext uri="{28A0092B-C50C-407E-A947-70E740481C1C}">
+                  <a14:useLocalDpi xmlns:a14="http://schemas.microsoft.com/office/drawing/2010/main" val="0"/>
+                </a:ext>
+              </a:extLst>
+            </a:blip>
+            <a:stretch>
+              <a:fillRect/>
+            </a:stretch>
+          </p:blipFill>
+          <p:spPr>
+            <a:xfrm>
+              <a:off x="7487811" y="2182011"/>
+              <a:ext cx="5297585" cy="5297585"/>
+            </a:xfrm>
+            <a:prstGeom prst="rect">
+              <a:avLst/>
+            </a:prstGeom>
+            <a:effectLst/>
+          </p:spPr>
+        </p:pic>
+        <p:sp>
+          <p:nvSpPr>
+            <p:cNvPr id="6" name="Rectangle 5">
+              <a:extLst>
+                <a:ext uri="{FF2B5EF4-FFF2-40B4-BE49-F238E27FC236}">
+                  <a16:creationId xmlns:a16="http://schemas.microsoft.com/office/drawing/2014/main" id="{54714F04-CEEE-4E52-9B90-17D2223E81EE}"/>
+                </a:ext>
+              </a:extLst>
+            </p:cNvPr>
+            <p:cNvSpPr/>
+            <p:nvPr/>
+          </p:nvSpPr>
+          <p:spPr>
+            <a:xfrm>
+              <a:off x="7488455" y="2184935"/>
+              <a:ext cx="5293894" cy="5303520"/>
+            </a:xfrm>
+            <a:prstGeom prst="rect">
+              <a:avLst/>
+            </a:prstGeom>
+            <a:solidFill>
+              <a:schemeClr val="bg1">
+                <a:alpha val="89000"/>
+              </a:schemeClr>
+            </a:solidFill>
+            <a:ln>
+              <a:noFill/>
+            </a:ln>
+          </p:spPr>
+          <p:style>
+            <a:lnRef idx="2">
+              <a:schemeClr val="accent1">
+                <a:shade val="50000"/>
+              </a:schemeClr>
+            </a:lnRef>
+            <a:fillRef idx="1">
+              <a:schemeClr val="accent1"/>
+            </a:fillRef>
+            <a:effectRef idx="0">
+              <a:schemeClr val="accent1"/>
+            </a:effectRef>
+            <a:fontRef idx="minor">
+              <a:schemeClr val="lt1"/>
+            </a:fontRef>
+          </p:style>
+          <p:txBody>
+            <a:bodyPr rtlCol="0" anchor="ctr"/>
+            <a:lstStyle/>
+            <a:p>
+              <a:pPr algn="ctr"/>
+              <a:endParaRPr lang="en-DK"/>
+            </a:p>
+          </p:txBody>
+        </p:sp>
+      </p:grpSp>
+    </p:spTree>
+    <p:extLst>
+      <p:ext uri="{BB962C8B-B14F-4D97-AF65-F5344CB8AC3E}">
+        <p14:creationId xmlns:p14="http://schemas.microsoft.com/office/powerpoint/2010/main" val="254688072"/>
+      </p:ext>
+    </p:extLst>
+  </p:cSld>
+  <p:clrMapOvr>
+    <a:masterClrMapping/>
+  </p:clrMapOvr>
+</p:sld>
+</file>
+
+<file path=ppt/slides/slide24.xml><?xml version="1.0" encoding="utf-8"?>
+<p:sld xmlns:a="http://schemas.openxmlformats.org/drawingml/2006/main" xmlns:r="http://schemas.openxmlformats.org/officeDocument/2006/relationships" xmlns:p="http://schemas.openxmlformats.org/presentationml/2006/main">
+  <p:cSld>
+    <p:spTree>
+      <p:nvGrpSpPr>
+        <p:cNvPr id="1" name=""/>
+        <p:cNvGrpSpPr/>
+        <p:nvPr/>
+      </p:nvGrpSpPr>
+      <p:grpSpPr>
+        <a:xfrm>
+          <a:off x="0" y="0"/>
+          <a:ext cx="0" cy="0"/>
+          <a:chOff x="0" y="0"/>
+          <a:chExt cx="0" cy="0"/>
+        </a:xfrm>
+      </p:grpSpPr>
+      <p:grpSp>
+        <p:nvGrpSpPr>
+          <p:cNvPr id="4" name="Group 3">
+            <a:extLst>
+              <a:ext uri="{FF2B5EF4-FFF2-40B4-BE49-F238E27FC236}">
+                <a16:creationId xmlns:a16="http://schemas.microsoft.com/office/drawing/2014/main" id="{2B63E158-B3CC-496C-A85B-75124C82722D}"/>
+              </a:ext>
+            </a:extLst>
+          </p:cNvPr>
+          <p:cNvGrpSpPr/>
+          <p:nvPr/>
+        </p:nvGrpSpPr>
+        <p:grpSpPr>
+          <a:xfrm>
+            <a:off x="7487811" y="2182011"/>
+            <a:ext cx="5297585" cy="5306444"/>
+            <a:chOff x="7487811" y="2182011"/>
+            <a:chExt cx="5297585" cy="5306444"/>
+          </a:xfrm>
+        </p:grpSpPr>
+        <p:pic>
+          <p:nvPicPr>
+            <p:cNvPr id="5" name="Picture 4">
+              <a:extLst>
+                <a:ext uri="{FF2B5EF4-FFF2-40B4-BE49-F238E27FC236}">
+                  <a16:creationId xmlns:a16="http://schemas.microsoft.com/office/drawing/2014/main" id="{86965CCA-54D0-4C21-8199-28DC65BF8E76}"/>
+                </a:ext>
+              </a:extLst>
+            </p:cNvPr>
+            <p:cNvPicPr>
+              <a:picLocks noChangeAspect="1"/>
+            </p:cNvPicPr>
+            <p:nvPr/>
+          </p:nvPicPr>
+          <p:blipFill>
+            <a:blip r:embed="rId2">
+              <a:extLst>
+                <a:ext uri="{28A0092B-C50C-407E-A947-70E740481C1C}">
+                  <a14:useLocalDpi xmlns:a14="http://schemas.microsoft.com/office/drawing/2010/main" val="0"/>
+                </a:ext>
+              </a:extLst>
+            </a:blip>
+            <a:stretch>
+              <a:fillRect/>
+            </a:stretch>
+          </p:blipFill>
+          <p:spPr>
+            <a:xfrm>
+              <a:off x="7487811" y="2182011"/>
+              <a:ext cx="5297585" cy="5297585"/>
+            </a:xfrm>
+            <a:prstGeom prst="rect">
+              <a:avLst/>
+            </a:prstGeom>
+            <a:effectLst/>
+          </p:spPr>
+        </p:pic>
+        <p:sp>
+          <p:nvSpPr>
+            <p:cNvPr id="6" name="Rectangle 5">
+              <a:extLst>
+                <a:ext uri="{FF2B5EF4-FFF2-40B4-BE49-F238E27FC236}">
+                  <a16:creationId xmlns:a16="http://schemas.microsoft.com/office/drawing/2014/main" id="{F0579431-096D-45EC-9D5B-67CE13D41ED3}"/>
+                </a:ext>
+              </a:extLst>
+            </p:cNvPr>
+            <p:cNvSpPr/>
+            <p:nvPr/>
+          </p:nvSpPr>
+          <p:spPr>
+            <a:xfrm>
+              <a:off x="7488455" y="2184935"/>
+              <a:ext cx="5293894" cy="5303520"/>
+            </a:xfrm>
+            <a:prstGeom prst="rect">
+              <a:avLst/>
+            </a:prstGeom>
+            <a:solidFill>
+              <a:schemeClr val="bg1">
+                <a:alpha val="89000"/>
+              </a:schemeClr>
+            </a:solidFill>
+            <a:ln>
+              <a:noFill/>
+            </a:ln>
+          </p:spPr>
+          <p:style>
+            <a:lnRef idx="2">
+              <a:schemeClr val="accent1">
+                <a:shade val="50000"/>
+              </a:schemeClr>
+            </a:lnRef>
+            <a:fillRef idx="1">
+              <a:schemeClr val="accent1"/>
+            </a:fillRef>
+            <a:effectRef idx="0">
+              <a:schemeClr val="accent1"/>
+            </a:effectRef>
+            <a:fontRef idx="minor">
+              <a:schemeClr val="lt1"/>
+            </a:fontRef>
+          </p:style>
+          <p:txBody>
+            <a:bodyPr rtlCol="0" anchor="ctr"/>
+            <a:lstStyle/>
+            <a:p>
+              <a:pPr algn="ctr"/>
+              <a:endParaRPr lang="en-DK"/>
+            </a:p>
+          </p:txBody>
+        </p:sp>
+      </p:grpSp>
       <p:sp>
         <p:nvSpPr>
           <p:cNvPr id="2" name="Title 1">
@@ -6509,7 +8673,7 @@
 </p:sld>
 </file>
 
-<file path=ppt/slides/slide21.xml><?xml version="1.0" encoding="utf-8"?>
+<file path=ppt/slides/slide25.xml><?xml version="1.0" encoding="utf-8"?>
 <p:sld xmlns:a="http://schemas.openxmlformats.org/drawingml/2006/main" xmlns:r="http://schemas.openxmlformats.org/officeDocument/2006/relationships" xmlns:p="http://schemas.openxmlformats.org/presentationml/2006/main">
   <p:cSld>
     <p:spTree>
@@ -6855,6 +9019,118 @@
           </a:fontRef>
         </p:style>
       </p:cxnSp>
+      <p:grpSp>
+        <p:nvGrpSpPr>
+          <p:cNvPr id="12" name="Group 11">
+            <a:extLst>
+              <a:ext uri="{FF2B5EF4-FFF2-40B4-BE49-F238E27FC236}">
+                <a16:creationId xmlns:a16="http://schemas.microsoft.com/office/drawing/2014/main" id="{DCE644A3-B4EC-450B-B0EB-6197E32F34B6}"/>
+              </a:ext>
+            </a:extLst>
+          </p:cNvPr>
+          <p:cNvGrpSpPr/>
+          <p:nvPr/>
+        </p:nvGrpSpPr>
+        <p:grpSpPr>
+          <a:xfrm>
+            <a:off x="7487811" y="2182011"/>
+            <a:ext cx="5297585" cy="5306444"/>
+            <a:chOff x="7487811" y="2182011"/>
+            <a:chExt cx="5297585" cy="5306444"/>
+          </a:xfrm>
+        </p:grpSpPr>
+        <p:pic>
+          <p:nvPicPr>
+            <p:cNvPr id="13" name="Picture 12">
+              <a:extLst>
+                <a:ext uri="{FF2B5EF4-FFF2-40B4-BE49-F238E27FC236}">
+                  <a16:creationId xmlns:a16="http://schemas.microsoft.com/office/drawing/2014/main" id="{A3C89D77-0437-4E25-9660-2EA9F8555DE3}"/>
+                </a:ext>
+              </a:extLst>
+            </p:cNvPr>
+            <p:cNvPicPr>
+              <a:picLocks noChangeAspect="1"/>
+            </p:cNvPicPr>
+            <p:nvPr/>
+          </p:nvPicPr>
+          <p:blipFill>
+            <a:blip r:embed="rId2">
+              <a:extLst>
+                <a:ext uri="{28A0092B-C50C-407E-A947-70E740481C1C}">
+                  <a14:useLocalDpi xmlns:a14="http://schemas.microsoft.com/office/drawing/2010/main" val="0"/>
+                </a:ext>
+              </a:extLst>
+            </a:blip>
+            <a:stretch>
+              <a:fillRect/>
+            </a:stretch>
+          </p:blipFill>
+          <p:spPr>
+            <a:xfrm>
+              <a:off x="7487811" y="2182011"/>
+              <a:ext cx="5297585" cy="5297585"/>
+            </a:xfrm>
+            <a:prstGeom prst="rect">
+              <a:avLst/>
+            </a:prstGeom>
+            <a:effectLst/>
+          </p:spPr>
+        </p:pic>
+        <p:sp>
+          <p:nvSpPr>
+            <p:cNvPr id="14" name="Rectangle 13">
+              <a:extLst>
+                <a:ext uri="{FF2B5EF4-FFF2-40B4-BE49-F238E27FC236}">
+                  <a16:creationId xmlns:a16="http://schemas.microsoft.com/office/drawing/2014/main" id="{89EAFC64-4C39-447F-8E96-C9B1CBAD0B66}"/>
+                </a:ext>
+              </a:extLst>
+            </p:cNvPr>
+            <p:cNvSpPr/>
+            <p:nvPr/>
+          </p:nvSpPr>
+          <p:spPr>
+            <a:xfrm>
+              <a:off x="7488455" y="2184935"/>
+              <a:ext cx="5293894" cy="5303520"/>
+            </a:xfrm>
+            <a:prstGeom prst="rect">
+              <a:avLst/>
+            </a:prstGeom>
+            <a:solidFill>
+              <a:schemeClr val="bg1">
+                <a:alpha val="89000"/>
+              </a:schemeClr>
+            </a:solidFill>
+            <a:ln>
+              <a:noFill/>
+            </a:ln>
+          </p:spPr>
+          <p:style>
+            <a:lnRef idx="2">
+              <a:schemeClr val="accent1">
+                <a:shade val="50000"/>
+              </a:schemeClr>
+            </a:lnRef>
+            <a:fillRef idx="1">
+              <a:schemeClr val="accent1"/>
+            </a:fillRef>
+            <a:effectRef idx="0">
+              <a:schemeClr val="accent1"/>
+            </a:effectRef>
+            <a:fontRef idx="minor">
+              <a:schemeClr val="lt1"/>
+            </a:fontRef>
+          </p:style>
+          <p:txBody>
+            <a:bodyPr rtlCol="0" anchor="ctr"/>
+            <a:lstStyle/>
+            <a:p>
+              <a:pPr algn="ctr"/>
+              <a:endParaRPr lang="en-DK"/>
+            </a:p>
+          </p:txBody>
+        </p:sp>
+      </p:grpSp>
     </p:spTree>
     <p:extLst>
       <p:ext uri="{BB962C8B-B14F-4D97-AF65-F5344CB8AC3E}">
@@ -6868,7 +9144,7 @@
 </p:sld>
 </file>
 
-<file path=ppt/slides/slide22.xml><?xml version="1.0" encoding="utf-8"?>
+<file path=ppt/slides/slide26.xml><?xml version="1.0" encoding="utf-8"?>
 <p:sld xmlns:a="http://schemas.openxmlformats.org/drawingml/2006/main" xmlns:r="http://schemas.openxmlformats.org/officeDocument/2006/relationships" xmlns:p="http://schemas.openxmlformats.org/presentationml/2006/main">
   <p:cSld>
     <p:spTree>
@@ -7214,6 +9490,118 @@
           </a:fontRef>
         </p:style>
       </p:cxnSp>
+      <p:grpSp>
+        <p:nvGrpSpPr>
+          <p:cNvPr id="12" name="Group 11">
+            <a:extLst>
+              <a:ext uri="{FF2B5EF4-FFF2-40B4-BE49-F238E27FC236}">
+                <a16:creationId xmlns:a16="http://schemas.microsoft.com/office/drawing/2014/main" id="{B1F1320E-B511-42E5-B607-7419AE3DDBDF}"/>
+              </a:ext>
+            </a:extLst>
+          </p:cNvPr>
+          <p:cNvGrpSpPr/>
+          <p:nvPr/>
+        </p:nvGrpSpPr>
+        <p:grpSpPr>
+          <a:xfrm>
+            <a:off x="7487811" y="2182011"/>
+            <a:ext cx="5297585" cy="5306444"/>
+            <a:chOff x="7487811" y="2182011"/>
+            <a:chExt cx="5297585" cy="5306444"/>
+          </a:xfrm>
+        </p:grpSpPr>
+        <p:pic>
+          <p:nvPicPr>
+            <p:cNvPr id="13" name="Picture 12">
+              <a:extLst>
+                <a:ext uri="{FF2B5EF4-FFF2-40B4-BE49-F238E27FC236}">
+                  <a16:creationId xmlns:a16="http://schemas.microsoft.com/office/drawing/2014/main" id="{FE34F53D-09AD-4995-89E8-213F3399B287}"/>
+                </a:ext>
+              </a:extLst>
+            </p:cNvPr>
+            <p:cNvPicPr>
+              <a:picLocks noChangeAspect="1"/>
+            </p:cNvPicPr>
+            <p:nvPr/>
+          </p:nvPicPr>
+          <p:blipFill>
+            <a:blip r:embed="rId2">
+              <a:extLst>
+                <a:ext uri="{28A0092B-C50C-407E-A947-70E740481C1C}">
+                  <a14:useLocalDpi xmlns:a14="http://schemas.microsoft.com/office/drawing/2010/main" val="0"/>
+                </a:ext>
+              </a:extLst>
+            </a:blip>
+            <a:stretch>
+              <a:fillRect/>
+            </a:stretch>
+          </p:blipFill>
+          <p:spPr>
+            <a:xfrm>
+              <a:off x="7487811" y="2182011"/>
+              <a:ext cx="5297585" cy="5297585"/>
+            </a:xfrm>
+            <a:prstGeom prst="rect">
+              <a:avLst/>
+            </a:prstGeom>
+            <a:effectLst/>
+          </p:spPr>
+        </p:pic>
+        <p:sp>
+          <p:nvSpPr>
+            <p:cNvPr id="14" name="Rectangle 13">
+              <a:extLst>
+                <a:ext uri="{FF2B5EF4-FFF2-40B4-BE49-F238E27FC236}">
+                  <a16:creationId xmlns:a16="http://schemas.microsoft.com/office/drawing/2014/main" id="{B6AE1206-A88B-413C-9E73-8B7BFA21F761}"/>
+                </a:ext>
+              </a:extLst>
+            </p:cNvPr>
+            <p:cNvSpPr/>
+            <p:nvPr/>
+          </p:nvSpPr>
+          <p:spPr>
+            <a:xfrm>
+              <a:off x="7488455" y="2184935"/>
+              <a:ext cx="5293894" cy="5303520"/>
+            </a:xfrm>
+            <a:prstGeom prst="rect">
+              <a:avLst/>
+            </a:prstGeom>
+            <a:solidFill>
+              <a:schemeClr val="bg1">
+                <a:alpha val="89000"/>
+              </a:schemeClr>
+            </a:solidFill>
+            <a:ln>
+              <a:noFill/>
+            </a:ln>
+          </p:spPr>
+          <p:style>
+            <a:lnRef idx="2">
+              <a:schemeClr val="accent1">
+                <a:shade val="50000"/>
+              </a:schemeClr>
+            </a:lnRef>
+            <a:fillRef idx="1">
+              <a:schemeClr val="accent1"/>
+            </a:fillRef>
+            <a:effectRef idx="0">
+              <a:schemeClr val="accent1"/>
+            </a:effectRef>
+            <a:fontRef idx="minor">
+              <a:schemeClr val="lt1"/>
+            </a:fontRef>
+          </p:style>
+          <p:txBody>
+            <a:bodyPr rtlCol="0" anchor="ctr"/>
+            <a:lstStyle/>
+            <a:p>
+              <a:pPr algn="ctr"/>
+              <a:endParaRPr lang="en-DK"/>
+            </a:p>
+          </p:txBody>
+        </p:sp>
+      </p:grpSp>
     </p:spTree>
     <p:extLst>
       <p:ext uri="{BB962C8B-B14F-4D97-AF65-F5344CB8AC3E}">
@@ -7227,7 +9615,7 @@
 </p:sld>
 </file>
 
-<file path=ppt/slides/slide23.xml><?xml version="1.0" encoding="utf-8"?>
+<file path=ppt/slides/slide27.xml><?xml version="1.0" encoding="utf-8"?>
 <p:sld xmlns:a="http://schemas.openxmlformats.org/drawingml/2006/main" xmlns:r="http://schemas.openxmlformats.org/officeDocument/2006/relationships" xmlns:p="http://schemas.openxmlformats.org/presentationml/2006/main">
   <p:cSld>
     <p:spTree>
@@ -8234,6 +10622,118 @@
           </a:fontRef>
         </p:style>
       </p:cxnSp>
+      <p:grpSp>
+        <p:nvGrpSpPr>
+          <p:cNvPr id="28" name="Group 27">
+            <a:extLst>
+              <a:ext uri="{FF2B5EF4-FFF2-40B4-BE49-F238E27FC236}">
+                <a16:creationId xmlns:a16="http://schemas.microsoft.com/office/drawing/2014/main" id="{420A10DB-9774-45F5-851A-13D155764693}"/>
+              </a:ext>
+            </a:extLst>
+          </p:cNvPr>
+          <p:cNvGrpSpPr/>
+          <p:nvPr/>
+        </p:nvGrpSpPr>
+        <p:grpSpPr>
+          <a:xfrm>
+            <a:off x="7487811" y="2182011"/>
+            <a:ext cx="5297585" cy="5306444"/>
+            <a:chOff x="7487811" y="2182011"/>
+            <a:chExt cx="5297585" cy="5306444"/>
+          </a:xfrm>
+        </p:grpSpPr>
+        <p:pic>
+          <p:nvPicPr>
+            <p:cNvPr id="30" name="Picture 29">
+              <a:extLst>
+                <a:ext uri="{FF2B5EF4-FFF2-40B4-BE49-F238E27FC236}">
+                  <a16:creationId xmlns:a16="http://schemas.microsoft.com/office/drawing/2014/main" id="{D8486B29-3585-40CE-9DA3-5FDF7052B7AB}"/>
+                </a:ext>
+              </a:extLst>
+            </p:cNvPr>
+            <p:cNvPicPr>
+              <a:picLocks noChangeAspect="1"/>
+            </p:cNvPicPr>
+            <p:nvPr/>
+          </p:nvPicPr>
+          <p:blipFill>
+            <a:blip r:embed="rId2">
+              <a:extLst>
+                <a:ext uri="{28A0092B-C50C-407E-A947-70E740481C1C}">
+                  <a14:useLocalDpi xmlns:a14="http://schemas.microsoft.com/office/drawing/2010/main" val="0"/>
+                </a:ext>
+              </a:extLst>
+            </a:blip>
+            <a:stretch>
+              <a:fillRect/>
+            </a:stretch>
+          </p:blipFill>
+          <p:spPr>
+            <a:xfrm>
+              <a:off x="7487811" y="2182011"/>
+              <a:ext cx="5297585" cy="5297585"/>
+            </a:xfrm>
+            <a:prstGeom prst="rect">
+              <a:avLst/>
+            </a:prstGeom>
+            <a:effectLst/>
+          </p:spPr>
+        </p:pic>
+        <p:sp>
+          <p:nvSpPr>
+            <p:cNvPr id="31" name="Rectangle 30">
+              <a:extLst>
+                <a:ext uri="{FF2B5EF4-FFF2-40B4-BE49-F238E27FC236}">
+                  <a16:creationId xmlns:a16="http://schemas.microsoft.com/office/drawing/2014/main" id="{EA84EE93-F6ED-4457-85ED-756C27E4796E}"/>
+                </a:ext>
+              </a:extLst>
+            </p:cNvPr>
+            <p:cNvSpPr/>
+            <p:nvPr/>
+          </p:nvSpPr>
+          <p:spPr>
+            <a:xfrm>
+              <a:off x="7488455" y="2184935"/>
+              <a:ext cx="5293894" cy="5303520"/>
+            </a:xfrm>
+            <a:prstGeom prst="rect">
+              <a:avLst/>
+            </a:prstGeom>
+            <a:solidFill>
+              <a:schemeClr val="bg1">
+                <a:alpha val="89000"/>
+              </a:schemeClr>
+            </a:solidFill>
+            <a:ln>
+              <a:noFill/>
+            </a:ln>
+          </p:spPr>
+          <p:style>
+            <a:lnRef idx="2">
+              <a:schemeClr val="accent1">
+                <a:shade val="50000"/>
+              </a:schemeClr>
+            </a:lnRef>
+            <a:fillRef idx="1">
+              <a:schemeClr val="accent1"/>
+            </a:fillRef>
+            <a:effectRef idx="0">
+              <a:schemeClr val="accent1"/>
+            </a:effectRef>
+            <a:fontRef idx="minor">
+              <a:schemeClr val="lt1"/>
+            </a:fontRef>
+          </p:style>
+          <p:txBody>
+            <a:bodyPr rtlCol="0" anchor="ctr"/>
+            <a:lstStyle/>
+            <a:p>
+              <a:pPr algn="ctr"/>
+              <a:endParaRPr lang="en-DK"/>
+            </a:p>
+          </p:txBody>
+        </p:sp>
+      </p:grpSp>
     </p:spTree>
     <p:extLst>
       <p:ext uri="{BB962C8B-B14F-4D97-AF65-F5344CB8AC3E}">
@@ -8247,7 +10747,7 @@
 </p:sld>
 </file>
 
-<file path=ppt/slides/slide24.xml><?xml version="1.0" encoding="utf-8"?>
+<file path=ppt/slides/slide28.xml><?xml version="1.0" encoding="utf-8"?>
 <p:sld xmlns:a="http://schemas.openxmlformats.org/drawingml/2006/main" xmlns:r="http://schemas.openxmlformats.org/officeDocument/2006/relationships" xmlns:p="http://schemas.openxmlformats.org/presentationml/2006/main">
   <p:cSld>
     <p:spTree>
@@ -8264,6 +10764,118 @@
           <a:chExt cx="0" cy="0"/>
         </a:xfrm>
       </p:grpSpPr>
+      <p:grpSp>
+        <p:nvGrpSpPr>
+          <p:cNvPr id="4" name="Group 3">
+            <a:extLst>
+              <a:ext uri="{FF2B5EF4-FFF2-40B4-BE49-F238E27FC236}">
+                <a16:creationId xmlns:a16="http://schemas.microsoft.com/office/drawing/2014/main" id="{06E43E0D-D4FC-4EB7-8648-2C45421AEA0F}"/>
+              </a:ext>
+            </a:extLst>
+          </p:cNvPr>
+          <p:cNvGrpSpPr/>
+          <p:nvPr/>
+        </p:nvGrpSpPr>
+        <p:grpSpPr>
+          <a:xfrm>
+            <a:off x="7487811" y="2182011"/>
+            <a:ext cx="5297585" cy="5306444"/>
+            <a:chOff x="7487811" y="2182011"/>
+            <a:chExt cx="5297585" cy="5306444"/>
+          </a:xfrm>
+        </p:grpSpPr>
+        <p:pic>
+          <p:nvPicPr>
+            <p:cNvPr id="5" name="Picture 4">
+              <a:extLst>
+                <a:ext uri="{FF2B5EF4-FFF2-40B4-BE49-F238E27FC236}">
+                  <a16:creationId xmlns:a16="http://schemas.microsoft.com/office/drawing/2014/main" id="{0191F6CD-250A-455A-B44B-2EC746F7ADA0}"/>
+                </a:ext>
+              </a:extLst>
+            </p:cNvPr>
+            <p:cNvPicPr>
+              <a:picLocks noChangeAspect="1"/>
+            </p:cNvPicPr>
+            <p:nvPr/>
+          </p:nvPicPr>
+          <p:blipFill>
+            <a:blip r:embed="rId2">
+              <a:extLst>
+                <a:ext uri="{28A0092B-C50C-407E-A947-70E740481C1C}">
+                  <a14:useLocalDpi xmlns:a14="http://schemas.microsoft.com/office/drawing/2010/main" val="0"/>
+                </a:ext>
+              </a:extLst>
+            </a:blip>
+            <a:stretch>
+              <a:fillRect/>
+            </a:stretch>
+          </p:blipFill>
+          <p:spPr>
+            <a:xfrm>
+              <a:off x="7487811" y="2182011"/>
+              <a:ext cx="5297585" cy="5297585"/>
+            </a:xfrm>
+            <a:prstGeom prst="rect">
+              <a:avLst/>
+            </a:prstGeom>
+            <a:effectLst/>
+          </p:spPr>
+        </p:pic>
+        <p:sp>
+          <p:nvSpPr>
+            <p:cNvPr id="6" name="Rectangle 5">
+              <a:extLst>
+                <a:ext uri="{FF2B5EF4-FFF2-40B4-BE49-F238E27FC236}">
+                  <a16:creationId xmlns:a16="http://schemas.microsoft.com/office/drawing/2014/main" id="{C6BE406C-D44B-4E35-8C9A-43F7DE425C2F}"/>
+                </a:ext>
+              </a:extLst>
+            </p:cNvPr>
+            <p:cNvSpPr/>
+            <p:nvPr/>
+          </p:nvSpPr>
+          <p:spPr>
+            <a:xfrm>
+              <a:off x="7488455" y="2184935"/>
+              <a:ext cx="5293894" cy="5303520"/>
+            </a:xfrm>
+            <a:prstGeom prst="rect">
+              <a:avLst/>
+            </a:prstGeom>
+            <a:solidFill>
+              <a:schemeClr val="bg1">
+                <a:alpha val="89000"/>
+              </a:schemeClr>
+            </a:solidFill>
+            <a:ln>
+              <a:noFill/>
+            </a:ln>
+          </p:spPr>
+          <p:style>
+            <a:lnRef idx="2">
+              <a:schemeClr val="accent1">
+                <a:shade val="50000"/>
+              </a:schemeClr>
+            </a:lnRef>
+            <a:fillRef idx="1">
+              <a:schemeClr val="accent1"/>
+            </a:fillRef>
+            <a:effectRef idx="0">
+              <a:schemeClr val="accent1"/>
+            </a:effectRef>
+            <a:fontRef idx="minor">
+              <a:schemeClr val="lt1"/>
+            </a:fontRef>
+          </p:style>
+          <p:txBody>
+            <a:bodyPr rtlCol="0" anchor="ctr"/>
+            <a:lstStyle/>
+            <a:p>
+              <a:pPr algn="ctr"/>
+              <a:endParaRPr lang="en-DK"/>
+            </a:p>
+          </p:txBody>
+        </p:sp>
+      </p:grpSp>
       <p:sp>
         <p:nvSpPr>
           <p:cNvPr id="2" name="Title 1">
@@ -8321,7 +10933,7 @@
           <a:p>
             <a:r>
               <a:rPr lang="da-DK" dirty="0">
-                <a:hlinkClick r:id="rId2"/>
+                <a:hlinkClick r:id="rId3"/>
               </a:rPr>
               <a:t>https://www.prisma.io/blog/comparison-of-database-models-1iz9u29nwn37</a:t>
             </a:r>
@@ -8333,7 +10945,7 @@
           <a:p>
             <a:r>
               <a:rPr lang="da-DK" dirty="0">
-                <a:hlinkClick r:id="rId3"/>
+                <a:hlinkClick r:id="rId4"/>
               </a:rPr>
               <a:t>https://www.cleverism.com/graph-databases-effective-big-data-analytics/</a:t>
             </a:r>
@@ -8345,7 +10957,7 @@
           <a:p>
             <a:r>
               <a:rPr lang="da-DK" dirty="0">
-                <a:hlinkClick r:id="rId4"/>
+                <a:hlinkClick r:id="rId5"/>
               </a:rPr>
               <a:t>https://oxygen.dk/indsigt/machine-learning</a:t>
             </a:r>
@@ -8370,7 +10982,7 @@
 </p:sld>
 </file>
 
-<file path=ppt/slides/slide25.xml><?xml version="1.0" encoding="utf-8"?>
+<file path=ppt/slides/slide29.xml><?xml version="1.0" encoding="utf-8"?>
 <p:sld xmlns:a="http://schemas.openxmlformats.org/drawingml/2006/main" xmlns:r="http://schemas.openxmlformats.org/officeDocument/2006/relationships" xmlns:p="http://schemas.openxmlformats.org/presentationml/2006/main">
   <p:cSld>
     <p:spTree>
@@ -8387,6 +10999,118 @@
           <a:chExt cx="0" cy="0"/>
         </a:xfrm>
       </p:grpSpPr>
+      <p:grpSp>
+        <p:nvGrpSpPr>
+          <p:cNvPr id="4" name="Group 3">
+            <a:extLst>
+              <a:ext uri="{FF2B5EF4-FFF2-40B4-BE49-F238E27FC236}">
+                <a16:creationId xmlns:a16="http://schemas.microsoft.com/office/drawing/2014/main" id="{028AF619-AED7-4598-ADDD-6CC825F13912}"/>
+              </a:ext>
+            </a:extLst>
+          </p:cNvPr>
+          <p:cNvGrpSpPr/>
+          <p:nvPr/>
+        </p:nvGrpSpPr>
+        <p:grpSpPr>
+          <a:xfrm>
+            <a:off x="7487811" y="2182011"/>
+            <a:ext cx="5297585" cy="5306444"/>
+            <a:chOff x="7487811" y="2182011"/>
+            <a:chExt cx="5297585" cy="5306444"/>
+          </a:xfrm>
+        </p:grpSpPr>
+        <p:pic>
+          <p:nvPicPr>
+            <p:cNvPr id="5" name="Picture 4">
+              <a:extLst>
+                <a:ext uri="{FF2B5EF4-FFF2-40B4-BE49-F238E27FC236}">
+                  <a16:creationId xmlns:a16="http://schemas.microsoft.com/office/drawing/2014/main" id="{B06AD79C-93A9-42A1-B6DC-3AAD2FFBEF16}"/>
+                </a:ext>
+              </a:extLst>
+            </p:cNvPr>
+            <p:cNvPicPr>
+              <a:picLocks noChangeAspect="1"/>
+            </p:cNvPicPr>
+            <p:nvPr/>
+          </p:nvPicPr>
+          <p:blipFill>
+            <a:blip r:embed="rId2">
+              <a:extLst>
+                <a:ext uri="{28A0092B-C50C-407E-A947-70E740481C1C}">
+                  <a14:useLocalDpi xmlns:a14="http://schemas.microsoft.com/office/drawing/2010/main" val="0"/>
+                </a:ext>
+              </a:extLst>
+            </a:blip>
+            <a:stretch>
+              <a:fillRect/>
+            </a:stretch>
+          </p:blipFill>
+          <p:spPr>
+            <a:xfrm>
+              <a:off x="7487811" y="2182011"/>
+              <a:ext cx="5297585" cy="5297585"/>
+            </a:xfrm>
+            <a:prstGeom prst="rect">
+              <a:avLst/>
+            </a:prstGeom>
+            <a:effectLst/>
+          </p:spPr>
+        </p:pic>
+        <p:sp>
+          <p:nvSpPr>
+            <p:cNvPr id="6" name="Rectangle 5">
+              <a:extLst>
+                <a:ext uri="{FF2B5EF4-FFF2-40B4-BE49-F238E27FC236}">
+                  <a16:creationId xmlns:a16="http://schemas.microsoft.com/office/drawing/2014/main" id="{5BCE7384-C0CC-468D-92BC-1703CA41421B}"/>
+                </a:ext>
+              </a:extLst>
+            </p:cNvPr>
+            <p:cNvSpPr/>
+            <p:nvPr/>
+          </p:nvSpPr>
+          <p:spPr>
+            <a:xfrm>
+              <a:off x="7488455" y="2184935"/>
+              <a:ext cx="5293894" cy="5303520"/>
+            </a:xfrm>
+            <a:prstGeom prst="rect">
+              <a:avLst/>
+            </a:prstGeom>
+            <a:solidFill>
+              <a:schemeClr val="bg1">
+                <a:alpha val="89000"/>
+              </a:schemeClr>
+            </a:solidFill>
+            <a:ln>
+              <a:noFill/>
+            </a:ln>
+          </p:spPr>
+          <p:style>
+            <a:lnRef idx="2">
+              <a:schemeClr val="accent1">
+                <a:shade val="50000"/>
+              </a:schemeClr>
+            </a:lnRef>
+            <a:fillRef idx="1">
+              <a:schemeClr val="accent1"/>
+            </a:fillRef>
+            <a:effectRef idx="0">
+              <a:schemeClr val="accent1"/>
+            </a:effectRef>
+            <a:fontRef idx="minor">
+              <a:schemeClr val="lt1"/>
+            </a:fontRef>
+          </p:style>
+          <p:txBody>
+            <a:bodyPr rtlCol="0" anchor="ctr"/>
+            <a:lstStyle/>
+            <a:p>
+              <a:pPr algn="ctr"/>
+              <a:endParaRPr lang="en-DK"/>
+            </a:p>
+          </p:txBody>
+        </p:sp>
+      </p:grpSp>
       <p:sp>
         <p:nvSpPr>
           <p:cNvPr id="2" name="Title 1">
@@ -8490,6 +11214,118 @@
           <a:chExt cx="0" cy="0"/>
         </a:xfrm>
       </p:grpSpPr>
+      <p:grpSp>
+        <p:nvGrpSpPr>
+          <p:cNvPr id="5" name="Group 4">
+            <a:extLst>
+              <a:ext uri="{FF2B5EF4-FFF2-40B4-BE49-F238E27FC236}">
+                <a16:creationId xmlns:a16="http://schemas.microsoft.com/office/drawing/2014/main" id="{C21F0792-840C-4ADD-B8DF-F1C8AE7698AB}"/>
+              </a:ext>
+            </a:extLst>
+          </p:cNvPr>
+          <p:cNvGrpSpPr/>
+          <p:nvPr/>
+        </p:nvGrpSpPr>
+        <p:grpSpPr>
+          <a:xfrm>
+            <a:off x="7487811" y="2182011"/>
+            <a:ext cx="5297585" cy="5306444"/>
+            <a:chOff x="7487811" y="2182011"/>
+            <a:chExt cx="5297585" cy="5306444"/>
+          </a:xfrm>
+        </p:grpSpPr>
+        <p:pic>
+          <p:nvPicPr>
+            <p:cNvPr id="7" name="Picture 6">
+              <a:extLst>
+                <a:ext uri="{FF2B5EF4-FFF2-40B4-BE49-F238E27FC236}">
+                  <a16:creationId xmlns:a16="http://schemas.microsoft.com/office/drawing/2014/main" id="{FB9D309C-BA47-41F6-81FF-76F08708BD6A}"/>
+                </a:ext>
+              </a:extLst>
+            </p:cNvPr>
+            <p:cNvPicPr>
+              <a:picLocks noChangeAspect="1"/>
+            </p:cNvPicPr>
+            <p:nvPr/>
+          </p:nvPicPr>
+          <p:blipFill>
+            <a:blip r:embed="rId2">
+              <a:extLst>
+                <a:ext uri="{28A0092B-C50C-407E-A947-70E740481C1C}">
+                  <a14:useLocalDpi xmlns:a14="http://schemas.microsoft.com/office/drawing/2010/main" val="0"/>
+                </a:ext>
+              </a:extLst>
+            </a:blip>
+            <a:stretch>
+              <a:fillRect/>
+            </a:stretch>
+          </p:blipFill>
+          <p:spPr>
+            <a:xfrm>
+              <a:off x="7487811" y="2182011"/>
+              <a:ext cx="5297585" cy="5297585"/>
+            </a:xfrm>
+            <a:prstGeom prst="rect">
+              <a:avLst/>
+            </a:prstGeom>
+            <a:effectLst/>
+          </p:spPr>
+        </p:pic>
+        <p:sp>
+          <p:nvSpPr>
+            <p:cNvPr id="8" name="Rectangle 7">
+              <a:extLst>
+                <a:ext uri="{FF2B5EF4-FFF2-40B4-BE49-F238E27FC236}">
+                  <a16:creationId xmlns:a16="http://schemas.microsoft.com/office/drawing/2014/main" id="{F0FB670D-398E-4BAA-A433-04E159892E38}"/>
+                </a:ext>
+              </a:extLst>
+            </p:cNvPr>
+            <p:cNvSpPr/>
+            <p:nvPr/>
+          </p:nvSpPr>
+          <p:spPr>
+            <a:xfrm>
+              <a:off x="7488455" y="2184935"/>
+              <a:ext cx="5293894" cy="5303520"/>
+            </a:xfrm>
+            <a:prstGeom prst="rect">
+              <a:avLst/>
+            </a:prstGeom>
+            <a:solidFill>
+              <a:schemeClr val="bg1">
+                <a:alpha val="89000"/>
+              </a:schemeClr>
+            </a:solidFill>
+            <a:ln>
+              <a:noFill/>
+            </a:ln>
+          </p:spPr>
+          <p:style>
+            <a:lnRef idx="2">
+              <a:schemeClr val="accent1">
+                <a:shade val="50000"/>
+              </a:schemeClr>
+            </a:lnRef>
+            <a:fillRef idx="1">
+              <a:schemeClr val="accent1"/>
+            </a:fillRef>
+            <a:effectRef idx="0">
+              <a:schemeClr val="accent1"/>
+            </a:effectRef>
+            <a:fontRef idx="minor">
+              <a:schemeClr val="lt1"/>
+            </a:fontRef>
+          </p:style>
+          <p:txBody>
+            <a:bodyPr rtlCol="0" anchor="ctr"/>
+            <a:lstStyle/>
+            <a:p>
+              <a:pPr algn="ctr"/>
+              <a:endParaRPr lang="en-DK"/>
+            </a:p>
+          </p:txBody>
+        </p:sp>
+      </p:grpSp>
       <p:sp>
         <p:nvSpPr>
           <p:cNvPr id="2" name="Title 1">
@@ -9713,6 +12549,279 @@
 </p:sld>
 </file>
 
+<file path=ppt/slides/slide30.xml><?xml version="1.0" encoding="utf-8"?>
+<p:sld xmlns:a="http://schemas.openxmlformats.org/drawingml/2006/main" xmlns:r="http://schemas.openxmlformats.org/officeDocument/2006/relationships" xmlns:p="http://schemas.openxmlformats.org/presentationml/2006/main">
+  <p:cSld>
+    <p:spTree>
+      <p:nvGrpSpPr>
+        <p:cNvPr id="1" name=""/>
+        <p:cNvGrpSpPr/>
+        <p:nvPr/>
+      </p:nvGrpSpPr>
+      <p:grpSpPr>
+        <a:xfrm>
+          <a:off x="0" y="0"/>
+          <a:ext cx="0" cy="0"/>
+          <a:chOff x="0" y="0"/>
+          <a:chExt cx="0" cy="0"/>
+        </a:xfrm>
+      </p:grpSpPr>
+      <p:grpSp>
+        <p:nvGrpSpPr>
+          <p:cNvPr id="7" name="Group 6">
+            <a:extLst>
+              <a:ext uri="{FF2B5EF4-FFF2-40B4-BE49-F238E27FC236}">
+                <a16:creationId xmlns:a16="http://schemas.microsoft.com/office/drawing/2014/main" id="{D22A4516-36AC-4108-95BD-B6B13FAE23A3}"/>
+              </a:ext>
+            </a:extLst>
+          </p:cNvPr>
+          <p:cNvGrpSpPr/>
+          <p:nvPr/>
+        </p:nvGrpSpPr>
+        <p:grpSpPr>
+          <a:xfrm>
+            <a:off x="7487811" y="2182011"/>
+            <a:ext cx="5297585" cy="5306444"/>
+            <a:chOff x="7487811" y="2182011"/>
+            <a:chExt cx="5297585" cy="5306444"/>
+          </a:xfrm>
+        </p:grpSpPr>
+        <p:pic>
+          <p:nvPicPr>
+            <p:cNvPr id="8" name="Picture 7">
+              <a:extLst>
+                <a:ext uri="{FF2B5EF4-FFF2-40B4-BE49-F238E27FC236}">
+                  <a16:creationId xmlns:a16="http://schemas.microsoft.com/office/drawing/2014/main" id="{26D6662C-0E62-47E9-A54A-CE5EE440C259}"/>
+                </a:ext>
+              </a:extLst>
+            </p:cNvPr>
+            <p:cNvPicPr>
+              <a:picLocks noChangeAspect="1"/>
+            </p:cNvPicPr>
+            <p:nvPr/>
+          </p:nvPicPr>
+          <p:blipFill>
+            <a:blip r:embed="rId3">
+              <a:extLst>
+                <a:ext uri="{28A0092B-C50C-407E-A947-70E740481C1C}">
+                  <a14:useLocalDpi xmlns:a14="http://schemas.microsoft.com/office/drawing/2010/main" val="0"/>
+                </a:ext>
+              </a:extLst>
+            </a:blip>
+            <a:stretch>
+              <a:fillRect/>
+            </a:stretch>
+          </p:blipFill>
+          <p:spPr>
+            <a:xfrm>
+              <a:off x="7487811" y="2182011"/>
+              <a:ext cx="5297585" cy="5297585"/>
+            </a:xfrm>
+            <a:prstGeom prst="rect">
+              <a:avLst/>
+            </a:prstGeom>
+            <a:effectLst/>
+          </p:spPr>
+        </p:pic>
+        <p:sp>
+          <p:nvSpPr>
+            <p:cNvPr id="9" name="Rectangle 8">
+              <a:extLst>
+                <a:ext uri="{FF2B5EF4-FFF2-40B4-BE49-F238E27FC236}">
+                  <a16:creationId xmlns:a16="http://schemas.microsoft.com/office/drawing/2014/main" id="{AF22FA29-F69E-406E-9BD6-A3A95FF2A93D}"/>
+                </a:ext>
+              </a:extLst>
+            </p:cNvPr>
+            <p:cNvSpPr/>
+            <p:nvPr/>
+          </p:nvSpPr>
+          <p:spPr>
+            <a:xfrm>
+              <a:off x="7488455" y="2184935"/>
+              <a:ext cx="5293894" cy="5303520"/>
+            </a:xfrm>
+            <a:prstGeom prst="rect">
+              <a:avLst/>
+            </a:prstGeom>
+            <a:solidFill>
+              <a:schemeClr val="bg1">
+                <a:alpha val="89000"/>
+              </a:schemeClr>
+            </a:solidFill>
+            <a:ln>
+              <a:noFill/>
+            </a:ln>
+          </p:spPr>
+          <p:style>
+            <a:lnRef idx="2">
+              <a:schemeClr val="accent1">
+                <a:shade val="50000"/>
+              </a:schemeClr>
+            </a:lnRef>
+            <a:fillRef idx="1">
+              <a:schemeClr val="accent1"/>
+            </a:fillRef>
+            <a:effectRef idx="0">
+              <a:schemeClr val="accent1"/>
+            </a:effectRef>
+            <a:fontRef idx="minor">
+              <a:schemeClr val="lt1"/>
+            </a:fontRef>
+          </p:style>
+          <p:txBody>
+            <a:bodyPr rtlCol="0" anchor="ctr"/>
+            <a:lstStyle/>
+            <a:p>
+              <a:pPr algn="ctr"/>
+              <a:endParaRPr lang="en-DK"/>
+            </a:p>
+          </p:txBody>
+        </p:sp>
+      </p:grpSp>
+      <p:sp>
+        <p:nvSpPr>
+          <p:cNvPr id="2" name="Title 1">
+            <a:extLst>
+              <a:ext uri="{FF2B5EF4-FFF2-40B4-BE49-F238E27FC236}">
+                <a16:creationId xmlns:a16="http://schemas.microsoft.com/office/drawing/2014/main" id="{89D29649-D343-44F2-B438-451355E4409F}"/>
+              </a:ext>
+            </a:extLst>
+          </p:cNvPr>
+          <p:cNvSpPr>
+            <a:spLocks noGrp="1"/>
+          </p:cNvSpPr>
+          <p:nvPr>
+            <p:ph type="title"/>
+          </p:nvPr>
+        </p:nvSpPr>
+        <p:spPr/>
+        <p:txBody>
+          <a:bodyPr/>
+          <a:lstStyle/>
+          <a:p>
+            <a:r>
+              <a:rPr lang="da-DK" dirty="0"/>
+              <a:t>Graph databases</a:t>
+            </a:r>
+            <a:endParaRPr lang="en-DK" dirty="0"/>
+          </a:p>
+        </p:txBody>
+      </p:sp>
+      <p:pic>
+        <p:nvPicPr>
+          <p:cNvPr id="5" name="Content Placeholder 4">
+            <a:extLst>
+              <a:ext uri="{FF2B5EF4-FFF2-40B4-BE49-F238E27FC236}">
+                <a16:creationId xmlns:a16="http://schemas.microsoft.com/office/drawing/2014/main" id="{81048605-2134-4C73-9DA7-F5AED9A1CC5F}"/>
+              </a:ext>
+            </a:extLst>
+          </p:cNvPr>
+          <p:cNvPicPr>
+            <a:picLocks noGrp="1" noChangeAspect="1"/>
+          </p:cNvPicPr>
+          <p:nvPr>
+            <p:ph idx="1"/>
+          </p:nvPr>
+        </p:nvPicPr>
+        <p:blipFill>
+          <a:blip r:embed="rId4">
+            <a:extLst>
+              <a:ext uri="{28A0092B-C50C-407E-A947-70E740481C1C}">
+                <a14:useLocalDpi xmlns:a14="http://schemas.microsoft.com/office/drawing/2010/main" val="0"/>
+              </a:ext>
+            </a:extLst>
+          </a:blip>
+          <a:stretch>
+            <a:fillRect/>
+          </a:stretch>
+        </p:blipFill>
+        <p:spPr>
+          <a:xfrm>
+            <a:off x="1398433" y="1802765"/>
+            <a:ext cx="6286173" cy="4351338"/>
+          </a:xfrm>
+        </p:spPr>
+      </p:pic>
+      <p:sp>
+        <p:nvSpPr>
+          <p:cNvPr id="6" name="TextBox 5">
+            <a:extLst>
+              <a:ext uri="{FF2B5EF4-FFF2-40B4-BE49-F238E27FC236}">
+                <a16:creationId xmlns:a16="http://schemas.microsoft.com/office/drawing/2014/main" id="{4BDA5506-EA17-4252-9D62-BE5D88E3B31A}"/>
+              </a:ext>
+            </a:extLst>
+          </p:cNvPr>
+          <p:cNvSpPr txBox="1"/>
+          <p:nvPr/>
+        </p:nvSpPr>
+        <p:spPr>
+          <a:xfrm>
+            <a:off x="9182100" y="3825240"/>
+            <a:ext cx="1566519" cy="1200329"/>
+          </a:xfrm>
+          <a:prstGeom prst="rect">
+            <a:avLst/>
+          </a:prstGeom>
+          <a:noFill/>
+        </p:spPr>
+        <p:txBody>
+          <a:bodyPr wrap="none" rtlCol="0">
+            <a:spAutoFit/>
+          </a:bodyPr>
+          <a:lstStyle/>
+          <a:p>
+            <a:r>
+              <a:rPr lang="en-US" dirty="0"/>
+              <a:t>Examples:</a:t>
+            </a:r>
+          </a:p>
+          <a:p>
+            <a:pPr marL="285750" indent="-285750">
+              <a:buFont typeface="Arial" panose="020B0604020202020204" pitchFamily="34" charset="0"/>
+              <a:buChar char="•"/>
+            </a:pPr>
+            <a:r>
+              <a:rPr lang="en-US" dirty="0"/>
+              <a:t>Neo4j</a:t>
+            </a:r>
+          </a:p>
+          <a:p>
+            <a:pPr marL="285750" indent="-285750">
+              <a:buFont typeface="Arial" panose="020B0604020202020204" pitchFamily="34" charset="0"/>
+              <a:buChar char="•"/>
+            </a:pPr>
+            <a:r>
+              <a:rPr lang="en-US" dirty="0" err="1"/>
+              <a:t>JanusGraph</a:t>
+            </a:r>
+            <a:endParaRPr lang="en-US" dirty="0"/>
+          </a:p>
+          <a:p>
+            <a:pPr marL="285750" indent="-285750">
+              <a:buFont typeface="Arial" panose="020B0604020202020204" pitchFamily="34" charset="0"/>
+              <a:buChar char="•"/>
+            </a:pPr>
+            <a:r>
+              <a:rPr lang="en-US" dirty="0" err="1"/>
+              <a:t>Dgraph</a:t>
+            </a:r>
+            <a:endParaRPr lang="en-US" dirty="0"/>
+          </a:p>
+        </p:txBody>
+      </p:sp>
+    </p:spTree>
+    <p:extLst>
+      <p:ext uri="{BB962C8B-B14F-4D97-AF65-F5344CB8AC3E}">
+        <p14:creationId xmlns:p14="http://schemas.microsoft.com/office/powerpoint/2010/main" val="465704860"/>
+      </p:ext>
+    </p:extLst>
+  </p:cSld>
+  <p:clrMapOvr>
+    <a:masterClrMapping/>
+  </p:clrMapOvr>
+</p:sld>
+</file>
+
 <file path=ppt/slides/slide4.xml><?xml version="1.0" encoding="utf-8"?>
 <p:sld xmlns:a="http://schemas.openxmlformats.org/drawingml/2006/main" xmlns:r="http://schemas.openxmlformats.org/officeDocument/2006/relationships" xmlns:p="http://schemas.openxmlformats.org/presentationml/2006/main">
   <p:cSld>
@@ -9730,6 +12839,118 @@
           <a:chExt cx="0" cy="0"/>
         </a:xfrm>
       </p:grpSpPr>
+      <p:grpSp>
+        <p:nvGrpSpPr>
+          <p:cNvPr id="7" name="Group 6">
+            <a:extLst>
+              <a:ext uri="{FF2B5EF4-FFF2-40B4-BE49-F238E27FC236}">
+                <a16:creationId xmlns:a16="http://schemas.microsoft.com/office/drawing/2014/main" id="{DDABA6F8-A98B-444B-9CC8-1FA0BDCA15CA}"/>
+              </a:ext>
+            </a:extLst>
+          </p:cNvPr>
+          <p:cNvGrpSpPr/>
+          <p:nvPr/>
+        </p:nvGrpSpPr>
+        <p:grpSpPr>
+          <a:xfrm>
+            <a:off x="7487811" y="2182011"/>
+            <a:ext cx="5297585" cy="5306444"/>
+            <a:chOff x="7487811" y="2182011"/>
+            <a:chExt cx="5297585" cy="5306444"/>
+          </a:xfrm>
+        </p:grpSpPr>
+        <p:pic>
+          <p:nvPicPr>
+            <p:cNvPr id="8" name="Picture 7">
+              <a:extLst>
+                <a:ext uri="{FF2B5EF4-FFF2-40B4-BE49-F238E27FC236}">
+                  <a16:creationId xmlns:a16="http://schemas.microsoft.com/office/drawing/2014/main" id="{B800769B-6D09-41F7-B058-4504FB6BEA97}"/>
+                </a:ext>
+              </a:extLst>
+            </p:cNvPr>
+            <p:cNvPicPr>
+              <a:picLocks noChangeAspect="1"/>
+            </p:cNvPicPr>
+            <p:nvPr/>
+          </p:nvPicPr>
+          <p:blipFill>
+            <a:blip r:embed="rId3">
+              <a:extLst>
+                <a:ext uri="{28A0092B-C50C-407E-A947-70E740481C1C}">
+                  <a14:useLocalDpi xmlns:a14="http://schemas.microsoft.com/office/drawing/2010/main" val="0"/>
+                </a:ext>
+              </a:extLst>
+            </a:blip>
+            <a:stretch>
+              <a:fillRect/>
+            </a:stretch>
+          </p:blipFill>
+          <p:spPr>
+            <a:xfrm>
+              <a:off x="7487811" y="2182011"/>
+              <a:ext cx="5297585" cy="5297585"/>
+            </a:xfrm>
+            <a:prstGeom prst="rect">
+              <a:avLst/>
+            </a:prstGeom>
+            <a:effectLst/>
+          </p:spPr>
+        </p:pic>
+        <p:sp>
+          <p:nvSpPr>
+            <p:cNvPr id="9" name="Rectangle 8">
+              <a:extLst>
+                <a:ext uri="{FF2B5EF4-FFF2-40B4-BE49-F238E27FC236}">
+                  <a16:creationId xmlns:a16="http://schemas.microsoft.com/office/drawing/2014/main" id="{A9CBC355-1D6C-41D1-B8D7-30B7E190A04B}"/>
+                </a:ext>
+              </a:extLst>
+            </p:cNvPr>
+            <p:cNvSpPr/>
+            <p:nvPr/>
+          </p:nvSpPr>
+          <p:spPr>
+            <a:xfrm>
+              <a:off x="7488455" y="2184935"/>
+              <a:ext cx="5293894" cy="5303520"/>
+            </a:xfrm>
+            <a:prstGeom prst="rect">
+              <a:avLst/>
+            </a:prstGeom>
+            <a:solidFill>
+              <a:schemeClr val="bg1">
+                <a:alpha val="89000"/>
+              </a:schemeClr>
+            </a:solidFill>
+            <a:ln>
+              <a:noFill/>
+            </a:ln>
+          </p:spPr>
+          <p:style>
+            <a:lnRef idx="2">
+              <a:schemeClr val="accent1">
+                <a:shade val="50000"/>
+              </a:schemeClr>
+            </a:lnRef>
+            <a:fillRef idx="1">
+              <a:schemeClr val="accent1"/>
+            </a:fillRef>
+            <a:effectRef idx="0">
+              <a:schemeClr val="accent1"/>
+            </a:effectRef>
+            <a:fontRef idx="minor">
+              <a:schemeClr val="lt1"/>
+            </a:fontRef>
+          </p:style>
+          <p:txBody>
+            <a:bodyPr rtlCol="0" anchor="ctr"/>
+            <a:lstStyle/>
+            <a:p>
+              <a:pPr algn="ctr"/>
+              <a:endParaRPr lang="en-DK"/>
+            </a:p>
+          </p:txBody>
+        </p:sp>
+      </p:grpSp>
       <p:sp>
         <p:nvSpPr>
           <p:cNvPr id="2" name="Title 1">
@@ -9780,7 +13001,7 @@
           </p:nvPr>
         </p:nvPicPr>
         <p:blipFill>
-          <a:blip r:embed="rId3">
+          <a:blip r:embed="rId4">
             <a:extLst>
               <a:ext uri="{28A0092B-C50C-407E-A947-70E740481C1C}">
                 <a14:useLocalDpi xmlns:a14="http://schemas.microsoft.com/office/drawing/2010/main" val="0"/>
@@ -9827,12 +13048,8 @@
           <a:lstStyle/>
           <a:p>
             <a:r>
-              <a:rPr lang="en-US" dirty="0" err="1"/>
-              <a:t>Exampels</a:t>
-            </a:r>
-            <a:r>
               <a:rPr lang="en-US" dirty="0"/>
-              <a:t>:</a:t>
+              <a:t>Examples:</a:t>
             </a:r>
           </a:p>
           <a:p>
@@ -9898,6 +13115,118 @@
           <a:chExt cx="0" cy="0"/>
         </a:xfrm>
       </p:grpSpPr>
+      <p:grpSp>
+        <p:nvGrpSpPr>
+          <p:cNvPr id="7" name="Group 6">
+            <a:extLst>
+              <a:ext uri="{FF2B5EF4-FFF2-40B4-BE49-F238E27FC236}">
+                <a16:creationId xmlns:a16="http://schemas.microsoft.com/office/drawing/2014/main" id="{D1B99D80-69C1-4468-ACB9-CFA3277DF005}"/>
+              </a:ext>
+            </a:extLst>
+          </p:cNvPr>
+          <p:cNvGrpSpPr/>
+          <p:nvPr/>
+        </p:nvGrpSpPr>
+        <p:grpSpPr>
+          <a:xfrm>
+            <a:off x="7487811" y="2182011"/>
+            <a:ext cx="5297585" cy="5306444"/>
+            <a:chOff x="7487811" y="2182011"/>
+            <a:chExt cx="5297585" cy="5306444"/>
+          </a:xfrm>
+        </p:grpSpPr>
+        <p:pic>
+          <p:nvPicPr>
+            <p:cNvPr id="8" name="Picture 7">
+              <a:extLst>
+                <a:ext uri="{FF2B5EF4-FFF2-40B4-BE49-F238E27FC236}">
+                  <a16:creationId xmlns:a16="http://schemas.microsoft.com/office/drawing/2014/main" id="{85AD1EB9-EDDD-430E-BB3B-A5006BABA01C}"/>
+                </a:ext>
+              </a:extLst>
+            </p:cNvPr>
+            <p:cNvPicPr>
+              <a:picLocks noChangeAspect="1"/>
+            </p:cNvPicPr>
+            <p:nvPr/>
+          </p:nvPicPr>
+          <p:blipFill>
+            <a:blip r:embed="rId3">
+              <a:extLst>
+                <a:ext uri="{28A0092B-C50C-407E-A947-70E740481C1C}">
+                  <a14:useLocalDpi xmlns:a14="http://schemas.microsoft.com/office/drawing/2010/main" val="0"/>
+                </a:ext>
+              </a:extLst>
+            </a:blip>
+            <a:stretch>
+              <a:fillRect/>
+            </a:stretch>
+          </p:blipFill>
+          <p:spPr>
+            <a:xfrm>
+              <a:off x="7487811" y="2182011"/>
+              <a:ext cx="5297585" cy="5297585"/>
+            </a:xfrm>
+            <a:prstGeom prst="rect">
+              <a:avLst/>
+            </a:prstGeom>
+            <a:effectLst/>
+          </p:spPr>
+        </p:pic>
+        <p:sp>
+          <p:nvSpPr>
+            <p:cNvPr id="9" name="Rectangle 8">
+              <a:extLst>
+                <a:ext uri="{FF2B5EF4-FFF2-40B4-BE49-F238E27FC236}">
+                  <a16:creationId xmlns:a16="http://schemas.microsoft.com/office/drawing/2014/main" id="{31733A34-3737-4CDB-98B5-DD736E33FC4E}"/>
+                </a:ext>
+              </a:extLst>
+            </p:cNvPr>
+            <p:cNvSpPr/>
+            <p:nvPr/>
+          </p:nvSpPr>
+          <p:spPr>
+            <a:xfrm>
+              <a:off x="7488455" y="2184935"/>
+              <a:ext cx="5293894" cy="5303520"/>
+            </a:xfrm>
+            <a:prstGeom prst="rect">
+              <a:avLst/>
+            </a:prstGeom>
+            <a:solidFill>
+              <a:schemeClr val="bg1">
+                <a:alpha val="89000"/>
+              </a:schemeClr>
+            </a:solidFill>
+            <a:ln>
+              <a:noFill/>
+            </a:ln>
+          </p:spPr>
+          <p:style>
+            <a:lnRef idx="2">
+              <a:schemeClr val="accent1">
+                <a:shade val="50000"/>
+              </a:schemeClr>
+            </a:lnRef>
+            <a:fillRef idx="1">
+              <a:schemeClr val="accent1"/>
+            </a:fillRef>
+            <a:effectRef idx="0">
+              <a:schemeClr val="accent1"/>
+            </a:effectRef>
+            <a:fontRef idx="minor">
+              <a:schemeClr val="lt1"/>
+            </a:fontRef>
+          </p:style>
+          <p:txBody>
+            <a:bodyPr rtlCol="0" anchor="ctr"/>
+            <a:lstStyle/>
+            <a:p>
+              <a:pPr algn="ctr"/>
+              <a:endParaRPr lang="en-DK"/>
+            </a:p>
+          </p:txBody>
+        </p:sp>
+      </p:grpSp>
       <p:sp>
         <p:nvSpPr>
           <p:cNvPr id="2" name="Title 1">
@@ -9944,7 +13273,7 @@
           </p:nvPr>
         </p:nvPicPr>
         <p:blipFill>
-          <a:blip r:embed="rId3">
+          <a:blip r:embed="rId4">
             <a:extLst>
               <a:ext uri="{28A0092B-C50C-407E-A947-70E740481C1C}">
                 <a14:useLocalDpi xmlns:a14="http://schemas.microsoft.com/office/drawing/2010/main" val="0"/>
@@ -9991,12 +13320,8 @@
           <a:lstStyle/>
           <a:p>
             <a:r>
-              <a:rPr lang="en-US" dirty="0" err="1"/>
-              <a:t>Exampels</a:t>
-            </a:r>
-            <a:r>
               <a:rPr lang="en-US" dirty="0"/>
-              <a:t>:</a:t>
+              <a:t>Examples:</a:t>
             </a:r>
           </a:p>
           <a:p>
@@ -10042,6 +13367,118 @@
           <a:chExt cx="0" cy="0"/>
         </a:xfrm>
       </p:grpSpPr>
+      <p:grpSp>
+        <p:nvGrpSpPr>
+          <p:cNvPr id="7" name="Group 6">
+            <a:extLst>
+              <a:ext uri="{FF2B5EF4-FFF2-40B4-BE49-F238E27FC236}">
+                <a16:creationId xmlns:a16="http://schemas.microsoft.com/office/drawing/2014/main" id="{BA070B19-22BA-43D1-AC87-4EE2F052824D}"/>
+              </a:ext>
+            </a:extLst>
+          </p:cNvPr>
+          <p:cNvGrpSpPr/>
+          <p:nvPr/>
+        </p:nvGrpSpPr>
+        <p:grpSpPr>
+          <a:xfrm>
+            <a:off x="7487811" y="2182011"/>
+            <a:ext cx="5297585" cy="5306444"/>
+            <a:chOff x="7487811" y="2182011"/>
+            <a:chExt cx="5297585" cy="5306444"/>
+          </a:xfrm>
+        </p:grpSpPr>
+        <p:pic>
+          <p:nvPicPr>
+            <p:cNvPr id="8" name="Picture 7">
+              <a:extLst>
+                <a:ext uri="{FF2B5EF4-FFF2-40B4-BE49-F238E27FC236}">
+                  <a16:creationId xmlns:a16="http://schemas.microsoft.com/office/drawing/2014/main" id="{CA7D47EE-30D9-4BA4-9EC2-291A1BD16934}"/>
+                </a:ext>
+              </a:extLst>
+            </p:cNvPr>
+            <p:cNvPicPr>
+              <a:picLocks noChangeAspect="1"/>
+            </p:cNvPicPr>
+            <p:nvPr/>
+          </p:nvPicPr>
+          <p:blipFill>
+            <a:blip r:embed="rId3">
+              <a:extLst>
+                <a:ext uri="{28A0092B-C50C-407E-A947-70E740481C1C}">
+                  <a14:useLocalDpi xmlns:a14="http://schemas.microsoft.com/office/drawing/2010/main" val="0"/>
+                </a:ext>
+              </a:extLst>
+            </a:blip>
+            <a:stretch>
+              <a:fillRect/>
+            </a:stretch>
+          </p:blipFill>
+          <p:spPr>
+            <a:xfrm>
+              <a:off x="7487811" y="2182011"/>
+              <a:ext cx="5297585" cy="5297585"/>
+            </a:xfrm>
+            <a:prstGeom prst="rect">
+              <a:avLst/>
+            </a:prstGeom>
+            <a:effectLst/>
+          </p:spPr>
+        </p:pic>
+        <p:sp>
+          <p:nvSpPr>
+            <p:cNvPr id="9" name="Rectangle 8">
+              <a:extLst>
+                <a:ext uri="{FF2B5EF4-FFF2-40B4-BE49-F238E27FC236}">
+                  <a16:creationId xmlns:a16="http://schemas.microsoft.com/office/drawing/2014/main" id="{ADBD2F91-3C7B-466C-AEDC-4C913E8A6915}"/>
+                </a:ext>
+              </a:extLst>
+            </p:cNvPr>
+            <p:cNvSpPr/>
+            <p:nvPr/>
+          </p:nvSpPr>
+          <p:spPr>
+            <a:xfrm>
+              <a:off x="7488455" y="2184935"/>
+              <a:ext cx="5293894" cy="5303520"/>
+            </a:xfrm>
+            <a:prstGeom prst="rect">
+              <a:avLst/>
+            </a:prstGeom>
+            <a:solidFill>
+              <a:schemeClr val="bg1">
+                <a:alpha val="89000"/>
+              </a:schemeClr>
+            </a:solidFill>
+            <a:ln>
+              <a:noFill/>
+            </a:ln>
+          </p:spPr>
+          <p:style>
+            <a:lnRef idx="2">
+              <a:schemeClr val="accent1">
+                <a:shade val="50000"/>
+              </a:schemeClr>
+            </a:lnRef>
+            <a:fillRef idx="1">
+              <a:schemeClr val="accent1"/>
+            </a:fillRef>
+            <a:effectRef idx="0">
+              <a:schemeClr val="accent1"/>
+            </a:effectRef>
+            <a:fontRef idx="minor">
+              <a:schemeClr val="lt1"/>
+            </a:fontRef>
+          </p:style>
+          <p:txBody>
+            <a:bodyPr rtlCol="0" anchor="ctr"/>
+            <a:lstStyle/>
+            <a:p>
+              <a:pPr algn="ctr"/>
+              <a:endParaRPr lang="en-DK"/>
+            </a:p>
+          </p:txBody>
+        </p:sp>
+      </p:grpSp>
       <p:sp>
         <p:nvSpPr>
           <p:cNvPr id="2" name="Title 1">
@@ -10092,7 +13529,7 @@
           </p:nvPr>
         </p:nvPicPr>
         <p:blipFill>
-          <a:blip r:embed="rId3">
+          <a:blip r:embed="rId4">
             <a:extLst>
               <a:ext uri="{28A0092B-C50C-407E-A947-70E740481C1C}">
                 <a14:useLocalDpi xmlns:a14="http://schemas.microsoft.com/office/drawing/2010/main" val="0"/>
@@ -10216,6 +13653,118 @@
           <a:chExt cx="0" cy="0"/>
         </a:xfrm>
       </p:grpSpPr>
+      <p:grpSp>
+        <p:nvGrpSpPr>
+          <p:cNvPr id="7" name="Group 6">
+            <a:extLst>
+              <a:ext uri="{FF2B5EF4-FFF2-40B4-BE49-F238E27FC236}">
+                <a16:creationId xmlns:a16="http://schemas.microsoft.com/office/drawing/2014/main" id="{1092CEBD-E091-46E1-86AB-E3003881D793}"/>
+              </a:ext>
+            </a:extLst>
+          </p:cNvPr>
+          <p:cNvGrpSpPr/>
+          <p:nvPr/>
+        </p:nvGrpSpPr>
+        <p:grpSpPr>
+          <a:xfrm>
+            <a:off x="7487811" y="2182011"/>
+            <a:ext cx="5297585" cy="5306444"/>
+            <a:chOff x="7487811" y="2182011"/>
+            <a:chExt cx="5297585" cy="5306444"/>
+          </a:xfrm>
+        </p:grpSpPr>
+        <p:pic>
+          <p:nvPicPr>
+            <p:cNvPr id="8" name="Picture 7">
+              <a:extLst>
+                <a:ext uri="{FF2B5EF4-FFF2-40B4-BE49-F238E27FC236}">
+                  <a16:creationId xmlns:a16="http://schemas.microsoft.com/office/drawing/2014/main" id="{FE410A3B-177D-455E-860E-3FEC52DC9995}"/>
+                </a:ext>
+              </a:extLst>
+            </p:cNvPr>
+            <p:cNvPicPr>
+              <a:picLocks noChangeAspect="1"/>
+            </p:cNvPicPr>
+            <p:nvPr/>
+          </p:nvPicPr>
+          <p:blipFill>
+            <a:blip r:embed="rId3">
+              <a:extLst>
+                <a:ext uri="{28A0092B-C50C-407E-A947-70E740481C1C}">
+                  <a14:useLocalDpi xmlns:a14="http://schemas.microsoft.com/office/drawing/2010/main" val="0"/>
+                </a:ext>
+              </a:extLst>
+            </a:blip>
+            <a:stretch>
+              <a:fillRect/>
+            </a:stretch>
+          </p:blipFill>
+          <p:spPr>
+            <a:xfrm>
+              <a:off x="7487811" y="2182011"/>
+              <a:ext cx="5297585" cy="5297585"/>
+            </a:xfrm>
+            <a:prstGeom prst="rect">
+              <a:avLst/>
+            </a:prstGeom>
+            <a:effectLst/>
+          </p:spPr>
+        </p:pic>
+        <p:sp>
+          <p:nvSpPr>
+            <p:cNvPr id="9" name="Rectangle 8">
+              <a:extLst>
+                <a:ext uri="{FF2B5EF4-FFF2-40B4-BE49-F238E27FC236}">
+                  <a16:creationId xmlns:a16="http://schemas.microsoft.com/office/drawing/2014/main" id="{D46DEA6D-087B-4ADA-89FA-C226C9E336FE}"/>
+                </a:ext>
+              </a:extLst>
+            </p:cNvPr>
+            <p:cNvSpPr/>
+            <p:nvPr/>
+          </p:nvSpPr>
+          <p:spPr>
+            <a:xfrm>
+              <a:off x="7488455" y="2184935"/>
+              <a:ext cx="5293894" cy="5303520"/>
+            </a:xfrm>
+            <a:prstGeom prst="rect">
+              <a:avLst/>
+            </a:prstGeom>
+            <a:solidFill>
+              <a:schemeClr val="bg1">
+                <a:alpha val="89000"/>
+              </a:schemeClr>
+            </a:solidFill>
+            <a:ln>
+              <a:noFill/>
+            </a:ln>
+          </p:spPr>
+          <p:style>
+            <a:lnRef idx="2">
+              <a:schemeClr val="accent1">
+                <a:shade val="50000"/>
+              </a:schemeClr>
+            </a:lnRef>
+            <a:fillRef idx="1">
+              <a:schemeClr val="accent1"/>
+            </a:fillRef>
+            <a:effectRef idx="0">
+              <a:schemeClr val="accent1"/>
+            </a:effectRef>
+            <a:fontRef idx="minor">
+              <a:schemeClr val="lt1"/>
+            </a:fontRef>
+          </p:style>
+          <p:txBody>
+            <a:bodyPr rtlCol="0" anchor="ctr"/>
+            <a:lstStyle/>
+            <a:p>
+              <a:pPr algn="ctr"/>
+              <a:endParaRPr lang="en-DK"/>
+            </a:p>
+          </p:txBody>
+        </p:sp>
+      </p:grpSp>
       <p:sp>
         <p:nvSpPr>
           <p:cNvPr id="2" name="Title 1">
@@ -10297,7 +13846,7 @@
           <p:nvPr/>
         </p:nvPicPr>
         <p:blipFill>
-          <a:blip r:embed="rId3">
+          <a:blip r:embed="rId4">
             <a:extLst>
               <a:ext uri="{28A0092B-C50C-407E-A947-70E740481C1C}">
                 <a14:useLocalDpi xmlns:a14="http://schemas.microsoft.com/office/drawing/2010/main" val="0"/>
@@ -10404,6 +13953,118 @@
           <a:chExt cx="0" cy="0"/>
         </a:xfrm>
       </p:grpSpPr>
+      <p:grpSp>
+        <p:nvGrpSpPr>
+          <p:cNvPr id="7" name="Group 6">
+            <a:extLst>
+              <a:ext uri="{FF2B5EF4-FFF2-40B4-BE49-F238E27FC236}">
+                <a16:creationId xmlns:a16="http://schemas.microsoft.com/office/drawing/2014/main" id="{08642DD6-FFA5-4254-9B3B-18DE545162B2}"/>
+              </a:ext>
+            </a:extLst>
+          </p:cNvPr>
+          <p:cNvGrpSpPr/>
+          <p:nvPr/>
+        </p:nvGrpSpPr>
+        <p:grpSpPr>
+          <a:xfrm>
+            <a:off x="7487811" y="2182011"/>
+            <a:ext cx="5297585" cy="5306444"/>
+            <a:chOff x="7487811" y="2182011"/>
+            <a:chExt cx="5297585" cy="5306444"/>
+          </a:xfrm>
+        </p:grpSpPr>
+        <p:pic>
+          <p:nvPicPr>
+            <p:cNvPr id="8" name="Picture 7">
+              <a:extLst>
+                <a:ext uri="{FF2B5EF4-FFF2-40B4-BE49-F238E27FC236}">
+                  <a16:creationId xmlns:a16="http://schemas.microsoft.com/office/drawing/2014/main" id="{F4079309-BF1D-4CCD-B822-572687C105FC}"/>
+                </a:ext>
+              </a:extLst>
+            </p:cNvPr>
+            <p:cNvPicPr>
+              <a:picLocks noChangeAspect="1"/>
+            </p:cNvPicPr>
+            <p:nvPr/>
+          </p:nvPicPr>
+          <p:blipFill>
+            <a:blip r:embed="rId3">
+              <a:extLst>
+                <a:ext uri="{28A0092B-C50C-407E-A947-70E740481C1C}">
+                  <a14:useLocalDpi xmlns:a14="http://schemas.microsoft.com/office/drawing/2010/main" val="0"/>
+                </a:ext>
+              </a:extLst>
+            </a:blip>
+            <a:stretch>
+              <a:fillRect/>
+            </a:stretch>
+          </p:blipFill>
+          <p:spPr>
+            <a:xfrm>
+              <a:off x="7487811" y="2182011"/>
+              <a:ext cx="5297585" cy="5297585"/>
+            </a:xfrm>
+            <a:prstGeom prst="rect">
+              <a:avLst/>
+            </a:prstGeom>
+            <a:effectLst/>
+          </p:spPr>
+        </p:pic>
+        <p:sp>
+          <p:nvSpPr>
+            <p:cNvPr id="9" name="Rectangle 8">
+              <a:extLst>
+                <a:ext uri="{FF2B5EF4-FFF2-40B4-BE49-F238E27FC236}">
+                  <a16:creationId xmlns:a16="http://schemas.microsoft.com/office/drawing/2014/main" id="{19E3938B-3F8C-4CAD-B438-A212F9AC6382}"/>
+                </a:ext>
+              </a:extLst>
+            </p:cNvPr>
+            <p:cNvSpPr/>
+            <p:nvPr/>
+          </p:nvSpPr>
+          <p:spPr>
+            <a:xfrm>
+              <a:off x="7488455" y="2184935"/>
+              <a:ext cx="5293894" cy="5303520"/>
+            </a:xfrm>
+            <a:prstGeom prst="rect">
+              <a:avLst/>
+            </a:prstGeom>
+            <a:solidFill>
+              <a:schemeClr val="bg1">
+                <a:alpha val="89000"/>
+              </a:schemeClr>
+            </a:solidFill>
+            <a:ln>
+              <a:noFill/>
+            </a:ln>
+          </p:spPr>
+          <p:style>
+            <a:lnRef idx="2">
+              <a:schemeClr val="accent1">
+                <a:shade val="50000"/>
+              </a:schemeClr>
+            </a:lnRef>
+            <a:fillRef idx="1">
+              <a:schemeClr val="accent1"/>
+            </a:fillRef>
+            <a:effectRef idx="0">
+              <a:schemeClr val="accent1"/>
+            </a:effectRef>
+            <a:fontRef idx="minor">
+              <a:schemeClr val="lt1"/>
+            </a:fontRef>
+          </p:style>
+          <p:txBody>
+            <a:bodyPr rtlCol="0" anchor="ctr"/>
+            <a:lstStyle/>
+            <a:p>
+              <a:pPr algn="ctr"/>
+              <a:endParaRPr lang="en-DK"/>
+            </a:p>
+          </p:txBody>
+        </p:sp>
+      </p:grpSp>
       <p:sp>
         <p:nvSpPr>
           <p:cNvPr id="2" name="Title 1">
@@ -10450,7 +14111,7 @@
           </p:nvPr>
         </p:nvPicPr>
         <p:blipFill>
-          <a:blip r:embed="rId3">
+          <a:blip r:embed="rId4">
             <a:extLst>
               <a:ext uri="{28A0092B-C50C-407E-A947-70E740481C1C}">
                 <a14:useLocalDpi xmlns:a14="http://schemas.microsoft.com/office/drawing/2010/main" val="0"/>
@@ -10554,12 +14215,124 @@
           <a:chExt cx="0" cy="0"/>
         </a:xfrm>
       </p:grpSpPr>
+      <p:grpSp>
+        <p:nvGrpSpPr>
+          <p:cNvPr id="4" name="Group 3">
+            <a:extLst>
+              <a:ext uri="{FF2B5EF4-FFF2-40B4-BE49-F238E27FC236}">
+                <a16:creationId xmlns:a16="http://schemas.microsoft.com/office/drawing/2014/main" id="{7F506E0D-8001-4A8A-B22B-B24529E5EF61}"/>
+              </a:ext>
+            </a:extLst>
+          </p:cNvPr>
+          <p:cNvGrpSpPr/>
+          <p:nvPr/>
+        </p:nvGrpSpPr>
+        <p:grpSpPr>
+          <a:xfrm>
+            <a:off x="7487811" y="2182011"/>
+            <a:ext cx="5297585" cy="5306444"/>
+            <a:chOff x="7487811" y="2182011"/>
+            <a:chExt cx="5297585" cy="5306444"/>
+          </a:xfrm>
+        </p:grpSpPr>
+        <p:pic>
+          <p:nvPicPr>
+            <p:cNvPr id="5" name="Picture 4">
+              <a:extLst>
+                <a:ext uri="{FF2B5EF4-FFF2-40B4-BE49-F238E27FC236}">
+                  <a16:creationId xmlns:a16="http://schemas.microsoft.com/office/drawing/2014/main" id="{E236022F-B496-4771-A54F-5ED7B71612B5}"/>
+                </a:ext>
+              </a:extLst>
+            </p:cNvPr>
+            <p:cNvPicPr>
+              <a:picLocks noChangeAspect="1"/>
+            </p:cNvPicPr>
+            <p:nvPr/>
+          </p:nvPicPr>
+          <p:blipFill>
+            <a:blip r:embed="rId2">
+              <a:extLst>
+                <a:ext uri="{28A0092B-C50C-407E-A947-70E740481C1C}">
+                  <a14:useLocalDpi xmlns:a14="http://schemas.microsoft.com/office/drawing/2010/main" val="0"/>
+                </a:ext>
+              </a:extLst>
+            </a:blip>
+            <a:stretch>
+              <a:fillRect/>
+            </a:stretch>
+          </p:blipFill>
+          <p:spPr>
+            <a:xfrm>
+              <a:off x="7487811" y="2182011"/>
+              <a:ext cx="5297585" cy="5297585"/>
+            </a:xfrm>
+            <a:prstGeom prst="rect">
+              <a:avLst/>
+            </a:prstGeom>
+            <a:effectLst/>
+          </p:spPr>
+        </p:pic>
+        <p:sp>
+          <p:nvSpPr>
+            <p:cNvPr id="6" name="Rectangle 5">
+              <a:extLst>
+                <a:ext uri="{FF2B5EF4-FFF2-40B4-BE49-F238E27FC236}">
+                  <a16:creationId xmlns:a16="http://schemas.microsoft.com/office/drawing/2014/main" id="{5F9837A7-1F81-44CE-9269-13541B13DEBA}"/>
+                </a:ext>
+              </a:extLst>
+            </p:cNvPr>
+            <p:cNvSpPr/>
+            <p:nvPr/>
+          </p:nvSpPr>
+          <p:spPr>
+            <a:xfrm>
+              <a:off x="7488455" y="2184935"/>
+              <a:ext cx="5293894" cy="5303520"/>
+            </a:xfrm>
+            <a:prstGeom prst="rect">
+              <a:avLst/>
+            </a:prstGeom>
+            <a:solidFill>
+              <a:schemeClr val="bg1">
+                <a:alpha val="89000"/>
+              </a:schemeClr>
+            </a:solidFill>
+            <a:ln>
+              <a:noFill/>
+            </a:ln>
+          </p:spPr>
+          <p:style>
+            <a:lnRef idx="2">
+              <a:schemeClr val="accent1">
+                <a:shade val="50000"/>
+              </a:schemeClr>
+            </a:lnRef>
+            <a:fillRef idx="1">
+              <a:schemeClr val="accent1"/>
+            </a:fillRef>
+            <a:effectRef idx="0">
+              <a:schemeClr val="accent1"/>
+            </a:effectRef>
+            <a:fontRef idx="minor">
+              <a:schemeClr val="lt1"/>
+            </a:fontRef>
+          </p:style>
+          <p:txBody>
+            <a:bodyPr rtlCol="0" anchor="ctr"/>
+            <a:lstStyle/>
+            <a:p>
+              <a:pPr algn="ctr"/>
+              <a:endParaRPr lang="en-DK"/>
+            </a:p>
+          </p:txBody>
+        </p:sp>
+      </p:grpSp>
       <p:sp>
         <p:nvSpPr>
           <p:cNvPr id="2" name="Title 1">
             <a:extLst>
               <a:ext uri="{FF2B5EF4-FFF2-40B4-BE49-F238E27FC236}">
-                <a16:creationId xmlns:a16="http://schemas.microsoft.com/office/drawing/2014/main" id="{89D29649-D343-44F2-B438-451355E4409F}"/>
+                <a16:creationId xmlns:a16="http://schemas.microsoft.com/office/drawing/2014/main" id="{3B075B62-A669-48C7-8862-B0CC05ED729A}"/>
               </a:ext>
             </a:extLst>
           </p:cNvPr>
@@ -10576,119 +14349,45 @@
           <a:lstStyle/>
           <a:p>
             <a:r>
-              <a:rPr lang="da-DK" dirty="0"/>
-              <a:t>Graph databases</a:t>
+              <a:rPr lang="en-US" dirty="0"/>
+              <a:t>How does data truly look?</a:t>
             </a:r>
             <a:endParaRPr lang="en-DK" dirty="0"/>
           </a:p>
         </p:txBody>
       </p:sp>
-      <p:pic>
-        <p:nvPicPr>
-          <p:cNvPr id="5" name="Content Placeholder 4">
-            <a:extLst>
-              <a:ext uri="{FF2B5EF4-FFF2-40B4-BE49-F238E27FC236}">
-                <a16:creationId xmlns:a16="http://schemas.microsoft.com/office/drawing/2014/main" id="{81048605-2134-4C73-9DA7-F5AED9A1CC5F}"/>
-              </a:ext>
-            </a:extLst>
-          </p:cNvPr>
-          <p:cNvPicPr>
-            <a:picLocks noGrp="1" noChangeAspect="1"/>
-          </p:cNvPicPr>
+      <p:sp>
+        <p:nvSpPr>
+          <p:cNvPr id="3" name="Text Placeholder 2">
+            <a:extLst>
+              <a:ext uri="{FF2B5EF4-FFF2-40B4-BE49-F238E27FC236}">
+                <a16:creationId xmlns:a16="http://schemas.microsoft.com/office/drawing/2014/main" id="{9537D7D8-196C-4229-853A-E33B538CEE1A}"/>
+              </a:ext>
+            </a:extLst>
+          </p:cNvPr>
+          <p:cNvSpPr>
+            <a:spLocks noGrp="1"/>
+          </p:cNvSpPr>
           <p:nvPr>
-            <p:ph idx="1"/>
+            <p:ph type="body" idx="1"/>
           </p:nvPr>
-        </p:nvPicPr>
-        <p:blipFill>
-          <a:blip r:embed="rId3">
-            <a:extLst>
-              <a:ext uri="{28A0092B-C50C-407E-A947-70E740481C1C}">
-                <a14:useLocalDpi xmlns:a14="http://schemas.microsoft.com/office/drawing/2010/main" val="0"/>
-              </a:ext>
-            </a:extLst>
-          </a:blip>
-          <a:stretch>
-            <a:fillRect/>
-          </a:stretch>
-        </p:blipFill>
-        <p:spPr>
-          <a:xfrm>
-            <a:off x="1398433" y="1802765"/>
-            <a:ext cx="6286173" cy="4351338"/>
-          </a:xfrm>
-        </p:spPr>
-      </p:pic>
-      <p:sp>
-        <p:nvSpPr>
-          <p:cNvPr id="6" name="TextBox 5">
-            <a:extLst>
-              <a:ext uri="{FF2B5EF4-FFF2-40B4-BE49-F238E27FC236}">
-                <a16:creationId xmlns:a16="http://schemas.microsoft.com/office/drawing/2014/main" id="{4BDA5506-EA17-4252-9D62-BE5D88E3B31A}"/>
-              </a:ext>
-            </a:extLst>
-          </p:cNvPr>
-          <p:cNvSpPr txBox="1"/>
-          <p:nvPr/>
-        </p:nvSpPr>
-        <p:spPr>
-          <a:xfrm>
-            <a:off x="9182100" y="3825240"/>
-            <a:ext cx="1566519" cy="1200329"/>
-          </a:xfrm>
-          <a:prstGeom prst="rect">
-            <a:avLst/>
-          </a:prstGeom>
-          <a:noFill/>
-        </p:spPr>
-        <p:txBody>
-          <a:bodyPr wrap="none" rtlCol="0">
-            <a:spAutoFit/>
-          </a:bodyPr>
+        </p:nvSpPr>
+        <p:spPr/>
+        <p:txBody>
+          <a:bodyPr/>
           <a:lstStyle/>
           <a:p>
             <a:r>
               <a:rPr lang="en-US" dirty="0"/>
-              <a:t>Examples:</a:t>
-            </a:r>
-          </a:p>
-          <a:p>
-            <a:pPr marL="285750" indent="-285750">
-              <a:buFont typeface="Arial" panose="020B0604020202020204" pitchFamily="34" charset="0"/>
-              <a:buChar char="•"/>
-            </a:pPr>
-            <a:r>
-              <a:rPr lang="en-US" dirty="0"/>
-              <a:t>Neo4j</a:t>
-            </a:r>
-          </a:p>
-          <a:p>
-            <a:pPr marL="285750" indent="-285750">
-              <a:buFont typeface="Arial" panose="020B0604020202020204" pitchFamily="34" charset="0"/>
-              <a:buChar char="•"/>
-            </a:pPr>
-            <a:r>
-              <a:rPr lang="en-US" dirty="0" err="1"/>
-              <a:t>JanusGraph</a:t>
-            </a:r>
-            <a:endParaRPr lang="en-US" dirty="0"/>
-          </a:p>
-          <a:p>
-            <a:pPr marL="285750" indent="-285750">
-              <a:buFont typeface="Arial" panose="020B0604020202020204" pitchFamily="34" charset="0"/>
-              <a:buChar char="•"/>
-            </a:pPr>
-            <a:r>
-              <a:rPr lang="en-US" dirty="0" err="1"/>
-              <a:t>Dgraph</a:t>
-            </a:r>
-            <a:endParaRPr lang="en-US" dirty="0"/>
+              <a:t>If the data model does not represent the data it describes, the data will be incorrect.</a:t>
+            </a:r>
           </a:p>
         </p:txBody>
       </p:sp>
     </p:spTree>
     <p:extLst>
       <p:ext uri="{BB962C8B-B14F-4D97-AF65-F5344CB8AC3E}">
-        <p14:creationId xmlns:p14="http://schemas.microsoft.com/office/powerpoint/2010/main" val="465704860"/>
+        <p14:creationId xmlns:p14="http://schemas.microsoft.com/office/powerpoint/2010/main" val="3870847368"/>
       </p:ext>
     </p:extLst>
   </p:cSld>

--- a/Presentation.pptx
+++ b/Presentation.pptx
@@ -30,11 +30,11 @@
     <p:sldId id="284" r:id="rId21"/>
     <p:sldId id="285" r:id="rId22"/>
     <p:sldId id="271" r:id="rId23"/>
-    <p:sldId id="286" r:id="rId24"/>
-    <p:sldId id="276" r:id="rId25"/>
-    <p:sldId id="270" r:id="rId26"/>
-    <p:sldId id="273" r:id="rId27"/>
-    <p:sldId id="274" r:id="rId28"/>
+    <p:sldId id="276" r:id="rId24"/>
+    <p:sldId id="270" r:id="rId25"/>
+    <p:sldId id="273" r:id="rId26"/>
+    <p:sldId id="274" r:id="rId27"/>
+    <p:sldId id="286" r:id="rId28"/>
     <p:sldId id="257" r:id="rId29"/>
     <p:sldId id="265" r:id="rId30"/>
     <p:sldId id="264" r:id="rId31"/>
@@ -8290,202 +8290,6 @@
           <a:chExt cx="0" cy="0"/>
         </a:xfrm>
       </p:grpSpPr>
-      <p:sp>
-        <p:nvSpPr>
-          <p:cNvPr id="2" name="Title 1">
-            <a:extLst>
-              <a:ext uri="{FF2B5EF4-FFF2-40B4-BE49-F238E27FC236}">
-                <a16:creationId xmlns:a16="http://schemas.microsoft.com/office/drawing/2014/main" id="{14397800-4F7C-4164-A41D-B694BB821BB3}"/>
-              </a:ext>
-            </a:extLst>
-          </p:cNvPr>
-          <p:cNvSpPr>
-            <a:spLocks noGrp="1"/>
-          </p:cNvSpPr>
-          <p:nvPr>
-            <p:ph type="title"/>
-          </p:nvPr>
-        </p:nvSpPr>
-        <p:spPr/>
-        <p:txBody>
-          <a:bodyPr/>
-          <a:lstStyle/>
-          <a:p>
-            <a:r>
-              <a:rPr lang="en-US" dirty="0"/>
-              <a:t>Q&amp;A</a:t>
-            </a:r>
-            <a:endParaRPr lang="en-DK" dirty="0"/>
-          </a:p>
-        </p:txBody>
-      </p:sp>
-      <p:sp>
-        <p:nvSpPr>
-          <p:cNvPr id="3" name="Text Placeholder 2">
-            <a:extLst>
-              <a:ext uri="{FF2B5EF4-FFF2-40B4-BE49-F238E27FC236}">
-                <a16:creationId xmlns:a16="http://schemas.microsoft.com/office/drawing/2014/main" id="{20F0E223-990A-456B-B418-B8FBEDCEF4E1}"/>
-              </a:ext>
-            </a:extLst>
-          </p:cNvPr>
-          <p:cNvSpPr>
-            <a:spLocks noGrp="1"/>
-          </p:cNvSpPr>
-          <p:nvPr>
-            <p:ph type="body" idx="1"/>
-          </p:nvPr>
-        </p:nvSpPr>
-        <p:spPr/>
-        <p:txBody>
-          <a:bodyPr/>
-          <a:lstStyle/>
-          <a:p>
-            <a:endParaRPr lang="en-DK"/>
-          </a:p>
-        </p:txBody>
-      </p:sp>
-      <p:grpSp>
-        <p:nvGrpSpPr>
-          <p:cNvPr id="4" name="Group 3">
-            <a:extLst>
-              <a:ext uri="{FF2B5EF4-FFF2-40B4-BE49-F238E27FC236}">
-                <a16:creationId xmlns:a16="http://schemas.microsoft.com/office/drawing/2014/main" id="{AC076944-68E5-44B9-A30D-3EEE72BD1698}"/>
-              </a:ext>
-            </a:extLst>
-          </p:cNvPr>
-          <p:cNvGrpSpPr/>
-          <p:nvPr/>
-        </p:nvGrpSpPr>
-        <p:grpSpPr>
-          <a:xfrm>
-            <a:off x="7487811" y="2182011"/>
-            <a:ext cx="5297585" cy="5306444"/>
-            <a:chOff x="7487811" y="2182011"/>
-            <a:chExt cx="5297585" cy="5306444"/>
-          </a:xfrm>
-        </p:grpSpPr>
-        <p:pic>
-          <p:nvPicPr>
-            <p:cNvPr id="5" name="Picture 4">
-              <a:extLst>
-                <a:ext uri="{FF2B5EF4-FFF2-40B4-BE49-F238E27FC236}">
-                  <a16:creationId xmlns:a16="http://schemas.microsoft.com/office/drawing/2014/main" id="{A0471B3A-BF38-443A-95E1-FE9F284F55B7}"/>
-                </a:ext>
-              </a:extLst>
-            </p:cNvPr>
-            <p:cNvPicPr>
-              <a:picLocks noChangeAspect="1"/>
-            </p:cNvPicPr>
-            <p:nvPr/>
-          </p:nvPicPr>
-          <p:blipFill>
-            <a:blip r:embed="rId2">
-              <a:extLst>
-                <a:ext uri="{28A0092B-C50C-407E-A947-70E740481C1C}">
-                  <a14:useLocalDpi xmlns:a14="http://schemas.microsoft.com/office/drawing/2010/main" val="0"/>
-                </a:ext>
-              </a:extLst>
-            </a:blip>
-            <a:stretch>
-              <a:fillRect/>
-            </a:stretch>
-          </p:blipFill>
-          <p:spPr>
-            <a:xfrm>
-              <a:off x="7487811" y="2182011"/>
-              <a:ext cx="5297585" cy="5297585"/>
-            </a:xfrm>
-            <a:prstGeom prst="rect">
-              <a:avLst/>
-            </a:prstGeom>
-            <a:effectLst/>
-          </p:spPr>
-        </p:pic>
-        <p:sp>
-          <p:nvSpPr>
-            <p:cNvPr id="6" name="Rectangle 5">
-              <a:extLst>
-                <a:ext uri="{FF2B5EF4-FFF2-40B4-BE49-F238E27FC236}">
-                  <a16:creationId xmlns:a16="http://schemas.microsoft.com/office/drawing/2014/main" id="{54714F04-CEEE-4E52-9B90-17D2223E81EE}"/>
-                </a:ext>
-              </a:extLst>
-            </p:cNvPr>
-            <p:cNvSpPr/>
-            <p:nvPr/>
-          </p:nvSpPr>
-          <p:spPr>
-            <a:xfrm>
-              <a:off x="7488455" y="2184935"/>
-              <a:ext cx="5293894" cy="5303520"/>
-            </a:xfrm>
-            <a:prstGeom prst="rect">
-              <a:avLst/>
-            </a:prstGeom>
-            <a:solidFill>
-              <a:schemeClr val="bg1">
-                <a:alpha val="89000"/>
-              </a:schemeClr>
-            </a:solidFill>
-            <a:ln>
-              <a:noFill/>
-            </a:ln>
-          </p:spPr>
-          <p:style>
-            <a:lnRef idx="2">
-              <a:schemeClr val="accent1">
-                <a:shade val="50000"/>
-              </a:schemeClr>
-            </a:lnRef>
-            <a:fillRef idx="1">
-              <a:schemeClr val="accent1"/>
-            </a:fillRef>
-            <a:effectRef idx="0">
-              <a:schemeClr val="accent1"/>
-            </a:effectRef>
-            <a:fontRef idx="minor">
-              <a:schemeClr val="lt1"/>
-            </a:fontRef>
-          </p:style>
-          <p:txBody>
-            <a:bodyPr rtlCol="0" anchor="ctr"/>
-            <a:lstStyle/>
-            <a:p>
-              <a:pPr algn="ctr"/>
-              <a:endParaRPr lang="en-DK"/>
-            </a:p>
-          </p:txBody>
-        </p:sp>
-      </p:grpSp>
-    </p:spTree>
-    <p:extLst>
-      <p:ext uri="{BB962C8B-B14F-4D97-AF65-F5344CB8AC3E}">
-        <p14:creationId xmlns:p14="http://schemas.microsoft.com/office/powerpoint/2010/main" val="254688072"/>
-      </p:ext>
-    </p:extLst>
-  </p:cSld>
-  <p:clrMapOvr>
-    <a:masterClrMapping/>
-  </p:clrMapOvr>
-</p:sld>
-</file>
-
-<file path=ppt/slides/slide24.xml><?xml version="1.0" encoding="utf-8"?>
-<p:sld xmlns:a="http://schemas.openxmlformats.org/drawingml/2006/main" xmlns:r="http://schemas.openxmlformats.org/officeDocument/2006/relationships" xmlns:p="http://schemas.openxmlformats.org/presentationml/2006/main">
-  <p:cSld>
-    <p:spTree>
-      <p:nvGrpSpPr>
-        <p:cNvPr id="1" name=""/>
-        <p:cNvGrpSpPr/>
-        <p:nvPr/>
-      </p:nvGrpSpPr>
-      <p:grpSpPr>
-        <a:xfrm>
-          <a:off x="0" y="0"/>
-          <a:ext cx="0" cy="0"/>
-          <a:chOff x="0" y="0"/>
-          <a:chExt cx="0" cy="0"/>
-        </a:xfrm>
-      </p:grpSpPr>
       <p:grpSp>
         <p:nvGrpSpPr>
           <p:cNvPr id="4" name="Group 3">
@@ -8673,7 +8477,7 @@
 </p:sld>
 </file>
 
-<file path=ppt/slides/slide25.xml><?xml version="1.0" encoding="utf-8"?>
+<file path=ppt/slides/slide24.xml><?xml version="1.0" encoding="utf-8"?>
 <p:sld xmlns:a="http://schemas.openxmlformats.org/drawingml/2006/main" xmlns:r="http://schemas.openxmlformats.org/officeDocument/2006/relationships" xmlns:p="http://schemas.openxmlformats.org/presentationml/2006/main">
   <p:cSld>
     <p:spTree>
@@ -9144,7 +8948,7 @@
 </p:sld>
 </file>
 
-<file path=ppt/slides/slide26.xml><?xml version="1.0" encoding="utf-8"?>
+<file path=ppt/slides/slide25.xml><?xml version="1.0" encoding="utf-8"?>
 <p:sld xmlns:a="http://schemas.openxmlformats.org/drawingml/2006/main" xmlns:r="http://schemas.openxmlformats.org/officeDocument/2006/relationships" xmlns:p="http://schemas.openxmlformats.org/presentationml/2006/main">
   <p:cSld>
     <p:spTree>
@@ -9615,7 +9419,7 @@
 </p:sld>
 </file>
 
-<file path=ppt/slides/slide27.xml><?xml version="1.0" encoding="utf-8"?>
+<file path=ppt/slides/slide26.xml><?xml version="1.0" encoding="utf-8"?>
 <p:sld xmlns:a="http://schemas.openxmlformats.org/drawingml/2006/main" xmlns:r="http://schemas.openxmlformats.org/officeDocument/2006/relationships" xmlns:p="http://schemas.openxmlformats.org/presentationml/2006/main">
   <p:cSld>
     <p:spTree>
@@ -10738,6 +10542,202 @@
     <p:extLst>
       <p:ext uri="{BB962C8B-B14F-4D97-AF65-F5344CB8AC3E}">
         <p14:creationId xmlns:p14="http://schemas.microsoft.com/office/powerpoint/2010/main" val="2881475809"/>
+      </p:ext>
+    </p:extLst>
+  </p:cSld>
+  <p:clrMapOvr>
+    <a:masterClrMapping/>
+  </p:clrMapOvr>
+</p:sld>
+</file>
+
+<file path=ppt/slides/slide27.xml><?xml version="1.0" encoding="utf-8"?>
+<p:sld xmlns:a="http://schemas.openxmlformats.org/drawingml/2006/main" xmlns:r="http://schemas.openxmlformats.org/officeDocument/2006/relationships" xmlns:p="http://schemas.openxmlformats.org/presentationml/2006/main">
+  <p:cSld>
+    <p:spTree>
+      <p:nvGrpSpPr>
+        <p:cNvPr id="1" name=""/>
+        <p:cNvGrpSpPr/>
+        <p:nvPr/>
+      </p:nvGrpSpPr>
+      <p:grpSpPr>
+        <a:xfrm>
+          <a:off x="0" y="0"/>
+          <a:ext cx="0" cy="0"/>
+          <a:chOff x="0" y="0"/>
+          <a:chExt cx="0" cy="0"/>
+        </a:xfrm>
+      </p:grpSpPr>
+      <p:sp>
+        <p:nvSpPr>
+          <p:cNvPr id="2" name="Title 1">
+            <a:extLst>
+              <a:ext uri="{FF2B5EF4-FFF2-40B4-BE49-F238E27FC236}">
+                <a16:creationId xmlns:a16="http://schemas.microsoft.com/office/drawing/2014/main" id="{14397800-4F7C-4164-A41D-B694BB821BB3}"/>
+              </a:ext>
+            </a:extLst>
+          </p:cNvPr>
+          <p:cNvSpPr>
+            <a:spLocks noGrp="1"/>
+          </p:cNvSpPr>
+          <p:nvPr>
+            <p:ph type="title"/>
+          </p:nvPr>
+        </p:nvSpPr>
+        <p:spPr/>
+        <p:txBody>
+          <a:bodyPr/>
+          <a:lstStyle/>
+          <a:p>
+            <a:r>
+              <a:rPr lang="en-US" dirty="0"/>
+              <a:t>Q&amp;A</a:t>
+            </a:r>
+            <a:endParaRPr lang="en-DK" dirty="0"/>
+          </a:p>
+        </p:txBody>
+      </p:sp>
+      <p:sp>
+        <p:nvSpPr>
+          <p:cNvPr id="3" name="Text Placeholder 2">
+            <a:extLst>
+              <a:ext uri="{FF2B5EF4-FFF2-40B4-BE49-F238E27FC236}">
+                <a16:creationId xmlns:a16="http://schemas.microsoft.com/office/drawing/2014/main" id="{20F0E223-990A-456B-B418-B8FBEDCEF4E1}"/>
+              </a:ext>
+            </a:extLst>
+          </p:cNvPr>
+          <p:cNvSpPr>
+            <a:spLocks noGrp="1"/>
+          </p:cNvSpPr>
+          <p:nvPr>
+            <p:ph type="body" idx="1"/>
+          </p:nvPr>
+        </p:nvSpPr>
+        <p:spPr/>
+        <p:txBody>
+          <a:bodyPr/>
+          <a:lstStyle/>
+          <a:p>
+            <a:endParaRPr lang="en-DK"/>
+          </a:p>
+        </p:txBody>
+      </p:sp>
+      <p:grpSp>
+        <p:nvGrpSpPr>
+          <p:cNvPr id="4" name="Group 3">
+            <a:extLst>
+              <a:ext uri="{FF2B5EF4-FFF2-40B4-BE49-F238E27FC236}">
+                <a16:creationId xmlns:a16="http://schemas.microsoft.com/office/drawing/2014/main" id="{AC076944-68E5-44B9-A30D-3EEE72BD1698}"/>
+              </a:ext>
+            </a:extLst>
+          </p:cNvPr>
+          <p:cNvGrpSpPr/>
+          <p:nvPr/>
+        </p:nvGrpSpPr>
+        <p:grpSpPr>
+          <a:xfrm>
+            <a:off x="7487811" y="2182011"/>
+            <a:ext cx="5297585" cy="5306444"/>
+            <a:chOff x="7487811" y="2182011"/>
+            <a:chExt cx="5297585" cy="5306444"/>
+          </a:xfrm>
+        </p:grpSpPr>
+        <p:pic>
+          <p:nvPicPr>
+            <p:cNvPr id="5" name="Picture 4">
+              <a:extLst>
+                <a:ext uri="{FF2B5EF4-FFF2-40B4-BE49-F238E27FC236}">
+                  <a16:creationId xmlns:a16="http://schemas.microsoft.com/office/drawing/2014/main" id="{A0471B3A-BF38-443A-95E1-FE9F284F55B7}"/>
+                </a:ext>
+              </a:extLst>
+            </p:cNvPr>
+            <p:cNvPicPr>
+              <a:picLocks noChangeAspect="1"/>
+            </p:cNvPicPr>
+            <p:nvPr/>
+          </p:nvPicPr>
+          <p:blipFill>
+            <a:blip r:embed="rId2">
+              <a:extLst>
+                <a:ext uri="{28A0092B-C50C-407E-A947-70E740481C1C}">
+                  <a14:useLocalDpi xmlns:a14="http://schemas.microsoft.com/office/drawing/2010/main" val="0"/>
+                </a:ext>
+              </a:extLst>
+            </a:blip>
+            <a:stretch>
+              <a:fillRect/>
+            </a:stretch>
+          </p:blipFill>
+          <p:spPr>
+            <a:xfrm>
+              <a:off x="7487811" y="2182011"/>
+              <a:ext cx="5297585" cy="5297585"/>
+            </a:xfrm>
+            <a:prstGeom prst="rect">
+              <a:avLst/>
+            </a:prstGeom>
+            <a:effectLst/>
+          </p:spPr>
+        </p:pic>
+        <p:sp>
+          <p:nvSpPr>
+            <p:cNvPr id="6" name="Rectangle 5">
+              <a:extLst>
+                <a:ext uri="{FF2B5EF4-FFF2-40B4-BE49-F238E27FC236}">
+                  <a16:creationId xmlns:a16="http://schemas.microsoft.com/office/drawing/2014/main" id="{54714F04-CEEE-4E52-9B90-17D2223E81EE}"/>
+                </a:ext>
+              </a:extLst>
+            </p:cNvPr>
+            <p:cNvSpPr/>
+            <p:nvPr/>
+          </p:nvSpPr>
+          <p:spPr>
+            <a:xfrm>
+              <a:off x="7488455" y="2184935"/>
+              <a:ext cx="5293894" cy="5303520"/>
+            </a:xfrm>
+            <a:prstGeom prst="rect">
+              <a:avLst/>
+            </a:prstGeom>
+            <a:solidFill>
+              <a:schemeClr val="bg1">
+                <a:alpha val="89000"/>
+              </a:schemeClr>
+            </a:solidFill>
+            <a:ln>
+              <a:noFill/>
+            </a:ln>
+          </p:spPr>
+          <p:style>
+            <a:lnRef idx="2">
+              <a:schemeClr val="accent1">
+                <a:shade val="50000"/>
+              </a:schemeClr>
+            </a:lnRef>
+            <a:fillRef idx="1">
+              <a:schemeClr val="accent1"/>
+            </a:fillRef>
+            <a:effectRef idx="0">
+              <a:schemeClr val="accent1"/>
+            </a:effectRef>
+            <a:fontRef idx="minor">
+              <a:schemeClr val="lt1"/>
+            </a:fontRef>
+          </p:style>
+          <p:txBody>
+            <a:bodyPr rtlCol="0" anchor="ctr"/>
+            <a:lstStyle/>
+            <a:p>
+              <a:pPr algn="ctr"/>
+              <a:endParaRPr lang="en-DK"/>
+            </a:p>
+          </p:txBody>
+        </p:sp>
+      </p:grpSp>
+    </p:spTree>
+    <p:extLst>
+      <p:ext uri="{BB962C8B-B14F-4D97-AF65-F5344CB8AC3E}">
+        <p14:creationId xmlns:p14="http://schemas.microsoft.com/office/powerpoint/2010/main" val="254688072"/>
       </p:ext>
     </p:extLst>
   </p:cSld>

--- a/Presentation.pptx
+++ b/Presentation.pptx
@@ -5,39 +5,36 @@
     <p:sldMasterId id="2147483648" r:id="rId1"/>
   </p:sldMasterIdLst>
   <p:notesMasterIdLst>
-    <p:notesMasterId r:id="rId32"/>
+    <p:notesMasterId r:id="rId29"/>
   </p:notesMasterIdLst>
   <p:sldIdLst>
     <p:sldId id="256" r:id="rId2"/>
-    <p:sldId id="267" r:id="rId3"/>
-    <p:sldId id="258" r:id="rId4"/>
-    <p:sldId id="259" r:id="rId5"/>
-    <p:sldId id="260" r:id="rId6"/>
-    <p:sldId id="261" r:id="rId7"/>
-    <p:sldId id="262" r:id="rId8"/>
-    <p:sldId id="263" r:id="rId9"/>
-    <p:sldId id="268" r:id="rId10"/>
-    <p:sldId id="269" r:id="rId11"/>
-    <p:sldId id="272" r:id="rId12"/>
-    <p:sldId id="275" r:id="rId13"/>
-    <p:sldId id="277" r:id="rId14"/>
-    <p:sldId id="278" r:id="rId15"/>
-    <p:sldId id="279" r:id="rId16"/>
-    <p:sldId id="280" r:id="rId17"/>
-    <p:sldId id="281" r:id="rId18"/>
-    <p:sldId id="282" r:id="rId19"/>
-    <p:sldId id="283" r:id="rId20"/>
-    <p:sldId id="284" r:id="rId21"/>
-    <p:sldId id="285" r:id="rId22"/>
-    <p:sldId id="271" r:id="rId23"/>
-    <p:sldId id="276" r:id="rId24"/>
-    <p:sldId id="270" r:id="rId25"/>
-    <p:sldId id="273" r:id="rId26"/>
-    <p:sldId id="274" r:id="rId27"/>
+    <p:sldId id="271" r:id="rId3"/>
+    <p:sldId id="276" r:id="rId4"/>
+    <p:sldId id="270" r:id="rId5"/>
+    <p:sldId id="273" r:id="rId6"/>
+    <p:sldId id="274" r:id="rId7"/>
+    <p:sldId id="267" r:id="rId8"/>
+    <p:sldId id="258" r:id="rId9"/>
+    <p:sldId id="259" r:id="rId10"/>
+    <p:sldId id="260" r:id="rId11"/>
+    <p:sldId id="261" r:id="rId12"/>
+    <p:sldId id="262" r:id="rId13"/>
+    <p:sldId id="263" r:id="rId14"/>
+    <p:sldId id="268" r:id="rId15"/>
+    <p:sldId id="269" r:id="rId16"/>
+    <p:sldId id="272" r:id="rId17"/>
+    <p:sldId id="275" r:id="rId18"/>
+    <p:sldId id="277" r:id="rId19"/>
+    <p:sldId id="278" r:id="rId20"/>
+    <p:sldId id="279" r:id="rId21"/>
+    <p:sldId id="280" r:id="rId22"/>
+    <p:sldId id="281" r:id="rId23"/>
+    <p:sldId id="282" r:id="rId24"/>
+    <p:sldId id="283" r:id="rId25"/>
+    <p:sldId id="284" r:id="rId26"/>
+    <p:sldId id="285" r:id="rId27"/>
     <p:sldId id="286" r:id="rId28"/>
-    <p:sldId id="257" r:id="rId29"/>
-    <p:sldId id="265" r:id="rId30"/>
-    <p:sldId id="264" r:id="rId31"/>
   </p:sldIdLst>
   <p:sldSz cx="12192000" cy="6858000"/>
   <p:notesSz cx="6858000" cy="9144000"/>
@@ -571,7 +568,7 @@
           <a:p>
             <a:fld id="{AC007A02-DF5E-4BA2-B628-4247071E235A}" type="slidenum">
               <a:rPr lang="en-DK" smtClean="0"/>
-              <a:t>4</a:t>
+              <a:t>9</a:t>
             </a:fld>
             <a:endParaRPr lang="en-DK"/>
           </a:p>
@@ -675,7 +672,7 @@
           <a:p>
             <a:fld id="{AC007A02-DF5E-4BA2-B628-4247071E235A}" type="slidenum">
               <a:rPr lang="en-DK" smtClean="0"/>
-              <a:t>5</a:t>
+              <a:t>10</a:t>
             </a:fld>
             <a:endParaRPr lang="en-DK"/>
           </a:p>
@@ -771,7 +768,7 @@
           <a:p>
             <a:fld id="{AC007A02-DF5E-4BA2-B628-4247071E235A}" type="slidenum">
               <a:rPr lang="en-DK" smtClean="0"/>
-              <a:t>6</a:t>
+              <a:t>11</a:t>
             </a:fld>
             <a:endParaRPr lang="en-DK"/>
           </a:p>
@@ -859,7 +856,7 @@
           <a:p>
             <a:fld id="{AC007A02-DF5E-4BA2-B628-4247071E235A}" type="slidenum">
               <a:rPr lang="en-DK" smtClean="0"/>
-              <a:t>7</a:t>
+              <a:t>12</a:t>
             </a:fld>
             <a:endParaRPr lang="en-DK"/>
           </a:p>
@@ -955,7 +952,7 @@
           <a:p>
             <a:fld id="{AC007A02-DF5E-4BA2-B628-4247071E235A}" type="slidenum">
               <a:rPr lang="en-DK" smtClean="0"/>
-              <a:t>8</a:t>
+              <a:t>13</a:t>
             </a:fld>
             <a:endParaRPr lang="en-DK"/>
           </a:p>
@@ -965,102 +962,6 @@
     <p:extLst>
       <p:ext uri="{BB962C8B-B14F-4D97-AF65-F5344CB8AC3E}">
         <p14:creationId xmlns:p14="http://schemas.microsoft.com/office/powerpoint/2010/main" val="3091965538"/>
-      </p:ext>
-    </p:extLst>
-  </p:cSld>
-  <p:clrMapOvr>
-    <a:masterClrMapping/>
-  </p:clrMapOvr>
-</p:notes>
-</file>
-
-<file path=ppt/notesSlides/notesSlide6.xml><?xml version="1.0" encoding="utf-8"?>
-<p:notes xmlns:a="http://schemas.openxmlformats.org/drawingml/2006/main" xmlns:r="http://schemas.openxmlformats.org/officeDocument/2006/relationships" xmlns:p="http://schemas.openxmlformats.org/presentationml/2006/main">
-  <p:cSld>
-    <p:spTree>
-      <p:nvGrpSpPr>
-        <p:cNvPr id="1" name=""/>
-        <p:cNvGrpSpPr/>
-        <p:nvPr/>
-      </p:nvGrpSpPr>
-      <p:grpSpPr>
-        <a:xfrm>
-          <a:off x="0" y="0"/>
-          <a:ext cx="0" cy="0"/>
-          <a:chOff x="0" y="0"/>
-          <a:chExt cx="0" cy="0"/>
-        </a:xfrm>
-      </p:grpSpPr>
-      <p:sp>
-        <p:nvSpPr>
-          <p:cNvPr id="2" name="Slide Image Placeholder 1"/>
-          <p:cNvSpPr>
-            <a:spLocks noGrp="1" noRot="1" noChangeAspect="1"/>
-          </p:cNvSpPr>
-          <p:nvPr>
-            <p:ph type="sldImg"/>
-          </p:nvPr>
-        </p:nvSpPr>
-        <p:spPr/>
-      </p:sp>
-      <p:sp>
-        <p:nvSpPr>
-          <p:cNvPr id="3" name="Notes Placeholder 2"/>
-          <p:cNvSpPr>
-            <a:spLocks noGrp="1"/>
-          </p:cNvSpPr>
-          <p:nvPr>
-            <p:ph type="body" idx="1"/>
-          </p:nvPr>
-        </p:nvSpPr>
-        <p:spPr/>
-        <p:txBody>
-          <a:bodyPr/>
-          <a:lstStyle/>
-          <a:p>
-            <a:r>
-              <a:rPr lang="da-DK" dirty="0"/>
-              <a:t>Rise in </a:t>
-            </a:r>
-            <a:r>
-              <a:rPr lang="da-DK" dirty="0" err="1"/>
-              <a:t>popularity</a:t>
-            </a:r>
-            <a:r>
-              <a:rPr lang="da-DK" dirty="0"/>
-              <a:t>: 2000s</a:t>
-            </a:r>
-            <a:endParaRPr lang="en-DK" dirty="0"/>
-          </a:p>
-        </p:txBody>
-      </p:sp>
-      <p:sp>
-        <p:nvSpPr>
-          <p:cNvPr id="4" name="Slide Number Placeholder 3"/>
-          <p:cNvSpPr>
-            <a:spLocks noGrp="1"/>
-          </p:cNvSpPr>
-          <p:nvPr>
-            <p:ph type="sldNum" sz="quarter" idx="5"/>
-          </p:nvPr>
-        </p:nvSpPr>
-        <p:spPr/>
-        <p:txBody>
-          <a:bodyPr/>
-          <a:lstStyle/>
-          <a:p>
-            <a:fld id="{AC007A02-DF5E-4BA2-B628-4247071E235A}" type="slidenum">
-              <a:rPr lang="en-DK" smtClean="0"/>
-              <a:t>30</a:t>
-            </a:fld>
-            <a:endParaRPr lang="en-DK"/>
-          </a:p>
-        </p:txBody>
-      </p:sp>
-    </p:spTree>
-    <p:extLst>
-      <p:ext uri="{BB962C8B-B14F-4D97-AF65-F5344CB8AC3E}">
-        <p14:creationId xmlns:p14="http://schemas.microsoft.com/office/powerpoint/2010/main" val="2547701390"/>
       </p:ext>
     </p:extLst>
   </p:cSld>
@@ -4600,6 +4501,1305 @@
       </p:grpSpPr>
       <p:grpSp>
         <p:nvGrpSpPr>
+          <p:cNvPr id="7" name="Group 6">
+            <a:extLst>
+              <a:ext uri="{FF2B5EF4-FFF2-40B4-BE49-F238E27FC236}">
+                <a16:creationId xmlns:a16="http://schemas.microsoft.com/office/drawing/2014/main" id="{D1B99D80-69C1-4468-ACB9-CFA3277DF005}"/>
+              </a:ext>
+            </a:extLst>
+          </p:cNvPr>
+          <p:cNvGrpSpPr/>
+          <p:nvPr/>
+        </p:nvGrpSpPr>
+        <p:grpSpPr>
+          <a:xfrm>
+            <a:off x="7487811" y="2182011"/>
+            <a:ext cx="5297585" cy="5306444"/>
+            <a:chOff x="7487811" y="2182011"/>
+            <a:chExt cx="5297585" cy="5306444"/>
+          </a:xfrm>
+        </p:grpSpPr>
+        <p:pic>
+          <p:nvPicPr>
+            <p:cNvPr id="8" name="Picture 7">
+              <a:extLst>
+                <a:ext uri="{FF2B5EF4-FFF2-40B4-BE49-F238E27FC236}">
+                  <a16:creationId xmlns:a16="http://schemas.microsoft.com/office/drawing/2014/main" id="{85AD1EB9-EDDD-430E-BB3B-A5006BABA01C}"/>
+                </a:ext>
+              </a:extLst>
+            </p:cNvPr>
+            <p:cNvPicPr>
+              <a:picLocks noChangeAspect="1"/>
+            </p:cNvPicPr>
+            <p:nvPr/>
+          </p:nvPicPr>
+          <p:blipFill>
+            <a:blip r:embed="rId3">
+              <a:extLst>
+                <a:ext uri="{28A0092B-C50C-407E-A947-70E740481C1C}">
+                  <a14:useLocalDpi xmlns:a14="http://schemas.microsoft.com/office/drawing/2010/main" val="0"/>
+                </a:ext>
+              </a:extLst>
+            </a:blip>
+            <a:stretch>
+              <a:fillRect/>
+            </a:stretch>
+          </p:blipFill>
+          <p:spPr>
+            <a:xfrm>
+              <a:off x="7487811" y="2182011"/>
+              <a:ext cx="5297585" cy="5297585"/>
+            </a:xfrm>
+            <a:prstGeom prst="rect">
+              <a:avLst/>
+            </a:prstGeom>
+            <a:effectLst/>
+          </p:spPr>
+        </p:pic>
+        <p:sp>
+          <p:nvSpPr>
+            <p:cNvPr id="9" name="Rectangle 8">
+              <a:extLst>
+                <a:ext uri="{FF2B5EF4-FFF2-40B4-BE49-F238E27FC236}">
+                  <a16:creationId xmlns:a16="http://schemas.microsoft.com/office/drawing/2014/main" id="{31733A34-3737-4CDB-98B5-DD736E33FC4E}"/>
+                </a:ext>
+              </a:extLst>
+            </p:cNvPr>
+            <p:cNvSpPr/>
+            <p:nvPr/>
+          </p:nvSpPr>
+          <p:spPr>
+            <a:xfrm>
+              <a:off x="7488455" y="2184935"/>
+              <a:ext cx="5293894" cy="5303520"/>
+            </a:xfrm>
+            <a:prstGeom prst="rect">
+              <a:avLst/>
+            </a:prstGeom>
+            <a:solidFill>
+              <a:schemeClr val="bg1">
+                <a:alpha val="89000"/>
+              </a:schemeClr>
+            </a:solidFill>
+            <a:ln>
+              <a:noFill/>
+            </a:ln>
+          </p:spPr>
+          <p:style>
+            <a:lnRef idx="2">
+              <a:schemeClr val="accent1">
+                <a:shade val="50000"/>
+              </a:schemeClr>
+            </a:lnRef>
+            <a:fillRef idx="1">
+              <a:schemeClr val="accent1"/>
+            </a:fillRef>
+            <a:effectRef idx="0">
+              <a:schemeClr val="accent1"/>
+            </a:effectRef>
+            <a:fontRef idx="minor">
+              <a:schemeClr val="lt1"/>
+            </a:fontRef>
+          </p:style>
+          <p:txBody>
+            <a:bodyPr rtlCol="0" anchor="ctr"/>
+            <a:lstStyle/>
+            <a:p>
+              <a:pPr algn="ctr"/>
+              <a:endParaRPr lang="en-DK"/>
+            </a:p>
+          </p:txBody>
+        </p:sp>
+      </p:grpSp>
+      <p:sp>
+        <p:nvSpPr>
+          <p:cNvPr id="2" name="Title 1">
+            <a:extLst>
+              <a:ext uri="{FF2B5EF4-FFF2-40B4-BE49-F238E27FC236}">
+                <a16:creationId xmlns:a16="http://schemas.microsoft.com/office/drawing/2014/main" id="{E5CDD1F5-48AC-4C98-8B85-EB6BBC5EAAB8}"/>
+              </a:ext>
+            </a:extLst>
+          </p:cNvPr>
+          <p:cNvSpPr>
+            <a:spLocks noGrp="1"/>
+          </p:cNvSpPr>
+          <p:nvPr>
+            <p:ph type="title"/>
+          </p:nvPr>
+        </p:nvSpPr>
+        <p:spPr/>
+        <p:txBody>
+          <a:bodyPr/>
+          <a:lstStyle/>
+          <a:p>
+            <a:r>
+              <a:rPr lang="da-DK" dirty="0"/>
+              <a:t>Network databases</a:t>
+            </a:r>
+            <a:endParaRPr lang="en-DK" dirty="0"/>
+          </a:p>
+        </p:txBody>
+      </p:sp>
+      <p:pic>
+        <p:nvPicPr>
+          <p:cNvPr id="5" name="Content Placeholder 4">
+            <a:extLst>
+              <a:ext uri="{FF2B5EF4-FFF2-40B4-BE49-F238E27FC236}">
+                <a16:creationId xmlns:a16="http://schemas.microsoft.com/office/drawing/2014/main" id="{168BFC28-4A39-4BDC-BBA6-40CDE0C46B9B}"/>
+              </a:ext>
+            </a:extLst>
+          </p:cNvPr>
+          <p:cNvPicPr>
+            <a:picLocks noGrp="1" noChangeAspect="1"/>
+          </p:cNvPicPr>
+          <p:nvPr>
+            <p:ph idx="1"/>
+          </p:nvPr>
+        </p:nvPicPr>
+        <p:blipFill>
+          <a:blip r:embed="rId4">
+            <a:extLst>
+              <a:ext uri="{28A0092B-C50C-407E-A947-70E740481C1C}">
+                <a14:useLocalDpi xmlns:a14="http://schemas.microsoft.com/office/drawing/2010/main" val="0"/>
+              </a:ext>
+            </a:extLst>
+          </a:blip>
+          <a:stretch>
+            <a:fillRect/>
+          </a:stretch>
+        </p:blipFill>
+        <p:spPr>
+          <a:xfrm>
+            <a:off x="2196465" y="2075339"/>
+            <a:ext cx="2647950" cy="2343150"/>
+          </a:xfrm>
+        </p:spPr>
+      </p:pic>
+      <p:sp>
+        <p:nvSpPr>
+          <p:cNvPr id="6" name="TextBox 5">
+            <a:extLst>
+              <a:ext uri="{FF2B5EF4-FFF2-40B4-BE49-F238E27FC236}">
+                <a16:creationId xmlns:a16="http://schemas.microsoft.com/office/drawing/2014/main" id="{12A6B621-DD85-475F-8AAB-6A058F95E0B7}"/>
+              </a:ext>
+            </a:extLst>
+          </p:cNvPr>
+          <p:cNvSpPr txBox="1"/>
+          <p:nvPr/>
+        </p:nvSpPr>
+        <p:spPr>
+          <a:xfrm>
+            <a:off x="7490460" y="4091940"/>
+            <a:ext cx="1129476" cy="646331"/>
+          </a:xfrm>
+          <a:prstGeom prst="rect">
+            <a:avLst/>
+          </a:prstGeom>
+          <a:noFill/>
+        </p:spPr>
+        <p:txBody>
+          <a:bodyPr wrap="none" rtlCol="0">
+            <a:spAutoFit/>
+          </a:bodyPr>
+          <a:lstStyle/>
+          <a:p>
+            <a:r>
+              <a:rPr lang="en-US" dirty="0"/>
+              <a:t>Examples:</a:t>
+            </a:r>
+          </a:p>
+          <a:p>
+            <a:pPr marL="285750" indent="-285750">
+              <a:buFont typeface="Arial" panose="020B0604020202020204" pitchFamily="34" charset="0"/>
+              <a:buChar char="•"/>
+            </a:pPr>
+            <a:r>
+              <a:rPr lang="en-US" dirty="0"/>
+              <a:t>IDMS</a:t>
+            </a:r>
+            <a:endParaRPr lang="en-DK" dirty="0"/>
+          </a:p>
+        </p:txBody>
+      </p:sp>
+    </p:spTree>
+    <p:extLst>
+      <p:ext uri="{BB962C8B-B14F-4D97-AF65-F5344CB8AC3E}">
+        <p14:creationId xmlns:p14="http://schemas.microsoft.com/office/powerpoint/2010/main" val="3074427835"/>
+      </p:ext>
+    </p:extLst>
+  </p:cSld>
+  <p:clrMapOvr>
+    <a:masterClrMapping/>
+  </p:clrMapOvr>
+</p:sld>
+</file>
+
+<file path=ppt/slides/slide11.xml><?xml version="1.0" encoding="utf-8"?>
+<p:sld xmlns:a="http://schemas.openxmlformats.org/drawingml/2006/main" xmlns:r="http://schemas.openxmlformats.org/officeDocument/2006/relationships" xmlns:p="http://schemas.openxmlformats.org/presentationml/2006/main">
+  <p:cSld>
+    <p:spTree>
+      <p:nvGrpSpPr>
+        <p:cNvPr id="1" name=""/>
+        <p:cNvGrpSpPr/>
+        <p:nvPr/>
+      </p:nvGrpSpPr>
+      <p:grpSpPr>
+        <a:xfrm>
+          <a:off x="0" y="0"/>
+          <a:ext cx="0" cy="0"/>
+          <a:chOff x="0" y="0"/>
+          <a:chExt cx="0" cy="0"/>
+        </a:xfrm>
+      </p:grpSpPr>
+      <p:grpSp>
+        <p:nvGrpSpPr>
+          <p:cNvPr id="7" name="Group 6">
+            <a:extLst>
+              <a:ext uri="{FF2B5EF4-FFF2-40B4-BE49-F238E27FC236}">
+                <a16:creationId xmlns:a16="http://schemas.microsoft.com/office/drawing/2014/main" id="{BA070B19-22BA-43D1-AC87-4EE2F052824D}"/>
+              </a:ext>
+            </a:extLst>
+          </p:cNvPr>
+          <p:cNvGrpSpPr/>
+          <p:nvPr/>
+        </p:nvGrpSpPr>
+        <p:grpSpPr>
+          <a:xfrm>
+            <a:off x="7487811" y="2182011"/>
+            <a:ext cx="5297585" cy="5306444"/>
+            <a:chOff x="7487811" y="2182011"/>
+            <a:chExt cx="5297585" cy="5306444"/>
+          </a:xfrm>
+        </p:grpSpPr>
+        <p:pic>
+          <p:nvPicPr>
+            <p:cNvPr id="8" name="Picture 7">
+              <a:extLst>
+                <a:ext uri="{FF2B5EF4-FFF2-40B4-BE49-F238E27FC236}">
+                  <a16:creationId xmlns:a16="http://schemas.microsoft.com/office/drawing/2014/main" id="{CA7D47EE-30D9-4BA4-9EC2-291A1BD16934}"/>
+                </a:ext>
+              </a:extLst>
+            </p:cNvPr>
+            <p:cNvPicPr>
+              <a:picLocks noChangeAspect="1"/>
+            </p:cNvPicPr>
+            <p:nvPr/>
+          </p:nvPicPr>
+          <p:blipFill>
+            <a:blip r:embed="rId3">
+              <a:extLst>
+                <a:ext uri="{28A0092B-C50C-407E-A947-70E740481C1C}">
+                  <a14:useLocalDpi xmlns:a14="http://schemas.microsoft.com/office/drawing/2010/main" val="0"/>
+                </a:ext>
+              </a:extLst>
+            </a:blip>
+            <a:stretch>
+              <a:fillRect/>
+            </a:stretch>
+          </p:blipFill>
+          <p:spPr>
+            <a:xfrm>
+              <a:off x="7487811" y="2182011"/>
+              <a:ext cx="5297585" cy="5297585"/>
+            </a:xfrm>
+            <a:prstGeom prst="rect">
+              <a:avLst/>
+            </a:prstGeom>
+            <a:effectLst/>
+          </p:spPr>
+        </p:pic>
+        <p:sp>
+          <p:nvSpPr>
+            <p:cNvPr id="9" name="Rectangle 8">
+              <a:extLst>
+                <a:ext uri="{FF2B5EF4-FFF2-40B4-BE49-F238E27FC236}">
+                  <a16:creationId xmlns:a16="http://schemas.microsoft.com/office/drawing/2014/main" id="{ADBD2F91-3C7B-466C-AEDC-4C913E8A6915}"/>
+                </a:ext>
+              </a:extLst>
+            </p:cNvPr>
+            <p:cNvSpPr/>
+            <p:nvPr/>
+          </p:nvSpPr>
+          <p:spPr>
+            <a:xfrm>
+              <a:off x="7488455" y="2184935"/>
+              <a:ext cx="5293894" cy="5303520"/>
+            </a:xfrm>
+            <a:prstGeom prst="rect">
+              <a:avLst/>
+            </a:prstGeom>
+            <a:solidFill>
+              <a:schemeClr val="bg1">
+                <a:alpha val="89000"/>
+              </a:schemeClr>
+            </a:solidFill>
+            <a:ln>
+              <a:noFill/>
+            </a:ln>
+          </p:spPr>
+          <p:style>
+            <a:lnRef idx="2">
+              <a:schemeClr val="accent1">
+                <a:shade val="50000"/>
+              </a:schemeClr>
+            </a:lnRef>
+            <a:fillRef idx="1">
+              <a:schemeClr val="accent1"/>
+            </a:fillRef>
+            <a:effectRef idx="0">
+              <a:schemeClr val="accent1"/>
+            </a:effectRef>
+            <a:fontRef idx="minor">
+              <a:schemeClr val="lt1"/>
+            </a:fontRef>
+          </p:style>
+          <p:txBody>
+            <a:bodyPr rtlCol="0" anchor="ctr"/>
+            <a:lstStyle/>
+            <a:p>
+              <a:pPr algn="ctr"/>
+              <a:endParaRPr lang="en-DK"/>
+            </a:p>
+          </p:txBody>
+        </p:sp>
+      </p:grpSp>
+      <p:sp>
+        <p:nvSpPr>
+          <p:cNvPr id="2" name="Title 1">
+            <a:extLst>
+              <a:ext uri="{FF2B5EF4-FFF2-40B4-BE49-F238E27FC236}">
+                <a16:creationId xmlns:a16="http://schemas.microsoft.com/office/drawing/2014/main" id="{C14DA020-5B03-4221-8CED-8C948436B20F}"/>
+              </a:ext>
+            </a:extLst>
+          </p:cNvPr>
+          <p:cNvSpPr>
+            <a:spLocks noGrp="1"/>
+          </p:cNvSpPr>
+          <p:nvPr>
+            <p:ph type="title"/>
+          </p:nvPr>
+        </p:nvSpPr>
+        <p:spPr/>
+        <p:txBody>
+          <a:bodyPr/>
+          <a:lstStyle/>
+          <a:p>
+            <a:r>
+              <a:rPr lang="da-DK" dirty="0" err="1"/>
+              <a:t>Relational</a:t>
+            </a:r>
+            <a:r>
+              <a:rPr lang="da-DK" dirty="0"/>
+              <a:t> databases</a:t>
+            </a:r>
+            <a:endParaRPr lang="en-DK" dirty="0"/>
+          </a:p>
+        </p:txBody>
+      </p:sp>
+      <p:pic>
+        <p:nvPicPr>
+          <p:cNvPr id="5" name="Content Placeholder 4">
+            <a:extLst>
+              <a:ext uri="{FF2B5EF4-FFF2-40B4-BE49-F238E27FC236}">
+                <a16:creationId xmlns:a16="http://schemas.microsoft.com/office/drawing/2014/main" id="{59176588-F802-4846-8AE0-1504B9978B3D}"/>
+              </a:ext>
+            </a:extLst>
+          </p:cNvPr>
+          <p:cNvPicPr>
+            <a:picLocks noGrp="1" noChangeAspect="1"/>
+          </p:cNvPicPr>
+          <p:nvPr>
+            <p:ph idx="1"/>
+          </p:nvPr>
+        </p:nvPicPr>
+        <p:blipFill>
+          <a:blip r:embed="rId4">
+            <a:extLst>
+              <a:ext uri="{28A0092B-C50C-407E-A947-70E740481C1C}">
+                <a14:useLocalDpi xmlns:a14="http://schemas.microsoft.com/office/drawing/2010/main" val="0"/>
+              </a:ext>
+            </a:extLst>
+          </a:blip>
+          <a:stretch>
+            <a:fillRect/>
+          </a:stretch>
+        </p:blipFill>
+        <p:spPr>
+          <a:xfrm>
+            <a:off x="2026659" y="1690688"/>
+            <a:ext cx="3460002" cy="4351338"/>
+          </a:xfrm>
+        </p:spPr>
+      </p:pic>
+      <p:sp>
+        <p:nvSpPr>
+          <p:cNvPr id="6" name="TextBox 5">
+            <a:extLst>
+              <a:ext uri="{FF2B5EF4-FFF2-40B4-BE49-F238E27FC236}">
+                <a16:creationId xmlns:a16="http://schemas.microsoft.com/office/drawing/2014/main" id="{52F6D74E-9576-45BD-9BE9-46A354105C97}"/>
+              </a:ext>
+            </a:extLst>
+          </p:cNvPr>
+          <p:cNvSpPr txBox="1"/>
+          <p:nvPr/>
+        </p:nvSpPr>
+        <p:spPr>
+          <a:xfrm>
+            <a:off x="7780020" y="3489960"/>
+            <a:ext cx="1533818" cy="1477328"/>
+          </a:xfrm>
+          <a:prstGeom prst="rect">
+            <a:avLst/>
+          </a:prstGeom>
+          <a:noFill/>
+        </p:spPr>
+        <p:txBody>
+          <a:bodyPr wrap="none" rtlCol="0">
+            <a:spAutoFit/>
+          </a:bodyPr>
+          <a:lstStyle/>
+          <a:p>
+            <a:r>
+              <a:rPr lang="en-US" dirty="0"/>
+              <a:t>Examples:</a:t>
+            </a:r>
+          </a:p>
+          <a:p>
+            <a:pPr marL="285750" indent="-285750">
+              <a:buFont typeface="Arial" panose="020B0604020202020204" pitchFamily="34" charset="0"/>
+              <a:buChar char="•"/>
+            </a:pPr>
+            <a:r>
+              <a:rPr lang="en-US" dirty="0"/>
+              <a:t>MS-SQL</a:t>
+            </a:r>
+          </a:p>
+          <a:p>
+            <a:pPr marL="285750" indent="-285750">
+              <a:buFont typeface="Arial" panose="020B0604020202020204" pitchFamily="34" charset="0"/>
+              <a:buChar char="•"/>
+            </a:pPr>
+            <a:r>
+              <a:rPr lang="en-US" dirty="0"/>
+              <a:t>MySQL</a:t>
+            </a:r>
+          </a:p>
+          <a:p>
+            <a:pPr marL="285750" indent="-285750">
+              <a:buFont typeface="Arial" panose="020B0604020202020204" pitchFamily="34" charset="0"/>
+              <a:buChar char="•"/>
+            </a:pPr>
+            <a:r>
+              <a:rPr lang="en-US" dirty="0"/>
+              <a:t>PostgreSQL</a:t>
+            </a:r>
+          </a:p>
+          <a:p>
+            <a:pPr marL="285750" indent="-285750">
+              <a:buFont typeface="Arial" panose="020B0604020202020204" pitchFamily="34" charset="0"/>
+              <a:buChar char="•"/>
+            </a:pPr>
+            <a:r>
+              <a:rPr lang="en-US" dirty="0"/>
+              <a:t>SQLite</a:t>
+            </a:r>
+            <a:endParaRPr lang="en-DK" dirty="0"/>
+          </a:p>
+        </p:txBody>
+      </p:sp>
+    </p:spTree>
+    <p:extLst>
+      <p:ext uri="{BB962C8B-B14F-4D97-AF65-F5344CB8AC3E}">
+        <p14:creationId xmlns:p14="http://schemas.microsoft.com/office/powerpoint/2010/main" val="2468673394"/>
+      </p:ext>
+    </p:extLst>
+  </p:cSld>
+  <p:clrMapOvr>
+    <a:masterClrMapping/>
+  </p:clrMapOvr>
+</p:sld>
+</file>
+
+<file path=ppt/slides/slide12.xml><?xml version="1.0" encoding="utf-8"?>
+<p:sld xmlns:a="http://schemas.openxmlformats.org/drawingml/2006/main" xmlns:r="http://schemas.openxmlformats.org/officeDocument/2006/relationships" xmlns:p="http://schemas.openxmlformats.org/presentationml/2006/main">
+  <p:cSld>
+    <p:spTree>
+      <p:nvGrpSpPr>
+        <p:cNvPr id="1" name=""/>
+        <p:cNvGrpSpPr/>
+        <p:nvPr/>
+      </p:nvGrpSpPr>
+      <p:grpSpPr>
+        <a:xfrm>
+          <a:off x="0" y="0"/>
+          <a:ext cx="0" cy="0"/>
+          <a:chOff x="0" y="0"/>
+          <a:chExt cx="0" cy="0"/>
+        </a:xfrm>
+      </p:grpSpPr>
+      <p:grpSp>
+        <p:nvGrpSpPr>
+          <p:cNvPr id="7" name="Group 6">
+            <a:extLst>
+              <a:ext uri="{FF2B5EF4-FFF2-40B4-BE49-F238E27FC236}">
+                <a16:creationId xmlns:a16="http://schemas.microsoft.com/office/drawing/2014/main" id="{1092CEBD-E091-46E1-86AB-E3003881D793}"/>
+              </a:ext>
+            </a:extLst>
+          </p:cNvPr>
+          <p:cNvGrpSpPr/>
+          <p:nvPr/>
+        </p:nvGrpSpPr>
+        <p:grpSpPr>
+          <a:xfrm>
+            <a:off x="7487811" y="2182011"/>
+            <a:ext cx="5297585" cy="5306444"/>
+            <a:chOff x="7487811" y="2182011"/>
+            <a:chExt cx="5297585" cy="5306444"/>
+          </a:xfrm>
+        </p:grpSpPr>
+        <p:pic>
+          <p:nvPicPr>
+            <p:cNvPr id="8" name="Picture 7">
+              <a:extLst>
+                <a:ext uri="{FF2B5EF4-FFF2-40B4-BE49-F238E27FC236}">
+                  <a16:creationId xmlns:a16="http://schemas.microsoft.com/office/drawing/2014/main" id="{FE410A3B-177D-455E-860E-3FEC52DC9995}"/>
+                </a:ext>
+              </a:extLst>
+            </p:cNvPr>
+            <p:cNvPicPr>
+              <a:picLocks noChangeAspect="1"/>
+            </p:cNvPicPr>
+            <p:nvPr/>
+          </p:nvPicPr>
+          <p:blipFill>
+            <a:blip r:embed="rId3">
+              <a:extLst>
+                <a:ext uri="{28A0092B-C50C-407E-A947-70E740481C1C}">
+                  <a14:useLocalDpi xmlns:a14="http://schemas.microsoft.com/office/drawing/2010/main" val="0"/>
+                </a:ext>
+              </a:extLst>
+            </a:blip>
+            <a:stretch>
+              <a:fillRect/>
+            </a:stretch>
+          </p:blipFill>
+          <p:spPr>
+            <a:xfrm>
+              <a:off x="7487811" y="2182011"/>
+              <a:ext cx="5297585" cy="5297585"/>
+            </a:xfrm>
+            <a:prstGeom prst="rect">
+              <a:avLst/>
+            </a:prstGeom>
+            <a:effectLst/>
+          </p:spPr>
+        </p:pic>
+        <p:sp>
+          <p:nvSpPr>
+            <p:cNvPr id="9" name="Rectangle 8">
+              <a:extLst>
+                <a:ext uri="{FF2B5EF4-FFF2-40B4-BE49-F238E27FC236}">
+                  <a16:creationId xmlns:a16="http://schemas.microsoft.com/office/drawing/2014/main" id="{D46DEA6D-087B-4ADA-89FA-C226C9E336FE}"/>
+                </a:ext>
+              </a:extLst>
+            </p:cNvPr>
+            <p:cNvSpPr/>
+            <p:nvPr/>
+          </p:nvSpPr>
+          <p:spPr>
+            <a:xfrm>
+              <a:off x="7488455" y="2184935"/>
+              <a:ext cx="5293894" cy="5303520"/>
+            </a:xfrm>
+            <a:prstGeom prst="rect">
+              <a:avLst/>
+            </a:prstGeom>
+            <a:solidFill>
+              <a:schemeClr val="bg1">
+                <a:alpha val="89000"/>
+              </a:schemeClr>
+            </a:solidFill>
+            <a:ln>
+              <a:noFill/>
+            </a:ln>
+          </p:spPr>
+          <p:style>
+            <a:lnRef idx="2">
+              <a:schemeClr val="accent1">
+                <a:shade val="50000"/>
+              </a:schemeClr>
+            </a:lnRef>
+            <a:fillRef idx="1">
+              <a:schemeClr val="accent1"/>
+            </a:fillRef>
+            <a:effectRef idx="0">
+              <a:schemeClr val="accent1"/>
+            </a:effectRef>
+            <a:fontRef idx="minor">
+              <a:schemeClr val="lt1"/>
+            </a:fontRef>
+          </p:style>
+          <p:txBody>
+            <a:bodyPr rtlCol="0" anchor="ctr"/>
+            <a:lstStyle/>
+            <a:p>
+              <a:pPr algn="ctr"/>
+              <a:endParaRPr lang="en-DK"/>
+            </a:p>
+          </p:txBody>
+        </p:sp>
+      </p:grpSp>
+      <p:sp>
+        <p:nvSpPr>
+          <p:cNvPr id="2" name="Title 1">
+            <a:extLst>
+              <a:ext uri="{FF2B5EF4-FFF2-40B4-BE49-F238E27FC236}">
+                <a16:creationId xmlns:a16="http://schemas.microsoft.com/office/drawing/2014/main" id="{69A03B0F-CEE3-4886-BA09-458961B714DA}"/>
+              </a:ext>
+            </a:extLst>
+          </p:cNvPr>
+          <p:cNvSpPr>
+            <a:spLocks noGrp="1"/>
+          </p:cNvSpPr>
+          <p:nvPr>
+            <p:ph type="title"/>
+          </p:nvPr>
+        </p:nvSpPr>
+        <p:spPr/>
+        <p:txBody>
+          <a:bodyPr/>
+          <a:lstStyle/>
+          <a:p>
+            <a:r>
+              <a:rPr lang="da-DK" dirty="0" err="1"/>
+              <a:t>NoSQL</a:t>
+            </a:r>
+            <a:r>
+              <a:rPr lang="da-DK" dirty="0"/>
+              <a:t> databases (Key </a:t>
+            </a:r>
+            <a:r>
+              <a:rPr lang="da-DK" dirty="0" err="1"/>
+              <a:t>value</a:t>
+            </a:r>
+            <a:r>
+              <a:rPr lang="da-DK" dirty="0"/>
+              <a:t> pair)</a:t>
+            </a:r>
+            <a:endParaRPr lang="en-DK" dirty="0"/>
+          </a:p>
+        </p:txBody>
+      </p:sp>
+      <p:sp>
+        <p:nvSpPr>
+          <p:cNvPr id="3" name="Content Placeholder 2">
+            <a:extLst>
+              <a:ext uri="{FF2B5EF4-FFF2-40B4-BE49-F238E27FC236}">
+                <a16:creationId xmlns:a16="http://schemas.microsoft.com/office/drawing/2014/main" id="{FE228B89-4A85-4146-AA63-9223D3DFE11B}"/>
+              </a:ext>
+            </a:extLst>
+          </p:cNvPr>
+          <p:cNvSpPr>
+            <a:spLocks noGrp="1"/>
+          </p:cNvSpPr>
+          <p:nvPr>
+            <p:ph idx="1"/>
+          </p:nvPr>
+        </p:nvSpPr>
+        <p:spPr/>
+        <p:txBody>
+          <a:bodyPr/>
+          <a:lstStyle/>
+          <a:p>
+            <a:endParaRPr lang="en-DK" dirty="0"/>
+          </a:p>
+        </p:txBody>
+      </p:sp>
+      <p:pic>
+        <p:nvPicPr>
+          <p:cNvPr id="5" name="Picture 4">
+            <a:extLst>
+              <a:ext uri="{FF2B5EF4-FFF2-40B4-BE49-F238E27FC236}">
+                <a16:creationId xmlns:a16="http://schemas.microsoft.com/office/drawing/2014/main" id="{2F29F9C0-91E1-42DC-9628-33DAB736EE60}"/>
+              </a:ext>
+            </a:extLst>
+          </p:cNvPr>
+          <p:cNvPicPr>
+            <a:picLocks noChangeAspect="1"/>
+          </p:cNvPicPr>
+          <p:nvPr/>
+        </p:nvPicPr>
+        <p:blipFill>
+          <a:blip r:embed="rId4">
+            <a:extLst>
+              <a:ext uri="{28A0092B-C50C-407E-A947-70E740481C1C}">
+                <a14:useLocalDpi xmlns:a14="http://schemas.microsoft.com/office/drawing/2010/main" val="0"/>
+              </a:ext>
+            </a:extLst>
+          </a:blip>
+          <a:stretch>
+            <a:fillRect/>
+          </a:stretch>
+        </p:blipFill>
+        <p:spPr>
+          <a:xfrm>
+            <a:off x="2046922" y="2578417"/>
+            <a:ext cx="3190875" cy="1076325"/>
+          </a:xfrm>
+          <a:prstGeom prst="rect">
+            <a:avLst/>
+          </a:prstGeom>
+        </p:spPr>
+      </p:pic>
+      <p:sp>
+        <p:nvSpPr>
+          <p:cNvPr id="6" name="TextBox 5">
+            <a:extLst>
+              <a:ext uri="{FF2B5EF4-FFF2-40B4-BE49-F238E27FC236}">
+                <a16:creationId xmlns:a16="http://schemas.microsoft.com/office/drawing/2014/main" id="{11486C0D-D0EF-47F8-9F7C-CD49F42B40CF}"/>
+              </a:ext>
+            </a:extLst>
+          </p:cNvPr>
+          <p:cNvSpPr txBox="1"/>
+          <p:nvPr/>
+        </p:nvSpPr>
+        <p:spPr>
+          <a:xfrm>
+            <a:off x="7391400" y="3825240"/>
+            <a:ext cx="1620636" cy="923330"/>
+          </a:xfrm>
+          <a:prstGeom prst="rect">
+            <a:avLst/>
+          </a:prstGeom>
+          <a:noFill/>
+        </p:spPr>
+        <p:txBody>
+          <a:bodyPr wrap="none" rtlCol="0">
+            <a:spAutoFit/>
+          </a:bodyPr>
+          <a:lstStyle/>
+          <a:p>
+            <a:r>
+              <a:rPr lang="en-US" dirty="0"/>
+              <a:t>Examples:</a:t>
+            </a:r>
+          </a:p>
+          <a:p>
+            <a:pPr marL="285750" indent="-285750">
+              <a:buFont typeface="Arial" panose="020B0604020202020204" pitchFamily="34" charset="0"/>
+              <a:buChar char="•"/>
+            </a:pPr>
+            <a:r>
+              <a:rPr lang="en-US" dirty="0"/>
+              <a:t>Redis</a:t>
+            </a:r>
+          </a:p>
+          <a:p>
+            <a:pPr marL="285750" indent="-285750">
+              <a:buFont typeface="Arial" panose="020B0604020202020204" pitchFamily="34" charset="0"/>
+              <a:buChar char="•"/>
+            </a:pPr>
+            <a:r>
+              <a:rPr lang="en-US" dirty="0" err="1"/>
+              <a:t>memcached</a:t>
+            </a:r>
+            <a:endParaRPr lang="en-DK" dirty="0"/>
+          </a:p>
+        </p:txBody>
+      </p:sp>
+    </p:spTree>
+    <p:extLst>
+      <p:ext uri="{BB962C8B-B14F-4D97-AF65-F5344CB8AC3E}">
+        <p14:creationId xmlns:p14="http://schemas.microsoft.com/office/powerpoint/2010/main" val="11293107"/>
+      </p:ext>
+    </p:extLst>
+  </p:cSld>
+  <p:clrMapOvr>
+    <a:masterClrMapping/>
+  </p:clrMapOvr>
+</p:sld>
+</file>
+
+<file path=ppt/slides/slide13.xml><?xml version="1.0" encoding="utf-8"?>
+<p:sld xmlns:a="http://schemas.openxmlformats.org/drawingml/2006/main" xmlns:r="http://schemas.openxmlformats.org/officeDocument/2006/relationships" xmlns:p="http://schemas.openxmlformats.org/presentationml/2006/main">
+  <p:cSld>
+    <p:spTree>
+      <p:nvGrpSpPr>
+        <p:cNvPr id="1" name=""/>
+        <p:cNvGrpSpPr/>
+        <p:nvPr/>
+      </p:nvGrpSpPr>
+      <p:grpSpPr>
+        <a:xfrm>
+          <a:off x="0" y="0"/>
+          <a:ext cx="0" cy="0"/>
+          <a:chOff x="0" y="0"/>
+          <a:chExt cx="0" cy="0"/>
+        </a:xfrm>
+      </p:grpSpPr>
+      <p:grpSp>
+        <p:nvGrpSpPr>
+          <p:cNvPr id="7" name="Group 6">
+            <a:extLst>
+              <a:ext uri="{FF2B5EF4-FFF2-40B4-BE49-F238E27FC236}">
+                <a16:creationId xmlns:a16="http://schemas.microsoft.com/office/drawing/2014/main" id="{08642DD6-FFA5-4254-9B3B-18DE545162B2}"/>
+              </a:ext>
+            </a:extLst>
+          </p:cNvPr>
+          <p:cNvGrpSpPr/>
+          <p:nvPr/>
+        </p:nvGrpSpPr>
+        <p:grpSpPr>
+          <a:xfrm>
+            <a:off x="7487811" y="2182011"/>
+            <a:ext cx="5297585" cy="5306444"/>
+            <a:chOff x="7487811" y="2182011"/>
+            <a:chExt cx="5297585" cy="5306444"/>
+          </a:xfrm>
+        </p:grpSpPr>
+        <p:pic>
+          <p:nvPicPr>
+            <p:cNvPr id="8" name="Picture 7">
+              <a:extLst>
+                <a:ext uri="{FF2B5EF4-FFF2-40B4-BE49-F238E27FC236}">
+                  <a16:creationId xmlns:a16="http://schemas.microsoft.com/office/drawing/2014/main" id="{F4079309-BF1D-4CCD-B822-572687C105FC}"/>
+                </a:ext>
+              </a:extLst>
+            </p:cNvPr>
+            <p:cNvPicPr>
+              <a:picLocks noChangeAspect="1"/>
+            </p:cNvPicPr>
+            <p:nvPr/>
+          </p:nvPicPr>
+          <p:blipFill>
+            <a:blip r:embed="rId3">
+              <a:extLst>
+                <a:ext uri="{28A0092B-C50C-407E-A947-70E740481C1C}">
+                  <a14:useLocalDpi xmlns:a14="http://schemas.microsoft.com/office/drawing/2010/main" val="0"/>
+                </a:ext>
+              </a:extLst>
+            </a:blip>
+            <a:stretch>
+              <a:fillRect/>
+            </a:stretch>
+          </p:blipFill>
+          <p:spPr>
+            <a:xfrm>
+              <a:off x="7487811" y="2182011"/>
+              <a:ext cx="5297585" cy="5297585"/>
+            </a:xfrm>
+            <a:prstGeom prst="rect">
+              <a:avLst/>
+            </a:prstGeom>
+            <a:effectLst/>
+          </p:spPr>
+        </p:pic>
+        <p:sp>
+          <p:nvSpPr>
+            <p:cNvPr id="9" name="Rectangle 8">
+              <a:extLst>
+                <a:ext uri="{FF2B5EF4-FFF2-40B4-BE49-F238E27FC236}">
+                  <a16:creationId xmlns:a16="http://schemas.microsoft.com/office/drawing/2014/main" id="{19E3938B-3F8C-4CAD-B438-A212F9AC6382}"/>
+                </a:ext>
+              </a:extLst>
+            </p:cNvPr>
+            <p:cNvSpPr/>
+            <p:nvPr/>
+          </p:nvSpPr>
+          <p:spPr>
+            <a:xfrm>
+              <a:off x="7488455" y="2184935"/>
+              <a:ext cx="5293894" cy="5303520"/>
+            </a:xfrm>
+            <a:prstGeom prst="rect">
+              <a:avLst/>
+            </a:prstGeom>
+            <a:solidFill>
+              <a:schemeClr val="bg1">
+                <a:alpha val="89000"/>
+              </a:schemeClr>
+            </a:solidFill>
+            <a:ln>
+              <a:noFill/>
+            </a:ln>
+          </p:spPr>
+          <p:style>
+            <a:lnRef idx="2">
+              <a:schemeClr val="accent1">
+                <a:shade val="50000"/>
+              </a:schemeClr>
+            </a:lnRef>
+            <a:fillRef idx="1">
+              <a:schemeClr val="accent1"/>
+            </a:fillRef>
+            <a:effectRef idx="0">
+              <a:schemeClr val="accent1"/>
+            </a:effectRef>
+            <a:fontRef idx="minor">
+              <a:schemeClr val="lt1"/>
+            </a:fontRef>
+          </p:style>
+          <p:txBody>
+            <a:bodyPr rtlCol="0" anchor="ctr"/>
+            <a:lstStyle/>
+            <a:p>
+              <a:pPr algn="ctr"/>
+              <a:endParaRPr lang="en-DK"/>
+            </a:p>
+          </p:txBody>
+        </p:sp>
+      </p:grpSp>
+      <p:sp>
+        <p:nvSpPr>
+          <p:cNvPr id="2" name="Title 1">
+            <a:extLst>
+              <a:ext uri="{FF2B5EF4-FFF2-40B4-BE49-F238E27FC236}">
+                <a16:creationId xmlns:a16="http://schemas.microsoft.com/office/drawing/2014/main" id="{A95EB749-B6D7-4C94-AE7A-7D919BD1802E}"/>
+              </a:ext>
+            </a:extLst>
+          </p:cNvPr>
+          <p:cNvSpPr>
+            <a:spLocks noGrp="1"/>
+          </p:cNvSpPr>
+          <p:nvPr>
+            <p:ph type="title"/>
+          </p:nvPr>
+        </p:nvSpPr>
+        <p:spPr/>
+        <p:txBody>
+          <a:bodyPr/>
+          <a:lstStyle/>
+          <a:p>
+            <a:r>
+              <a:rPr lang="en-US" dirty="0"/>
+              <a:t>NoSQL (Document databases)</a:t>
+            </a:r>
+            <a:endParaRPr lang="en-DK" dirty="0"/>
+          </a:p>
+        </p:txBody>
+      </p:sp>
+      <p:pic>
+        <p:nvPicPr>
+          <p:cNvPr id="5" name="Content Placeholder 4">
+            <a:extLst>
+              <a:ext uri="{FF2B5EF4-FFF2-40B4-BE49-F238E27FC236}">
+                <a16:creationId xmlns:a16="http://schemas.microsoft.com/office/drawing/2014/main" id="{99CCDA4B-C509-49F9-BD9B-1E02983AC69D}"/>
+              </a:ext>
+            </a:extLst>
+          </p:cNvPr>
+          <p:cNvPicPr>
+            <a:picLocks noGrp="1" noChangeAspect="1"/>
+          </p:cNvPicPr>
+          <p:nvPr>
+            <p:ph idx="1"/>
+          </p:nvPr>
+        </p:nvPicPr>
+        <p:blipFill>
+          <a:blip r:embed="rId4">
+            <a:extLst>
+              <a:ext uri="{28A0092B-C50C-407E-A947-70E740481C1C}">
+                <a14:useLocalDpi xmlns:a14="http://schemas.microsoft.com/office/drawing/2010/main" val="0"/>
+              </a:ext>
+            </a:extLst>
+          </a:blip>
+          <a:stretch>
+            <a:fillRect/>
+          </a:stretch>
+        </p:blipFill>
+        <p:spPr>
+          <a:xfrm>
+            <a:off x="1178242" y="2028666"/>
+            <a:ext cx="5934075" cy="3152775"/>
+          </a:xfrm>
+        </p:spPr>
+      </p:pic>
+      <p:sp>
+        <p:nvSpPr>
+          <p:cNvPr id="6" name="TextBox 5">
+            <a:extLst>
+              <a:ext uri="{FF2B5EF4-FFF2-40B4-BE49-F238E27FC236}">
+                <a16:creationId xmlns:a16="http://schemas.microsoft.com/office/drawing/2014/main" id="{77DFB75F-D4F8-49B1-A1D7-A11809AA18A3}"/>
+              </a:ext>
+            </a:extLst>
+          </p:cNvPr>
+          <p:cNvSpPr txBox="1"/>
+          <p:nvPr/>
+        </p:nvSpPr>
+        <p:spPr>
+          <a:xfrm>
+            <a:off x="7848600" y="2933700"/>
+            <a:ext cx="1453796" cy="923330"/>
+          </a:xfrm>
+          <a:prstGeom prst="rect">
+            <a:avLst/>
+          </a:prstGeom>
+          <a:noFill/>
+        </p:spPr>
+        <p:txBody>
+          <a:bodyPr wrap="none" rtlCol="0">
+            <a:spAutoFit/>
+          </a:bodyPr>
+          <a:lstStyle/>
+          <a:p>
+            <a:r>
+              <a:rPr lang="en-US" dirty="0"/>
+              <a:t>Examples:</a:t>
+            </a:r>
+          </a:p>
+          <a:p>
+            <a:pPr marL="285750" indent="-285750">
+              <a:buFont typeface="Arial" panose="020B0604020202020204" pitchFamily="34" charset="0"/>
+              <a:buChar char="•"/>
+            </a:pPr>
+            <a:r>
+              <a:rPr lang="en-US" dirty="0"/>
+              <a:t>MongoDB</a:t>
+            </a:r>
+          </a:p>
+          <a:p>
+            <a:pPr marL="285750" indent="-285750">
+              <a:buFont typeface="Arial" panose="020B0604020202020204" pitchFamily="34" charset="0"/>
+              <a:buChar char="•"/>
+            </a:pPr>
+            <a:r>
+              <a:rPr lang="en-US" dirty="0" err="1"/>
+              <a:t>RethinkDB</a:t>
+            </a:r>
+            <a:endParaRPr lang="en-US" dirty="0"/>
+          </a:p>
+        </p:txBody>
+      </p:sp>
+    </p:spTree>
+    <p:extLst>
+      <p:ext uri="{BB962C8B-B14F-4D97-AF65-F5344CB8AC3E}">
+        <p14:creationId xmlns:p14="http://schemas.microsoft.com/office/powerpoint/2010/main" val="4083899280"/>
+      </p:ext>
+    </p:extLst>
+  </p:cSld>
+  <p:clrMapOvr>
+    <a:masterClrMapping/>
+  </p:clrMapOvr>
+</p:sld>
+</file>
+
+<file path=ppt/slides/slide14.xml><?xml version="1.0" encoding="utf-8"?>
+<p:sld xmlns:a="http://schemas.openxmlformats.org/drawingml/2006/main" xmlns:r="http://schemas.openxmlformats.org/officeDocument/2006/relationships" xmlns:p="http://schemas.openxmlformats.org/presentationml/2006/main">
+  <p:cSld>
+    <p:spTree>
+      <p:nvGrpSpPr>
+        <p:cNvPr id="1" name=""/>
+        <p:cNvGrpSpPr/>
+        <p:nvPr/>
+      </p:nvGrpSpPr>
+      <p:grpSpPr>
+        <a:xfrm>
+          <a:off x="0" y="0"/>
+          <a:ext cx="0" cy="0"/>
+          <a:chOff x="0" y="0"/>
+          <a:chExt cx="0" cy="0"/>
+        </a:xfrm>
+      </p:grpSpPr>
+      <p:grpSp>
+        <p:nvGrpSpPr>
+          <p:cNvPr id="4" name="Group 3">
+            <a:extLst>
+              <a:ext uri="{FF2B5EF4-FFF2-40B4-BE49-F238E27FC236}">
+                <a16:creationId xmlns:a16="http://schemas.microsoft.com/office/drawing/2014/main" id="{7F506E0D-8001-4A8A-B22B-B24529E5EF61}"/>
+              </a:ext>
+            </a:extLst>
+          </p:cNvPr>
+          <p:cNvGrpSpPr/>
+          <p:nvPr/>
+        </p:nvGrpSpPr>
+        <p:grpSpPr>
+          <a:xfrm>
+            <a:off x="7487811" y="2182011"/>
+            <a:ext cx="5297585" cy="5306444"/>
+            <a:chOff x="7487811" y="2182011"/>
+            <a:chExt cx="5297585" cy="5306444"/>
+          </a:xfrm>
+        </p:grpSpPr>
+        <p:pic>
+          <p:nvPicPr>
+            <p:cNvPr id="5" name="Picture 4">
+              <a:extLst>
+                <a:ext uri="{FF2B5EF4-FFF2-40B4-BE49-F238E27FC236}">
+                  <a16:creationId xmlns:a16="http://schemas.microsoft.com/office/drawing/2014/main" id="{E236022F-B496-4771-A54F-5ED7B71612B5}"/>
+                </a:ext>
+              </a:extLst>
+            </p:cNvPr>
+            <p:cNvPicPr>
+              <a:picLocks noChangeAspect="1"/>
+            </p:cNvPicPr>
+            <p:nvPr/>
+          </p:nvPicPr>
+          <p:blipFill>
+            <a:blip r:embed="rId2">
+              <a:extLst>
+                <a:ext uri="{28A0092B-C50C-407E-A947-70E740481C1C}">
+                  <a14:useLocalDpi xmlns:a14="http://schemas.microsoft.com/office/drawing/2010/main" val="0"/>
+                </a:ext>
+              </a:extLst>
+            </a:blip>
+            <a:stretch>
+              <a:fillRect/>
+            </a:stretch>
+          </p:blipFill>
+          <p:spPr>
+            <a:xfrm>
+              <a:off x="7487811" y="2182011"/>
+              <a:ext cx="5297585" cy="5297585"/>
+            </a:xfrm>
+            <a:prstGeom prst="rect">
+              <a:avLst/>
+            </a:prstGeom>
+            <a:effectLst/>
+          </p:spPr>
+        </p:pic>
+        <p:sp>
+          <p:nvSpPr>
+            <p:cNvPr id="6" name="Rectangle 5">
+              <a:extLst>
+                <a:ext uri="{FF2B5EF4-FFF2-40B4-BE49-F238E27FC236}">
+                  <a16:creationId xmlns:a16="http://schemas.microsoft.com/office/drawing/2014/main" id="{5F9837A7-1F81-44CE-9269-13541B13DEBA}"/>
+                </a:ext>
+              </a:extLst>
+            </p:cNvPr>
+            <p:cNvSpPr/>
+            <p:nvPr/>
+          </p:nvSpPr>
+          <p:spPr>
+            <a:xfrm>
+              <a:off x="7488455" y="2184935"/>
+              <a:ext cx="5293894" cy="5303520"/>
+            </a:xfrm>
+            <a:prstGeom prst="rect">
+              <a:avLst/>
+            </a:prstGeom>
+            <a:solidFill>
+              <a:schemeClr val="bg1">
+                <a:alpha val="89000"/>
+              </a:schemeClr>
+            </a:solidFill>
+            <a:ln>
+              <a:noFill/>
+            </a:ln>
+          </p:spPr>
+          <p:style>
+            <a:lnRef idx="2">
+              <a:schemeClr val="accent1">
+                <a:shade val="50000"/>
+              </a:schemeClr>
+            </a:lnRef>
+            <a:fillRef idx="1">
+              <a:schemeClr val="accent1"/>
+            </a:fillRef>
+            <a:effectRef idx="0">
+              <a:schemeClr val="accent1"/>
+            </a:effectRef>
+            <a:fontRef idx="minor">
+              <a:schemeClr val="lt1"/>
+            </a:fontRef>
+          </p:style>
+          <p:txBody>
+            <a:bodyPr rtlCol="0" anchor="ctr"/>
+            <a:lstStyle/>
+            <a:p>
+              <a:pPr algn="ctr"/>
+              <a:endParaRPr lang="en-DK"/>
+            </a:p>
+          </p:txBody>
+        </p:sp>
+      </p:grpSp>
+      <p:sp>
+        <p:nvSpPr>
+          <p:cNvPr id="2" name="Title 1">
+            <a:extLst>
+              <a:ext uri="{FF2B5EF4-FFF2-40B4-BE49-F238E27FC236}">
+                <a16:creationId xmlns:a16="http://schemas.microsoft.com/office/drawing/2014/main" id="{3B075B62-A669-48C7-8862-B0CC05ED729A}"/>
+              </a:ext>
+            </a:extLst>
+          </p:cNvPr>
+          <p:cNvSpPr>
+            <a:spLocks noGrp="1"/>
+          </p:cNvSpPr>
+          <p:nvPr>
+            <p:ph type="title"/>
+          </p:nvPr>
+        </p:nvSpPr>
+        <p:spPr/>
+        <p:txBody>
+          <a:bodyPr/>
+          <a:lstStyle/>
+          <a:p>
+            <a:r>
+              <a:rPr lang="en-US" dirty="0"/>
+              <a:t>How does data truly look?</a:t>
+            </a:r>
+            <a:endParaRPr lang="en-DK" dirty="0"/>
+          </a:p>
+        </p:txBody>
+      </p:sp>
+      <p:sp>
+        <p:nvSpPr>
+          <p:cNvPr id="3" name="Text Placeholder 2">
+            <a:extLst>
+              <a:ext uri="{FF2B5EF4-FFF2-40B4-BE49-F238E27FC236}">
+                <a16:creationId xmlns:a16="http://schemas.microsoft.com/office/drawing/2014/main" id="{9537D7D8-196C-4229-853A-E33B538CEE1A}"/>
+              </a:ext>
+            </a:extLst>
+          </p:cNvPr>
+          <p:cNvSpPr>
+            <a:spLocks noGrp="1"/>
+          </p:cNvSpPr>
+          <p:nvPr>
+            <p:ph type="body" idx="1"/>
+          </p:nvPr>
+        </p:nvSpPr>
+        <p:spPr/>
+        <p:txBody>
+          <a:bodyPr/>
+          <a:lstStyle/>
+          <a:p>
+            <a:r>
+              <a:rPr lang="en-US" dirty="0"/>
+              <a:t>If the data model does not represent the data it describes, the data will be incorrect.</a:t>
+            </a:r>
+          </a:p>
+        </p:txBody>
+      </p:sp>
+    </p:spTree>
+    <p:extLst>
+      <p:ext uri="{BB962C8B-B14F-4D97-AF65-F5344CB8AC3E}">
+        <p14:creationId xmlns:p14="http://schemas.microsoft.com/office/powerpoint/2010/main" val="3870847368"/>
+      </p:ext>
+    </p:extLst>
+  </p:cSld>
+  <p:clrMapOvr>
+    <a:masterClrMapping/>
+  </p:clrMapOvr>
+</p:sld>
+</file>
+
+<file path=ppt/slides/slide15.xml><?xml version="1.0" encoding="utf-8"?>
+<p:sld xmlns:a="http://schemas.openxmlformats.org/drawingml/2006/main" xmlns:r="http://schemas.openxmlformats.org/officeDocument/2006/relationships" xmlns:p="http://schemas.openxmlformats.org/presentationml/2006/main">
+  <p:cSld>
+    <p:spTree>
+      <p:nvGrpSpPr>
+        <p:cNvPr id="1" name=""/>
+        <p:cNvGrpSpPr/>
+        <p:nvPr/>
+      </p:nvGrpSpPr>
+      <p:grpSpPr>
+        <a:xfrm>
+          <a:off x="0" y="0"/>
+          <a:ext cx="0" cy="0"/>
+          <a:chOff x="0" y="0"/>
+          <a:chExt cx="0" cy="0"/>
+        </a:xfrm>
+      </p:grpSpPr>
+      <p:grpSp>
+        <p:nvGrpSpPr>
           <p:cNvPr id="4" name="Group 3">
             <a:extLst>
               <a:ext uri="{FF2B5EF4-FFF2-40B4-BE49-F238E27FC236}">
@@ -4787,7 +5987,7 @@
 </p:sld>
 </file>
 
-<file path=ppt/slides/slide11.xml><?xml version="1.0" encoding="utf-8"?>
+<file path=ppt/slides/slide16.xml><?xml version="1.0" encoding="utf-8"?>
 <p:sld xmlns:a="http://schemas.openxmlformats.org/drawingml/2006/main" xmlns:r="http://schemas.openxmlformats.org/officeDocument/2006/relationships" xmlns:p="http://schemas.openxmlformats.org/presentationml/2006/main">
   <p:cSld>
     <p:spTree>
@@ -5677,7 +6877,7 @@
 </p:sld>
 </file>
 
-<file path=ppt/slides/slide12.xml><?xml version="1.0" encoding="utf-8"?>
+<file path=ppt/slides/slide17.xml><?xml version="1.0" encoding="utf-8"?>
 <p:sld xmlns:a="http://schemas.openxmlformats.org/drawingml/2006/main" xmlns:r="http://schemas.openxmlformats.org/officeDocument/2006/relationships" xmlns:p="http://schemas.openxmlformats.org/presentationml/2006/main">
   <p:cSld>
     <p:spTree>
@@ -5788,7 +6988,7 @@
 </p:sld>
 </file>
 
-<file path=ppt/slides/slide13.xml><?xml version="1.0" encoding="utf-8"?>
+<file path=ppt/slides/slide18.xml><?xml version="1.0" encoding="utf-8"?>
 <p:sld xmlns:a="http://schemas.openxmlformats.org/drawingml/2006/main" xmlns:r="http://schemas.openxmlformats.org/officeDocument/2006/relationships" xmlns:p="http://schemas.openxmlformats.org/presentationml/2006/main">
   <p:cSld>
     <p:spTree>
@@ -5988,7 +7188,7 @@
 </p:sld>
 </file>
 
-<file path=ppt/slides/slide14.xml><?xml version="1.0" encoding="utf-8"?>
+<file path=ppt/slides/slide19.xml><?xml version="1.0" encoding="utf-8"?>
 <p:sld xmlns:a="http://schemas.openxmlformats.org/drawingml/2006/main" xmlns:r="http://schemas.openxmlformats.org/officeDocument/2006/relationships" xmlns:p="http://schemas.openxmlformats.org/presentationml/2006/main">
   <p:cSld>
     <p:spTree>
@@ -6236,7 +7436,206 @@
 </p:sld>
 </file>
 
-<file path=ppt/slides/slide15.xml><?xml version="1.0" encoding="utf-8"?>
+<file path=ppt/slides/slide2.xml><?xml version="1.0" encoding="utf-8"?>
+<p:sld xmlns:a="http://schemas.openxmlformats.org/drawingml/2006/main" xmlns:r="http://schemas.openxmlformats.org/officeDocument/2006/relationships" xmlns:p="http://schemas.openxmlformats.org/presentationml/2006/main">
+  <p:cSld>
+    <p:spTree>
+      <p:nvGrpSpPr>
+        <p:cNvPr id="1" name=""/>
+        <p:cNvGrpSpPr/>
+        <p:nvPr/>
+      </p:nvGrpSpPr>
+      <p:grpSpPr>
+        <a:xfrm>
+          <a:off x="0" y="0"/>
+          <a:ext cx="0" cy="0"/>
+          <a:chOff x="0" y="0"/>
+          <a:chExt cx="0" cy="0"/>
+        </a:xfrm>
+      </p:grpSpPr>
+      <p:grpSp>
+        <p:nvGrpSpPr>
+          <p:cNvPr id="4" name="Group 3">
+            <a:extLst>
+              <a:ext uri="{FF2B5EF4-FFF2-40B4-BE49-F238E27FC236}">
+                <a16:creationId xmlns:a16="http://schemas.microsoft.com/office/drawing/2014/main" id="{0D458ABF-87F4-48C5-9B74-3A2C0F254015}"/>
+              </a:ext>
+            </a:extLst>
+          </p:cNvPr>
+          <p:cNvGrpSpPr/>
+          <p:nvPr/>
+        </p:nvGrpSpPr>
+        <p:grpSpPr>
+          <a:xfrm>
+            <a:off x="7487811" y="2182011"/>
+            <a:ext cx="5297585" cy="5306444"/>
+            <a:chOff x="7487811" y="2182011"/>
+            <a:chExt cx="5297585" cy="5306444"/>
+          </a:xfrm>
+        </p:grpSpPr>
+        <p:pic>
+          <p:nvPicPr>
+            <p:cNvPr id="5" name="Picture 4">
+              <a:extLst>
+                <a:ext uri="{FF2B5EF4-FFF2-40B4-BE49-F238E27FC236}">
+                  <a16:creationId xmlns:a16="http://schemas.microsoft.com/office/drawing/2014/main" id="{06CA7591-6B7B-4F32-B5F2-C22FE3EAEB9A}"/>
+                </a:ext>
+              </a:extLst>
+            </p:cNvPr>
+            <p:cNvPicPr>
+              <a:picLocks noChangeAspect="1"/>
+            </p:cNvPicPr>
+            <p:nvPr/>
+          </p:nvPicPr>
+          <p:blipFill>
+            <a:blip r:embed="rId2">
+              <a:extLst>
+                <a:ext uri="{28A0092B-C50C-407E-A947-70E740481C1C}">
+                  <a14:useLocalDpi xmlns:a14="http://schemas.microsoft.com/office/drawing/2010/main" val="0"/>
+                </a:ext>
+              </a:extLst>
+            </a:blip>
+            <a:stretch>
+              <a:fillRect/>
+            </a:stretch>
+          </p:blipFill>
+          <p:spPr>
+            <a:xfrm>
+              <a:off x="7487811" y="2182011"/>
+              <a:ext cx="5297585" cy="5297585"/>
+            </a:xfrm>
+            <a:prstGeom prst="rect">
+              <a:avLst/>
+            </a:prstGeom>
+            <a:effectLst/>
+          </p:spPr>
+        </p:pic>
+        <p:sp>
+          <p:nvSpPr>
+            <p:cNvPr id="6" name="Rectangle 5">
+              <a:extLst>
+                <a:ext uri="{FF2B5EF4-FFF2-40B4-BE49-F238E27FC236}">
+                  <a16:creationId xmlns:a16="http://schemas.microsoft.com/office/drawing/2014/main" id="{548F8D82-5C79-4847-9991-60C25FA928BD}"/>
+                </a:ext>
+              </a:extLst>
+            </p:cNvPr>
+            <p:cNvSpPr/>
+            <p:nvPr/>
+          </p:nvSpPr>
+          <p:spPr>
+            <a:xfrm>
+              <a:off x="7488455" y="2184935"/>
+              <a:ext cx="5293894" cy="5303520"/>
+            </a:xfrm>
+            <a:prstGeom prst="rect">
+              <a:avLst/>
+            </a:prstGeom>
+            <a:solidFill>
+              <a:schemeClr val="bg1">
+                <a:alpha val="89000"/>
+              </a:schemeClr>
+            </a:solidFill>
+            <a:ln>
+              <a:noFill/>
+            </a:ln>
+          </p:spPr>
+          <p:style>
+            <a:lnRef idx="2">
+              <a:schemeClr val="accent1">
+                <a:shade val="50000"/>
+              </a:schemeClr>
+            </a:lnRef>
+            <a:fillRef idx="1">
+              <a:schemeClr val="accent1"/>
+            </a:fillRef>
+            <a:effectRef idx="0">
+              <a:schemeClr val="accent1"/>
+            </a:effectRef>
+            <a:fontRef idx="minor">
+              <a:schemeClr val="lt1"/>
+            </a:fontRef>
+          </p:style>
+          <p:txBody>
+            <a:bodyPr rtlCol="0" anchor="ctr"/>
+            <a:lstStyle/>
+            <a:p>
+              <a:pPr algn="ctr"/>
+              <a:endParaRPr lang="en-DK"/>
+            </a:p>
+          </p:txBody>
+        </p:sp>
+      </p:grpSp>
+      <p:sp>
+        <p:nvSpPr>
+          <p:cNvPr id="2" name="Title 1">
+            <a:extLst>
+              <a:ext uri="{FF2B5EF4-FFF2-40B4-BE49-F238E27FC236}">
+                <a16:creationId xmlns:a16="http://schemas.microsoft.com/office/drawing/2014/main" id="{3B075B62-A669-48C7-8862-B0CC05ED729A}"/>
+              </a:ext>
+            </a:extLst>
+          </p:cNvPr>
+          <p:cNvSpPr>
+            <a:spLocks noGrp="1"/>
+          </p:cNvSpPr>
+          <p:nvPr>
+            <p:ph type="title"/>
+          </p:nvPr>
+        </p:nvSpPr>
+        <p:spPr/>
+        <p:txBody>
+          <a:bodyPr/>
+          <a:lstStyle/>
+          <a:p>
+            <a:r>
+              <a:rPr lang="en-US" dirty="0"/>
+              <a:t>The reason for data is it’s relation to decisions</a:t>
+            </a:r>
+            <a:endParaRPr lang="en-DK" dirty="0"/>
+          </a:p>
+        </p:txBody>
+      </p:sp>
+      <p:sp>
+        <p:nvSpPr>
+          <p:cNvPr id="3" name="Text Placeholder 2">
+            <a:extLst>
+              <a:ext uri="{FF2B5EF4-FFF2-40B4-BE49-F238E27FC236}">
+                <a16:creationId xmlns:a16="http://schemas.microsoft.com/office/drawing/2014/main" id="{9537D7D8-196C-4229-853A-E33B538CEE1A}"/>
+              </a:ext>
+            </a:extLst>
+          </p:cNvPr>
+          <p:cNvSpPr>
+            <a:spLocks noGrp="1"/>
+          </p:cNvSpPr>
+          <p:nvPr>
+            <p:ph type="body" idx="1"/>
+          </p:nvPr>
+        </p:nvSpPr>
+        <p:spPr/>
+        <p:txBody>
+          <a:bodyPr/>
+          <a:lstStyle/>
+          <a:p>
+            <a:r>
+              <a:rPr lang="en-US" dirty="0"/>
+              <a:t>Make choices based on fact.</a:t>
+            </a:r>
+          </a:p>
+        </p:txBody>
+      </p:sp>
+    </p:spTree>
+    <p:extLst>
+      <p:ext uri="{BB962C8B-B14F-4D97-AF65-F5344CB8AC3E}">
+        <p14:creationId xmlns:p14="http://schemas.microsoft.com/office/powerpoint/2010/main" val="3887011054"/>
+      </p:ext>
+    </p:extLst>
+  </p:cSld>
+  <p:clrMapOvr>
+    <a:masterClrMapping/>
+  </p:clrMapOvr>
+</p:sld>
+</file>
+
+<file path=ppt/slides/slide20.xml><?xml version="1.0" encoding="utf-8"?>
 <p:sld xmlns:a="http://schemas.openxmlformats.org/drawingml/2006/main" xmlns:r="http://schemas.openxmlformats.org/officeDocument/2006/relationships" xmlns:p="http://schemas.openxmlformats.org/presentationml/2006/main">
   <p:cSld>
     <p:spTree>
@@ -6453,7 +7852,7 @@
 </p:sld>
 </file>
 
-<file path=ppt/slides/slide16.xml><?xml version="1.0" encoding="utf-8"?>
+<file path=ppt/slides/slide21.xml><?xml version="1.0" encoding="utf-8"?>
 <p:sld xmlns:a="http://schemas.openxmlformats.org/drawingml/2006/main" xmlns:r="http://schemas.openxmlformats.org/officeDocument/2006/relationships" xmlns:p="http://schemas.openxmlformats.org/presentationml/2006/main">
   <p:cSld>
     <p:spTree>
@@ -6714,7 +8113,7 @@
 </p:sld>
 </file>
 
-<file path=ppt/slides/slide17.xml><?xml version="1.0" encoding="utf-8"?>
+<file path=ppt/slides/slide22.xml><?xml version="1.0" encoding="utf-8"?>
 <p:sld xmlns:a="http://schemas.openxmlformats.org/drawingml/2006/main" xmlns:r="http://schemas.openxmlformats.org/officeDocument/2006/relationships" xmlns:p="http://schemas.openxmlformats.org/presentationml/2006/main">
   <p:cSld>
     <p:spTree>
@@ -7151,7 +8550,7 @@
 </p:sld>
 </file>
 
-<file path=ppt/slides/slide18.xml><?xml version="1.0" encoding="utf-8"?>
+<file path=ppt/slides/slide23.xml><?xml version="1.0" encoding="utf-8"?>
 <p:sld xmlns:a="http://schemas.openxmlformats.org/drawingml/2006/main" xmlns:r="http://schemas.openxmlformats.org/officeDocument/2006/relationships" xmlns:p="http://schemas.openxmlformats.org/presentationml/2006/main">
   <p:cSld>
     <p:spTree>
@@ -7347,7 +8746,7 @@
 </p:sld>
 </file>
 
-<file path=ppt/slides/slide19.xml><?xml version="1.0" encoding="utf-8"?>
+<file path=ppt/slides/slide24.xml><?xml version="1.0" encoding="utf-8"?>
 <p:sld xmlns:a="http://schemas.openxmlformats.org/drawingml/2006/main" xmlns:r="http://schemas.openxmlformats.org/officeDocument/2006/relationships" xmlns:p="http://schemas.openxmlformats.org/presentationml/2006/main">
   <p:cSld>
     <p:spTree>
@@ -7547,7 +8946,2825 @@
 </p:sld>
 </file>
 
-<file path=ppt/slides/slide2.xml><?xml version="1.0" encoding="utf-8"?>
+<file path=ppt/slides/slide25.xml><?xml version="1.0" encoding="utf-8"?>
+<p:sld xmlns:a="http://schemas.openxmlformats.org/drawingml/2006/main" xmlns:r="http://schemas.openxmlformats.org/officeDocument/2006/relationships" xmlns:p="http://schemas.openxmlformats.org/presentationml/2006/main">
+  <p:cSld>
+    <p:spTree>
+      <p:nvGrpSpPr>
+        <p:cNvPr id="1" name=""/>
+        <p:cNvGrpSpPr/>
+        <p:nvPr/>
+      </p:nvGrpSpPr>
+      <p:grpSpPr>
+        <a:xfrm>
+          <a:off x="0" y="0"/>
+          <a:ext cx="0" cy="0"/>
+          <a:chOff x="0" y="0"/>
+          <a:chExt cx="0" cy="0"/>
+        </a:xfrm>
+      </p:grpSpPr>
+      <p:pic>
+        <p:nvPicPr>
+          <p:cNvPr id="5" name="Picture 4">
+            <a:extLst>
+              <a:ext uri="{FF2B5EF4-FFF2-40B4-BE49-F238E27FC236}">
+                <a16:creationId xmlns:a16="http://schemas.microsoft.com/office/drawing/2014/main" id="{A7A46341-6829-45D6-84F6-A67B682460F4}"/>
+              </a:ext>
+            </a:extLst>
+          </p:cNvPr>
+          <p:cNvPicPr>
+            <a:picLocks noChangeAspect="1"/>
+          </p:cNvPicPr>
+          <p:nvPr/>
+        </p:nvPicPr>
+        <p:blipFill>
+          <a:blip r:embed="rId2">
+            <a:extLst>
+              <a:ext uri="{28A0092B-C50C-407E-A947-70E740481C1C}">
+                <a14:useLocalDpi xmlns:a14="http://schemas.microsoft.com/office/drawing/2010/main" val="0"/>
+              </a:ext>
+            </a:extLst>
+          </a:blip>
+          <a:stretch>
+            <a:fillRect/>
+          </a:stretch>
+        </p:blipFill>
+        <p:spPr>
+          <a:xfrm>
+            <a:off x="0" y="-815875"/>
+            <a:ext cx="12192000" cy="8134779"/>
+          </a:xfrm>
+          <a:prstGeom prst="rect">
+            <a:avLst/>
+          </a:prstGeom>
+        </p:spPr>
+      </p:pic>
+      <p:sp>
+        <p:nvSpPr>
+          <p:cNvPr id="2" name="Title 1">
+            <a:extLst>
+              <a:ext uri="{FF2B5EF4-FFF2-40B4-BE49-F238E27FC236}">
+                <a16:creationId xmlns:a16="http://schemas.microsoft.com/office/drawing/2014/main" id="{AD645CB7-D431-4ED8-8FE2-E3B015E90251}"/>
+              </a:ext>
+            </a:extLst>
+          </p:cNvPr>
+          <p:cNvSpPr>
+            <a:spLocks noGrp="1"/>
+          </p:cNvSpPr>
+          <p:nvPr>
+            <p:ph type="title"/>
+          </p:nvPr>
+        </p:nvSpPr>
+        <p:spPr/>
+        <p:txBody>
+          <a:bodyPr/>
+          <a:lstStyle/>
+          <a:p>
+            <a:endParaRPr lang="en-DK" dirty="0"/>
+          </a:p>
+        </p:txBody>
+      </p:sp>
+      <p:sp>
+        <p:nvSpPr>
+          <p:cNvPr id="3" name="Text Placeholder 2">
+            <a:extLst>
+              <a:ext uri="{FF2B5EF4-FFF2-40B4-BE49-F238E27FC236}">
+                <a16:creationId xmlns:a16="http://schemas.microsoft.com/office/drawing/2014/main" id="{90131B1A-11A6-4A74-96C4-3A1DA6D5F8EB}"/>
+              </a:ext>
+            </a:extLst>
+          </p:cNvPr>
+          <p:cNvSpPr>
+            <a:spLocks noGrp="1"/>
+          </p:cNvSpPr>
+          <p:nvPr>
+            <p:ph type="body" idx="1"/>
+          </p:nvPr>
+        </p:nvSpPr>
+        <p:spPr/>
+        <p:txBody>
+          <a:bodyPr/>
+          <a:lstStyle/>
+          <a:p>
+            <a:r>
+              <a:rPr lang="en-US" dirty="0">
+                <a:solidFill>
+                  <a:schemeClr val="bg1"/>
+                </a:solidFill>
+              </a:rPr>
+              <a:t>* This is Mikkel falling in love</a:t>
+            </a:r>
+            <a:endParaRPr lang="en-DK" dirty="0">
+              <a:solidFill>
+                <a:schemeClr val="bg1"/>
+              </a:solidFill>
+            </a:endParaRPr>
+          </a:p>
+        </p:txBody>
+      </p:sp>
+    </p:spTree>
+    <p:extLst>
+      <p:ext uri="{BB962C8B-B14F-4D97-AF65-F5344CB8AC3E}">
+        <p14:creationId xmlns:p14="http://schemas.microsoft.com/office/powerpoint/2010/main" val="4200438727"/>
+      </p:ext>
+    </p:extLst>
+  </p:cSld>
+  <p:clrMapOvr>
+    <a:masterClrMapping/>
+  </p:clrMapOvr>
+</p:sld>
+</file>
+
+<file path=ppt/slides/slide26.xml><?xml version="1.0" encoding="utf-8"?>
+<p:sld xmlns:a="http://schemas.openxmlformats.org/drawingml/2006/main" xmlns:r="http://schemas.openxmlformats.org/officeDocument/2006/relationships" xmlns:p="http://schemas.openxmlformats.org/presentationml/2006/main">
+  <p:cSld>
+    <p:spTree>
+      <p:nvGrpSpPr>
+        <p:cNvPr id="1" name=""/>
+        <p:cNvGrpSpPr/>
+        <p:nvPr/>
+      </p:nvGrpSpPr>
+      <p:grpSpPr>
+        <a:xfrm>
+          <a:off x="0" y="0"/>
+          <a:ext cx="0" cy="0"/>
+          <a:chOff x="0" y="0"/>
+          <a:chExt cx="0" cy="0"/>
+        </a:xfrm>
+      </p:grpSpPr>
+      <p:grpSp>
+        <p:nvGrpSpPr>
+          <p:cNvPr id="4" name="Group 3">
+            <a:extLst>
+              <a:ext uri="{FF2B5EF4-FFF2-40B4-BE49-F238E27FC236}">
+                <a16:creationId xmlns:a16="http://schemas.microsoft.com/office/drawing/2014/main" id="{102A380B-F3B8-4F53-B930-1FA9D0586065}"/>
+              </a:ext>
+            </a:extLst>
+          </p:cNvPr>
+          <p:cNvGrpSpPr/>
+          <p:nvPr/>
+        </p:nvGrpSpPr>
+        <p:grpSpPr>
+          <a:xfrm>
+            <a:off x="7487811" y="2182011"/>
+            <a:ext cx="5297585" cy="5306444"/>
+            <a:chOff x="7487811" y="2182011"/>
+            <a:chExt cx="5297585" cy="5306444"/>
+          </a:xfrm>
+        </p:grpSpPr>
+        <p:pic>
+          <p:nvPicPr>
+            <p:cNvPr id="5" name="Picture 4">
+              <a:extLst>
+                <a:ext uri="{FF2B5EF4-FFF2-40B4-BE49-F238E27FC236}">
+                  <a16:creationId xmlns:a16="http://schemas.microsoft.com/office/drawing/2014/main" id="{ABAADB5A-2902-462A-AAC2-04D214C47FFD}"/>
+                </a:ext>
+              </a:extLst>
+            </p:cNvPr>
+            <p:cNvPicPr>
+              <a:picLocks noChangeAspect="1"/>
+            </p:cNvPicPr>
+            <p:nvPr/>
+          </p:nvPicPr>
+          <p:blipFill>
+            <a:blip r:embed="rId2">
+              <a:extLst>
+                <a:ext uri="{28A0092B-C50C-407E-A947-70E740481C1C}">
+                  <a14:useLocalDpi xmlns:a14="http://schemas.microsoft.com/office/drawing/2010/main" val="0"/>
+                </a:ext>
+              </a:extLst>
+            </a:blip>
+            <a:stretch>
+              <a:fillRect/>
+            </a:stretch>
+          </p:blipFill>
+          <p:spPr>
+            <a:xfrm>
+              <a:off x="7487811" y="2182011"/>
+              <a:ext cx="5297585" cy="5297585"/>
+            </a:xfrm>
+            <a:prstGeom prst="rect">
+              <a:avLst/>
+            </a:prstGeom>
+            <a:effectLst/>
+          </p:spPr>
+        </p:pic>
+        <p:sp>
+          <p:nvSpPr>
+            <p:cNvPr id="6" name="Rectangle 5">
+              <a:extLst>
+                <a:ext uri="{FF2B5EF4-FFF2-40B4-BE49-F238E27FC236}">
+                  <a16:creationId xmlns:a16="http://schemas.microsoft.com/office/drawing/2014/main" id="{267A98D5-C2FB-4219-ADC8-9C634EC561C7}"/>
+                </a:ext>
+              </a:extLst>
+            </p:cNvPr>
+            <p:cNvSpPr/>
+            <p:nvPr/>
+          </p:nvSpPr>
+          <p:spPr>
+            <a:xfrm>
+              <a:off x="7488455" y="2184935"/>
+              <a:ext cx="5293894" cy="5303520"/>
+            </a:xfrm>
+            <a:prstGeom prst="rect">
+              <a:avLst/>
+            </a:prstGeom>
+            <a:solidFill>
+              <a:schemeClr val="bg1">
+                <a:alpha val="89000"/>
+              </a:schemeClr>
+            </a:solidFill>
+            <a:ln>
+              <a:noFill/>
+            </a:ln>
+          </p:spPr>
+          <p:style>
+            <a:lnRef idx="2">
+              <a:schemeClr val="accent1">
+                <a:shade val="50000"/>
+              </a:schemeClr>
+            </a:lnRef>
+            <a:fillRef idx="1">
+              <a:schemeClr val="accent1"/>
+            </a:fillRef>
+            <a:effectRef idx="0">
+              <a:schemeClr val="accent1"/>
+            </a:effectRef>
+            <a:fontRef idx="minor">
+              <a:schemeClr val="lt1"/>
+            </a:fontRef>
+          </p:style>
+          <p:txBody>
+            <a:bodyPr rtlCol="0" anchor="ctr"/>
+            <a:lstStyle/>
+            <a:p>
+              <a:pPr algn="ctr"/>
+              <a:endParaRPr lang="en-DK"/>
+            </a:p>
+          </p:txBody>
+        </p:sp>
+      </p:grpSp>
+      <p:sp>
+        <p:nvSpPr>
+          <p:cNvPr id="2" name="Title 1">
+            <a:extLst>
+              <a:ext uri="{FF2B5EF4-FFF2-40B4-BE49-F238E27FC236}">
+                <a16:creationId xmlns:a16="http://schemas.microsoft.com/office/drawing/2014/main" id="{98844CEC-848D-469C-A8C8-3FF629314F98}"/>
+              </a:ext>
+            </a:extLst>
+          </p:cNvPr>
+          <p:cNvSpPr>
+            <a:spLocks noGrp="1"/>
+          </p:cNvSpPr>
+          <p:nvPr>
+            <p:ph type="title"/>
+          </p:nvPr>
+        </p:nvSpPr>
+        <p:spPr/>
+        <p:txBody>
+          <a:bodyPr/>
+          <a:lstStyle/>
+          <a:p>
+            <a:r>
+              <a:rPr lang="en-US" dirty="0"/>
+              <a:t>Demo</a:t>
+            </a:r>
+            <a:endParaRPr lang="en-DK" dirty="0"/>
+          </a:p>
+        </p:txBody>
+      </p:sp>
+      <p:sp>
+        <p:nvSpPr>
+          <p:cNvPr id="3" name="Text Placeholder 2">
+            <a:extLst>
+              <a:ext uri="{FF2B5EF4-FFF2-40B4-BE49-F238E27FC236}">
+                <a16:creationId xmlns:a16="http://schemas.microsoft.com/office/drawing/2014/main" id="{7B91CD2A-7B56-4982-BC68-742FC4A10D62}"/>
+              </a:ext>
+            </a:extLst>
+          </p:cNvPr>
+          <p:cNvSpPr>
+            <a:spLocks noGrp="1"/>
+          </p:cNvSpPr>
+          <p:nvPr>
+            <p:ph type="body" idx="1"/>
+          </p:nvPr>
+        </p:nvSpPr>
+        <p:spPr/>
+        <p:txBody>
+          <a:bodyPr/>
+          <a:lstStyle/>
+          <a:p>
+            <a:r>
+              <a:rPr lang="en-US" dirty="0"/>
+              <a:t>I know you are thinking “Mikkel please show me how love looks like in a graph database.”</a:t>
+            </a:r>
+            <a:endParaRPr lang="en-DK" dirty="0"/>
+          </a:p>
+        </p:txBody>
+      </p:sp>
+    </p:spTree>
+    <p:extLst>
+      <p:ext uri="{BB962C8B-B14F-4D97-AF65-F5344CB8AC3E}">
+        <p14:creationId xmlns:p14="http://schemas.microsoft.com/office/powerpoint/2010/main" val="1634749368"/>
+      </p:ext>
+    </p:extLst>
+  </p:cSld>
+  <p:clrMapOvr>
+    <a:masterClrMapping/>
+  </p:clrMapOvr>
+</p:sld>
+</file>
+
+<file path=ppt/slides/slide27.xml><?xml version="1.0" encoding="utf-8"?>
+<p:sld xmlns:a="http://schemas.openxmlformats.org/drawingml/2006/main" xmlns:r="http://schemas.openxmlformats.org/officeDocument/2006/relationships" xmlns:p="http://schemas.openxmlformats.org/presentationml/2006/main">
+  <p:cSld>
+    <p:spTree>
+      <p:nvGrpSpPr>
+        <p:cNvPr id="1" name=""/>
+        <p:cNvGrpSpPr/>
+        <p:nvPr/>
+      </p:nvGrpSpPr>
+      <p:grpSpPr>
+        <a:xfrm>
+          <a:off x="0" y="0"/>
+          <a:ext cx="0" cy="0"/>
+          <a:chOff x="0" y="0"/>
+          <a:chExt cx="0" cy="0"/>
+        </a:xfrm>
+      </p:grpSpPr>
+      <p:grpSp>
+        <p:nvGrpSpPr>
+          <p:cNvPr id="4" name="Group 3">
+            <a:extLst>
+              <a:ext uri="{FF2B5EF4-FFF2-40B4-BE49-F238E27FC236}">
+                <a16:creationId xmlns:a16="http://schemas.microsoft.com/office/drawing/2014/main" id="{AC076944-68E5-44B9-A30D-3EEE72BD1698}"/>
+              </a:ext>
+            </a:extLst>
+          </p:cNvPr>
+          <p:cNvGrpSpPr/>
+          <p:nvPr/>
+        </p:nvGrpSpPr>
+        <p:grpSpPr>
+          <a:xfrm>
+            <a:off x="7487811" y="2182011"/>
+            <a:ext cx="5297585" cy="5306444"/>
+            <a:chOff x="7487811" y="2182011"/>
+            <a:chExt cx="5297585" cy="5306444"/>
+          </a:xfrm>
+        </p:grpSpPr>
+        <p:pic>
+          <p:nvPicPr>
+            <p:cNvPr id="5" name="Picture 4">
+              <a:extLst>
+                <a:ext uri="{FF2B5EF4-FFF2-40B4-BE49-F238E27FC236}">
+                  <a16:creationId xmlns:a16="http://schemas.microsoft.com/office/drawing/2014/main" id="{A0471B3A-BF38-443A-95E1-FE9F284F55B7}"/>
+                </a:ext>
+              </a:extLst>
+            </p:cNvPr>
+            <p:cNvPicPr>
+              <a:picLocks noChangeAspect="1"/>
+            </p:cNvPicPr>
+            <p:nvPr/>
+          </p:nvPicPr>
+          <p:blipFill>
+            <a:blip r:embed="rId2">
+              <a:extLst>
+                <a:ext uri="{28A0092B-C50C-407E-A947-70E740481C1C}">
+                  <a14:useLocalDpi xmlns:a14="http://schemas.microsoft.com/office/drawing/2010/main" val="0"/>
+                </a:ext>
+              </a:extLst>
+            </a:blip>
+            <a:stretch>
+              <a:fillRect/>
+            </a:stretch>
+          </p:blipFill>
+          <p:spPr>
+            <a:xfrm>
+              <a:off x="7487811" y="2182011"/>
+              <a:ext cx="5297585" cy="5297585"/>
+            </a:xfrm>
+            <a:prstGeom prst="rect">
+              <a:avLst/>
+            </a:prstGeom>
+            <a:effectLst/>
+          </p:spPr>
+        </p:pic>
+        <p:sp>
+          <p:nvSpPr>
+            <p:cNvPr id="6" name="Rectangle 5">
+              <a:extLst>
+                <a:ext uri="{FF2B5EF4-FFF2-40B4-BE49-F238E27FC236}">
+                  <a16:creationId xmlns:a16="http://schemas.microsoft.com/office/drawing/2014/main" id="{54714F04-CEEE-4E52-9B90-17D2223E81EE}"/>
+                </a:ext>
+              </a:extLst>
+            </p:cNvPr>
+            <p:cNvSpPr/>
+            <p:nvPr/>
+          </p:nvSpPr>
+          <p:spPr>
+            <a:xfrm>
+              <a:off x="7488455" y="2184935"/>
+              <a:ext cx="5293894" cy="5303520"/>
+            </a:xfrm>
+            <a:prstGeom prst="rect">
+              <a:avLst/>
+            </a:prstGeom>
+            <a:solidFill>
+              <a:schemeClr val="bg1">
+                <a:alpha val="89000"/>
+              </a:schemeClr>
+            </a:solidFill>
+            <a:ln>
+              <a:noFill/>
+            </a:ln>
+          </p:spPr>
+          <p:style>
+            <a:lnRef idx="2">
+              <a:schemeClr val="accent1">
+                <a:shade val="50000"/>
+              </a:schemeClr>
+            </a:lnRef>
+            <a:fillRef idx="1">
+              <a:schemeClr val="accent1"/>
+            </a:fillRef>
+            <a:effectRef idx="0">
+              <a:schemeClr val="accent1"/>
+            </a:effectRef>
+            <a:fontRef idx="minor">
+              <a:schemeClr val="lt1"/>
+            </a:fontRef>
+          </p:style>
+          <p:txBody>
+            <a:bodyPr rtlCol="0" anchor="ctr"/>
+            <a:lstStyle/>
+            <a:p>
+              <a:pPr algn="ctr"/>
+              <a:endParaRPr lang="en-DK"/>
+            </a:p>
+          </p:txBody>
+        </p:sp>
+      </p:grpSp>
+      <p:sp>
+        <p:nvSpPr>
+          <p:cNvPr id="2" name="Title 1">
+            <a:extLst>
+              <a:ext uri="{FF2B5EF4-FFF2-40B4-BE49-F238E27FC236}">
+                <a16:creationId xmlns:a16="http://schemas.microsoft.com/office/drawing/2014/main" id="{14397800-4F7C-4164-A41D-B694BB821BB3}"/>
+              </a:ext>
+            </a:extLst>
+          </p:cNvPr>
+          <p:cNvSpPr>
+            <a:spLocks noGrp="1"/>
+          </p:cNvSpPr>
+          <p:nvPr>
+            <p:ph type="title"/>
+          </p:nvPr>
+        </p:nvSpPr>
+        <p:spPr/>
+        <p:txBody>
+          <a:bodyPr/>
+          <a:lstStyle/>
+          <a:p>
+            <a:r>
+              <a:rPr lang="en-US" dirty="0"/>
+              <a:t>Q&amp;A</a:t>
+            </a:r>
+            <a:endParaRPr lang="en-DK" dirty="0"/>
+          </a:p>
+        </p:txBody>
+      </p:sp>
+      <p:sp>
+        <p:nvSpPr>
+          <p:cNvPr id="3" name="Text Placeholder 2">
+            <a:extLst>
+              <a:ext uri="{FF2B5EF4-FFF2-40B4-BE49-F238E27FC236}">
+                <a16:creationId xmlns:a16="http://schemas.microsoft.com/office/drawing/2014/main" id="{20F0E223-990A-456B-B418-B8FBEDCEF4E1}"/>
+              </a:ext>
+            </a:extLst>
+          </p:cNvPr>
+          <p:cNvSpPr>
+            <a:spLocks noGrp="1"/>
+          </p:cNvSpPr>
+          <p:nvPr>
+            <p:ph type="body" idx="1"/>
+          </p:nvPr>
+        </p:nvSpPr>
+        <p:spPr/>
+        <p:txBody>
+          <a:bodyPr/>
+          <a:lstStyle/>
+          <a:p>
+            <a:r>
+              <a:rPr lang="en-US" dirty="0"/>
+              <a:t>Presentation, code and docker environment is downloadable at:</a:t>
+            </a:r>
+          </a:p>
+          <a:p>
+            <a:r>
+              <a:rPr lang="da-DK" dirty="0">
+                <a:hlinkClick r:id="rId3"/>
+              </a:rPr>
+              <a:t>https://github.com/mikkelvalentinsorensen/MikValSor.GraphDBIntroTalk</a:t>
+            </a:r>
+            <a:r>
+              <a:rPr lang="da-DK" dirty="0"/>
+              <a:t> </a:t>
+            </a:r>
+            <a:endParaRPr lang="en-DK" dirty="0"/>
+          </a:p>
+        </p:txBody>
+      </p:sp>
+    </p:spTree>
+    <p:extLst>
+      <p:ext uri="{BB962C8B-B14F-4D97-AF65-F5344CB8AC3E}">
+        <p14:creationId xmlns:p14="http://schemas.microsoft.com/office/powerpoint/2010/main" val="254688072"/>
+      </p:ext>
+    </p:extLst>
+  </p:cSld>
+  <p:clrMapOvr>
+    <a:masterClrMapping/>
+  </p:clrMapOvr>
+</p:sld>
+</file>
+
+<file path=ppt/slides/slide3.xml><?xml version="1.0" encoding="utf-8"?>
+<p:sld xmlns:a="http://schemas.openxmlformats.org/drawingml/2006/main" xmlns:r="http://schemas.openxmlformats.org/officeDocument/2006/relationships" xmlns:p="http://schemas.openxmlformats.org/presentationml/2006/main">
+  <p:cSld>
+    <p:spTree>
+      <p:nvGrpSpPr>
+        <p:cNvPr id="1" name=""/>
+        <p:cNvGrpSpPr/>
+        <p:nvPr/>
+      </p:nvGrpSpPr>
+      <p:grpSpPr>
+        <a:xfrm>
+          <a:off x="0" y="0"/>
+          <a:ext cx="0" cy="0"/>
+          <a:chOff x="0" y="0"/>
+          <a:chExt cx="0" cy="0"/>
+        </a:xfrm>
+      </p:grpSpPr>
+      <p:grpSp>
+        <p:nvGrpSpPr>
+          <p:cNvPr id="4" name="Group 3">
+            <a:extLst>
+              <a:ext uri="{FF2B5EF4-FFF2-40B4-BE49-F238E27FC236}">
+                <a16:creationId xmlns:a16="http://schemas.microsoft.com/office/drawing/2014/main" id="{2B63E158-B3CC-496C-A85B-75124C82722D}"/>
+              </a:ext>
+            </a:extLst>
+          </p:cNvPr>
+          <p:cNvGrpSpPr/>
+          <p:nvPr/>
+        </p:nvGrpSpPr>
+        <p:grpSpPr>
+          <a:xfrm>
+            <a:off x="7487811" y="2182011"/>
+            <a:ext cx="5297585" cy="5306444"/>
+            <a:chOff x="7487811" y="2182011"/>
+            <a:chExt cx="5297585" cy="5306444"/>
+          </a:xfrm>
+        </p:grpSpPr>
+        <p:pic>
+          <p:nvPicPr>
+            <p:cNvPr id="5" name="Picture 4">
+              <a:extLst>
+                <a:ext uri="{FF2B5EF4-FFF2-40B4-BE49-F238E27FC236}">
+                  <a16:creationId xmlns:a16="http://schemas.microsoft.com/office/drawing/2014/main" id="{86965CCA-54D0-4C21-8199-28DC65BF8E76}"/>
+                </a:ext>
+              </a:extLst>
+            </p:cNvPr>
+            <p:cNvPicPr>
+              <a:picLocks noChangeAspect="1"/>
+            </p:cNvPicPr>
+            <p:nvPr/>
+          </p:nvPicPr>
+          <p:blipFill>
+            <a:blip r:embed="rId2">
+              <a:extLst>
+                <a:ext uri="{28A0092B-C50C-407E-A947-70E740481C1C}">
+                  <a14:useLocalDpi xmlns:a14="http://schemas.microsoft.com/office/drawing/2010/main" val="0"/>
+                </a:ext>
+              </a:extLst>
+            </a:blip>
+            <a:stretch>
+              <a:fillRect/>
+            </a:stretch>
+          </p:blipFill>
+          <p:spPr>
+            <a:xfrm>
+              <a:off x="7487811" y="2182011"/>
+              <a:ext cx="5297585" cy="5297585"/>
+            </a:xfrm>
+            <a:prstGeom prst="rect">
+              <a:avLst/>
+            </a:prstGeom>
+            <a:effectLst/>
+          </p:spPr>
+        </p:pic>
+        <p:sp>
+          <p:nvSpPr>
+            <p:cNvPr id="6" name="Rectangle 5">
+              <a:extLst>
+                <a:ext uri="{FF2B5EF4-FFF2-40B4-BE49-F238E27FC236}">
+                  <a16:creationId xmlns:a16="http://schemas.microsoft.com/office/drawing/2014/main" id="{F0579431-096D-45EC-9D5B-67CE13D41ED3}"/>
+                </a:ext>
+              </a:extLst>
+            </p:cNvPr>
+            <p:cNvSpPr/>
+            <p:nvPr/>
+          </p:nvSpPr>
+          <p:spPr>
+            <a:xfrm>
+              <a:off x="7488455" y="2184935"/>
+              <a:ext cx="5293894" cy="5303520"/>
+            </a:xfrm>
+            <a:prstGeom prst="rect">
+              <a:avLst/>
+            </a:prstGeom>
+            <a:solidFill>
+              <a:schemeClr val="bg1">
+                <a:alpha val="89000"/>
+              </a:schemeClr>
+            </a:solidFill>
+            <a:ln>
+              <a:noFill/>
+            </a:ln>
+          </p:spPr>
+          <p:style>
+            <a:lnRef idx="2">
+              <a:schemeClr val="accent1">
+                <a:shade val="50000"/>
+              </a:schemeClr>
+            </a:lnRef>
+            <a:fillRef idx="1">
+              <a:schemeClr val="accent1"/>
+            </a:fillRef>
+            <a:effectRef idx="0">
+              <a:schemeClr val="accent1"/>
+            </a:effectRef>
+            <a:fontRef idx="minor">
+              <a:schemeClr val="lt1"/>
+            </a:fontRef>
+          </p:style>
+          <p:txBody>
+            <a:bodyPr rtlCol="0" anchor="ctr"/>
+            <a:lstStyle/>
+            <a:p>
+              <a:pPr algn="ctr"/>
+              <a:endParaRPr lang="en-DK"/>
+            </a:p>
+          </p:txBody>
+        </p:sp>
+      </p:grpSp>
+      <p:sp>
+        <p:nvSpPr>
+          <p:cNvPr id="2" name="Title 1">
+            <a:extLst>
+              <a:ext uri="{FF2B5EF4-FFF2-40B4-BE49-F238E27FC236}">
+                <a16:creationId xmlns:a16="http://schemas.microsoft.com/office/drawing/2014/main" id="{3B075B62-A669-48C7-8862-B0CC05ED729A}"/>
+              </a:ext>
+            </a:extLst>
+          </p:cNvPr>
+          <p:cNvSpPr>
+            <a:spLocks noGrp="1"/>
+          </p:cNvSpPr>
+          <p:nvPr>
+            <p:ph type="title"/>
+          </p:nvPr>
+        </p:nvSpPr>
+        <p:spPr/>
+        <p:txBody>
+          <a:bodyPr/>
+          <a:lstStyle/>
+          <a:p>
+            <a:r>
+              <a:rPr lang="en-US" dirty="0"/>
+              <a:t>A </a:t>
+            </a:r>
+            <a:r>
+              <a:rPr lang="en-US" i="1" dirty="0"/>
+              <a:t>“way to”</a:t>
+            </a:r>
+            <a:r>
+              <a:rPr lang="en-US" dirty="0"/>
+              <a:t> quick look at Machine Learning</a:t>
+            </a:r>
+            <a:endParaRPr lang="en-DK" dirty="0"/>
+          </a:p>
+        </p:txBody>
+      </p:sp>
+      <p:sp>
+        <p:nvSpPr>
+          <p:cNvPr id="3" name="Text Placeholder 2">
+            <a:extLst>
+              <a:ext uri="{FF2B5EF4-FFF2-40B4-BE49-F238E27FC236}">
+                <a16:creationId xmlns:a16="http://schemas.microsoft.com/office/drawing/2014/main" id="{9537D7D8-196C-4229-853A-E33B538CEE1A}"/>
+              </a:ext>
+            </a:extLst>
+          </p:cNvPr>
+          <p:cNvSpPr>
+            <a:spLocks noGrp="1"/>
+          </p:cNvSpPr>
+          <p:nvPr>
+            <p:ph type="body" idx="1"/>
+          </p:nvPr>
+        </p:nvSpPr>
+        <p:spPr/>
+        <p:txBody>
+          <a:bodyPr/>
+          <a:lstStyle/>
+          <a:p>
+            <a:endParaRPr lang="en-US" dirty="0"/>
+          </a:p>
+        </p:txBody>
+      </p:sp>
+    </p:spTree>
+    <p:extLst>
+      <p:ext uri="{BB962C8B-B14F-4D97-AF65-F5344CB8AC3E}">
+        <p14:creationId xmlns:p14="http://schemas.microsoft.com/office/powerpoint/2010/main" val="2933932453"/>
+      </p:ext>
+    </p:extLst>
+  </p:cSld>
+  <p:clrMapOvr>
+    <a:masterClrMapping/>
+  </p:clrMapOvr>
+</p:sld>
+</file>
+
+<file path=ppt/slides/slide4.xml><?xml version="1.0" encoding="utf-8"?>
+<p:sld xmlns:a="http://schemas.openxmlformats.org/drawingml/2006/main" xmlns:r="http://schemas.openxmlformats.org/officeDocument/2006/relationships" xmlns:p="http://schemas.openxmlformats.org/presentationml/2006/main">
+  <p:cSld>
+    <p:spTree>
+      <p:nvGrpSpPr>
+        <p:cNvPr id="1" name=""/>
+        <p:cNvGrpSpPr/>
+        <p:nvPr/>
+      </p:nvGrpSpPr>
+      <p:grpSpPr>
+        <a:xfrm>
+          <a:off x="0" y="0"/>
+          <a:ext cx="0" cy="0"/>
+          <a:chOff x="0" y="0"/>
+          <a:chExt cx="0" cy="0"/>
+        </a:xfrm>
+      </p:grpSpPr>
+      <p:sp>
+        <p:nvSpPr>
+          <p:cNvPr id="2" name="Title 1">
+            <a:extLst>
+              <a:ext uri="{FF2B5EF4-FFF2-40B4-BE49-F238E27FC236}">
+                <a16:creationId xmlns:a16="http://schemas.microsoft.com/office/drawing/2014/main" id="{2F0BA258-D05A-4487-9A22-6A88490A64E8}"/>
+              </a:ext>
+            </a:extLst>
+          </p:cNvPr>
+          <p:cNvSpPr>
+            <a:spLocks noGrp="1"/>
+          </p:cNvSpPr>
+          <p:nvPr>
+            <p:ph type="title"/>
+          </p:nvPr>
+        </p:nvSpPr>
+        <p:spPr/>
+        <p:txBody>
+          <a:bodyPr/>
+          <a:lstStyle/>
+          <a:p>
+            <a:r>
+              <a:rPr lang="en-US" dirty="0"/>
+              <a:t>Traditional decisions</a:t>
+            </a:r>
+            <a:endParaRPr lang="en-DK" dirty="0"/>
+          </a:p>
+        </p:txBody>
+      </p:sp>
+      <p:sp>
+        <p:nvSpPr>
+          <p:cNvPr id="3" name="Content Placeholder 2">
+            <a:extLst>
+              <a:ext uri="{FF2B5EF4-FFF2-40B4-BE49-F238E27FC236}">
+                <a16:creationId xmlns:a16="http://schemas.microsoft.com/office/drawing/2014/main" id="{5E87FEE9-6F8E-4C1B-B45E-1C925E40EFD7}"/>
+              </a:ext>
+            </a:extLst>
+          </p:cNvPr>
+          <p:cNvSpPr>
+            <a:spLocks noGrp="1"/>
+          </p:cNvSpPr>
+          <p:nvPr>
+            <p:ph idx="1"/>
+          </p:nvPr>
+        </p:nvSpPr>
+        <p:spPr/>
+        <p:txBody>
+          <a:bodyPr/>
+          <a:lstStyle/>
+          <a:p>
+            <a:endParaRPr lang="en-DK" dirty="0"/>
+          </a:p>
+        </p:txBody>
+      </p:sp>
+      <p:sp>
+        <p:nvSpPr>
+          <p:cNvPr id="4" name="Rectangle: Rounded Corners 3">
+            <a:extLst>
+              <a:ext uri="{FF2B5EF4-FFF2-40B4-BE49-F238E27FC236}">
+                <a16:creationId xmlns:a16="http://schemas.microsoft.com/office/drawing/2014/main" id="{02261E87-E5E7-45A9-97C5-789436949573}"/>
+              </a:ext>
+            </a:extLst>
+          </p:cNvPr>
+          <p:cNvSpPr/>
+          <p:nvPr/>
+        </p:nvSpPr>
+        <p:spPr>
+          <a:xfrm>
+            <a:off x="4995512" y="3330341"/>
+            <a:ext cx="2358189" cy="1386038"/>
+          </a:xfrm>
+          <a:prstGeom prst="roundRect">
+            <a:avLst/>
+          </a:prstGeom>
+        </p:spPr>
+        <p:style>
+          <a:lnRef idx="2">
+            <a:schemeClr val="accent1">
+              <a:shade val="50000"/>
+            </a:schemeClr>
+          </a:lnRef>
+          <a:fillRef idx="1">
+            <a:schemeClr val="accent1"/>
+          </a:fillRef>
+          <a:effectRef idx="0">
+            <a:schemeClr val="accent1"/>
+          </a:effectRef>
+          <a:fontRef idx="minor">
+            <a:schemeClr val="lt1"/>
+          </a:fontRef>
+        </p:style>
+        <p:txBody>
+          <a:bodyPr rtlCol="0" anchor="ctr"/>
+          <a:lstStyle/>
+          <a:p>
+            <a:pPr algn="ctr"/>
+            <a:r>
+              <a:rPr lang="en-US" dirty="0"/>
+              <a:t>Traditional Programming</a:t>
+            </a:r>
+            <a:endParaRPr lang="en-DK" dirty="0"/>
+          </a:p>
+        </p:txBody>
+      </p:sp>
+      <p:sp>
+        <p:nvSpPr>
+          <p:cNvPr id="5" name="TextBox 4">
+            <a:extLst>
+              <a:ext uri="{FF2B5EF4-FFF2-40B4-BE49-F238E27FC236}">
+                <a16:creationId xmlns:a16="http://schemas.microsoft.com/office/drawing/2014/main" id="{4C83E5E6-38BA-4CCC-B411-7CC64533E6EB}"/>
+              </a:ext>
+            </a:extLst>
+          </p:cNvPr>
+          <p:cNvSpPr txBox="1"/>
+          <p:nvPr/>
+        </p:nvSpPr>
+        <p:spPr>
+          <a:xfrm>
+            <a:off x="2562402" y="3522846"/>
+            <a:ext cx="620554" cy="369332"/>
+          </a:xfrm>
+          <a:prstGeom prst="rect">
+            <a:avLst/>
+          </a:prstGeom>
+          <a:noFill/>
+        </p:spPr>
+        <p:txBody>
+          <a:bodyPr wrap="none" rtlCol="0">
+            <a:spAutoFit/>
+          </a:bodyPr>
+          <a:lstStyle/>
+          <a:p>
+            <a:r>
+              <a:rPr lang="en-US" dirty="0"/>
+              <a:t>Data</a:t>
+            </a:r>
+            <a:endParaRPr lang="en-DK" dirty="0"/>
+          </a:p>
+        </p:txBody>
+      </p:sp>
+      <p:sp>
+        <p:nvSpPr>
+          <p:cNvPr id="6" name="TextBox 5">
+            <a:extLst>
+              <a:ext uri="{FF2B5EF4-FFF2-40B4-BE49-F238E27FC236}">
+                <a16:creationId xmlns:a16="http://schemas.microsoft.com/office/drawing/2014/main" id="{E84D15D6-BF28-49DD-AE29-CC23B20D1F4F}"/>
+              </a:ext>
+            </a:extLst>
+          </p:cNvPr>
+          <p:cNvSpPr txBox="1"/>
+          <p:nvPr/>
+        </p:nvSpPr>
+        <p:spPr>
+          <a:xfrm>
+            <a:off x="2493344" y="4086469"/>
+            <a:ext cx="689612" cy="369332"/>
+          </a:xfrm>
+          <a:prstGeom prst="rect">
+            <a:avLst/>
+          </a:prstGeom>
+          <a:noFill/>
+        </p:spPr>
+        <p:txBody>
+          <a:bodyPr wrap="none" rtlCol="0">
+            <a:spAutoFit/>
+          </a:bodyPr>
+          <a:lstStyle/>
+          <a:p>
+            <a:r>
+              <a:rPr lang="en-US" dirty="0"/>
+              <a:t>Rules</a:t>
+            </a:r>
+            <a:endParaRPr lang="en-DK" dirty="0"/>
+          </a:p>
+        </p:txBody>
+      </p:sp>
+      <p:sp>
+        <p:nvSpPr>
+          <p:cNvPr id="7" name="TextBox 6">
+            <a:extLst>
+              <a:ext uri="{FF2B5EF4-FFF2-40B4-BE49-F238E27FC236}">
+                <a16:creationId xmlns:a16="http://schemas.microsoft.com/office/drawing/2014/main" id="{0EA5FAC9-E35B-4D27-86FB-766A21EBB42F}"/>
+              </a:ext>
+            </a:extLst>
+          </p:cNvPr>
+          <p:cNvSpPr txBox="1"/>
+          <p:nvPr/>
+        </p:nvSpPr>
+        <p:spPr>
+          <a:xfrm>
+            <a:off x="9054162" y="3816628"/>
+            <a:ext cx="972574" cy="369332"/>
+          </a:xfrm>
+          <a:prstGeom prst="rect">
+            <a:avLst/>
+          </a:prstGeom>
+          <a:noFill/>
+        </p:spPr>
+        <p:txBody>
+          <a:bodyPr wrap="none" rtlCol="0">
+            <a:spAutoFit/>
+          </a:bodyPr>
+          <a:lstStyle/>
+          <a:p>
+            <a:r>
+              <a:rPr lang="en-US" dirty="0"/>
+              <a:t>Answers</a:t>
+            </a:r>
+            <a:endParaRPr lang="en-DK" dirty="0"/>
+          </a:p>
+        </p:txBody>
+      </p:sp>
+      <p:cxnSp>
+        <p:nvCxnSpPr>
+          <p:cNvPr id="9" name="Straight Arrow Connector 8">
+            <a:extLst>
+              <a:ext uri="{FF2B5EF4-FFF2-40B4-BE49-F238E27FC236}">
+                <a16:creationId xmlns:a16="http://schemas.microsoft.com/office/drawing/2014/main" id="{DBB3DE80-D66C-464F-9924-B61597EA23FA}"/>
+              </a:ext>
+            </a:extLst>
+          </p:cNvPr>
+          <p:cNvCxnSpPr/>
+          <p:nvPr/>
+        </p:nvCxnSpPr>
+        <p:spPr>
+          <a:xfrm>
+            <a:off x="3513221" y="3707512"/>
+            <a:ext cx="1183907" cy="0"/>
+          </a:xfrm>
+          <a:prstGeom prst="straightConnector1">
+            <a:avLst/>
+          </a:prstGeom>
+          <a:ln>
+            <a:tailEnd type="triangle"/>
+          </a:ln>
+        </p:spPr>
+        <p:style>
+          <a:lnRef idx="1">
+            <a:schemeClr val="accent1"/>
+          </a:lnRef>
+          <a:fillRef idx="0">
+            <a:schemeClr val="accent1"/>
+          </a:fillRef>
+          <a:effectRef idx="0">
+            <a:schemeClr val="accent1"/>
+          </a:effectRef>
+          <a:fontRef idx="minor">
+            <a:schemeClr val="tx1"/>
+          </a:fontRef>
+        </p:style>
+      </p:cxnSp>
+      <p:cxnSp>
+        <p:nvCxnSpPr>
+          <p:cNvPr id="10" name="Straight Arrow Connector 9">
+            <a:extLst>
+              <a:ext uri="{FF2B5EF4-FFF2-40B4-BE49-F238E27FC236}">
+                <a16:creationId xmlns:a16="http://schemas.microsoft.com/office/drawing/2014/main" id="{018C82E0-5577-4F2B-8967-AE8DF91A33D8}"/>
+              </a:ext>
+            </a:extLst>
+          </p:cNvPr>
+          <p:cNvCxnSpPr/>
+          <p:nvPr/>
+        </p:nvCxnSpPr>
+        <p:spPr>
+          <a:xfrm>
+            <a:off x="3513220" y="4271135"/>
+            <a:ext cx="1183907" cy="0"/>
+          </a:xfrm>
+          <a:prstGeom prst="straightConnector1">
+            <a:avLst/>
+          </a:prstGeom>
+          <a:ln>
+            <a:tailEnd type="triangle"/>
+          </a:ln>
+        </p:spPr>
+        <p:style>
+          <a:lnRef idx="1">
+            <a:schemeClr val="accent1"/>
+          </a:lnRef>
+          <a:fillRef idx="0">
+            <a:schemeClr val="accent1"/>
+          </a:fillRef>
+          <a:effectRef idx="0">
+            <a:schemeClr val="accent1"/>
+          </a:effectRef>
+          <a:fontRef idx="minor">
+            <a:schemeClr val="tx1"/>
+          </a:fontRef>
+        </p:style>
+      </p:cxnSp>
+      <p:cxnSp>
+        <p:nvCxnSpPr>
+          <p:cNvPr id="11" name="Straight Arrow Connector 10">
+            <a:extLst>
+              <a:ext uri="{FF2B5EF4-FFF2-40B4-BE49-F238E27FC236}">
+                <a16:creationId xmlns:a16="http://schemas.microsoft.com/office/drawing/2014/main" id="{184CF286-22C0-4C1A-91C3-EE983E6BCC54}"/>
+              </a:ext>
+            </a:extLst>
+          </p:cNvPr>
+          <p:cNvCxnSpPr/>
+          <p:nvPr/>
+        </p:nvCxnSpPr>
+        <p:spPr>
+          <a:xfrm>
+            <a:off x="7611978" y="4001294"/>
+            <a:ext cx="1183907" cy="0"/>
+          </a:xfrm>
+          <a:prstGeom prst="straightConnector1">
+            <a:avLst/>
+          </a:prstGeom>
+          <a:ln>
+            <a:tailEnd type="triangle"/>
+          </a:ln>
+        </p:spPr>
+        <p:style>
+          <a:lnRef idx="1">
+            <a:schemeClr val="accent1"/>
+          </a:lnRef>
+          <a:fillRef idx="0">
+            <a:schemeClr val="accent1"/>
+          </a:fillRef>
+          <a:effectRef idx="0">
+            <a:schemeClr val="accent1"/>
+          </a:effectRef>
+          <a:fontRef idx="minor">
+            <a:schemeClr val="tx1"/>
+          </a:fontRef>
+        </p:style>
+      </p:cxnSp>
+      <p:grpSp>
+        <p:nvGrpSpPr>
+          <p:cNvPr id="12" name="Group 11">
+            <a:extLst>
+              <a:ext uri="{FF2B5EF4-FFF2-40B4-BE49-F238E27FC236}">
+                <a16:creationId xmlns:a16="http://schemas.microsoft.com/office/drawing/2014/main" id="{DCE644A3-B4EC-450B-B0EB-6197E32F34B6}"/>
+              </a:ext>
+            </a:extLst>
+          </p:cNvPr>
+          <p:cNvGrpSpPr/>
+          <p:nvPr/>
+        </p:nvGrpSpPr>
+        <p:grpSpPr>
+          <a:xfrm>
+            <a:off x="7487811" y="2182011"/>
+            <a:ext cx="5297585" cy="5306444"/>
+            <a:chOff x="7487811" y="2182011"/>
+            <a:chExt cx="5297585" cy="5306444"/>
+          </a:xfrm>
+        </p:grpSpPr>
+        <p:pic>
+          <p:nvPicPr>
+            <p:cNvPr id="13" name="Picture 12">
+              <a:extLst>
+                <a:ext uri="{FF2B5EF4-FFF2-40B4-BE49-F238E27FC236}">
+                  <a16:creationId xmlns:a16="http://schemas.microsoft.com/office/drawing/2014/main" id="{A3C89D77-0437-4E25-9660-2EA9F8555DE3}"/>
+                </a:ext>
+              </a:extLst>
+            </p:cNvPr>
+            <p:cNvPicPr>
+              <a:picLocks noChangeAspect="1"/>
+            </p:cNvPicPr>
+            <p:nvPr/>
+          </p:nvPicPr>
+          <p:blipFill>
+            <a:blip r:embed="rId2">
+              <a:extLst>
+                <a:ext uri="{28A0092B-C50C-407E-A947-70E740481C1C}">
+                  <a14:useLocalDpi xmlns:a14="http://schemas.microsoft.com/office/drawing/2010/main" val="0"/>
+                </a:ext>
+              </a:extLst>
+            </a:blip>
+            <a:stretch>
+              <a:fillRect/>
+            </a:stretch>
+          </p:blipFill>
+          <p:spPr>
+            <a:xfrm>
+              <a:off x="7487811" y="2182011"/>
+              <a:ext cx="5297585" cy="5297585"/>
+            </a:xfrm>
+            <a:prstGeom prst="rect">
+              <a:avLst/>
+            </a:prstGeom>
+            <a:effectLst/>
+          </p:spPr>
+        </p:pic>
+        <p:sp>
+          <p:nvSpPr>
+            <p:cNvPr id="14" name="Rectangle 13">
+              <a:extLst>
+                <a:ext uri="{FF2B5EF4-FFF2-40B4-BE49-F238E27FC236}">
+                  <a16:creationId xmlns:a16="http://schemas.microsoft.com/office/drawing/2014/main" id="{89EAFC64-4C39-447F-8E96-C9B1CBAD0B66}"/>
+                </a:ext>
+              </a:extLst>
+            </p:cNvPr>
+            <p:cNvSpPr/>
+            <p:nvPr/>
+          </p:nvSpPr>
+          <p:spPr>
+            <a:xfrm>
+              <a:off x="7488455" y="2184935"/>
+              <a:ext cx="5293894" cy="5303520"/>
+            </a:xfrm>
+            <a:prstGeom prst="rect">
+              <a:avLst/>
+            </a:prstGeom>
+            <a:solidFill>
+              <a:schemeClr val="bg1">
+                <a:alpha val="89000"/>
+              </a:schemeClr>
+            </a:solidFill>
+            <a:ln>
+              <a:noFill/>
+            </a:ln>
+          </p:spPr>
+          <p:style>
+            <a:lnRef idx="2">
+              <a:schemeClr val="accent1">
+                <a:shade val="50000"/>
+              </a:schemeClr>
+            </a:lnRef>
+            <a:fillRef idx="1">
+              <a:schemeClr val="accent1"/>
+            </a:fillRef>
+            <a:effectRef idx="0">
+              <a:schemeClr val="accent1"/>
+            </a:effectRef>
+            <a:fontRef idx="minor">
+              <a:schemeClr val="lt1"/>
+            </a:fontRef>
+          </p:style>
+          <p:txBody>
+            <a:bodyPr rtlCol="0" anchor="ctr"/>
+            <a:lstStyle/>
+            <a:p>
+              <a:pPr algn="ctr"/>
+              <a:endParaRPr lang="en-DK"/>
+            </a:p>
+          </p:txBody>
+        </p:sp>
+      </p:grpSp>
+    </p:spTree>
+    <p:extLst>
+      <p:ext uri="{BB962C8B-B14F-4D97-AF65-F5344CB8AC3E}">
+        <p14:creationId xmlns:p14="http://schemas.microsoft.com/office/powerpoint/2010/main" val="1459036337"/>
+      </p:ext>
+    </p:extLst>
+  </p:cSld>
+  <p:clrMapOvr>
+    <a:masterClrMapping/>
+  </p:clrMapOvr>
+</p:sld>
+</file>
+
+<file path=ppt/slides/slide5.xml><?xml version="1.0" encoding="utf-8"?>
+<p:sld xmlns:a="http://schemas.openxmlformats.org/drawingml/2006/main" xmlns:r="http://schemas.openxmlformats.org/officeDocument/2006/relationships" xmlns:p="http://schemas.openxmlformats.org/presentationml/2006/main">
+  <p:cSld>
+    <p:spTree>
+      <p:nvGrpSpPr>
+        <p:cNvPr id="1" name=""/>
+        <p:cNvGrpSpPr/>
+        <p:nvPr/>
+      </p:nvGrpSpPr>
+      <p:grpSpPr>
+        <a:xfrm>
+          <a:off x="0" y="0"/>
+          <a:ext cx="0" cy="0"/>
+          <a:chOff x="0" y="0"/>
+          <a:chExt cx="0" cy="0"/>
+        </a:xfrm>
+      </p:grpSpPr>
+      <p:sp>
+        <p:nvSpPr>
+          <p:cNvPr id="2" name="Title 1">
+            <a:extLst>
+              <a:ext uri="{FF2B5EF4-FFF2-40B4-BE49-F238E27FC236}">
+                <a16:creationId xmlns:a16="http://schemas.microsoft.com/office/drawing/2014/main" id="{2F0BA258-D05A-4487-9A22-6A88490A64E8}"/>
+              </a:ext>
+            </a:extLst>
+          </p:cNvPr>
+          <p:cNvSpPr>
+            <a:spLocks noGrp="1"/>
+          </p:cNvSpPr>
+          <p:nvPr>
+            <p:ph type="title"/>
+          </p:nvPr>
+        </p:nvSpPr>
+        <p:spPr/>
+        <p:txBody>
+          <a:bodyPr/>
+          <a:lstStyle/>
+          <a:p>
+            <a:r>
+              <a:rPr lang="en-US" dirty="0"/>
+              <a:t>Machines learn like this.</a:t>
+            </a:r>
+            <a:endParaRPr lang="en-DK" dirty="0"/>
+          </a:p>
+        </p:txBody>
+      </p:sp>
+      <p:sp>
+        <p:nvSpPr>
+          <p:cNvPr id="3" name="Content Placeholder 2">
+            <a:extLst>
+              <a:ext uri="{FF2B5EF4-FFF2-40B4-BE49-F238E27FC236}">
+                <a16:creationId xmlns:a16="http://schemas.microsoft.com/office/drawing/2014/main" id="{5E87FEE9-6F8E-4C1B-B45E-1C925E40EFD7}"/>
+              </a:ext>
+            </a:extLst>
+          </p:cNvPr>
+          <p:cNvSpPr>
+            <a:spLocks noGrp="1"/>
+          </p:cNvSpPr>
+          <p:nvPr>
+            <p:ph idx="1"/>
+          </p:nvPr>
+        </p:nvSpPr>
+        <p:spPr/>
+        <p:txBody>
+          <a:bodyPr/>
+          <a:lstStyle/>
+          <a:p>
+            <a:endParaRPr lang="en-DK" dirty="0"/>
+          </a:p>
+        </p:txBody>
+      </p:sp>
+      <p:sp>
+        <p:nvSpPr>
+          <p:cNvPr id="4" name="Rectangle: Rounded Corners 3">
+            <a:extLst>
+              <a:ext uri="{FF2B5EF4-FFF2-40B4-BE49-F238E27FC236}">
+                <a16:creationId xmlns:a16="http://schemas.microsoft.com/office/drawing/2014/main" id="{02261E87-E5E7-45A9-97C5-789436949573}"/>
+              </a:ext>
+            </a:extLst>
+          </p:cNvPr>
+          <p:cNvSpPr/>
+          <p:nvPr/>
+        </p:nvSpPr>
+        <p:spPr>
+          <a:xfrm>
+            <a:off x="4995512" y="3330341"/>
+            <a:ext cx="2358189" cy="1386038"/>
+          </a:xfrm>
+          <a:prstGeom prst="roundRect">
+            <a:avLst/>
+          </a:prstGeom>
+        </p:spPr>
+        <p:style>
+          <a:lnRef idx="2">
+            <a:schemeClr val="accent1">
+              <a:shade val="50000"/>
+            </a:schemeClr>
+          </a:lnRef>
+          <a:fillRef idx="1">
+            <a:schemeClr val="accent1"/>
+          </a:fillRef>
+          <a:effectRef idx="0">
+            <a:schemeClr val="accent1"/>
+          </a:effectRef>
+          <a:fontRef idx="minor">
+            <a:schemeClr val="lt1"/>
+          </a:fontRef>
+        </p:style>
+        <p:txBody>
+          <a:bodyPr rtlCol="0" anchor="ctr"/>
+          <a:lstStyle/>
+          <a:p>
+            <a:pPr algn="ctr"/>
+            <a:r>
+              <a:rPr lang="en-US" dirty="0"/>
+              <a:t>Machine Learning</a:t>
+            </a:r>
+            <a:endParaRPr lang="en-DK" dirty="0"/>
+          </a:p>
+        </p:txBody>
+      </p:sp>
+      <p:sp>
+        <p:nvSpPr>
+          <p:cNvPr id="5" name="TextBox 4">
+            <a:extLst>
+              <a:ext uri="{FF2B5EF4-FFF2-40B4-BE49-F238E27FC236}">
+                <a16:creationId xmlns:a16="http://schemas.microsoft.com/office/drawing/2014/main" id="{4C83E5E6-38BA-4CCC-B411-7CC64533E6EB}"/>
+              </a:ext>
+            </a:extLst>
+          </p:cNvPr>
+          <p:cNvSpPr txBox="1"/>
+          <p:nvPr/>
+        </p:nvSpPr>
+        <p:spPr>
+          <a:xfrm>
+            <a:off x="2322477" y="3522846"/>
+            <a:ext cx="972574" cy="369332"/>
+          </a:xfrm>
+          <a:prstGeom prst="rect">
+            <a:avLst/>
+          </a:prstGeom>
+          <a:noFill/>
+        </p:spPr>
+        <p:txBody>
+          <a:bodyPr wrap="none" rtlCol="0">
+            <a:spAutoFit/>
+          </a:bodyPr>
+          <a:lstStyle/>
+          <a:p>
+            <a:r>
+              <a:rPr lang="en-US" dirty="0"/>
+              <a:t>Answers</a:t>
+            </a:r>
+            <a:endParaRPr lang="en-DK" dirty="0"/>
+          </a:p>
+        </p:txBody>
+      </p:sp>
+      <p:sp>
+        <p:nvSpPr>
+          <p:cNvPr id="6" name="TextBox 5">
+            <a:extLst>
+              <a:ext uri="{FF2B5EF4-FFF2-40B4-BE49-F238E27FC236}">
+                <a16:creationId xmlns:a16="http://schemas.microsoft.com/office/drawing/2014/main" id="{E84D15D6-BF28-49DD-AE29-CC23B20D1F4F}"/>
+              </a:ext>
+            </a:extLst>
+          </p:cNvPr>
+          <p:cNvSpPr txBox="1"/>
+          <p:nvPr/>
+        </p:nvSpPr>
+        <p:spPr>
+          <a:xfrm>
+            <a:off x="2674497" y="4086469"/>
+            <a:ext cx="620554" cy="369332"/>
+          </a:xfrm>
+          <a:prstGeom prst="rect">
+            <a:avLst/>
+          </a:prstGeom>
+          <a:noFill/>
+        </p:spPr>
+        <p:txBody>
+          <a:bodyPr wrap="none" rtlCol="0">
+            <a:spAutoFit/>
+          </a:bodyPr>
+          <a:lstStyle/>
+          <a:p>
+            <a:r>
+              <a:rPr lang="en-US" dirty="0"/>
+              <a:t>Data</a:t>
+            </a:r>
+            <a:endParaRPr lang="en-DK" dirty="0"/>
+          </a:p>
+        </p:txBody>
+      </p:sp>
+      <p:sp>
+        <p:nvSpPr>
+          <p:cNvPr id="7" name="TextBox 6">
+            <a:extLst>
+              <a:ext uri="{FF2B5EF4-FFF2-40B4-BE49-F238E27FC236}">
+                <a16:creationId xmlns:a16="http://schemas.microsoft.com/office/drawing/2014/main" id="{0EA5FAC9-E35B-4D27-86FB-766A21EBB42F}"/>
+              </a:ext>
+            </a:extLst>
+          </p:cNvPr>
+          <p:cNvSpPr txBox="1"/>
+          <p:nvPr/>
+        </p:nvSpPr>
+        <p:spPr>
+          <a:xfrm>
+            <a:off x="9054162" y="3816628"/>
+            <a:ext cx="689612" cy="369332"/>
+          </a:xfrm>
+          <a:prstGeom prst="rect">
+            <a:avLst/>
+          </a:prstGeom>
+          <a:noFill/>
+        </p:spPr>
+        <p:txBody>
+          <a:bodyPr wrap="none" rtlCol="0">
+            <a:spAutoFit/>
+          </a:bodyPr>
+          <a:lstStyle/>
+          <a:p>
+            <a:r>
+              <a:rPr lang="en-US" dirty="0"/>
+              <a:t>Rules</a:t>
+            </a:r>
+            <a:endParaRPr lang="en-DK" dirty="0"/>
+          </a:p>
+        </p:txBody>
+      </p:sp>
+      <p:cxnSp>
+        <p:nvCxnSpPr>
+          <p:cNvPr id="9" name="Straight Arrow Connector 8">
+            <a:extLst>
+              <a:ext uri="{FF2B5EF4-FFF2-40B4-BE49-F238E27FC236}">
+                <a16:creationId xmlns:a16="http://schemas.microsoft.com/office/drawing/2014/main" id="{DBB3DE80-D66C-464F-9924-B61597EA23FA}"/>
+              </a:ext>
+            </a:extLst>
+          </p:cNvPr>
+          <p:cNvCxnSpPr/>
+          <p:nvPr/>
+        </p:nvCxnSpPr>
+        <p:spPr>
+          <a:xfrm>
+            <a:off x="3513221" y="3707512"/>
+            <a:ext cx="1183907" cy="0"/>
+          </a:xfrm>
+          <a:prstGeom prst="straightConnector1">
+            <a:avLst/>
+          </a:prstGeom>
+          <a:ln>
+            <a:tailEnd type="triangle"/>
+          </a:ln>
+        </p:spPr>
+        <p:style>
+          <a:lnRef idx="1">
+            <a:schemeClr val="accent1"/>
+          </a:lnRef>
+          <a:fillRef idx="0">
+            <a:schemeClr val="accent1"/>
+          </a:fillRef>
+          <a:effectRef idx="0">
+            <a:schemeClr val="accent1"/>
+          </a:effectRef>
+          <a:fontRef idx="minor">
+            <a:schemeClr val="tx1"/>
+          </a:fontRef>
+        </p:style>
+      </p:cxnSp>
+      <p:cxnSp>
+        <p:nvCxnSpPr>
+          <p:cNvPr id="10" name="Straight Arrow Connector 9">
+            <a:extLst>
+              <a:ext uri="{FF2B5EF4-FFF2-40B4-BE49-F238E27FC236}">
+                <a16:creationId xmlns:a16="http://schemas.microsoft.com/office/drawing/2014/main" id="{018C82E0-5577-4F2B-8967-AE8DF91A33D8}"/>
+              </a:ext>
+            </a:extLst>
+          </p:cNvPr>
+          <p:cNvCxnSpPr/>
+          <p:nvPr/>
+        </p:nvCxnSpPr>
+        <p:spPr>
+          <a:xfrm>
+            <a:off x="3513220" y="4271135"/>
+            <a:ext cx="1183907" cy="0"/>
+          </a:xfrm>
+          <a:prstGeom prst="straightConnector1">
+            <a:avLst/>
+          </a:prstGeom>
+          <a:ln>
+            <a:tailEnd type="triangle"/>
+          </a:ln>
+        </p:spPr>
+        <p:style>
+          <a:lnRef idx="1">
+            <a:schemeClr val="accent1"/>
+          </a:lnRef>
+          <a:fillRef idx="0">
+            <a:schemeClr val="accent1"/>
+          </a:fillRef>
+          <a:effectRef idx="0">
+            <a:schemeClr val="accent1"/>
+          </a:effectRef>
+          <a:fontRef idx="minor">
+            <a:schemeClr val="tx1"/>
+          </a:fontRef>
+        </p:style>
+      </p:cxnSp>
+      <p:cxnSp>
+        <p:nvCxnSpPr>
+          <p:cNvPr id="11" name="Straight Arrow Connector 10">
+            <a:extLst>
+              <a:ext uri="{FF2B5EF4-FFF2-40B4-BE49-F238E27FC236}">
+                <a16:creationId xmlns:a16="http://schemas.microsoft.com/office/drawing/2014/main" id="{184CF286-22C0-4C1A-91C3-EE983E6BCC54}"/>
+              </a:ext>
+            </a:extLst>
+          </p:cNvPr>
+          <p:cNvCxnSpPr/>
+          <p:nvPr/>
+        </p:nvCxnSpPr>
+        <p:spPr>
+          <a:xfrm>
+            <a:off x="7611978" y="4001294"/>
+            <a:ext cx="1183907" cy="0"/>
+          </a:xfrm>
+          <a:prstGeom prst="straightConnector1">
+            <a:avLst/>
+          </a:prstGeom>
+          <a:ln>
+            <a:tailEnd type="triangle"/>
+          </a:ln>
+        </p:spPr>
+        <p:style>
+          <a:lnRef idx="1">
+            <a:schemeClr val="accent1"/>
+          </a:lnRef>
+          <a:fillRef idx="0">
+            <a:schemeClr val="accent1"/>
+          </a:fillRef>
+          <a:effectRef idx="0">
+            <a:schemeClr val="accent1"/>
+          </a:effectRef>
+          <a:fontRef idx="minor">
+            <a:schemeClr val="tx1"/>
+          </a:fontRef>
+        </p:style>
+      </p:cxnSp>
+      <p:grpSp>
+        <p:nvGrpSpPr>
+          <p:cNvPr id="12" name="Group 11">
+            <a:extLst>
+              <a:ext uri="{FF2B5EF4-FFF2-40B4-BE49-F238E27FC236}">
+                <a16:creationId xmlns:a16="http://schemas.microsoft.com/office/drawing/2014/main" id="{B1F1320E-B511-42E5-B607-7419AE3DDBDF}"/>
+              </a:ext>
+            </a:extLst>
+          </p:cNvPr>
+          <p:cNvGrpSpPr/>
+          <p:nvPr/>
+        </p:nvGrpSpPr>
+        <p:grpSpPr>
+          <a:xfrm>
+            <a:off x="7487811" y="2182011"/>
+            <a:ext cx="5297585" cy="5306444"/>
+            <a:chOff x="7487811" y="2182011"/>
+            <a:chExt cx="5297585" cy="5306444"/>
+          </a:xfrm>
+        </p:grpSpPr>
+        <p:pic>
+          <p:nvPicPr>
+            <p:cNvPr id="13" name="Picture 12">
+              <a:extLst>
+                <a:ext uri="{FF2B5EF4-FFF2-40B4-BE49-F238E27FC236}">
+                  <a16:creationId xmlns:a16="http://schemas.microsoft.com/office/drawing/2014/main" id="{FE34F53D-09AD-4995-89E8-213F3399B287}"/>
+                </a:ext>
+              </a:extLst>
+            </p:cNvPr>
+            <p:cNvPicPr>
+              <a:picLocks noChangeAspect="1"/>
+            </p:cNvPicPr>
+            <p:nvPr/>
+          </p:nvPicPr>
+          <p:blipFill>
+            <a:blip r:embed="rId2">
+              <a:extLst>
+                <a:ext uri="{28A0092B-C50C-407E-A947-70E740481C1C}">
+                  <a14:useLocalDpi xmlns:a14="http://schemas.microsoft.com/office/drawing/2010/main" val="0"/>
+                </a:ext>
+              </a:extLst>
+            </a:blip>
+            <a:stretch>
+              <a:fillRect/>
+            </a:stretch>
+          </p:blipFill>
+          <p:spPr>
+            <a:xfrm>
+              <a:off x="7487811" y="2182011"/>
+              <a:ext cx="5297585" cy="5297585"/>
+            </a:xfrm>
+            <a:prstGeom prst="rect">
+              <a:avLst/>
+            </a:prstGeom>
+            <a:effectLst/>
+          </p:spPr>
+        </p:pic>
+        <p:sp>
+          <p:nvSpPr>
+            <p:cNvPr id="14" name="Rectangle 13">
+              <a:extLst>
+                <a:ext uri="{FF2B5EF4-FFF2-40B4-BE49-F238E27FC236}">
+                  <a16:creationId xmlns:a16="http://schemas.microsoft.com/office/drawing/2014/main" id="{B6AE1206-A88B-413C-9E73-8B7BFA21F761}"/>
+                </a:ext>
+              </a:extLst>
+            </p:cNvPr>
+            <p:cNvSpPr/>
+            <p:nvPr/>
+          </p:nvSpPr>
+          <p:spPr>
+            <a:xfrm>
+              <a:off x="7488455" y="2184935"/>
+              <a:ext cx="5293894" cy="5303520"/>
+            </a:xfrm>
+            <a:prstGeom prst="rect">
+              <a:avLst/>
+            </a:prstGeom>
+            <a:solidFill>
+              <a:schemeClr val="bg1">
+                <a:alpha val="89000"/>
+              </a:schemeClr>
+            </a:solidFill>
+            <a:ln>
+              <a:noFill/>
+            </a:ln>
+          </p:spPr>
+          <p:style>
+            <a:lnRef idx="2">
+              <a:schemeClr val="accent1">
+                <a:shade val="50000"/>
+              </a:schemeClr>
+            </a:lnRef>
+            <a:fillRef idx="1">
+              <a:schemeClr val="accent1"/>
+            </a:fillRef>
+            <a:effectRef idx="0">
+              <a:schemeClr val="accent1"/>
+            </a:effectRef>
+            <a:fontRef idx="minor">
+              <a:schemeClr val="lt1"/>
+            </a:fontRef>
+          </p:style>
+          <p:txBody>
+            <a:bodyPr rtlCol="0" anchor="ctr"/>
+            <a:lstStyle/>
+            <a:p>
+              <a:pPr algn="ctr"/>
+              <a:endParaRPr lang="en-DK"/>
+            </a:p>
+          </p:txBody>
+        </p:sp>
+      </p:grpSp>
+    </p:spTree>
+    <p:extLst>
+      <p:ext uri="{BB962C8B-B14F-4D97-AF65-F5344CB8AC3E}">
+        <p14:creationId xmlns:p14="http://schemas.microsoft.com/office/powerpoint/2010/main" val="1449820859"/>
+      </p:ext>
+    </p:extLst>
+  </p:cSld>
+  <p:clrMapOvr>
+    <a:masterClrMapping/>
+  </p:clrMapOvr>
+</p:sld>
+</file>
+
+<file path=ppt/slides/slide6.xml><?xml version="1.0" encoding="utf-8"?>
+<p:sld xmlns:a="http://schemas.openxmlformats.org/drawingml/2006/main" xmlns:r="http://schemas.openxmlformats.org/officeDocument/2006/relationships" xmlns:p="http://schemas.openxmlformats.org/presentationml/2006/main">
+  <p:cSld>
+    <p:spTree>
+      <p:nvGrpSpPr>
+        <p:cNvPr id="1" name=""/>
+        <p:cNvGrpSpPr/>
+        <p:nvPr/>
+      </p:nvGrpSpPr>
+      <p:grpSpPr>
+        <a:xfrm>
+          <a:off x="0" y="0"/>
+          <a:ext cx="0" cy="0"/>
+          <a:chOff x="0" y="0"/>
+          <a:chExt cx="0" cy="0"/>
+        </a:xfrm>
+      </p:grpSpPr>
+      <p:grpSp>
+        <p:nvGrpSpPr>
+          <p:cNvPr id="28" name="Group 27">
+            <a:extLst>
+              <a:ext uri="{FF2B5EF4-FFF2-40B4-BE49-F238E27FC236}">
+                <a16:creationId xmlns:a16="http://schemas.microsoft.com/office/drawing/2014/main" id="{420A10DB-9774-45F5-851A-13D155764693}"/>
+              </a:ext>
+            </a:extLst>
+          </p:cNvPr>
+          <p:cNvGrpSpPr/>
+          <p:nvPr/>
+        </p:nvGrpSpPr>
+        <p:grpSpPr>
+          <a:xfrm>
+            <a:off x="7487811" y="2182011"/>
+            <a:ext cx="5297585" cy="5306444"/>
+            <a:chOff x="7487811" y="2182011"/>
+            <a:chExt cx="5297585" cy="5306444"/>
+          </a:xfrm>
+        </p:grpSpPr>
+        <p:pic>
+          <p:nvPicPr>
+            <p:cNvPr id="30" name="Picture 29">
+              <a:extLst>
+                <a:ext uri="{FF2B5EF4-FFF2-40B4-BE49-F238E27FC236}">
+                  <a16:creationId xmlns:a16="http://schemas.microsoft.com/office/drawing/2014/main" id="{D8486B29-3585-40CE-9DA3-5FDF7052B7AB}"/>
+                </a:ext>
+              </a:extLst>
+            </p:cNvPr>
+            <p:cNvPicPr>
+              <a:picLocks noChangeAspect="1"/>
+            </p:cNvPicPr>
+            <p:nvPr/>
+          </p:nvPicPr>
+          <p:blipFill>
+            <a:blip r:embed="rId2">
+              <a:extLst>
+                <a:ext uri="{28A0092B-C50C-407E-A947-70E740481C1C}">
+                  <a14:useLocalDpi xmlns:a14="http://schemas.microsoft.com/office/drawing/2010/main" val="0"/>
+                </a:ext>
+              </a:extLst>
+            </a:blip>
+            <a:stretch>
+              <a:fillRect/>
+            </a:stretch>
+          </p:blipFill>
+          <p:spPr>
+            <a:xfrm>
+              <a:off x="7487811" y="2182011"/>
+              <a:ext cx="5297585" cy="5297585"/>
+            </a:xfrm>
+            <a:prstGeom prst="rect">
+              <a:avLst/>
+            </a:prstGeom>
+            <a:effectLst/>
+          </p:spPr>
+        </p:pic>
+        <p:sp>
+          <p:nvSpPr>
+            <p:cNvPr id="31" name="Rectangle 30">
+              <a:extLst>
+                <a:ext uri="{FF2B5EF4-FFF2-40B4-BE49-F238E27FC236}">
+                  <a16:creationId xmlns:a16="http://schemas.microsoft.com/office/drawing/2014/main" id="{EA84EE93-F6ED-4457-85ED-756C27E4796E}"/>
+                </a:ext>
+              </a:extLst>
+            </p:cNvPr>
+            <p:cNvSpPr/>
+            <p:nvPr/>
+          </p:nvSpPr>
+          <p:spPr>
+            <a:xfrm>
+              <a:off x="7488455" y="2184935"/>
+              <a:ext cx="5293894" cy="5303520"/>
+            </a:xfrm>
+            <a:prstGeom prst="rect">
+              <a:avLst/>
+            </a:prstGeom>
+            <a:solidFill>
+              <a:schemeClr val="bg1">
+                <a:alpha val="89000"/>
+              </a:schemeClr>
+            </a:solidFill>
+            <a:ln>
+              <a:noFill/>
+            </a:ln>
+          </p:spPr>
+          <p:style>
+            <a:lnRef idx="2">
+              <a:schemeClr val="accent1">
+                <a:shade val="50000"/>
+              </a:schemeClr>
+            </a:lnRef>
+            <a:fillRef idx="1">
+              <a:schemeClr val="accent1"/>
+            </a:fillRef>
+            <a:effectRef idx="0">
+              <a:schemeClr val="accent1"/>
+            </a:effectRef>
+            <a:fontRef idx="minor">
+              <a:schemeClr val="lt1"/>
+            </a:fontRef>
+          </p:style>
+          <p:txBody>
+            <a:bodyPr rtlCol="0" anchor="ctr"/>
+            <a:lstStyle/>
+            <a:p>
+              <a:pPr algn="ctr"/>
+              <a:endParaRPr lang="en-DK"/>
+            </a:p>
+          </p:txBody>
+        </p:sp>
+      </p:grpSp>
+      <p:sp>
+        <p:nvSpPr>
+          <p:cNvPr id="2" name="Title 1">
+            <a:extLst>
+              <a:ext uri="{FF2B5EF4-FFF2-40B4-BE49-F238E27FC236}">
+                <a16:creationId xmlns:a16="http://schemas.microsoft.com/office/drawing/2014/main" id="{2F0BA258-D05A-4487-9A22-6A88490A64E8}"/>
+              </a:ext>
+            </a:extLst>
+          </p:cNvPr>
+          <p:cNvSpPr>
+            <a:spLocks noGrp="1"/>
+          </p:cNvSpPr>
+          <p:nvPr>
+            <p:ph type="title"/>
+          </p:nvPr>
+        </p:nvSpPr>
+        <p:spPr/>
+        <p:txBody>
+          <a:bodyPr/>
+          <a:lstStyle/>
+          <a:p>
+            <a:r>
+              <a:rPr lang="en-US" dirty="0"/>
+              <a:t>Continuous machine learning.</a:t>
+            </a:r>
+            <a:endParaRPr lang="en-DK" dirty="0"/>
+          </a:p>
+        </p:txBody>
+      </p:sp>
+      <p:sp>
+        <p:nvSpPr>
+          <p:cNvPr id="3" name="Content Placeholder 2">
+            <a:extLst>
+              <a:ext uri="{FF2B5EF4-FFF2-40B4-BE49-F238E27FC236}">
+                <a16:creationId xmlns:a16="http://schemas.microsoft.com/office/drawing/2014/main" id="{5E87FEE9-6F8E-4C1B-B45E-1C925E40EFD7}"/>
+              </a:ext>
+            </a:extLst>
+          </p:cNvPr>
+          <p:cNvSpPr>
+            <a:spLocks noGrp="1"/>
+          </p:cNvSpPr>
+          <p:nvPr>
+            <p:ph idx="1"/>
+          </p:nvPr>
+        </p:nvSpPr>
+        <p:spPr/>
+        <p:txBody>
+          <a:bodyPr/>
+          <a:lstStyle/>
+          <a:p>
+            <a:endParaRPr lang="en-DK" dirty="0"/>
+          </a:p>
+        </p:txBody>
+      </p:sp>
+      <p:sp>
+        <p:nvSpPr>
+          <p:cNvPr id="4" name="Rectangle: Rounded Corners 3">
+            <a:extLst>
+              <a:ext uri="{FF2B5EF4-FFF2-40B4-BE49-F238E27FC236}">
+                <a16:creationId xmlns:a16="http://schemas.microsoft.com/office/drawing/2014/main" id="{02261E87-E5E7-45A9-97C5-789436949573}"/>
+              </a:ext>
+            </a:extLst>
+          </p:cNvPr>
+          <p:cNvSpPr/>
+          <p:nvPr/>
+        </p:nvSpPr>
+        <p:spPr>
+          <a:xfrm>
+            <a:off x="5034013" y="2338939"/>
+            <a:ext cx="2358189" cy="1386038"/>
+          </a:xfrm>
+          <a:prstGeom prst="roundRect">
+            <a:avLst/>
+          </a:prstGeom>
+        </p:spPr>
+        <p:style>
+          <a:lnRef idx="2">
+            <a:schemeClr val="accent1">
+              <a:shade val="50000"/>
+            </a:schemeClr>
+          </a:lnRef>
+          <a:fillRef idx="1">
+            <a:schemeClr val="accent1"/>
+          </a:fillRef>
+          <a:effectRef idx="0">
+            <a:schemeClr val="accent1"/>
+          </a:effectRef>
+          <a:fontRef idx="minor">
+            <a:schemeClr val="lt1"/>
+          </a:fontRef>
+        </p:style>
+        <p:txBody>
+          <a:bodyPr rtlCol="0" anchor="ctr"/>
+          <a:lstStyle/>
+          <a:p>
+            <a:pPr algn="ctr"/>
+            <a:r>
+              <a:rPr lang="en-US" dirty="0"/>
+              <a:t>Machine Learning</a:t>
+            </a:r>
+            <a:endParaRPr lang="en-DK" dirty="0"/>
+          </a:p>
+        </p:txBody>
+      </p:sp>
+      <p:sp>
+        <p:nvSpPr>
+          <p:cNvPr id="5" name="TextBox 4">
+            <a:extLst>
+              <a:ext uri="{FF2B5EF4-FFF2-40B4-BE49-F238E27FC236}">
+                <a16:creationId xmlns:a16="http://schemas.microsoft.com/office/drawing/2014/main" id="{4C83E5E6-38BA-4CCC-B411-7CC64533E6EB}"/>
+              </a:ext>
+            </a:extLst>
+          </p:cNvPr>
+          <p:cNvSpPr txBox="1"/>
+          <p:nvPr/>
+        </p:nvSpPr>
+        <p:spPr>
+          <a:xfrm>
+            <a:off x="1576086" y="2531444"/>
+            <a:ext cx="1898790" cy="369332"/>
+          </a:xfrm>
+          <a:prstGeom prst="rect">
+            <a:avLst/>
+          </a:prstGeom>
+          <a:noFill/>
+        </p:spPr>
+        <p:txBody>
+          <a:bodyPr wrap="none" rtlCol="0">
+            <a:spAutoFit/>
+          </a:bodyPr>
+          <a:lstStyle/>
+          <a:p>
+            <a:r>
+              <a:rPr lang="en-US" dirty="0"/>
+              <a:t>Historical Answers</a:t>
+            </a:r>
+            <a:endParaRPr lang="en-DK" dirty="0"/>
+          </a:p>
+        </p:txBody>
+      </p:sp>
+      <p:sp>
+        <p:nvSpPr>
+          <p:cNvPr id="6" name="TextBox 5">
+            <a:extLst>
+              <a:ext uri="{FF2B5EF4-FFF2-40B4-BE49-F238E27FC236}">
+                <a16:creationId xmlns:a16="http://schemas.microsoft.com/office/drawing/2014/main" id="{E84D15D6-BF28-49DD-AE29-CC23B20D1F4F}"/>
+              </a:ext>
+            </a:extLst>
+          </p:cNvPr>
+          <p:cNvSpPr txBox="1"/>
+          <p:nvPr/>
+        </p:nvSpPr>
+        <p:spPr>
+          <a:xfrm>
+            <a:off x="1928106" y="3095067"/>
+            <a:ext cx="1546770" cy="369332"/>
+          </a:xfrm>
+          <a:prstGeom prst="rect">
+            <a:avLst/>
+          </a:prstGeom>
+          <a:noFill/>
+        </p:spPr>
+        <p:txBody>
+          <a:bodyPr wrap="none" rtlCol="0">
+            <a:spAutoFit/>
+          </a:bodyPr>
+          <a:lstStyle/>
+          <a:p>
+            <a:r>
+              <a:rPr lang="en-US" dirty="0"/>
+              <a:t>Historical Data</a:t>
+            </a:r>
+            <a:endParaRPr lang="en-DK" dirty="0"/>
+          </a:p>
+        </p:txBody>
+      </p:sp>
+      <p:sp>
+        <p:nvSpPr>
+          <p:cNvPr id="7" name="TextBox 6">
+            <a:extLst>
+              <a:ext uri="{FF2B5EF4-FFF2-40B4-BE49-F238E27FC236}">
+                <a16:creationId xmlns:a16="http://schemas.microsoft.com/office/drawing/2014/main" id="{0EA5FAC9-E35B-4D27-86FB-766A21EBB42F}"/>
+              </a:ext>
+            </a:extLst>
+          </p:cNvPr>
+          <p:cNvSpPr txBox="1"/>
+          <p:nvPr/>
+        </p:nvSpPr>
+        <p:spPr>
+          <a:xfrm>
+            <a:off x="9092663" y="2825226"/>
+            <a:ext cx="689612" cy="369332"/>
+          </a:xfrm>
+          <a:prstGeom prst="rect">
+            <a:avLst/>
+          </a:prstGeom>
+          <a:noFill/>
+        </p:spPr>
+        <p:txBody>
+          <a:bodyPr wrap="none" rtlCol="0">
+            <a:spAutoFit/>
+          </a:bodyPr>
+          <a:lstStyle/>
+          <a:p>
+            <a:r>
+              <a:rPr lang="en-US" dirty="0"/>
+              <a:t>Rules</a:t>
+            </a:r>
+            <a:endParaRPr lang="en-DK" dirty="0"/>
+          </a:p>
+        </p:txBody>
+      </p:sp>
+      <p:cxnSp>
+        <p:nvCxnSpPr>
+          <p:cNvPr id="9" name="Straight Arrow Connector 8">
+            <a:extLst>
+              <a:ext uri="{FF2B5EF4-FFF2-40B4-BE49-F238E27FC236}">
+                <a16:creationId xmlns:a16="http://schemas.microsoft.com/office/drawing/2014/main" id="{DBB3DE80-D66C-464F-9924-B61597EA23FA}"/>
+              </a:ext>
+            </a:extLst>
+          </p:cNvPr>
+          <p:cNvCxnSpPr/>
+          <p:nvPr/>
+        </p:nvCxnSpPr>
+        <p:spPr>
+          <a:xfrm>
+            <a:off x="3551722" y="2716110"/>
+            <a:ext cx="1183907" cy="0"/>
+          </a:xfrm>
+          <a:prstGeom prst="straightConnector1">
+            <a:avLst/>
+          </a:prstGeom>
+          <a:ln>
+            <a:tailEnd type="triangle"/>
+          </a:ln>
+        </p:spPr>
+        <p:style>
+          <a:lnRef idx="1">
+            <a:schemeClr val="accent1"/>
+          </a:lnRef>
+          <a:fillRef idx="0">
+            <a:schemeClr val="accent1"/>
+          </a:fillRef>
+          <a:effectRef idx="0">
+            <a:schemeClr val="accent1"/>
+          </a:effectRef>
+          <a:fontRef idx="minor">
+            <a:schemeClr val="tx1"/>
+          </a:fontRef>
+        </p:style>
+      </p:cxnSp>
+      <p:cxnSp>
+        <p:nvCxnSpPr>
+          <p:cNvPr id="10" name="Straight Arrow Connector 9">
+            <a:extLst>
+              <a:ext uri="{FF2B5EF4-FFF2-40B4-BE49-F238E27FC236}">
+                <a16:creationId xmlns:a16="http://schemas.microsoft.com/office/drawing/2014/main" id="{018C82E0-5577-4F2B-8967-AE8DF91A33D8}"/>
+              </a:ext>
+            </a:extLst>
+          </p:cNvPr>
+          <p:cNvCxnSpPr/>
+          <p:nvPr/>
+        </p:nvCxnSpPr>
+        <p:spPr>
+          <a:xfrm>
+            <a:off x="3551721" y="3279733"/>
+            <a:ext cx="1183907" cy="0"/>
+          </a:xfrm>
+          <a:prstGeom prst="straightConnector1">
+            <a:avLst/>
+          </a:prstGeom>
+          <a:ln>
+            <a:tailEnd type="triangle"/>
+          </a:ln>
+        </p:spPr>
+        <p:style>
+          <a:lnRef idx="1">
+            <a:schemeClr val="accent1"/>
+          </a:lnRef>
+          <a:fillRef idx="0">
+            <a:schemeClr val="accent1"/>
+          </a:fillRef>
+          <a:effectRef idx="0">
+            <a:schemeClr val="accent1"/>
+          </a:effectRef>
+          <a:fontRef idx="minor">
+            <a:schemeClr val="tx1"/>
+          </a:fontRef>
+        </p:style>
+      </p:cxnSp>
+      <p:cxnSp>
+        <p:nvCxnSpPr>
+          <p:cNvPr id="11" name="Straight Arrow Connector 10">
+            <a:extLst>
+              <a:ext uri="{FF2B5EF4-FFF2-40B4-BE49-F238E27FC236}">
+                <a16:creationId xmlns:a16="http://schemas.microsoft.com/office/drawing/2014/main" id="{184CF286-22C0-4C1A-91C3-EE983E6BCC54}"/>
+              </a:ext>
+            </a:extLst>
+          </p:cNvPr>
+          <p:cNvCxnSpPr/>
+          <p:nvPr/>
+        </p:nvCxnSpPr>
+        <p:spPr>
+          <a:xfrm>
+            <a:off x="7650479" y="3009892"/>
+            <a:ext cx="1183907" cy="0"/>
+          </a:xfrm>
+          <a:prstGeom prst="straightConnector1">
+            <a:avLst/>
+          </a:prstGeom>
+          <a:ln>
+            <a:tailEnd type="triangle"/>
+          </a:ln>
+        </p:spPr>
+        <p:style>
+          <a:lnRef idx="1">
+            <a:schemeClr val="accent1"/>
+          </a:lnRef>
+          <a:fillRef idx="0">
+            <a:schemeClr val="accent1"/>
+          </a:fillRef>
+          <a:effectRef idx="0">
+            <a:schemeClr val="accent1"/>
+          </a:effectRef>
+          <a:fontRef idx="minor">
+            <a:schemeClr val="tx1"/>
+          </a:fontRef>
+        </p:style>
+      </p:cxnSp>
+      <p:sp>
+        <p:nvSpPr>
+          <p:cNvPr id="12" name="Rectangle: Rounded Corners 11">
+            <a:extLst>
+              <a:ext uri="{FF2B5EF4-FFF2-40B4-BE49-F238E27FC236}">
+                <a16:creationId xmlns:a16="http://schemas.microsoft.com/office/drawing/2014/main" id="{7A9B37A6-C484-4FD0-BF09-EF9F2802B37A}"/>
+              </a:ext>
+            </a:extLst>
+          </p:cNvPr>
+          <p:cNvSpPr/>
+          <p:nvPr/>
+        </p:nvSpPr>
+        <p:spPr>
+          <a:xfrm>
+            <a:off x="5034013" y="4288599"/>
+            <a:ext cx="2358189" cy="1386038"/>
+          </a:xfrm>
+          <a:prstGeom prst="roundRect">
+            <a:avLst/>
+          </a:prstGeom>
+        </p:spPr>
+        <p:style>
+          <a:lnRef idx="2">
+            <a:schemeClr val="accent1">
+              <a:shade val="50000"/>
+            </a:schemeClr>
+          </a:lnRef>
+          <a:fillRef idx="1">
+            <a:schemeClr val="accent1"/>
+          </a:fillRef>
+          <a:effectRef idx="0">
+            <a:schemeClr val="accent1"/>
+          </a:effectRef>
+          <a:fontRef idx="minor">
+            <a:schemeClr val="lt1"/>
+          </a:fontRef>
+        </p:style>
+        <p:txBody>
+          <a:bodyPr rtlCol="0" anchor="ctr"/>
+          <a:lstStyle/>
+          <a:p>
+            <a:pPr algn="ctr"/>
+            <a:r>
+              <a:rPr lang="en-US" dirty="0"/>
+              <a:t>Machine Execution</a:t>
+            </a:r>
+            <a:endParaRPr lang="en-DK" dirty="0"/>
+          </a:p>
+        </p:txBody>
+      </p:sp>
+      <p:sp>
+        <p:nvSpPr>
+          <p:cNvPr id="13" name="TextBox 12">
+            <a:extLst>
+              <a:ext uri="{FF2B5EF4-FFF2-40B4-BE49-F238E27FC236}">
+                <a16:creationId xmlns:a16="http://schemas.microsoft.com/office/drawing/2014/main" id="{515B66EC-3DD8-4553-A342-EC306EACBF98}"/>
+              </a:ext>
+            </a:extLst>
+          </p:cNvPr>
+          <p:cNvSpPr txBox="1"/>
+          <p:nvPr/>
+        </p:nvSpPr>
+        <p:spPr>
+          <a:xfrm>
+            <a:off x="2643940" y="4451349"/>
+            <a:ext cx="689612" cy="369332"/>
+          </a:xfrm>
+          <a:prstGeom prst="rect">
+            <a:avLst/>
+          </a:prstGeom>
+          <a:noFill/>
+        </p:spPr>
+        <p:txBody>
+          <a:bodyPr wrap="none" rtlCol="0">
+            <a:spAutoFit/>
+          </a:bodyPr>
+          <a:lstStyle/>
+          <a:p>
+            <a:r>
+              <a:rPr lang="en-US" dirty="0"/>
+              <a:t>Rules</a:t>
+            </a:r>
+            <a:endParaRPr lang="en-DK" dirty="0"/>
+          </a:p>
+        </p:txBody>
+      </p:sp>
+      <p:sp>
+        <p:nvSpPr>
+          <p:cNvPr id="14" name="TextBox 13">
+            <a:extLst>
+              <a:ext uri="{FF2B5EF4-FFF2-40B4-BE49-F238E27FC236}">
+                <a16:creationId xmlns:a16="http://schemas.microsoft.com/office/drawing/2014/main" id="{093B9B38-DD58-4316-B4AD-BC0D593E4E02}"/>
+              </a:ext>
+            </a:extLst>
+          </p:cNvPr>
+          <p:cNvSpPr txBox="1"/>
+          <p:nvPr/>
+        </p:nvSpPr>
+        <p:spPr>
+          <a:xfrm>
+            <a:off x="2231647" y="5044727"/>
+            <a:ext cx="1101905" cy="369332"/>
+          </a:xfrm>
+          <a:prstGeom prst="rect">
+            <a:avLst/>
+          </a:prstGeom>
+          <a:noFill/>
+        </p:spPr>
+        <p:txBody>
+          <a:bodyPr wrap="none" rtlCol="0">
+            <a:spAutoFit/>
+          </a:bodyPr>
+          <a:lstStyle/>
+          <a:p>
+            <a:r>
+              <a:rPr lang="en-US" dirty="0"/>
+              <a:t>New Data</a:t>
+            </a:r>
+            <a:endParaRPr lang="en-DK" dirty="0"/>
+          </a:p>
+        </p:txBody>
+      </p:sp>
+      <p:sp>
+        <p:nvSpPr>
+          <p:cNvPr id="15" name="TextBox 14">
+            <a:extLst>
+              <a:ext uri="{FF2B5EF4-FFF2-40B4-BE49-F238E27FC236}">
+                <a16:creationId xmlns:a16="http://schemas.microsoft.com/office/drawing/2014/main" id="{41ECF5AB-D8D8-49F4-BCE5-3408427E5A53}"/>
+              </a:ext>
+            </a:extLst>
+          </p:cNvPr>
+          <p:cNvSpPr txBox="1"/>
+          <p:nvPr/>
+        </p:nvSpPr>
+        <p:spPr>
+          <a:xfrm>
+            <a:off x="9092663" y="4774886"/>
+            <a:ext cx="972574" cy="369332"/>
+          </a:xfrm>
+          <a:prstGeom prst="rect">
+            <a:avLst/>
+          </a:prstGeom>
+          <a:noFill/>
+        </p:spPr>
+        <p:txBody>
+          <a:bodyPr wrap="none" rtlCol="0">
+            <a:spAutoFit/>
+          </a:bodyPr>
+          <a:lstStyle/>
+          <a:p>
+            <a:r>
+              <a:rPr lang="en-US" dirty="0"/>
+              <a:t>Answers</a:t>
+            </a:r>
+            <a:endParaRPr lang="en-DK" dirty="0"/>
+          </a:p>
+        </p:txBody>
+      </p:sp>
+      <p:cxnSp>
+        <p:nvCxnSpPr>
+          <p:cNvPr id="16" name="Straight Arrow Connector 15">
+            <a:extLst>
+              <a:ext uri="{FF2B5EF4-FFF2-40B4-BE49-F238E27FC236}">
+                <a16:creationId xmlns:a16="http://schemas.microsoft.com/office/drawing/2014/main" id="{D5266BE9-0C7A-4A1A-BACF-88E179588B39}"/>
+              </a:ext>
+            </a:extLst>
+          </p:cNvPr>
+          <p:cNvCxnSpPr/>
+          <p:nvPr/>
+        </p:nvCxnSpPr>
+        <p:spPr>
+          <a:xfrm>
+            <a:off x="3551722" y="4665770"/>
+            <a:ext cx="1183907" cy="0"/>
+          </a:xfrm>
+          <a:prstGeom prst="straightConnector1">
+            <a:avLst/>
+          </a:prstGeom>
+          <a:ln>
+            <a:tailEnd type="triangle"/>
+          </a:ln>
+        </p:spPr>
+        <p:style>
+          <a:lnRef idx="1">
+            <a:schemeClr val="accent1"/>
+          </a:lnRef>
+          <a:fillRef idx="0">
+            <a:schemeClr val="accent1"/>
+          </a:fillRef>
+          <a:effectRef idx="0">
+            <a:schemeClr val="accent1"/>
+          </a:effectRef>
+          <a:fontRef idx="minor">
+            <a:schemeClr val="tx1"/>
+          </a:fontRef>
+        </p:style>
+      </p:cxnSp>
+      <p:cxnSp>
+        <p:nvCxnSpPr>
+          <p:cNvPr id="17" name="Straight Arrow Connector 16">
+            <a:extLst>
+              <a:ext uri="{FF2B5EF4-FFF2-40B4-BE49-F238E27FC236}">
+                <a16:creationId xmlns:a16="http://schemas.microsoft.com/office/drawing/2014/main" id="{69924798-1A07-4CF0-80B5-DBEEFBCBF74D}"/>
+              </a:ext>
+            </a:extLst>
+          </p:cNvPr>
+          <p:cNvCxnSpPr/>
+          <p:nvPr/>
+        </p:nvCxnSpPr>
+        <p:spPr>
+          <a:xfrm>
+            <a:off x="3551721" y="5229393"/>
+            <a:ext cx="1183907" cy="0"/>
+          </a:xfrm>
+          <a:prstGeom prst="straightConnector1">
+            <a:avLst/>
+          </a:prstGeom>
+          <a:ln>
+            <a:tailEnd type="triangle"/>
+          </a:ln>
+        </p:spPr>
+        <p:style>
+          <a:lnRef idx="1">
+            <a:schemeClr val="accent1"/>
+          </a:lnRef>
+          <a:fillRef idx="0">
+            <a:schemeClr val="accent1"/>
+          </a:fillRef>
+          <a:effectRef idx="0">
+            <a:schemeClr val="accent1"/>
+          </a:effectRef>
+          <a:fontRef idx="minor">
+            <a:schemeClr val="tx1"/>
+          </a:fontRef>
+        </p:style>
+      </p:cxnSp>
+      <p:cxnSp>
+        <p:nvCxnSpPr>
+          <p:cNvPr id="18" name="Straight Arrow Connector 17">
+            <a:extLst>
+              <a:ext uri="{FF2B5EF4-FFF2-40B4-BE49-F238E27FC236}">
+                <a16:creationId xmlns:a16="http://schemas.microsoft.com/office/drawing/2014/main" id="{F06A8E21-A8EF-45BA-8A34-7087B0E038AB}"/>
+              </a:ext>
+            </a:extLst>
+          </p:cNvPr>
+          <p:cNvCxnSpPr/>
+          <p:nvPr/>
+        </p:nvCxnSpPr>
+        <p:spPr>
+          <a:xfrm>
+            <a:off x="7650479" y="4959552"/>
+            <a:ext cx="1183907" cy="0"/>
+          </a:xfrm>
+          <a:prstGeom prst="straightConnector1">
+            <a:avLst/>
+          </a:prstGeom>
+          <a:ln>
+            <a:tailEnd type="triangle"/>
+          </a:ln>
+        </p:spPr>
+        <p:style>
+          <a:lnRef idx="1">
+            <a:schemeClr val="accent1"/>
+          </a:lnRef>
+          <a:fillRef idx="0">
+            <a:schemeClr val="accent1"/>
+          </a:fillRef>
+          <a:effectRef idx="0">
+            <a:schemeClr val="accent1"/>
+          </a:effectRef>
+          <a:fontRef idx="minor">
+            <a:schemeClr val="tx1"/>
+          </a:fontRef>
+        </p:style>
+      </p:cxnSp>
+      <p:cxnSp>
+        <p:nvCxnSpPr>
+          <p:cNvPr id="19" name="Straight Arrow Connector 18">
+            <a:extLst>
+              <a:ext uri="{FF2B5EF4-FFF2-40B4-BE49-F238E27FC236}">
+                <a16:creationId xmlns:a16="http://schemas.microsoft.com/office/drawing/2014/main" id="{14A7125C-0EE0-4960-BFD2-84A0CAC8AD08}"/>
+              </a:ext>
+            </a:extLst>
+          </p:cNvPr>
+          <p:cNvCxnSpPr>
+            <a:cxnSpLocks/>
+          </p:cNvCxnSpPr>
+          <p:nvPr/>
+        </p:nvCxnSpPr>
+        <p:spPr>
+          <a:xfrm>
+            <a:off x="1928105" y="4636015"/>
+            <a:ext cx="591954" cy="0"/>
+          </a:xfrm>
+          <a:prstGeom prst="straightConnector1">
+            <a:avLst/>
+          </a:prstGeom>
+          <a:ln>
+            <a:tailEnd type="triangle"/>
+          </a:ln>
+        </p:spPr>
+        <p:style>
+          <a:lnRef idx="1">
+            <a:schemeClr val="accent1"/>
+          </a:lnRef>
+          <a:fillRef idx="0">
+            <a:schemeClr val="accent1"/>
+          </a:fillRef>
+          <a:effectRef idx="0">
+            <a:schemeClr val="accent1"/>
+          </a:effectRef>
+          <a:fontRef idx="minor">
+            <a:schemeClr val="tx1"/>
+          </a:fontRef>
+        </p:style>
+      </p:cxnSp>
+      <p:cxnSp>
+        <p:nvCxnSpPr>
+          <p:cNvPr id="20" name="Straight Connector 19">
+            <a:extLst>
+              <a:ext uri="{FF2B5EF4-FFF2-40B4-BE49-F238E27FC236}">
+                <a16:creationId xmlns:a16="http://schemas.microsoft.com/office/drawing/2014/main" id="{8C0C4EEA-2542-46E6-99F9-7DE1C5D77EC4}"/>
+              </a:ext>
+            </a:extLst>
+          </p:cNvPr>
+          <p:cNvCxnSpPr>
+            <a:cxnSpLocks/>
+          </p:cNvCxnSpPr>
+          <p:nvPr/>
+        </p:nvCxnSpPr>
+        <p:spPr>
+          <a:xfrm>
+            <a:off x="10065237" y="3009892"/>
+            <a:ext cx="657306" cy="0"/>
+          </a:xfrm>
+          <a:prstGeom prst="line">
+            <a:avLst/>
+          </a:prstGeom>
+        </p:spPr>
+        <p:style>
+          <a:lnRef idx="1">
+            <a:schemeClr val="accent1"/>
+          </a:lnRef>
+          <a:fillRef idx="0">
+            <a:schemeClr val="accent1"/>
+          </a:fillRef>
+          <a:effectRef idx="0">
+            <a:schemeClr val="accent1"/>
+          </a:effectRef>
+          <a:fontRef idx="minor">
+            <a:schemeClr val="tx1"/>
+          </a:fontRef>
+        </p:style>
+      </p:cxnSp>
+      <p:cxnSp>
+        <p:nvCxnSpPr>
+          <p:cNvPr id="22" name="Straight Connector 21">
+            <a:extLst>
+              <a:ext uri="{FF2B5EF4-FFF2-40B4-BE49-F238E27FC236}">
+                <a16:creationId xmlns:a16="http://schemas.microsoft.com/office/drawing/2014/main" id="{A848E67D-D221-4202-AB77-D67B082F7ABD}"/>
+              </a:ext>
+            </a:extLst>
+          </p:cNvPr>
+          <p:cNvCxnSpPr>
+            <a:cxnSpLocks/>
+          </p:cNvCxnSpPr>
+          <p:nvPr/>
+        </p:nvCxnSpPr>
+        <p:spPr>
+          <a:xfrm>
+            <a:off x="10722543" y="3009892"/>
+            <a:ext cx="0" cy="991402"/>
+          </a:xfrm>
+          <a:prstGeom prst="line">
+            <a:avLst/>
+          </a:prstGeom>
+        </p:spPr>
+        <p:style>
+          <a:lnRef idx="1">
+            <a:schemeClr val="accent1"/>
+          </a:lnRef>
+          <a:fillRef idx="0">
+            <a:schemeClr val="accent1"/>
+          </a:fillRef>
+          <a:effectRef idx="0">
+            <a:schemeClr val="accent1"/>
+          </a:effectRef>
+          <a:fontRef idx="minor">
+            <a:schemeClr val="tx1"/>
+          </a:fontRef>
+        </p:style>
+      </p:cxnSp>
+      <p:cxnSp>
+        <p:nvCxnSpPr>
+          <p:cNvPr id="26" name="Straight Connector 25">
+            <a:extLst>
+              <a:ext uri="{FF2B5EF4-FFF2-40B4-BE49-F238E27FC236}">
+                <a16:creationId xmlns:a16="http://schemas.microsoft.com/office/drawing/2014/main" id="{511F49E2-5C0E-41A7-924D-4B58F63744FA}"/>
+              </a:ext>
+            </a:extLst>
+          </p:cNvPr>
+          <p:cNvCxnSpPr>
+            <a:cxnSpLocks/>
+          </p:cNvCxnSpPr>
+          <p:nvPr/>
+        </p:nvCxnSpPr>
+        <p:spPr>
+          <a:xfrm flipH="1">
+            <a:off x="1928105" y="4001294"/>
+            <a:ext cx="8794438" cy="20233"/>
+          </a:xfrm>
+          <a:prstGeom prst="line">
+            <a:avLst/>
+          </a:prstGeom>
+        </p:spPr>
+        <p:style>
+          <a:lnRef idx="1">
+            <a:schemeClr val="accent1"/>
+          </a:lnRef>
+          <a:fillRef idx="0">
+            <a:schemeClr val="accent1"/>
+          </a:fillRef>
+          <a:effectRef idx="0">
+            <a:schemeClr val="accent1"/>
+          </a:effectRef>
+          <a:fontRef idx="minor">
+            <a:schemeClr val="tx1"/>
+          </a:fontRef>
+        </p:style>
+      </p:cxnSp>
+      <p:cxnSp>
+        <p:nvCxnSpPr>
+          <p:cNvPr id="29" name="Straight Connector 28">
+            <a:extLst>
+              <a:ext uri="{FF2B5EF4-FFF2-40B4-BE49-F238E27FC236}">
+                <a16:creationId xmlns:a16="http://schemas.microsoft.com/office/drawing/2014/main" id="{C511A055-6226-4E36-913E-B2EBD7D64C39}"/>
+              </a:ext>
+            </a:extLst>
+          </p:cNvPr>
+          <p:cNvCxnSpPr>
+            <a:cxnSpLocks/>
+          </p:cNvCxnSpPr>
+          <p:nvPr/>
+        </p:nvCxnSpPr>
+        <p:spPr>
+          <a:xfrm flipV="1">
+            <a:off x="1928105" y="4036983"/>
+            <a:ext cx="0" cy="599032"/>
+          </a:xfrm>
+          <a:prstGeom prst="line">
+            <a:avLst/>
+          </a:prstGeom>
+        </p:spPr>
+        <p:style>
+          <a:lnRef idx="1">
+            <a:schemeClr val="accent1"/>
+          </a:lnRef>
+          <a:fillRef idx="0">
+            <a:schemeClr val="accent1"/>
+          </a:fillRef>
+          <a:effectRef idx="0">
+            <a:schemeClr val="accent1"/>
+          </a:effectRef>
+          <a:fontRef idx="minor">
+            <a:schemeClr val="tx1"/>
+          </a:fontRef>
+        </p:style>
+      </p:cxnSp>
+      <p:cxnSp>
+        <p:nvCxnSpPr>
+          <p:cNvPr id="34" name="Straight Arrow Connector 33">
+            <a:extLst>
+              <a:ext uri="{FF2B5EF4-FFF2-40B4-BE49-F238E27FC236}">
+                <a16:creationId xmlns:a16="http://schemas.microsoft.com/office/drawing/2014/main" id="{A078943F-B007-4A58-8109-F3DB5183917A}"/>
+              </a:ext>
+            </a:extLst>
+          </p:cNvPr>
+          <p:cNvCxnSpPr>
+            <a:cxnSpLocks/>
+          </p:cNvCxnSpPr>
+          <p:nvPr/>
+        </p:nvCxnSpPr>
+        <p:spPr>
+          <a:xfrm>
+            <a:off x="984132" y="2716110"/>
+            <a:ext cx="591954" cy="0"/>
+          </a:xfrm>
+          <a:prstGeom prst="straightConnector1">
+            <a:avLst/>
+          </a:prstGeom>
+          <a:ln>
+            <a:tailEnd type="triangle"/>
+          </a:ln>
+        </p:spPr>
+        <p:style>
+          <a:lnRef idx="1">
+            <a:schemeClr val="accent1"/>
+          </a:lnRef>
+          <a:fillRef idx="0">
+            <a:schemeClr val="accent1"/>
+          </a:fillRef>
+          <a:effectRef idx="0">
+            <a:schemeClr val="accent1"/>
+          </a:effectRef>
+          <a:fontRef idx="minor">
+            <a:schemeClr val="tx1"/>
+          </a:fontRef>
+        </p:style>
+      </p:cxnSp>
+      <p:cxnSp>
+        <p:nvCxnSpPr>
+          <p:cNvPr id="35" name="Straight Connector 34">
+            <a:extLst>
+              <a:ext uri="{FF2B5EF4-FFF2-40B4-BE49-F238E27FC236}">
+                <a16:creationId xmlns:a16="http://schemas.microsoft.com/office/drawing/2014/main" id="{9FF803B8-4480-48A8-BC36-D026F777ADD5}"/>
+              </a:ext>
+            </a:extLst>
+          </p:cNvPr>
+          <p:cNvCxnSpPr>
+            <a:cxnSpLocks/>
+          </p:cNvCxnSpPr>
+          <p:nvPr/>
+        </p:nvCxnSpPr>
+        <p:spPr>
+          <a:xfrm flipH="1" flipV="1">
+            <a:off x="984132" y="2716111"/>
+            <a:ext cx="26021" cy="3203426"/>
+          </a:xfrm>
+          <a:prstGeom prst="line">
+            <a:avLst/>
+          </a:prstGeom>
+        </p:spPr>
+        <p:style>
+          <a:lnRef idx="1">
+            <a:schemeClr val="accent1"/>
+          </a:lnRef>
+          <a:fillRef idx="0">
+            <a:schemeClr val="accent1"/>
+          </a:fillRef>
+          <a:effectRef idx="0">
+            <a:schemeClr val="accent1"/>
+          </a:effectRef>
+          <a:fontRef idx="minor">
+            <a:schemeClr val="tx1"/>
+          </a:fontRef>
+        </p:style>
+      </p:cxnSp>
+      <p:cxnSp>
+        <p:nvCxnSpPr>
+          <p:cNvPr id="38" name="Straight Connector 37">
+            <a:extLst>
+              <a:ext uri="{FF2B5EF4-FFF2-40B4-BE49-F238E27FC236}">
+                <a16:creationId xmlns:a16="http://schemas.microsoft.com/office/drawing/2014/main" id="{6F6508BE-27C3-4E24-B02D-45DEC9A479A8}"/>
+              </a:ext>
+            </a:extLst>
+          </p:cNvPr>
+          <p:cNvCxnSpPr>
+            <a:cxnSpLocks/>
+          </p:cNvCxnSpPr>
+          <p:nvPr/>
+        </p:nvCxnSpPr>
+        <p:spPr>
+          <a:xfrm flipH="1">
+            <a:off x="1010153" y="5864072"/>
+            <a:ext cx="9712390" cy="51611"/>
+          </a:xfrm>
+          <a:prstGeom prst="line">
+            <a:avLst/>
+          </a:prstGeom>
+        </p:spPr>
+        <p:style>
+          <a:lnRef idx="1">
+            <a:schemeClr val="accent1"/>
+          </a:lnRef>
+          <a:fillRef idx="0">
+            <a:schemeClr val="accent1"/>
+          </a:fillRef>
+          <a:effectRef idx="0">
+            <a:schemeClr val="accent1"/>
+          </a:effectRef>
+          <a:fontRef idx="minor">
+            <a:schemeClr val="tx1"/>
+          </a:fontRef>
+        </p:style>
+      </p:cxnSp>
+      <p:cxnSp>
+        <p:nvCxnSpPr>
+          <p:cNvPr id="41" name="Straight Connector 40">
+            <a:extLst>
+              <a:ext uri="{FF2B5EF4-FFF2-40B4-BE49-F238E27FC236}">
+                <a16:creationId xmlns:a16="http://schemas.microsoft.com/office/drawing/2014/main" id="{B80C6309-44D4-448D-A813-9304BB739287}"/>
+              </a:ext>
+            </a:extLst>
+          </p:cNvPr>
+          <p:cNvCxnSpPr>
+            <a:cxnSpLocks/>
+          </p:cNvCxnSpPr>
+          <p:nvPr/>
+        </p:nvCxnSpPr>
+        <p:spPr>
+          <a:xfrm flipV="1">
+            <a:off x="10722543" y="4939319"/>
+            <a:ext cx="0" cy="920899"/>
+          </a:xfrm>
+          <a:prstGeom prst="line">
+            <a:avLst/>
+          </a:prstGeom>
+        </p:spPr>
+        <p:style>
+          <a:lnRef idx="1">
+            <a:schemeClr val="accent1"/>
+          </a:lnRef>
+          <a:fillRef idx="0">
+            <a:schemeClr val="accent1"/>
+          </a:fillRef>
+          <a:effectRef idx="0">
+            <a:schemeClr val="accent1"/>
+          </a:effectRef>
+          <a:fontRef idx="minor">
+            <a:schemeClr val="tx1"/>
+          </a:fontRef>
+        </p:style>
+      </p:cxnSp>
+      <p:cxnSp>
+        <p:nvCxnSpPr>
+          <p:cNvPr id="44" name="Straight Connector 43">
+            <a:extLst>
+              <a:ext uri="{FF2B5EF4-FFF2-40B4-BE49-F238E27FC236}">
+                <a16:creationId xmlns:a16="http://schemas.microsoft.com/office/drawing/2014/main" id="{D44D3A66-4A63-4494-8DCF-CE5B59CE78B5}"/>
+              </a:ext>
+            </a:extLst>
+          </p:cNvPr>
+          <p:cNvCxnSpPr>
+            <a:cxnSpLocks/>
+          </p:cNvCxnSpPr>
+          <p:nvPr/>
+        </p:nvCxnSpPr>
+        <p:spPr>
+          <a:xfrm>
+            <a:off x="10250905" y="4935466"/>
+            <a:ext cx="471638" cy="0"/>
+          </a:xfrm>
+          <a:prstGeom prst="line">
+            <a:avLst/>
+          </a:prstGeom>
+        </p:spPr>
+        <p:style>
+          <a:lnRef idx="1">
+            <a:schemeClr val="accent1"/>
+          </a:lnRef>
+          <a:fillRef idx="0">
+            <a:schemeClr val="accent1"/>
+          </a:fillRef>
+          <a:effectRef idx="0">
+            <a:schemeClr val="accent1"/>
+          </a:effectRef>
+          <a:fontRef idx="minor">
+            <a:schemeClr val="tx1"/>
+          </a:fontRef>
+        </p:style>
+      </p:cxnSp>
+    </p:spTree>
+    <p:extLst>
+      <p:ext uri="{BB962C8B-B14F-4D97-AF65-F5344CB8AC3E}">
+        <p14:creationId xmlns:p14="http://schemas.microsoft.com/office/powerpoint/2010/main" val="2881475809"/>
+      </p:ext>
+    </p:extLst>
+  </p:cSld>
+  <p:clrMapOvr>
+    <a:masterClrMapping/>
+  </p:clrMapOvr>
+</p:sld>
+</file>
+
+<file path=ppt/slides/slide7.xml><?xml version="1.0" encoding="utf-8"?>
 <p:sld xmlns:a="http://schemas.openxmlformats.org/drawingml/2006/main" xmlns:r="http://schemas.openxmlformats.org/officeDocument/2006/relationships" xmlns:p="http://schemas.openxmlformats.org/presentationml/2006/main">
   <p:cSld>
     <p:spTree>
@@ -7746,3458 +11963,7 @@
 </p:sld>
 </file>
 
-<file path=ppt/slides/slide20.xml><?xml version="1.0" encoding="utf-8"?>
-<p:sld xmlns:a="http://schemas.openxmlformats.org/drawingml/2006/main" xmlns:r="http://schemas.openxmlformats.org/officeDocument/2006/relationships" xmlns:p="http://schemas.openxmlformats.org/presentationml/2006/main">
-  <p:cSld>
-    <p:spTree>
-      <p:nvGrpSpPr>
-        <p:cNvPr id="1" name=""/>
-        <p:cNvGrpSpPr/>
-        <p:nvPr/>
-      </p:nvGrpSpPr>
-      <p:grpSpPr>
-        <a:xfrm>
-          <a:off x="0" y="0"/>
-          <a:ext cx="0" cy="0"/>
-          <a:chOff x="0" y="0"/>
-          <a:chExt cx="0" cy="0"/>
-        </a:xfrm>
-      </p:grpSpPr>
-      <p:pic>
-        <p:nvPicPr>
-          <p:cNvPr id="5" name="Picture 4">
-            <a:extLst>
-              <a:ext uri="{FF2B5EF4-FFF2-40B4-BE49-F238E27FC236}">
-                <a16:creationId xmlns:a16="http://schemas.microsoft.com/office/drawing/2014/main" id="{A7A46341-6829-45D6-84F6-A67B682460F4}"/>
-              </a:ext>
-            </a:extLst>
-          </p:cNvPr>
-          <p:cNvPicPr>
-            <a:picLocks noChangeAspect="1"/>
-          </p:cNvPicPr>
-          <p:nvPr/>
-        </p:nvPicPr>
-        <p:blipFill>
-          <a:blip r:embed="rId2">
-            <a:extLst>
-              <a:ext uri="{28A0092B-C50C-407E-A947-70E740481C1C}">
-                <a14:useLocalDpi xmlns:a14="http://schemas.microsoft.com/office/drawing/2010/main" val="0"/>
-              </a:ext>
-            </a:extLst>
-          </a:blip>
-          <a:stretch>
-            <a:fillRect/>
-          </a:stretch>
-        </p:blipFill>
-        <p:spPr>
-          <a:xfrm>
-            <a:off x="0" y="-815875"/>
-            <a:ext cx="12192000" cy="8134779"/>
-          </a:xfrm>
-          <a:prstGeom prst="rect">
-            <a:avLst/>
-          </a:prstGeom>
-        </p:spPr>
-      </p:pic>
-      <p:sp>
-        <p:nvSpPr>
-          <p:cNvPr id="2" name="Title 1">
-            <a:extLst>
-              <a:ext uri="{FF2B5EF4-FFF2-40B4-BE49-F238E27FC236}">
-                <a16:creationId xmlns:a16="http://schemas.microsoft.com/office/drawing/2014/main" id="{AD645CB7-D431-4ED8-8FE2-E3B015E90251}"/>
-              </a:ext>
-            </a:extLst>
-          </p:cNvPr>
-          <p:cNvSpPr>
-            <a:spLocks noGrp="1"/>
-          </p:cNvSpPr>
-          <p:nvPr>
-            <p:ph type="title"/>
-          </p:nvPr>
-        </p:nvSpPr>
-        <p:spPr/>
-        <p:txBody>
-          <a:bodyPr/>
-          <a:lstStyle/>
-          <a:p>
-            <a:endParaRPr lang="en-DK" dirty="0"/>
-          </a:p>
-        </p:txBody>
-      </p:sp>
-      <p:sp>
-        <p:nvSpPr>
-          <p:cNvPr id="3" name="Text Placeholder 2">
-            <a:extLst>
-              <a:ext uri="{FF2B5EF4-FFF2-40B4-BE49-F238E27FC236}">
-                <a16:creationId xmlns:a16="http://schemas.microsoft.com/office/drawing/2014/main" id="{90131B1A-11A6-4A74-96C4-3A1DA6D5F8EB}"/>
-              </a:ext>
-            </a:extLst>
-          </p:cNvPr>
-          <p:cNvSpPr>
-            <a:spLocks noGrp="1"/>
-          </p:cNvSpPr>
-          <p:nvPr>
-            <p:ph type="body" idx="1"/>
-          </p:nvPr>
-        </p:nvSpPr>
-        <p:spPr/>
-        <p:txBody>
-          <a:bodyPr/>
-          <a:lstStyle/>
-          <a:p>
-            <a:r>
-              <a:rPr lang="en-US" dirty="0">
-                <a:solidFill>
-                  <a:schemeClr val="bg1"/>
-                </a:solidFill>
-              </a:rPr>
-              <a:t>* This is Mikkel falling in love</a:t>
-            </a:r>
-            <a:endParaRPr lang="en-DK" dirty="0">
-              <a:solidFill>
-                <a:schemeClr val="bg1"/>
-              </a:solidFill>
-            </a:endParaRPr>
-          </a:p>
-        </p:txBody>
-      </p:sp>
-    </p:spTree>
-    <p:extLst>
-      <p:ext uri="{BB962C8B-B14F-4D97-AF65-F5344CB8AC3E}">
-        <p14:creationId xmlns:p14="http://schemas.microsoft.com/office/powerpoint/2010/main" val="4200438727"/>
-      </p:ext>
-    </p:extLst>
-  </p:cSld>
-  <p:clrMapOvr>
-    <a:masterClrMapping/>
-  </p:clrMapOvr>
-</p:sld>
-</file>
-
-<file path=ppt/slides/slide21.xml><?xml version="1.0" encoding="utf-8"?>
-<p:sld xmlns:a="http://schemas.openxmlformats.org/drawingml/2006/main" xmlns:r="http://schemas.openxmlformats.org/officeDocument/2006/relationships" xmlns:p="http://schemas.openxmlformats.org/presentationml/2006/main">
-  <p:cSld>
-    <p:spTree>
-      <p:nvGrpSpPr>
-        <p:cNvPr id="1" name=""/>
-        <p:cNvGrpSpPr/>
-        <p:nvPr/>
-      </p:nvGrpSpPr>
-      <p:grpSpPr>
-        <a:xfrm>
-          <a:off x="0" y="0"/>
-          <a:ext cx="0" cy="0"/>
-          <a:chOff x="0" y="0"/>
-          <a:chExt cx="0" cy="0"/>
-        </a:xfrm>
-      </p:grpSpPr>
-      <p:sp>
-        <p:nvSpPr>
-          <p:cNvPr id="2" name="Title 1">
-            <a:extLst>
-              <a:ext uri="{FF2B5EF4-FFF2-40B4-BE49-F238E27FC236}">
-                <a16:creationId xmlns:a16="http://schemas.microsoft.com/office/drawing/2014/main" id="{98844CEC-848D-469C-A8C8-3FF629314F98}"/>
-              </a:ext>
-            </a:extLst>
-          </p:cNvPr>
-          <p:cNvSpPr>
-            <a:spLocks noGrp="1"/>
-          </p:cNvSpPr>
-          <p:nvPr>
-            <p:ph type="title"/>
-          </p:nvPr>
-        </p:nvSpPr>
-        <p:spPr/>
-        <p:txBody>
-          <a:bodyPr/>
-          <a:lstStyle/>
-          <a:p>
-            <a:r>
-              <a:rPr lang="en-US" dirty="0"/>
-              <a:t>Demo</a:t>
-            </a:r>
-            <a:endParaRPr lang="en-DK" dirty="0"/>
-          </a:p>
-        </p:txBody>
-      </p:sp>
-      <p:sp>
-        <p:nvSpPr>
-          <p:cNvPr id="3" name="Text Placeholder 2">
-            <a:extLst>
-              <a:ext uri="{FF2B5EF4-FFF2-40B4-BE49-F238E27FC236}">
-                <a16:creationId xmlns:a16="http://schemas.microsoft.com/office/drawing/2014/main" id="{7B91CD2A-7B56-4982-BC68-742FC4A10D62}"/>
-              </a:ext>
-            </a:extLst>
-          </p:cNvPr>
-          <p:cNvSpPr>
-            <a:spLocks noGrp="1"/>
-          </p:cNvSpPr>
-          <p:nvPr>
-            <p:ph type="body" idx="1"/>
-          </p:nvPr>
-        </p:nvSpPr>
-        <p:spPr/>
-        <p:txBody>
-          <a:bodyPr/>
-          <a:lstStyle/>
-          <a:p>
-            <a:r>
-              <a:rPr lang="en-US" dirty="0"/>
-              <a:t>I know you are thinking “Mikkel please show me how love looks like in a graph database.”</a:t>
-            </a:r>
-            <a:endParaRPr lang="en-DK" dirty="0"/>
-          </a:p>
-        </p:txBody>
-      </p:sp>
-      <p:grpSp>
-        <p:nvGrpSpPr>
-          <p:cNvPr id="4" name="Group 3">
-            <a:extLst>
-              <a:ext uri="{FF2B5EF4-FFF2-40B4-BE49-F238E27FC236}">
-                <a16:creationId xmlns:a16="http://schemas.microsoft.com/office/drawing/2014/main" id="{102A380B-F3B8-4F53-B930-1FA9D0586065}"/>
-              </a:ext>
-            </a:extLst>
-          </p:cNvPr>
-          <p:cNvGrpSpPr/>
-          <p:nvPr/>
-        </p:nvGrpSpPr>
-        <p:grpSpPr>
-          <a:xfrm>
-            <a:off x="7487811" y="2182011"/>
-            <a:ext cx="5297585" cy="5306444"/>
-            <a:chOff x="7487811" y="2182011"/>
-            <a:chExt cx="5297585" cy="5306444"/>
-          </a:xfrm>
-        </p:grpSpPr>
-        <p:pic>
-          <p:nvPicPr>
-            <p:cNvPr id="5" name="Picture 4">
-              <a:extLst>
-                <a:ext uri="{FF2B5EF4-FFF2-40B4-BE49-F238E27FC236}">
-                  <a16:creationId xmlns:a16="http://schemas.microsoft.com/office/drawing/2014/main" id="{ABAADB5A-2902-462A-AAC2-04D214C47FFD}"/>
-                </a:ext>
-              </a:extLst>
-            </p:cNvPr>
-            <p:cNvPicPr>
-              <a:picLocks noChangeAspect="1"/>
-            </p:cNvPicPr>
-            <p:nvPr/>
-          </p:nvPicPr>
-          <p:blipFill>
-            <a:blip r:embed="rId2">
-              <a:extLst>
-                <a:ext uri="{28A0092B-C50C-407E-A947-70E740481C1C}">
-                  <a14:useLocalDpi xmlns:a14="http://schemas.microsoft.com/office/drawing/2010/main" val="0"/>
-                </a:ext>
-              </a:extLst>
-            </a:blip>
-            <a:stretch>
-              <a:fillRect/>
-            </a:stretch>
-          </p:blipFill>
-          <p:spPr>
-            <a:xfrm>
-              <a:off x="7487811" y="2182011"/>
-              <a:ext cx="5297585" cy="5297585"/>
-            </a:xfrm>
-            <a:prstGeom prst="rect">
-              <a:avLst/>
-            </a:prstGeom>
-            <a:effectLst/>
-          </p:spPr>
-        </p:pic>
-        <p:sp>
-          <p:nvSpPr>
-            <p:cNvPr id="6" name="Rectangle 5">
-              <a:extLst>
-                <a:ext uri="{FF2B5EF4-FFF2-40B4-BE49-F238E27FC236}">
-                  <a16:creationId xmlns:a16="http://schemas.microsoft.com/office/drawing/2014/main" id="{267A98D5-C2FB-4219-ADC8-9C634EC561C7}"/>
-                </a:ext>
-              </a:extLst>
-            </p:cNvPr>
-            <p:cNvSpPr/>
-            <p:nvPr/>
-          </p:nvSpPr>
-          <p:spPr>
-            <a:xfrm>
-              <a:off x="7488455" y="2184935"/>
-              <a:ext cx="5293894" cy="5303520"/>
-            </a:xfrm>
-            <a:prstGeom prst="rect">
-              <a:avLst/>
-            </a:prstGeom>
-            <a:solidFill>
-              <a:schemeClr val="bg1">
-                <a:alpha val="89000"/>
-              </a:schemeClr>
-            </a:solidFill>
-            <a:ln>
-              <a:noFill/>
-            </a:ln>
-          </p:spPr>
-          <p:style>
-            <a:lnRef idx="2">
-              <a:schemeClr val="accent1">
-                <a:shade val="50000"/>
-              </a:schemeClr>
-            </a:lnRef>
-            <a:fillRef idx="1">
-              <a:schemeClr val="accent1"/>
-            </a:fillRef>
-            <a:effectRef idx="0">
-              <a:schemeClr val="accent1"/>
-            </a:effectRef>
-            <a:fontRef idx="minor">
-              <a:schemeClr val="lt1"/>
-            </a:fontRef>
-          </p:style>
-          <p:txBody>
-            <a:bodyPr rtlCol="0" anchor="ctr"/>
-            <a:lstStyle/>
-            <a:p>
-              <a:pPr algn="ctr"/>
-              <a:endParaRPr lang="en-DK"/>
-            </a:p>
-          </p:txBody>
-        </p:sp>
-      </p:grpSp>
-    </p:spTree>
-    <p:extLst>
-      <p:ext uri="{BB962C8B-B14F-4D97-AF65-F5344CB8AC3E}">
-        <p14:creationId xmlns:p14="http://schemas.microsoft.com/office/powerpoint/2010/main" val="1634749368"/>
-      </p:ext>
-    </p:extLst>
-  </p:cSld>
-  <p:clrMapOvr>
-    <a:masterClrMapping/>
-  </p:clrMapOvr>
-</p:sld>
-</file>
-
-<file path=ppt/slides/slide22.xml><?xml version="1.0" encoding="utf-8"?>
-<p:sld xmlns:a="http://schemas.openxmlformats.org/drawingml/2006/main" xmlns:r="http://schemas.openxmlformats.org/officeDocument/2006/relationships" xmlns:p="http://schemas.openxmlformats.org/presentationml/2006/main">
-  <p:cSld>
-    <p:spTree>
-      <p:nvGrpSpPr>
-        <p:cNvPr id="1" name=""/>
-        <p:cNvGrpSpPr/>
-        <p:nvPr/>
-      </p:nvGrpSpPr>
-      <p:grpSpPr>
-        <a:xfrm>
-          <a:off x="0" y="0"/>
-          <a:ext cx="0" cy="0"/>
-          <a:chOff x="0" y="0"/>
-          <a:chExt cx="0" cy="0"/>
-        </a:xfrm>
-      </p:grpSpPr>
-      <p:grpSp>
-        <p:nvGrpSpPr>
-          <p:cNvPr id="4" name="Group 3">
-            <a:extLst>
-              <a:ext uri="{FF2B5EF4-FFF2-40B4-BE49-F238E27FC236}">
-                <a16:creationId xmlns:a16="http://schemas.microsoft.com/office/drawing/2014/main" id="{0D458ABF-87F4-48C5-9B74-3A2C0F254015}"/>
-              </a:ext>
-            </a:extLst>
-          </p:cNvPr>
-          <p:cNvGrpSpPr/>
-          <p:nvPr/>
-        </p:nvGrpSpPr>
-        <p:grpSpPr>
-          <a:xfrm>
-            <a:off x="7487811" y="2182011"/>
-            <a:ext cx="5297585" cy="5306444"/>
-            <a:chOff x="7487811" y="2182011"/>
-            <a:chExt cx="5297585" cy="5306444"/>
-          </a:xfrm>
-        </p:grpSpPr>
-        <p:pic>
-          <p:nvPicPr>
-            <p:cNvPr id="5" name="Picture 4">
-              <a:extLst>
-                <a:ext uri="{FF2B5EF4-FFF2-40B4-BE49-F238E27FC236}">
-                  <a16:creationId xmlns:a16="http://schemas.microsoft.com/office/drawing/2014/main" id="{06CA7591-6B7B-4F32-B5F2-C22FE3EAEB9A}"/>
-                </a:ext>
-              </a:extLst>
-            </p:cNvPr>
-            <p:cNvPicPr>
-              <a:picLocks noChangeAspect="1"/>
-            </p:cNvPicPr>
-            <p:nvPr/>
-          </p:nvPicPr>
-          <p:blipFill>
-            <a:blip r:embed="rId2">
-              <a:extLst>
-                <a:ext uri="{28A0092B-C50C-407E-A947-70E740481C1C}">
-                  <a14:useLocalDpi xmlns:a14="http://schemas.microsoft.com/office/drawing/2010/main" val="0"/>
-                </a:ext>
-              </a:extLst>
-            </a:blip>
-            <a:stretch>
-              <a:fillRect/>
-            </a:stretch>
-          </p:blipFill>
-          <p:spPr>
-            <a:xfrm>
-              <a:off x="7487811" y="2182011"/>
-              <a:ext cx="5297585" cy="5297585"/>
-            </a:xfrm>
-            <a:prstGeom prst="rect">
-              <a:avLst/>
-            </a:prstGeom>
-            <a:effectLst/>
-          </p:spPr>
-        </p:pic>
-        <p:sp>
-          <p:nvSpPr>
-            <p:cNvPr id="6" name="Rectangle 5">
-              <a:extLst>
-                <a:ext uri="{FF2B5EF4-FFF2-40B4-BE49-F238E27FC236}">
-                  <a16:creationId xmlns:a16="http://schemas.microsoft.com/office/drawing/2014/main" id="{548F8D82-5C79-4847-9991-60C25FA928BD}"/>
-                </a:ext>
-              </a:extLst>
-            </p:cNvPr>
-            <p:cNvSpPr/>
-            <p:nvPr/>
-          </p:nvSpPr>
-          <p:spPr>
-            <a:xfrm>
-              <a:off x="7488455" y="2184935"/>
-              <a:ext cx="5293894" cy="5303520"/>
-            </a:xfrm>
-            <a:prstGeom prst="rect">
-              <a:avLst/>
-            </a:prstGeom>
-            <a:solidFill>
-              <a:schemeClr val="bg1">
-                <a:alpha val="89000"/>
-              </a:schemeClr>
-            </a:solidFill>
-            <a:ln>
-              <a:noFill/>
-            </a:ln>
-          </p:spPr>
-          <p:style>
-            <a:lnRef idx="2">
-              <a:schemeClr val="accent1">
-                <a:shade val="50000"/>
-              </a:schemeClr>
-            </a:lnRef>
-            <a:fillRef idx="1">
-              <a:schemeClr val="accent1"/>
-            </a:fillRef>
-            <a:effectRef idx="0">
-              <a:schemeClr val="accent1"/>
-            </a:effectRef>
-            <a:fontRef idx="minor">
-              <a:schemeClr val="lt1"/>
-            </a:fontRef>
-          </p:style>
-          <p:txBody>
-            <a:bodyPr rtlCol="0" anchor="ctr"/>
-            <a:lstStyle/>
-            <a:p>
-              <a:pPr algn="ctr"/>
-              <a:endParaRPr lang="en-DK"/>
-            </a:p>
-          </p:txBody>
-        </p:sp>
-      </p:grpSp>
-      <p:sp>
-        <p:nvSpPr>
-          <p:cNvPr id="2" name="Title 1">
-            <a:extLst>
-              <a:ext uri="{FF2B5EF4-FFF2-40B4-BE49-F238E27FC236}">
-                <a16:creationId xmlns:a16="http://schemas.microsoft.com/office/drawing/2014/main" id="{3B075B62-A669-48C7-8862-B0CC05ED729A}"/>
-              </a:ext>
-            </a:extLst>
-          </p:cNvPr>
-          <p:cNvSpPr>
-            <a:spLocks noGrp="1"/>
-          </p:cNvSpPr>
-          <p:nvPr>
-            <p:ph type="title"/>
-          </p:nvPr>
-        </p:nvSpPr>
-        <p:spPr/>
-        <p:txBody>
-          <a:bodyPr/>
-          <a:lstStyle/>
-          <a:p>
-            <a:r>
-              <a:rPr lang="en-US" dirty="0"/>
-              <a:t>The reason for data is it’s relation to decisions</a:t>
-            </a:r>
-            <a:endParaRPr lang="en-DK" dirty="0"/>
-          </a:p>
-        </p:txBody>
-      </p:sp>
-      <p:sp>
-        <p:nvSpPr>
-          <p:cNvPr id="3" name="Text Placeholder 2">
-            <a:extLst>
-              <a:ext uri="{FF2B5EF4-FFF2-40B4-BE49-F238E27FC236}">
-                <a16:creationId xmlns:a16="http://schemas.microsoft.com/office/drawing/2014/main" id="{9537D7D8-196C-4229-853A-E33B538CEE1A}"/>
-              </a:ext>
-            </a:extLst>
-          </p:cNvPr>
-          <p:cNvSpPr>
-            <a:spLocks noGrp="1"/>
-          </p:cNvSpPr>
-          <p:nvPr>
-            <p:ph type="body" idx="1"/>
-          </p:nvPr>
-        </p:nvSpPr>
-        <p:spPr/>
-        <p:txBody>
-          <a:bodyPr/>
-          <a:lstStyle/>
-          <a:p>
-            <a:r>
-              <a:rPr lang="en-US" dirty="0"/>
-              <a:t>Make choices based on fact.</a:t>
-            </a:r>
-          </a:p>
-        </p:txBody>
-      </p:sp>
-    </p:spTree>
-    <p:extLst>
-      <p:ext uri="{BB962C8B-B14F-4D97-AF65-F5344CB8AC3E}">
-        <p14:creationId xmlns:p14="http://schemas.microsoft.com/office/powerpoint/2010/main" val="3887011054"/>
-      </p:ext>
-    </p:extLst>
-  </p:cSld>
-  <p:clrMapOvr>
-    <a:masterClrMapping/>
-  </p:clrMapOvr>
-</p:sld>
-</file>
-
-<file path=ppt/slides/slide23.xml><?xml version="1.0" encoding="utf-8"?>
-<p:sld xmlns:a="http://schemas.openxmlformats.org/drawingml/2006/main" xmlns:r="http://schemas.openxmlformats.org/officeDocument/2006/relationships" xmlns:p="http://schemas.openxmlformats.org/presentationml/2006/main">
-  <p:cSld>
-    <p:spTree>
-      <p:nvGrpSpPr>
-        <p:cNvPr id="1" name=""/>
-        <p:cNvGrpSpPr/>
-        <p:nvPr/>
-      </p:nvGrpSpPr>
-      <p:grpSpPr>
-        <a:xfrm>
-          <a:off x="0" y="0"/>
-          <a:ext cx="0" cy="0"/>
-          <a:chOff x="0" y="0"/>
-          <a:chExt cx="0" cy="0"/>
-        </a:xfrm>
-      </p:grpSpPr>
-      <p:grpSp>
-        <p:nvGrpSpPr>
-          <p:cNvPr id="4" name="Group 3">
-            <a:extLst>
-              <a:ext uri="{FF2B5EF4-FFF2-40B4-BE49-F238E27FC236}">
-                <a16:creationId xmlns:a16="http://schemas.microsoft.com/office/drawing/2014/main" id="{2B63E158-B3CC-496C-A85B-75124C82722D}"/>
-              </a:ext>
-            </a:extLst>
-          </p:cNvPr>
-          <p:cNvGrpSpPr/>
-          <p:nvPr/>
-        </p:nvGrpSpPr>
-        <p:grpSpPr>
-          <a:xfrm>
-            <a:off x="7487811" y="2182011"/>
-            <a:ext cx="5297585" cy="5306444"/>
-            <a:chOff x="7487811" y="2182011"/>
-            <a:chExt cx="5297585" cy="5306444"/>
-          </a:xfrm>
-        </p:grpSpPr>
-        <p:pic>
-          <p:nvPicPr>
-            <p:cNvPr id="5" name="Picture 4">
-              <a:extLst>
-                <a:ext uri="{FF2B5EF4-FFF2-40B4-BE49-F238E27FC236}">
-                  <a16:creationId xmlns:a16="http://schemas.microsoft.com/office/drawing/2014/main" id="{86965CCA-54D0-4C21-8199-28DC65BF8E76}"/>
-                </a:ext>
-              </a:extLst>
-            </p:cNvPr>
-            <p:cNvPicPr>
-              <a:picLocks noChangeAspect="1"/>
-            </p:cNvPicPr>
-            <p:nvPr/>
-          </p:nvPicPr>
-          <p:blipFill>
-            <a:blip r:embed="rId2">
-              <a:extLst>
-                <a:ext uri="{28A0092B-C50C-407E-A947-70E740481C1C}">
-                  <a14:useLocalDpi xmlns:a14="http://schemas.microsoft.com/office/drawing/2010/main" val="0"/>
-                </a:ext>
-              </a:extLst>
-            </a:blip>
-            <a:stretch>
-              <a:fillRect/>
-            </a:stretch>
-          </p:blipFill>
-          <p:spPr>
-            <a:xfrm>
-              <a:off x="7487811" y="2182011"/>
-              <a:ext cx="5297585" cy="5297585"/>
-            </a:xfrm>
-            <a:prstGeom prst="rect">
-              <a:avLst/>
-            </a:prstGeom>
-            <a:effectLst/>
-          </p:spPr>
-        </p:pic>
-        <p:sp>
-          <p:nvSpPr>
-            <p:cNvPr id="6" name="Rectangle 5">
-              <a:extLst>
-                <a:ext uri="{FF2B5EF4-FFF2-40B4-BE49-F238E27FC236}">
-                  <a16:creationId xmlns:a16="http://schemas.microsoft.com/office/drawing/2014/main" id="{F0579431-096D-45EC-9D5B-67CE13D41ED3}"/>
-                </a:ext>
-              </a:extLst>
-            </p:cNvPr>
-            <p:cNvSpPr/>
-            <p:nvPr/>
-          </p:nvSpPr>
-          <p:spPr>
-            <a:xfrm>
-              <a:off x="7488455" y="2184935"/>
-              <a:ext cx="5293894" cy="5303520"/>
-            </a:xfrm>
-            <a:prstGeom prst="rect">
-              <a:avLst/>
-            </a:prstGeom>
-            <a:solidFill>
-              <a:schemeClr val="bg1">
-                <a:alpha val="89000"/>
-              </a:schemeClr>
-            </a:solidFill>
-            <a:ln>
-              <a:noFill/>
-            </a:ln>
-          </p:spPr>
-          <p:style>
-            <a:lnRef idx="2">
-              <a:schemeClr val="accent1">
-                <a:shade val="50000"/>
-              </a:schemeClr>
-            </a:lnRef>
-            <a:fillRef idx="1">
-              <a:schemeClr val="accent1"/>
-            </a:fillRef>
-            <a:effectRef idx="0">
-              <a:schemeClr val="accent1"/>
-            </a:effectRef>
-            <a:fontRef idx="minor">
-              <a:schemeClr val="lt1"/>
-            </a:fontRef>
-          </p:style>
-          <p:txBody>
-            <a:bodyPr rtlCol="0" anchor="ctr"/>
-            <a:lstStyle/>
-            <a:p>
-              <a:pPr algn="ctr"/>
-              <a:endParaRPr lang="en-DK"/>
-            </a:p>
-          </p:txBody>
-        </p:sp>
-      </p:grpSp>
-      <p:sp>
-        <p:nvSpPr>
-          <p:cNvPr id="2" name="Title 1">
-            <a:extLst>
-              <a:ext uri="{FF2B5EF4-FFF2-40B4-BE49-F238E27FC236}">
-                <a16:creationId xmlns:a16="http://schemas.microsoft.com/office/drawing/2014/main" id="{3B075B62-A669-48C7-8862-B0CC05ED729A}"/>
-              </a:ext>
-            </a:extLst>
-          </p:cNvPr>
-          <p:cNvSpPr>
-            <a:spLocks noGrp="1"/>
-          </p:cNvSpPr>
-          <p:nvPr>
-            <p:ph type="title"/>
-          </p:nvPr>
-        </p:nvSpPr>
-        <p:spPr/>
-        <p:txBody>
-          <a:bodyPr/>
-          <a:lstStyle/>
-          <a:p>
-            <a:r>
-              <a:rPr lang="en-US" dirty="0"/>
-              <a:t>A </a:t>
-            </a:r>
-            <a:r>
-              <a:rPr lang="en-US" i="1" dirty="0"/>
-              <a:t>“way to”</a:t>
-            </a:r>
-            <a:r>
-              <a:rPr lang="en-US" dirty="0"/>
-              <a:t> quick look at Machine Learning</a:t>
-            </a:r>
-            <a:endParaRPr lang="en-DK" dirty="0"/>
-          </a:p>
-        </p:txBody>
-      </p:sp>
-      <p:sp>
-        <p:nvSpPr>
-          <p:cNvPr id="3" name="Text Placeholder 2">
-            <a:extLst>
-              <a:ext uri="{FF2B5EF4-FFF2-40B4-BE49-F238E27FC236}">
-                <a16:creationId xmlns:a16="http://schemas.microsoft.com/office/drawing/2014/main" id="{9537D7D8-196C-4229-853A-E33B538CEE1A}"/>
-              </a:ext>
-            </a:extLst>
-          </p:cNvPr>
-          <p:cNvSpPr>
-            <a:spLocks noGrp="1"/>
-          </p:cNvSpPr>
-          <p:nvPr>
-            <p:ph type="body" idx="1"/>
-          </p:nvPr>
-        </p:nvSpPr>
-        <p:spPr/>
-        <p:txBody>
-          <a:bodyPr/>
-          <a:lstStyle/>
-          <a:p>
-            <a:endParaRPr lang="en-US" dirty="0"/>
-          </a:p>
-        </p:txBody>
-      </p:sp>
-    </p:spTree>
-    <p:extLst>
-      <p:ext uri="{BB962C8B-B14F-4D97-AF65-F5344CB8AC3E}">
-        <p14:creationId xmlns:p14="http://schemas.microsoft.com/office/powerpoint/2010/main" val="2933932453"/>
-      </p:ext>
-    </p:extLst>
-  </p:cSld>
-  <p:clrMapOvr>
-    <a:masterClrMapping/>
-  </p:clrMapOvr>
-</p:sld>
-</file>
-
-<file path=ppt/slides/slide24.xml><?xml version="1.0" encoding="utf-8"?>
-<p:sld xmlns:a="http://schemas.openxmlformats.org/drawingml/2006/main" xmlns:r="http://schemas.openxmlformats.org/officeDocument/2006/relationships" xmlns:p="http://schemas.openxmlformats.org/presentationml/2006/main">
-  <p:cSld>
-    <p:spTree>
-      <p:nvGrpSpPr>
-        <p:cNvPr id="1" name=""/>
-        <p:cNvGrpSpPr/>
-        <p:nvPr/>
-      </p:nvGrpSpPr>
-      <p:grpSpPr>
-        <a:xfrm>
-          <a:off x="0" y="0"/>
-          <a:ext cx="0" cy="0"/>
-          <a:chOff x="0" y="0"/>
-          <a:chExt cx="0" cy="0"/>
-        </a:xfrm>
-      </p:grpSpPr>
-      <p:sp>
-        <p:nvSpPr>
-          <p:cNvPr id="2" name="Title 1">
-            <a:extLst>
-              <a:ext uri="{FF2B5EF4-FFF2-40B4-BE49-F238E27FC236}">
-                <a16:creationId xmlns:a16="http://schemas.microsoft.com/office/drawing/2014/main" id="{2F0BA258-D05A-4487-9A22-6A88490A64E8}"/>
-              </a:ext>
-            </a:extLst>
-          </p:cNvPr>
-          <p:cNvSpPr>
-            <a:spLocks noGrp="1"/>
-          </p:cNvSpPr>
-          <p:nvPr>
-            <p:ph type="title"/>
-          </p:nvPr>
-        </p:nvSpPr>
-        <p:spPr/>
-        <p:txBody>
-          <a:bodyPr/>
-          <a:lstStyle/>
-          <a:p>
-            <a:r>
-              <a:rPr lang="en-US" dirty="0"/>
-              <a:t>Traditional decisions</a:t>
-            </a:r>
-            <a:endParaRPr lang="en-DK" dirty="0"/>
-          </a:p>
-        </p:txBody>
-      </p:sp>
-      <p:sp>
-        <p:nvSpPr>
-          <p:cNvPr id="3" name="Content Placeholder 2">
-            <a:extLst>
-              <a:ext uri="{FF2B5EF4-FFF2-40B4-BE49-F238E27FC236}">
-                <a16:creationId xmlns:a16="http://schemas.microsoft.com/office/drawing/2014/main" id="{5E87FEE9-6F8E-4C1B-B45E-1C925E40EFD7}"/>
-              </a:ext>
-            </a:extLst>
-          </p:cNvPr>
-          <p:cNvSpPr>
-            <a:spLocks noGrp="1"/>
-          </p:cNvSpPr>
-          <p:nvPr>
-            <p:ph idx="1"/>
-          </p:nvPr>
-        </p:nvSpPr>
-        <p:spPr/>
-        <p:txBody>
-          <a:bodyPr/>
-          <a:lstStyle/>
-          <a:p>
-            <a:endParaRPr lang="en-DK" dirty="0"/>
-          </a:p>
-        </p:txBody>
-      </p:sp>
-      <p:sp>
-        <p:nvSpPr>
-          <p:cNvPr id="4" name="Rectangle: Rounded Corners 3">
-            <a:extLst>
-              <a:ext uri="{FF2B5EF4-FFF2-40B4-BE49-F238E27FC236}">
-                <a16:creationId xmlns:a16="http://schemas.microsoft.com/office/drawing/2014/main" id="{02261E87-E5E7-45A9-97C5-789436949573}"/>
-              </a:ext>
-            </a:extLst>
-          </p:cNvPr>
-          <p:cNvSpPr/>
-          <p:nvPr/>
-        </p:nvSpPr>
-        <p:spPr>
-          <a:xfrm>
-            <a:off x="4995512" y="3330341"/>
-            <a:ext cx="2358189" cy="1386038"/>
-          </a:xfrm>
-          <a:prstGeom prst="roundRect">
-            <a:avLst/>
-          </a:prstGeom>
-        </p:spPr>
-        <p:style>
-          <a:lnRef idx="2">
-            <a:schemeClr val="accent1">
-              <a:shade val="50000"/>
-            </a:schemeClr>
-          </a:lnRef>
-          <a:fillRef idx="1">
-            <a:schemeClr val="accent1"/>
-          </a:fillRef>
-          <a:effectRef idx="0">
-            <a:schemeClr val="accent1"/>
-          </a:effectRef>
-          <a:fontRef idx="minor">
-            <a:schemeClr val="lt1"/>
-          </a:fontRef>
-        </p:style>
-        <p:txBody>
-          <a:bodyPr rtlCol="0" anchor="ctr"/>
-          <a:lstStyle/>
-          <a:p>
-            <a:pPr algn="ctr"/>
-            <a:r>
-              <a:rPr lang="en-US" dirty="0"/>
-              <a:t>Traditional Programming</a:t>
-            </a:r>
-            <a:endParaRPr lang="en-DK" dirty="0"/>
-          </a:p>
-        </p:txBody>
-      </p:sp>
-      <p:sp>
-        <p:nvSpPr>
-          <p:cNvPr id="5" name="TextBox 4">
-            <a:extLst>
-              <a:ext uri="{FF2B5EF4-FFF2-40B4-BE49-F238E27FC236}">
-                <a16:creationId xmlns:a16="http://schemas.microsoft.com/office/drawing/2014/main" id="{4C83E5E6-38BA-4CCC-B411-7CC64533E6EB}"/>
-              </a:ext>
-            </a:extLst>
-          </p:cNvPr>
-          <p:cNvSpPr txBox="1"/>
-          <p:nvPr/>
-        </p:nvSpPr>
-        <p:spPr>
-          <a:xfrm>
-            <a:off x="2562402" y="3522846"/>
-            <a:ext cx="620554" cy="369332"/>
-          </a:xfrm>
-          <a:prstGeom prst="rect">
-            <a:avLst/>
-          </a:prstGeom>
-          <a:noFill/>
-        </p:spPr>
-        <p:txBody>
-          <a:bodyPr wrap="none" rtlCol="0">
-            <a:spAutoFit/>
-          </a:bodyPr>
-          <a:lstStyle/>
-          <a:p>
-            <a:r>
-              <a:rPr lang="en-US" dirty="0"/>
-              <a:t>Data</a:t>
-            </a:r>
-            <a:endParaRPr lang="en-DK" dirty="0"/>
-          </a:p>
-        </p:txBody>
-      </p:sp>
-      <p:sp>
-        <p:nvSpPr>
-          <p:cNvPr id="6" name="TextBox 5">
-            <a:extLst>
-              <a:ext uri="{FF2B5EF4-FFF2-40B4-BE49-F238E27FC236}">
-                <a16:creationId xmlns:a16="http://schemas.microsoft.com/office/drawing/2014/main" id="{E84D15D6-BF28-49DD-AE29-CC23B20D1F4F}"/>
-              </a:ext>
-            </a:extLst>
-          </p:cNvPr>
-          <p:cNvSpPr txBox="1"/>
-          <p:nvPr/>
-        </p:nvSpPr>
-        <p:spPr>
-          <a:xfrm>
-            <a:off x="2493344" y="4086469"/>
-            <a:ext cx="689612" cy="369332"/>
-          </a:xfrm>
-          <a:prstGeom prst="rect">
-            <a:avLst/>
-          </a:prstGeom>
-          <a:noFill/>
-        </p:spPr>
-        <p:txBody>
-          <a:bodyPr wrap="none" rtlCol="0">
-            <a:spAutoFit/>
-          </a:bodyPr>
-          <a:lstStyle/>
-          <a:p>
-            <a:r>
-              <a:rPr lang="en-US" dirty="0"/>
-              <a:t>Rules</a:t>
-            </a:r>
-            <a:endParaRPr lang="en-DK" dirty="0"/>
-          </a:p>
-        </p:txBody>
-      </p:sp>
-      <p:sp>
-        <p:nvSpPr>
-          <p:cNvPr id="7" name="TextBox 6">
-            <a:extLst>
-              <a:ext uri="{FF2B5EF4-FFF2-40B4-BE49-F238E27FC236}">
-                <a16:creationId xmlns:a16="http://schemas.microsoft.com/office/drawing/2014/main" id="{0EA5FAC9-E35B-4D27-86FB-766A21EBB42F}"/>
-              </a:ext>
-            </a:extLst>
-          </p:cNvPr>
-          <p:cNvSpPr txBox="1"/>
-          <p:nvPr/>
-        </p:nvSpPr>
-        <p:spPr>
-          <a:xfrm>
-            <a:off x="9054162" y="3816628"/>
-            <a:ext cx="972574" cy="369332"/>
-          </a:xfrm>
-          <a:prstGeom prst="rect">
-            <a:avLst/>
-          </a:prstGeom>
-          <a:noFill/>
-        </p:spPr>
-        <p:txBody>
-          <a:bodyPr wrap="none" rtlCol="0">
-            <a:spAutoFit/>
-          </a:bodyPr>
-          <a:lstStyle/>
-          <a:p>
-            <a:r>
-              <a:rPr lang="en-US" dirty="0"/>
-              <a:t>Answers</a:t>
-            </a:r>
-            <a:endParaRPr lang="en-DK" dirty="0"/>
-          </a:p>
-        </p:txBody>
-      </p:sp>
-      <p:cxnSp>
-        <p:nvCxnSpPr>
-          <p:cNvPr id="9" name="Straight Arrow Connector 8">
-            <a:extLst>
-              <a:ext uri="{FF2B5EF4-FFF2-40B4-BE49-F238E27FC236}">
-                <a16:creationId xmlns:a16="http://schemas.microsoft.com/office/drawing/2014/main" id="{DBB3DE80-D66C-464F-9924-B61597EA23FA}"/>
-              </a:ext>
-            </a:extLst>
-          </p:cNvPr>
-          <p:cNvCxnSpPr/>
-          <p:nvPr/>
-        </p:nvCxnSpPr>
-        <p:spPr>
-          <a:xfrm>
-            <a:off x="3513221" y="3707512"/>
-            <a:ext cx="1183907" cy="0"/>
-          </a:xfrm>
-          <a:prstGeom prst="straightConnector1">
-            <a:avLst/>
-          </a:prstGeom>
-          <a:ln>
-            <a:tailEnd type="triangle"/>
-          </a:ln>
-        </p:spPr>
-        <p:style>
-          <a:lnRef idx="1">
-            <a:schemeClr val="accent1"/>
-          </a:lnRef>
-          <a:fillRef idx="0">
-            <a:schemeClr val="accent1"/>
-          </a:fillRef>
-          <a:effectRef idx="0">
-            <a:schemeClr val="accent1"/>
-          </a:effectRef>
-          <a:fontRef idx="minor">
-            <a:schemeClr val="tx1"/>
-          </a:fontRef>
-        </p:style>
-      </p:cxnSp>
-      <p:cxnSp>
-        <p:nvCxnSpPr>
-          <p:cNvPr id="10" name="Straight Arrow Connector 9">
-            <a:extLst>
-              <a:ext uri="{FF2B5EF4-FFF2-40B4-BE49-F238E27FC236}">
-                <a16:creationId xmlns:a16="http://schemas.microsoft.com/office/drawing/2014/main" id="{018C82E0-5577-4F2B-8967-AE8DF91A33D8}"/>
-              </a:ext>
-            </a:extLst>
-          </p:cNvPr>
-          <p:cNvCxnSpPr/>
-          <p:nvPr/>
-        </p:nvCxnSpPr>
-        <p:spPr>
-          <a:xfrm>
-            <a:off x="3513220" y="4271135"/>
-            <a:ext cx="1183907" cy="0"/>
-          </a:xfrm>
-          <a:prstGeom prst="straightConnector1">
-            <a:avLst/>
-          </a:prstGeom>
-          <a:ln>
-            <a:tailEnd type="triangle"/>
-          </a:ln>
-        </p:spPr>
-        <p:style>
-          <a:lnRef idx="1">
-            <a:schemeClr val="accent1"/>
-          </a:lnRef>
-          <a:fillRef idx="0">
-            <a:schemeClr val="accent1"/>
-          </a:fillRef>
-          <a:effectRef idx="0">
-            <a:schemeClr val="accent1"/>
-          </a:effectRef>
-          <a:fontRef idx="minor">
-            <a:schemeClr val="tx1"/>
-          </a:fontRef>
-        </p:style>
-      </p:cxnSp>
-      <p:cxnSp>
-        <p:nvCxnSpPr>
-          <p:cNvPr id="11" name="Straight Arrow Connector 10">
-            <a:extLst>
-              <a:ext uri="{FF2B5EF4-FFF2-40B4-BE49-F238E27FC236}">
-                <a16:creationId xmlns:a16="http://schemas.microsoft.com/office/drawing/2014/main" id="{184CF286-22C0-4C1A-91C3-EE983E6BCC54}"/>
-              </a:ext>
-            </a:extLst>
-          </p:cNvPr>
-          <p:cNvCxnSpPr/>
-          <p:nvPr/>
-        </p:nvCxnSpPr>
-        <p:spPr>
-          <a:xfrm>
-            <a:off x="7611978" y="4001294"/>
-            <a:ext cx="1183907" cy="0"/>
-          </a:xfrm>
-          <a:prstGeom prst="straightConnector1">
-            <a:avLst/>
-          </a:prstGeom>
-          <a:ln>
-            <a:tailEnd type="triangle"/>
-          </a:ln>
-        </p:spPr>
-        <p:style>
-          <a:lnRef idx="1">
-            <a:schemeClr val="accent1"/>
-          </a:lnRef>
-          <a:fillRef idx="0">
-            <a:schemeClr val="accent1"/>
-          </a:fillRef>
-          <a:effectRef idx="0">
-            <a:schemeClr val="accent1"/>
-          </a:effectRef>
-          <a:fontRef idx="minor">
-            <a:schemeClr val="tx1"/>
-          </a:fontRef>
-        </p:style>
-      </p:cxnSp>
-      <p:grpSp>
-        <p:nvGrpSpPr>
-          <p:cNvPr id="12" name="Group 11">
-            <a:extLst>
-              <a:ext uri="{FF2B5EF4-FFF2-40B4-BE49-F238E27FC236}">
-                <a16:creationId xmlns:a16="http://schemas.microsoft.com/office/drawing/2014/main" id="{DCE644A3-B4EC-450B-B0EB-6197E32F34B6}"/>
-              </a:ext>
-            </a:extLst>
-          </p:cNvPr>
-          <p:cNvGrpSpPr/>
-          <p:nvPr/>
-        </p:nvGrpSpPr>
-        <p:grpSpPr>
-          <a:xfrm>
-            <a:off x="7487811" y="2182011"/>
-            <a:ext cx="5297585" cy="5306444"/>
-            <a:chOff x="7487811" y="2182011"/>
-            <a:chExt cx="5297585" cy="5306444"/>
-          </a:xfrm>
-        </p:grpSpPr>
-        <p:pic>
-          <p:nvPicPr>
-            <p:cNvPr id="13" name="Picture 12">
-              <a:extLst>
-                <a:ext uri="{FF2B5EF4-FFF2-40B4-BE49-F238E27FC236}">
-                  <a16:creationId xmlns:a16="http://schemas.microsoft.com/office/drawing/2014/main" id="{A3C89D77-0437-4E25-9660-2EA9F8555DE3}"/>
-                </a:ext>
-              </a:extLst>
-            </p:cNvPr>
-            <p:cNvPicPr>
-              <a:picLocks noChangeAspect="1"/>
-            </p:cNvPicPr>
-            <p:nvPr/>
-          </p:nvPicPr>
-          <p:blipFill>
-            <a:blip r:embed="rId2">
-              <a:extLst>
-                <a:ext uri="{28A0092B-C50C-407E-A947-70E740481C1C}">
-                  <a14:useLocalDpi xmlns:a14="http://schemas.microsoft.com/office/drawing/2010/main" val="0"/>
-                </a:ext>
-              </a:extLst>
-            </a:blip>
-            <a:stretch>
-              <a:fillRect/>
-            </a:stretch>
-          </p:blipFill>
-          <p:spPr>
-            <a:xfrm>
-              <a:off x="7487811" y="2182011"/>
-              <a:ext cx="5297585" cy="5297585"/>
-            </a:xfrm>
-            <a:prstGeom prst="rect">
-              <a:avLst/>
-            </a:prstGeom>
-            <a:effectLst/>
-          </p:spPr>
-        </p:pic>
-        <p:sp>
-          <p:nvSpPr>
-            <p:cNvPr id="14" name="Rectangle 13">
-              <a:extLst>
-                <a:ext uri="{FF2B5EF4-FFF2-40B4-BE49-F238E27FC236}">
-                  <a16:creationId xmlns:a16="http://schemas.microsoft.com/office/drawing/2014/main" id="{89EAFC64-4C39-447F-8E96-C9B1CBAD0B66}"/>
-                </a:ext>
-              </a:extLst>
-            </p:cNvPr>
-            <p:cNvSpPr/>
-            <p:nvPr/>
-          </p:nvSpPr>
-          <p:spPr>
-            <a:xfrm>
-              <a:off x="7488455" y="2184935"/>
-              <a:ext cx="5293894" cy="5303520"/>
-            </a:xfrm>
-            <a:prstGeom prst="rect">
-              <a:avLst/>
-            </a:prstGeom>
-            <a:solidFill>
-              <a:schemeClr val="bg1">
-                <a:alpha val="89000"/>
-              </a:schemeClr>
-            </a:solidFill>
-            <a:ln>
-              <a:noFill/>
-            </a:ln>
-          </p:spPr>
-          <p:style>
-            <a:lnRef idx="2">
-              <a:schemeClr val="accent1">
-                <a:shade val="50000"/>
-              </a:schemeClr>
-            </a:lnRef>
-            <a:fillRef idx="1">
-              <a:schemeClr val="accent1"/>
-            </a:fillRef>
-            <a:effectRef idx="0">
-              <a:schemeClr val="accent1"/>
-            </a:effectRef>
-            <a:fontRef idx="minor">
-              <a:schemeClr val="lt1"/>
-            </a:fontRef>
-          </p:style>
-          <p:txBody>
-            <a:bodyPr rtlCol="0" anchor="ctr"/>
-            <a:lstStyle/>
-            <a:p>
-              <a:pPr algn="ctr"/>
-              <a:endParaRPr lang="en-DK"/>
-            </a:p>
-          </p:txBody>
-        </p:sp>
-      </p:grpSp>
-    </p:spTree>
-    <p:extLst>
-      <p:ext uri="{BB962C8B-B14F-4D97-AF65-F5344CB8AC3E}">
-        <p14:creationId xmlns:p14="http://schemas.microsoft.com/office/powerpoint/2010/main" val="1459036337"/>
-      </p:ext>
-    </p:extLst>
-  </p:cSld>
-  <p:clrMapOvr>
-    <a:masterClrMapping/>
-  </p:clrMapOvr>
-</p:sld>
-</file>
-
-<file path=ppt/slides/slide25.xml><?xml version="1.0" encoding="utf-8"?>
-<p:sld xmlns:a="http://schemas.openxmlformats.org/drawingml/2006/main" xmlns:r="http://schemas.openxmlformats.org/officeDocument/2006/relationships" xmlns:p="http://schemas.openxmlformats.org/presentationml/2006/main">
-  <p:cSld>
-    <p:spTree>
-      <p:nvGrpSpPr>
-        <p:cNvPr id="1" name=""/>
-        <p:cNvGrpSpPr/>
-        <p:nvPr/>
-      </p:nvGrpSpPr>
-      <p:grpSpPr>
-        <a:xfrm>
-          <a:off x="0" y="0"/>
-          <a:ext cx="0" cy="0"/>
-          <a:chOff x="0" y="0"/>
-          <a:chExt cx="0" cy="0"/>
-        </a:xfrm>
-      </p:grpSpPr>
-      <p:sp>
-        <p:nvSpPr>
-          <p:cNvPr id="2" name="Title 1">
-            <a:extLst>
-              <a:ext uri="{FF2B5EF4-FFF2-40B4-BE49-F238E27FC236}">
-                <a16:creationId xmlns:a16="http://schemas.microsoft.com/office/drawing/2014/main" id="{2F0BA258-D05A-4487-9A22-6A88490A64E8}"/>
-              </a:ext>
-            </a:extLst>
-          </p:cNvPr>
-          <p:cNvSpPr>
-            <a:spLocks noGrp="1"/>
-          </p:cNvSpPr>
-          <p:nvPr>
-            <p:ph type="title"/>
-          </p:nvPr>
-        </p:nvSpPr>
-        <p:spPr/>
-        <p:txBody>
-          <a:bodyPr/>
-          <a:lstStyle/>
-          <a:p>
-            <a:r>
-              <a:rPr lang="en-US" dirty="0"/>
-              <a:t>Machines learn like this.</a:t>
-            </a:r>
-            <a:endParaRPr lang="en-DK" dirty="0"/>
-          </a:p>
-        </p:txBody>
-      </p:sp>
-      <p:sp>
-        <p:nvSpPr>
-          <p:cNvPr id="3" name="Content Placeholder 2">
-            <a:extLst>
-              <a:ext uri="{FF2B5EF4-FFF2-40B4-BE49-F238E27FC236}">
-                <a16:creationId xmlns:a16="http://schemas.microsoft.com/office/drawing/2014/main" id="{5E87FEE9-6F8E-4C1B-B45E-1C925E40EFD7}"/>
-              </a:ext>
-            </a:extLst>
-          </p:cNvPr>
-          <p:cNvSpPr>
-            <a:spLocks noGrp="1"/>
-          </p:cNvSpPr>
-          <p:nvPr>
-            <p:ph idx="1"/>
-          </p:nvPr>
-        </p:nvSpPr>
-        <p:spPr/>
-        <p:txBody>
-          <a:bodyPr/>
-          <a:lstStyle/>
-          <a:p>
-            <a:endParaRPr lang="en-DK" dirty="0"/>
-          </a:p>
-        </p:txBody>
-      </p:sp>
-      <p:sp>
-        <p:nvSpPr>
-          <p:cNvPr id="4" name="Rectangle: Rounded Corners 3">
-            <a:extLst>
-              <a:ext uri="{FF2B5EF4-FFF2-40B4-BE49-F238E27FC236}">
-                <a16:creationId xmlns:a16="http://schemas.microsoft.com/office/drawing/2014/main" id="{02261E87-E5E7-45A9-97C5-789436949573}"/>
-              </a:ext>
-            </a:extLst>
-          </p:cNvPr>
-          <p:cNvSpPr/>
-          <p:nvPr/>
-        </p:nvSpPr>
-        <p:spPr>
-          <a:xfrm>
-            <a:off x="4995512" y="3330341"/>
-            <a:ext cx="2358189" cy="1386038"/>
-          </a:xfrm>
-          <a:prstGeom prst="roundRect">
-            <a:avLst/>
-          </a:prstGeom>
-        </p:spPr>
-        <p:style>
-          <a:lnRef idx="2">
-            <a:schemeClr val="accent1">
-              <a:shade val="50000"/>
-            </a:schemeClr>
-          </a:lnRef>
-          <a:fillRef idx="1">
-            <a:schemeClr val="accent1"/>
-          </a:fillRef>
-          <a:effectRef idx="0">
-            <a:schemeClr val="accent1"/>
-          </a:effectRef>
-          <a:fontRef idx="minor">
-            <a:schemeClr val="lt1"/>
-          </a:fontRef>
-        </p:style>
-        <p:txBody>
-          <a:bodyPr rtlCol="0" anchor="ctr"/>
-          <a:lstStyle/>
-          <a:p>
-            <a:pPr algn="ctr"/>
-            <a:r>
-              <a:rPr lang="en-US" dirty="0"/>
-              <a:t>Machine Learning</a:t>
-            </a:r>
-            <a:endParaRPr lang="en-DK" dirty="0"/>
-          </a:p>
-        </p:txBody>
-      </p:sp>
-      <p:sp>
-        <p:nvSpPr>
-          <p:cNvPr id="5" name="TextBox 4">
-            <a:extLst>
-              <a:ext uri="{FF2B5EF4-FFF2-40B4-BE49-F238E27FC236}">
-                <a16:creationId xmlns:a16="http://schemas.microsoft.com/office/drawing/2014/main" id="{4C83E5E6-38BA-4CCC-B411-7CC64533E6EB}"/>
-              </a:ext>
-            </a:extLst>
-          </p:cNvPr>
-          <p:cNvSpPr txBox="1"/>
-          <p:nvPr/>
-        </p:nvSpPr>
-        <p:spPr>
-          <a:xfrm>
-            <a:off x="2322477" y="3522846"/>
-            <a:ext cx="972574" cy="369332"/>
-          </a:xfrm>
-          <a:prstGeom prst="rect">
-            <a:avLst/>
-          </a:prstGeom>
-          <a:noFill/>
-        </p:spPr>
-        <p:txBody>
-          <a:bodyPr wrap="none" rtlCol="0">
-            <a:spAutoFit/>
-          </a:bodyPr>
-          <a:lstStyle/>
-          <a:p>
-            <a:r>
-              <a:rPr lang="en-US" dirty="0"/>
-              <a:t>Answers</a:t>
-            </a:r>
-            <a:endParaRPr lang="en-DK" dirty="0"/>
-          </a:p>
-        </p:txBody>
-      </p:sp>
-      <p:sp>
-        <p:nvSpPr>
-          <p:cNvPr id="6" name="TextBox 5">
-            <a:extLst>
-              <a:ext uri="{FF2B5EF4-FFF2-40B4-BE49-F238E27FC236}">
-                <a16:creationId xmlns:a16="http://schemas.microsoft.com/office/drawing/2014/main" id="{E84D15D6-BF28-49DD-AE29-CC23B20D1F4F}"/>
-              </a:ext>
-            </a:extLst>
-          </p:cNvPr>
-          <p:cNvSpPr txBox="1"/>
-          <p:nvPr/>
-        </p:nvSpPr>
-        <p:spPr>
-          <a:xfrm>
-            <a:off x="2674497" y="4086469"/>
-            <a:ext cx="620554" cy="369332"/>
-          </a:xfrm>
-          <a:prstGeom prst="rect">
-            <a:avLst/>
-          </a:prstGeom>
-          <a:noFill/>
-        </p:spPr>
-        <p:txBody>
-          <a:bodyPr wrap="none" rtlCol="0">
-            <a:spAutoFit/>
-          </a:bodyPr>
-          <a:lstStyle/>
-          <a:p>
-            <a:r>
-              <a:rPr lang="en-US" dirty="0"/>
-              <a:t>Data</a:t>
-            </a:r>
-            <a:endParaRPr lang="en-DK" dirty="0"/>
-          </a:p>
-        </p:txBody>
-      </p:sp>
-      <p:sp>
-        <p:nvSpPr>
-          <p:cNvPr id="7" name="TextBox 6">
-            <a:extLst>
-              <a:ext uri="{FF2B5EF4-FFF2-40B4-BE49-F238E27FC236}">
-                <a16:creationId xmlns:a16="http://schemas.microsoft.com/office/drawing/2014/main" id="{0EA5FAC9-E35B-4D27-86FB-766A21EBB42F}"/>
-              </a:ext>
-            </a:extLst>
-          </p:cNvPr>
-          <p:cNvSpPr txBox="1"/>
-          <p:nvPr/>
-        </p:nvSpPr>
-        <p:spPr>
-          <a:xfrm>
-            <a:off x="9054162" y="3816628"/>
-            <a:ext cx="689612" cy="369332"/>
-          </a:xfrm>
-          <a:prstGeom prst="rect">
-            <a:avLst/>
-          </a:prstGeom>
-          <a:noFill/>
-        </p:spPr>
-        <p:txBody>
-          <a:bodyPr wrap="none" rtlCol="0">
-            <a:spAutoFit/>
-          </a:bodyPr>
-          <a:lstStyle/>
-          <a:p>
-            <a:r>
-              <a:rPr lang="en-US" dirty="0"/>
-              <a:t>Rules</a:t>
-            </a:r>
-            <a:endParaRPr lang="en-DK" dirty="0"/>
-          </a:p>
-        </p:txBody>
-      </p:sp>
-      <p:cxnSp>
-        <p:nvCxnSpPr>
-          <p:cNvPr id="9" name="Straight Arrow Connector 8">
-            <a:extLst>
-              <a:ext uri="{FF2B5EF4-FFF2-40B4-BE49-F238E27FC236}">
-                <a16:creationId xmlns:a16="http://schemas.microsoft.com/office/drawing/2014/main" id="{DBB3DE80-D66C-464F-9924-B61597EA23FA}"/>
-              </a:ext>
-            </a:extLst>
-          </p:cNvPr>
-          <p:cNvCxnSpPr/>
-          <p:nvPr/>
-        </p:nvCxnSpPr>
-        <p:spPr>
-          <a:xfrm>
-            <a:off x="3513221" y="3707512"/>
-            <a:ext cx="1183907" cy="0"/>
-          </a:xfrm>
-          <a:prstGeom prst="straightConnector1">
-            <a:avLst/>
-          </a:prstGeom>
-          <a:ln>
-            <a:tailEnd type="triangle"/>
-          </a:ln>
-        </p:spPr>
-        <p:style>
-          <a:lnRef idx="1">
-            <a:schemeClr val="accent1"/>
-          </a:lnRef>
-          <a:fillRef idx="0">
-            <a:schemeClr val="accent1"/>
-          </a:fillRef>
-          <a:effectRef idx="0">
-            <a:schemeClr val="accent1"/>
-          </a:effectRef>
-          <a:fontRef idx="minor">
-            <a:schemeClr val="tx1"/>
-          </a:fontRef>
-        </p:style>
-      </p:cxnSp>
-      <p:cxnSp>
-        <p:nvCxnSpPr>
-          <p:cNvPr id="10" name="Straight Arrow Connector 9">
-            <a:extLst>
-              <a:ext uri="{FF2B5EF4-FFF2-40B4-BE49-F238E27FC236}">
-                <a16:creationId xmlns:a16="http://schemas.microsoft.com/office/drawing/2014/main" id="{018C82E0-5577-4F2B-8967-AE8DF91A33D8}"/>
-              </a:ext>
-            </a:extLst>
-          </p:cNvPr>
-          <p:cNvCxnSpPr/>
-          <p:nvPr/>
-        </p:nvCxnSpPr>
-        <p:spPr>
-          <a:xfrm>
-            <a:off x="3513220" y="4271135"/>
-            <a:ext cx="1183907" cy="0"/>
-          </a:xfrm>
-          <a:prstGeom prst="straightConnector1">
-            <a:avLst/>
-          </a:prstGeom>
-          <a:ln>
-            <a:tailEnd type="triangle"/>
-          </a:ln>
-        </p:spPr>
-        <p:style>
-          <a:lnRef idx="1">
-            <a:schemeClr val="accent1"/>
-          </a:lnRef>
-          <a:fillRef idx="0">
-            <a:schemeClr val="accent1"/>
-          </a:fillRef>
-          <a:effectRef idx="0">
-            <a:schemeClr val="accent1"/>
-          </a:effectRef>
-          <a:fontRef idx="minor">
-            <a:schemeClr val="tx1"/>
-          </a:fontRef>
-        </p:style>
-      </p:cxnSp>
-      <p:cxnSp>
-        <p:nvCxnSpPr>
-          <p:cNvPr id="11" name="Straight Arrow Connector 10">
-            <a:extLst>
-              <a:ext uri="{FF2B5EF4-FFF2-40B4-BE49-F238E27FC236}">
-                <a16:creationId xmlns:a16="http://schemas.microsoft.com/office/drawing/2014/main" id="{184CF286-22C0-4C1A-91C3-EE983E6BCC54}"/>
-              </a:ext>
-            </a:extLst>
-          </p:cNvPr>
-          <p:cNvCxnSpPr/>
-          <p:nvPr/>
-        </p:nvCxnSpPr>
-        <p:spPr>
-          <a:xfrm>
-            <a:off x="7611978" y="4001294"/>
-            <a:ext cx="1183907" cy="0"/>
-          </a:xfrm>
-          <a:prstGeom prst="straightConnector1">
-            <a:avLst/>
-          </a:prstGeom>
-          <a:ln>
-            <a:tailEnd type="triangle"/>
-          </a:ln>
-        </p:spPr>
-        <p:style>
-          <a:lnRef idx="1">
-            <a:schemeClr val="accent1"/>
-          </a:lnRef>
-          <a:fillRef idx="0">
-            <a:schemeClr val="accent1"/>
-          </a:fillRef>
-          <a:effectRef idx="0">
-            <a:schemeClr val="accent1"/>
-          </a:effectRef>
-          <a:fontRef idx="minor">
-            <a:schemeClr val="tx1"/>
-          </a:fontRef>
-        </p:style>
-      </p:cxnSp>
-      <p:grpSp>
-        <p:nvGrpSpPr>
-          <p:cNvPr id="12" name="Group 11">
-            <a:extLst>
-              <a:ext uri="{FF2B5EF4-FFF2-40B4-BE49-F238E27FC236}">
-                <a16:creationId xmlns:a16="http://schemas.microsoft.com/office/drawing/2014/main" id="{B1F1320E-B511-42E5-B607-7419AE3DDBDF}"/>
-              </a:ext>
-            </a:extLst>
-          </p:cNvPr>
-          <p:cNvGrpSpPr/>
-          <p:nvPr/>
-        </p:nvGrpSpPr>
-        <p:grpSpPr>
-          <a:xfrm>
-            <a:off x="7487811" y="2182011"/>
-            <a:ext cx="5297585" cy="5306444"/>
-            <a:chOff x="7487811" y="2182011"/>
-            <a:chExt cx="5297585" cy="5306444"/>
-          </a:xfrm>
-        </p:grpSpPr>
-        <p:pic>
-          <p:nvPicPr>
-            <p:cNvPr id="13" name="Picture 12">
-              <a:extLst>
-                <a:ext uri="{FF2B5EF4-FFF2-40B4-BE49-F238E27FC236}">
-                  <a16:creationId xmlns:a16="http://schemas.microsoft.com/office/drawing/2014/main" id="{FE34F53D-09AD-4995-89E8-213F3399B287}"/>
-                </a:ext>
-              </a:extLst>
-            </p:cNvPr>
-            <p:cNvPicPr>
-              <a:picLocks noChangeAspect="1"/>
-            </p:cNvPicPr>
-            <p:nvPr/>
-          </p:nvPicPr>
-          <p:blipFill>
-            <a:blip r:embed="rId2">
-              <a:extLst>
-                <a:ext uri="{28A0092B-C50C-407E-A947-70E740481C1C}">
-                  <a14:useLocalDpi xmlns:a14="http://schemas.microsoft.com/office/drawing/2010/main" val="0"/>
-                </a:ext>
-              </a:extLst>
-            </a:blip>
-            <a:stretch>
-              <a:fillRect/>
-            </a:stretch>
-          </p:blipFill>
-          <p:spPr>
-            <a:xfrm>
-              <a:off x="7487811" y="2182011"/>
-              <a:ext cx="5297585" cy="5297585"/>
-            </a:xfrm>
-            <a:prstGeom prst="rect">
-              <a:avLst/>
-            </a:prstGeom>
-            <a:effectLst/>
-          </p:spPr>
-        </p:pic>
-        <p:sp>
-          <p:nvSpPr>
-            <p:cNvPr id="14" name="Rectangle 13">
-              <a:extLst>
-                <a:ext uri="{FF2B5EF4-FFF2-40B4-BE49-F238E27FC236}">
-                  <a16:creationId xmlns:a16="http://schemas.microsoft.com/office/drawing/2014/main" id="{B6AE1206-A88B-413C-9E73-8B7BFA21F761}"/>
-                </a:ext>
-              </a:extLst>
-            </p:cNvPr>
-            <p:cNvSpPr/>
-            <p:nvPr/>
-          </p:nvSpPr>
-          <p:spPr>
-            <a:xfrm>
-              <a:off x="7488455" y="2184935"/>
-              <a:ext cx="5293894" cy="5303520"/>
-            </a:xfrm>
-            <a:prstGeom prst="rect">
-              <a:avLst/>
-            </a:prstGeom>
-            <a:solidFill>
-              <a:schemeClr val="bg1">
-                <a:alpha val="89000"/>
-              </a:schemeClr>
-            </a:solidFill>
-            <a:ln>
-              <a:noFill/>
-            </a:ln>
-          </p:spPr>
-          <p:style>
-            <a:lnRef idx="2">
-              <a:schemeClr val="accent1">
-                <a:shade val="50000"/>
-              </a:schemeClr>
-            </a:lnRef>
-            <a:fillRef idx="1">
-              <a:schemeClr val="accent1"/>
-            </a:fillRef>
-            <a:effectRef idx="0">
-              <a:schemeClr val="accent1"/>
-            </a:effectRef>
-            <a:fontRef idx="minor">
-              <a:schemeClr val="lt1"/>
-            </a:fontRef>
-          </p:style>
-          <p:txBody>
-            <a:bodyPr rtlCol="0" anchor="ctr"/>
-            <a:lstStyle/>
-            <a:p>
-              <a:pPr algn="ctr"/>
-              <a:endParaRPr lang="en-DK"/>
-            </a:p>
-          </p:txBody>
-        </p:sp>
-      </p:grpSp>
-    </p:spTree>
-    <p:extLst>
-      <p:ext uri="{BB962C8B-B14F-4D97-AF65-F5344CB8AC3E}">
-        <p14:creationId xmlns:p14="http://schemas.microsoft.com/office/powerpoint/2010/main" val="1449820859"/>
-      </p:ext>
-    </p:extLst>
-  </p:cSld>
-  <p:clrMapOvr>
-    <a:masterClrMapping/>
-  </p:clrMapOvr>
-</p:sld>
-</file>
-
-<file path=ppt/slides/slide26.xml><?xml version="1.0" encoding="utf-8"?>
-<p:sld xmlns:a="http://schemas.openxmlformats.org/drawingml/2006/main" xmlns:r="http://schemas.openxmlformats.org/officeDocument/2006/relationships" xmlns:p="http://schemas.openxmlformats.org/presentationml/2006/main">
-  <p:cSld>
-    <p:spTree>
-      <p:nvGrpSpPr>
-        <p:cNvPr id="1" name=""/>
-        <p:cNvGrpSpPr/>
-        <p:nvPr/>
-      </p:nvGrpSpPr>
-      <p:grpSpPr>
-        <a:xfrm>
-          <a:off x="0" y="0"/>
-          <a:ext cx="0" cy="0"/>
-          <a:chOff x="0" y="0"/>
-          <a:chExt cx="0" cy="0"/>
-        </a:xfrm>
-      </p:grpSpPr>
-      <p:sp>
-        <p:nvSpPr>
-          <p:cNvPr id="2" name="Title 1">
-            <a:extLst>
-              <a:ext uri="{FF2B5EF4-FFF2-40B4-BE49-F238E27FC236}">
-                <a16:creationId xmlns:a16="http://schemas.microsoft.com/office/drawing/2014/main" id="{2F0BA258-D05A-4487-9A22-6A88490A64E8}"/>
-              </a:ext>
-            </a:extLst>
-          </p:cNvPr>
-          <p:cNvSpPr>
-            <a:spLocks noGrp="1"/>
-          </p:cNvSpPr>
-          <p:nvPr>
-            <p:ph type="title"/>
-          </p:nvPr>
-        </p:nvSpPr>
-        <p:spPr/>
-        <p:txBody>
-          <a:bodyPr/>
-          <a:lstStyle/>
-          <a:p>
-            <a:r>
-              <a:rPr lang="en-US" dirty="0"/>
-              <a:t>Continuous machine learning.</a:t>
-            </a:r>
-            <a:endParaRPr lang="en-DK" dirty="0"/>
-          </a:p>
-        </p:txBody>
-      </p:sp>
-      <p:sp>
-        <p:nvSpPr>
-          <p:cNvPr id="3" name="Content Placeholder 2">
-            <a:extLst>
-              <a:ext uri="{FF2B5EF4-FFF2-40B4-BE49-F238E27FC236}">
-                <a16:creationId xmlns:a16="http://schemas.microsoft.com/office/drawing/2014/main" id="{5E87FEE9-6F8E-4C1B-B45E-1C925E40EFD7}"/>
-              </a:ext>
-            </a:extLst>
-          </p:cNvPr>
-          <p:cNvSpPr>
-            <a:spLocks noGrp="1"/>
-          </p:cNvSpPr>
-          <p:nvPr>
-            <p:ph idx="1"/>
-          </p:nvPr>
-        </p:nvSpPr>
-        <p:spPr/>
-        <p:txBody>
-          <a:bodyPr/>
-          <a:lstStyle/>
-          <a:p>
-            <a:endParaRPr lang="en-DK" dirty="0"/>
-          </a:p>
-        </p:txBody>
-      </p:sp>
-      <p:sp>
-        <p:nvSpPr>
-          <p:cNvPr id="4" name="Rectangle: Rounded Corners 3">
-            <a:extLst>
-              <a:ext uri="{FF2B5EF4-FFF2-40B4-BE49-F238E27FC236}">
-                <a16:creationId xmlns:a16="http://schemas.microsoft.com/office/drawing/2014/main" id="{02261E87-E5E7-45A9-97C5-789436949573}"/>
-              </a:ext>
-            </a:extLst>
-          </p:cNvPr>
-          <p:cNvSpPr/>
-          <p:nvPr/>
-        </p:nvSpPr>
-        <p:spPr>
-          <a:xfrm>
-            <a:off x="5034013" y="2338939"/>
-            <a:ext cx="2358189" cy="1386038"/>
-          </a:xfrm>
-          <a:prstGeom prst="roundRect">
-            <a:avLst/>
-          </a:prstGeom>
-        </p:spPr>
-        <p:style>
-          <a:lnRef idx="2">
-            <a:schemeClr val="accent1">
-              <a:shade val="50000"/>
-            </a:schemeClr>
-          </a:lnRef>
-          <a:fillRef idx="1">
-            <a:schemeClr val="accent1"/>
-          </a:fillRef>
-          <a:effectRef idx="0">
-            <a:schemeClr val="accent1"/>
-          </a:effectRef>
-          <a:fontRef idx="minor">
-            <a:schemeClr val="lt1"/>
-          </a:fontRef>
-        </p:style>
-        <p:txBody>
-          <a:bodyPr rtlCol="0" anchor="ctr"/>
-          <a:lstStyle/>
-          <a:p>
-            <a:pPr algn="ctr"/>
-            <a:r>
-              <a:rPr lang="en-US" dirty="0"/>
-              <a:t>Machine Learning</a:t>
-            </a:r>
-            <a:endParaRPr lang="en-DK" dirty="0"/>
-          </a:p>
-        </p:txBody>
-      </p:sp>
-      <p:sp>
-        <p:nvSpPr>
-          <p:cNvPr id="5" name="TextBox 4">
-            <a:extLst>
-              <a:ext uri="{FF2B5EF4-FFF2-40B4-BE49-F238E27FC236}">
-                <a16:creationId xmlns:a16="http://schemas.microsoft.com/office/drawing/2014/main" id="{4C83E5E6-38BA-4CCC-B411-7CC64533E6EB}"/>
-              </a:ext>
-            </a:extLst>
-          </p:cNvPr>
-          <p:cNvSpPr txBox="1"/>
-          <p:nvPr/>
-        </p:nvSpPr>
-        <p:spPr>
-          <a:xfrm>
-            <a:off x="1576086" y="2531444"/>
-            <a:ext cx="1898790" cy="369332"/>
-          </a:xfrm>
-          <a:prstGeom prst="rect">
-            <a:avLst/>
-          </a:prstGeom>
-          <a:noFill/>
-        </p:spPr>
-        <p:txBody>
-          <a:bodyPr wrap="none" rtlCol="0">
-            <a:spAutoFit/>
-          </a:bodyPr>
-          <a:lstStyle/>
-          <a:p>
-            <a:r>
-              <a:rPr lang="en-US" dirty="0"/>
-              <a:t>Historical Answers</a:t>
-            </a:r>
-            <a:endParaRPr lang="en-DK" dirty="0"/>
-          </a:p>
-        </p:txBody>
-      </p:sp>
-      <p:sp>
-        <p:nvSpPr>
-          <p:cNvPr id="6" name="TextBox 5">
-            <a:extLst>
-              <a:ext uri="{FF2B5EF4-FFF2-40B4-BE49-F238E27FC236}">
-                <a16:creationId xmlns:a16="http://schemas.microsoft.com/office/drawing/2014/main" id="{E84D15D6-BF28-49DD-AE29-CC23B20D1F4F}"/>
-              </a:ext>
-            </a:extLst>
-          </p:cNvPr>
-          <p:cNvSpPr txBox="1"/>
-          <p:nvPr/>
-        </p:nvSpPr>
-        <p:spPr>
-          <a:xfrm>
-            <a:off x="1928106" y="3095067"/>
-            <a:ext cx="1546770" cy="369332"/>
-          </a:xfrm>
-          <a:prstGeom prst="rect">
-            <a:avLst/>
-          </a:prstGeom>
-          <a:noFill/>
-        </p:spPr>
-        <p:txBody>
-          <a:bodyPr wrap="none" rtlCol="0">
-            <a:spAutoFit/>
-          </a:bodyPr>
-          <a:lstStyle/>
-          <a:p>
-            <a:r>
-              <a:rPr lang="en-US" dirty="0"/>
-              <a:t>Historical Data</a:t>
-            </a:r>
-            <a:endParaRPr lang="en-DK" dirty="0"/>
-          </a:p>
-        </p:txBody>
-      </p:sp>
-      <p:sp>
-        <p:nvSpPr>
-          <p:cNvPr id="7" name="TextBox 6">
-            <a:extLst>
-              <a:ext uri="{FF2B5EF4-FFF2-40B4-BE49-F238E27FC236}">
-                <a16:creationId xmlns:a16="http://schemas.microsoft.com/office/drawing/2014/main" id="{0EA5FAC9-E35B-4D27-86FB-766A21EBB42F}"/>
-              </a:ext>
-            </a:extLst>
-          </p:cNvPr>
-          <p:cNvSpPr txBox="1"/>
-          <p:nvPr/>
-        </p:nvSpPr>
-        <p:spPr>
-          <a:xfrm>
-            <a:off x="9092663" y="2825226"/>
-            <a:ext cx="689612" cy="369332"/>
-          </a:xfrm>
-          <a:prstGeom prst="rect">
-            <a:avLst/>
-          </a:prstGeom>
-          <a:noFill/>
-        </p:spPr>
-        <p:txBody>
-          <a:bodyPr wrap="none" rtlCol="0">
-            <a:spAutoFit/>
-          </a:bodyPr>
-          <a:lstStyle/>
-          <a:p>
-            <a:r>
-              <a:rPr lang="en-US" dirty="0"/>
-              <a:t>Rules</a:t>
-            </a:r>
-            <a:endParaRPr lang="en-DK" dirty="0"/>
-          </a:p>
-        </p:txBody>
-      </p:sp>
-      <p:cxnSp>
-        <p:nvCxnSpPr>
-          <p:cNvPr id="9" name="Straight Arrow Connector 8">
-            <a:extLst>
-              <a:ext uri="{FF2B5EF4-FFF2-40B4-BE49-F238E27FC236}">
-                <a16:creationId xmlns:a16="http://schemas.microsoft.com/office/drawing/2014/main" id="{DBB3DE80-D66C-464F-9924-B61597EA23FA}"/>
-              </a:ext>
-            </a:extLst>
-          </p:cNvPr>
-          <p:cNvCxnSpPr/>
-          <p:nvPr/>
-        </p:nvCxnSpPr>
-        <p:spPr>
-          <a:xfrm>
-            <a:off x="3551722" y="2716110"/>
-            <a:ext cx="1183907" cy="0"/>
-          </a:xfrm>
-          <a:prstGeom prst="straightConnector1">
-            <a:avLst/>
-          </a:prstGeom>
-          <a:ln>
-            <a:tailEnd type="triangle"/>
-          </a:ln>
-        </p:spPr>
-        <p:style>
-          <a:lnRef idx="1">
-            <a:schemeClr val="accent1"/>
-          </a:lnRef>
-          <a:fillRef idx="0">
-            <a:schemeClr val="accent1"/>
-          </a:fillRef>
-          <a:effectRef idx="0">
-            <a:schemeClr val="accent1"/>
-          </a:effectRef>
-          <a:fontRef idx="minor">
-            <a:schemeClr val="tx1"/>
-          </a:fontRef>
-        </p:style>
-      </p:cxnSp>
-      <p:cxnSp>
-        <p:nvCxnSpPr>
-          <p:cNvPr id="10" name="Straight Arrow Connector 9">
-            <a:extLst>
-              <a:ext uri="{FF2B5EF4-FFF2-40B4-BE49-F238E27FC236}">
-                <a16:creationId xmlns:a16="http://schemas.microsoft.com/office/drawing/2014/main" id="{018C82E0-5577-4F2B-8967-AE8DF91A33D8}"/>
-              </a:ext>
-            </a:extLst>
-          </p:cNvPr>
-          <p:cNvCxnSpPr/>
-          <p:nvPr/>
-        </p:nvCxnSpPr>
-        <p:spPr>
-          <a:xfrm>
-            <a:off x="3551721" y="3279733"/>
-            <a:ext cx="1183907" cy="0"/>
-          </a:xfrm>
-          <a:prstGeom prst="straightConnector1">
-            <a:avLst/>
-          </a:prstGeom>
-          <a:ln>
-            <a:tailEnd type="triangle"/>
-          </a:ln>
-        </p:spPr>
-        <p:style>
-          <a:lnRef idx="1">
-            <a:schemeClr val="accent1"/>
-          </a:lnRef>
-          <a:fillRef idx="0">
-            <a:schemeClr val="accent1"/>
-          </a:fillRef>
-          <a:effectRef idx="0">
-            <a:schemeClr val="accent1"/>
-          </a:effectRef>
-          <a:fontRef idx="minor">
-            <a:schemeClr val="tx1"/>
-          </a:fontRef>
-        </p:style>
-      </p:cxnSp>
-      <p:cxnSp>
-        <p:nvCxnSpPr>
-          <p:cNvPr id="11" name="Straight Arrow Connector 10">
-            <a:extLst>
-              <a:ext uri="{FF2B5EF4-FFF2-40B4-BE49-F238E27FC236}">
-                <a16:creationId xmlns:a16="http://schemas.microsoft.com/office/drawing/2014/main" id="{184CF286-22C0-4C1A-91C3-EE983E6BCC54}"/>
-              </a:ext>
-            </a:extLst>
-          </p:cNvPr>
-          <p:cNvCxnSpPr/>
-          <p:nvPr/>
-        </p:nvCxnSpPr>
-        <p:spPr>
-          <a:xfrm>
-            <a:off x="7650479" y="3009892"/>
-            <a:ext cx="1183907" cy="0"/>
-          </a:xfrm>
-          <a:prstGeom prst="straightConnector1">
-            <a:avLst/>
-          </a:prstGeom>
-          <a:ln>
-            <a:tailEnd type="triangle"/>
-          </a:ln>
-        </p:spPr>
-        <p:style>
-          <a:lnRef idx="1">
-            <a:schemeClr val="accent1"/>
-          </a:lnRef>
-          <a:fillRef idx="0">
-            <a:schemeClr val="accent1"/>
-          </a:fillRef>
-          <a:effectRef idx="0">
-            <a:schemeClr val="accent1"/>
-          </a:effectRef>
-          <a:fontRef idx="minor">
-            <a:schemeClr val="tx1"/>
-          </a:fontRef>
-        </p:style>
-      </p:cxnSp>
-      <p:sp>
-        <p:nvSpPr>
-          <p:cNvPr id="12" name="Rectangle: Rounded Corners 11">
-            <a:extLst>
-              <a:ext uri="{FF2B5EF4-FFF2-40B4-BE49-F238E27FC236}">
-                <a16:creationId xmlns:a16="http://schemas.microsoft.com/office/drawing/2014/main" id="{7A9B37A6-C484-4FD0-BF09-EF9F2802B37A}"/>
-              </a:ext>
-            </a:extLst>
-          </p:cNvPr>
-          <p:cNvSpPr/>
-          <p:nvPr/>
-        </p:nvSpPr>
-        <p:spPr>
-          <a:xfrm>
-            <a:off x="5034013" y="4288599"/>
-            <a:ext cx="2358189" cy="1386038"/>
-          </a:xfrm>
-          <a:prstGeom prst="roundRect">
-            <a:avLst/>
-          </a:prstGeom>
-        </p:spPr>
-        <p:style>
-          <a:lnRef idx="2">
-            <a:schemeClr val="accent1">
-              <a:shade val="50000"/>
-            </a:schemeClr>
-          </a:lnRef>
-          <a:fillRef idx="1">
-            <a:schemeClr val="accent1"/>
-          </a:fillRef>
-          <a:effectRef idx="0">
-            <a:schemeClr val="accent1"/>
-          </a:effectRef>
-          <a:fontRef idx="minor">
-            <a:schemeClr val="lt1"/>
-          </a:fontRef>
-        </p:style>
-        <p:txBody>
-          <a:bodyPr rtlCol="0" anchor="ctr"/>
-          <a:lstStyle/>
-          <a:p>
-            <a:pPr algn="ctr"/>
-            <a:r>
-              <a:rPr lang="en-US" dirty="0"/>
-              <a:t>Machine Execution</a:t>
-            </a:r>
-            <a:endParaRPr lang="en-DK" dirty="0"/>
-          </a:p>
-        </p:txBody>
-      </p:sp>
-      <p:sp>
-        <p:nvSpPr>
-          <p:cNvPr id="13" name="TextBox 12">
-            <a:extLst>
-              <a:ext uri="{FF2B5EF4-FFF2-40B4-BE49-F238E27FC236}">
-                <a16:creationId xmlns:a16="http://schemas.microsoft.com/office/drawing/2014/main" id="{515B66EC-3DD8-4553-A342-EC306EACBF98}"/>
-              </a:ext>
-            </a:extLst>
-          </p:cNvPr>
-          <p:cNvSpPr txBox="1"/>
-          <p:nvPr/>
-        </p:nvSpPr>
-        <p:spPr>
-          <a:xfrm>
-            <a:off x="2643940" y="4451349"/>
-            <a:ext cx="689612" cy="369332"/>
-          </a:xfrm>
-          <a:prstGeom prst="rect">
-            <a:avLst/>
-          </a:prstGeom>
-          <a:noFill/>
-        </p:spPr>
-        <p:txBody>
-          <a:bodyPr wrap="none" rtlCol="0">
-            <a:spAutoFit/>
-          </a:bodyPr>
-          <a:lstStyle/>
-          <a:p>
-            <a:r>
-              <a:rPr lang="en-US" dirty="0"/>
-              <a:t>Rules</a:t>
-            </a:r>
-            <a:endParaRPr lang="en-DK" dirty="0"/>
-          </a:p>
-        </p:txBody>
-      </p:sp>
-      <p:sp>
-        <p:nvSpPr>
-          <p:cNvPr id="14" name="TextBox 13">
-            <a:extLst>
-              <a:ext uri="{FF2B5EF4-FFF2-40B4-BE49-F238E27FC236}">
-                <a16:creationId xmlns:a16="http://schemas.microsoft.com/office/drawing/2014/main" id="{093B9B38-DD58-4316-B4AD-BC0D593E4E02}"/>
-              </a:ext>
-            </a:extLst>
-          </p:cNvPr>
-          <p:cNvSpPr txBox="1"/>
-          <p:nvPr/>
-        </p:nvSpPr>
-        <p:spPr>
-          <a:xfrm>
-            <a:off x="2231647" y="5044727"/>
-            <a:ext cx="1101905" cy="369332"/>
-          </a:xfrm>
-          <a:prstGeom prst="rect">
-            <a:avLst/>
-          </a:prstGeom>
-          <a:noFill/>
-        </p:spPr>
-        <p:txBody>
-          <a:bodyPr wrap="none" rtlCol="0">
-            <a:spAutoFit/>
-          </a:bodyPr>
-          <a:lstStyle/>
-          <a:p>
-            <a:r>
-              <a:rPr lang="en-US" dirty="0"/>
-              <a:t>New Data</a:t>
-            </a:r>
-            <a:endParaRPr lang="en-DK" dirty="0"/>
-          </a:p>
-        </p:txBody>
-      </p:sp>
-      <p:sp>
-        <p:nvSpPr>
-          <p:cNvPr id="15" name="TextBox 14">
-            <a:extLst>
-              <a:ext uri="{FF2B5EF4-FFF2-40B4-BE49-F238E27FC236}">
-                <a16:creationId xmlns:a16="http://schemas.microsoft.com/office/drawing/2014/main" id="{41ECF5AB-D8D8-49F4-BCE5-3408427E5A53}"/>
-              </a:ext>
-            </a:extLst>
-          </p:cNvPr>
-          <p:cNvSpPr txBox="1"/>
-          <p:nvPr/>
-        </p:nvSpPr>
-        <p:spPr>
-          <a:xfrm>
-            <a:off x="9092663" y="4774886"/>
-            <a:ext cx="972574" cy="369332"/>
-          </a:xfrm>
-          <a:prstGeom prst="rect">
-            <a:avLst/>
-          </a:prstGeom>
-          <a:noFill/>
-        </p:spPr>
-        <p:txBody>
-          <a:bodyPr wrap="none" rtlCol="0">
-            <a:spAutoFit/>
-          </a:bodyPr>
-          <a:lstStyle/>
-          <a:p>
-            <a:r>
-              <a:rPr lang="en-US" dirty="0"/>
-              <a:t>Answers</a:t>
-            </a:r>
-            <a:endParaRPr lang="en-DK" dirty="0"/>
-          </a:p>
-        </p:txBody>
-      </p:sp>
-      <p:cxnSp>
-        <p:nvCxnSpPr>
-          <p:cNvPr id="16" name="Straight Arrow Connector 15">
-            <a:extLst>
-              <a:ext uri="{FF2B5EF4-FFF2-40B4-BE49-F238E27FC236}">
-                <a16:creationId xmlns:a16="http://schemas.microsoft.com/office/drawing/2014/main" id="{D5266BE9-0C7A-4A1A-BACF-88E179588B39}"/>
-              </a:ext>
-            </a:extLst>
-          </p:cNvPr>
-          <p:cNvCxnSpPr/>
-          <p:nvPr/>
-        </p:nvCxnSpPr>
-        <p:spPr>
-          <a:xfrm>
-            <a:off x="3551722" y="4665770"/>
-            <a:ext cx="1183907" cy="0"/>
-          </a:xfrm>
-          <a:prstGeom prst="straightConnector1">
-            <a:avLst/>
-          </a:prstGeom>
-          <a:ln>
-            <a:tailEnd type="triangle"/>
-          </a:ln>
-        </p:spPr>
-        <p:style>
-          <a:lnRef idx="1">
-            <a:schemeClr val="accent1"/>
-          </a:lnRef>
-          <a:fillRef idx="0">
-            <a:schemeClr val="accent1"/>
-          </a:fillRef>
-          <a:effectRef idx="0">
-            <a:schemeClr val="accent1"/>
-          </a:effectRef>
-          <a:fontRef idx="minor">
-            <a:schemeClr val="tx1"/>
-          </a:fontRef>
-        </p:style>
-      </p:cxnSp>
-      <p:cxnSp>
-        <p:nvCxnSpPr>
-          <p:cNvPr id="17" name="Straight Arrow Connector 16">
-            <a:extLst>
-              <a:ext uri="{FF2B5EF4-FFF2-40B4-BE49-F238E27FC236}">
-                <a16:creationId xmlns:a16="http://schemas.microsoft.com/office/drawing/2014/main" id="{69924798-1A07-4CF0-80B5-DBEEFBCBF74D}"/>
-              </a:ext>
-            </a:extLst>
-          </p:cNvPr>
-          <p:cNvCxnSpPr/>
-          <p:nvPr/>
-        </p:nvCxnSpPr>
-        <p:spPr>
-          <a:xfrm>
-            <a:off x="3551721" y="5229393"/>
-            <a:ext cx="1183907" cy="0"/>
-          </a:xfrm>
-          <a:prstGeom prst="straightConnector1">
-            <a:avLst/>
-          </a:prstGeom>
-          <a:ln>
-            <a:tailEnd type="triangle"/>
-          </a:ln>
-        </p:spPr>
-        <p:style>
-          <a:lnRef idx="1">
-            <a:schemeClr val="accent1"/>
-          </a:lnRef>
-          <a:fillRef idx="0">
-            <a:schemeClr val="accent1"/>
-          </a:fillRef>
-          <a:effectRef idx="0">
-            <a:schemeClr val="accent1"/>
-          </a:effectRef>
-          <a:fontRef idx="minor">
-            <a:schemeClr val="tx1"/>
-          </a:fontRef>
-        </p:style>
-      </p:cxnSp>
-      <p:cxnSp>
-        <p:nvCxnSpPr>
-          <p:cNvPr id="18" name="Straight Arrow Connector 17">
-            <a:extLst>
-              <a:ext uri="{FF2B5EF4-FFF2-40B4-BE49-F238E27FC236}">
-                <a16:creationId xmlns:a16="http://schemas.microsoft.com/office/drawing/2014/main" id="{F06A8E21-A8EF-45BA-8A34-7087B0E038AB}"/>
-              </a:ext>
-            </a:extLst>
-          </p:cNvPr>
-          <p:cNvCxnSpPr/>
-          <p:nvPr/>
-        </p:nvCxnSpPr>
-        <p:spPr>
-          <a:xfrm>
-            <a:off x="7650479" y="4959552"/>
-            <a:ext cx="1183907" cy="0"/>
-          </a:xfrm>
-          <a:prstGeom prst="straightConnector1">
-            <a:avLst/>
-          </a:prstGeom>
-          <a:ln>
-            <a:tailEnd type="triangle"/>
-          </a:ln>
-        </p:spPr>
-        <p:style>
-          <a:lnRef idx="1">
-            <a:schemeClr val="accent1"/>
-          </a:lnRef>
-          <a:fillRef idx="0">
-            <a:schemeClr val="accent1"/>
-          </a:fillRef>
-          <a:effectRef idx="0">
-            <a:schemeClr val="accent1"/>
-          </a:effectRef>
-          <a:fontRef idx="minor">
-            <a:schemeClr val="tx1"/>
-          </a:fontRef>
-        </p:style>
-      </p:cxnSp>
-      <p:cxnSp>
-        <p:nvCxnSpPr>
-          <p:cNvPr id="19" name="Straight Arrow Connector 18">
-            <a:extLst>
-              <a:ext uri="{FF2B5EF4-FFF2-40B4-BE49-F238E27FC236}">
-                <a16:creationId xmlns:a16="http://schemas.microsoft.com/office/drawing/2014/main" id="{14A7125C-0EE0-4960-BFD2-84A0CAC8AD08}"/>
-              </a:ext>
-            </a:extLst>
-          </p:cNvPr>
-          <p:cNvCxnSpPr>
-            <a:cxnSpLocks/>
-          </p:cNvCxnSpPr>
-          <p:nvPr/>
-        </p:nvCxnSpPr>
-        <p:spPr>
-          <a:xfrm>
-            <a:off x="1928105" y="4636015"/>
-            <a:ext cx="591954" cy="0"/>
-          </a:xfrm>
-          <a:prstGeom prst="straightConnector1">
-            <a:avLst/>
-          </a:prstGeom>
-          <a:ln>
-            <a:tailEnd type="triangle"/>
-          </a:ln>
-        </p:spPr>
-        <p:style>
-          <a:lnRef idx="1">
-            <a:schemeClr val="accent1"/>
-          </a:lnRef>
-          <a:fillRef idx="0">
-            <a:schemeClr val="accent1"/>
-          </a:fillRef>
-          <a:effectRef idx="0">
-            <a:schemeClr val="accent1"/>
-          </a:effectRef>
-          <a:fontRef idx="minor">
-            <a:schemeClr val="tx1"/>
-          </a:fontRef>
-        </p:style>
-      </p:cxnSp>
-      <p:cxnSp>
-        <p:nvCxnSpPr>
-          <p:cNvPr id="20" name="Straight Connector 19">
-            <a:extLst>
-              <a:ext uri="{FF2B5EF4-FFF2-40B4-BE49-F238E27FC236}">
-                <a16:creationId xmlns:a16="http://schemas.microsoft.com/office/drawing/2014/main" id="{8C0C4EEA-2542-46E6-99F9-7DE1C5D77EC4}"/>
-              </a:ext>
-            </a:extLst>
-          </p:cNvPr>
-          <p:cNvCxnSpPr>
-            <a:cxnSpLocks/>
-          </p:cNvCxnSpPr>
-          <p:nvPr/>
-        </p:nvCxnSpPr>
-        <p:spPr>
-          <a:xfrm>
-            <a:off x="10065237" y="3009892"/>
-            <a:ext cx="657306" cy="0"/>
-          </a:xfrm>
-          <a:prstGeom prst="line">
-            <a:avLst/>
-          </a:prstGeom>
-        </p:spPr>
-        <p:style>
-          <a:lnRef idx="1">
-            <a:schemeClr val="accent1"/>
-          </a:lnRef>
-          <a:fillRef idx="0">
-            <a:schemeClr val="accent1"/>
-          </a:fillRef>
-          <a:effectRef idx="0">
-            <a:schemeClr val="accent1"/>
-          </a:effectRef>
-          <a:fontRef idx="minor">
-            <a:schemeClr val="tx1"/>
-          </a:fontRef>
-        </p:style>
-      </p:cxnSp>
-      <p:cxnSp>
-        <p:nvCxnSpPr>
-          <p:cNvPr id="22" name="Straight Connector 21">
-            <a:extLst>
-              <a:ext uri="{FF2B5EF4-FFF2-40B4-BE49-F238E27FC236}">
-                <a16:creationId xmlns:a16="http://schemas.microsoft.com/office/drawing/2014/main" id="{A848E67D-D221-4202-AB77-D67B082F7ABD}"/>
-              </a:ext>
-            </a:extLst>
-          </p:cNvPr>
-          <p:cNvCxnSpPr>
-            <a:cxnSpLocks/>
-          </p:cNvCxnSpPr>
-          <p:nvPr/>
-        </p:nvCxnSpPr>
-        <p:spPr>
-          <a:xfrm>
-            <a:off x="10722543" y="3009892"/>
-            <a:ext cx="0" cy="991402"/>
-          </a:xfrm>
-          <a:prstGeom prst="line">
-            <a:avLst/>
-          </a:prstGeom>
-        </p:spPr>
-        <p:style>
-          <a:lnRef idx="1">
-            <a:schemeClr val="accent1"/>
-          </a:lnRef>
-          <a:fillRef idx="0">
-            <a:schemeClr val="accent1"/>
-          </a:fillRef>
-          <a:effectRef idx="0">
-            <a:schemeClr val="accent1"/>
-          </a:effectRef>
-          <a:fontRef idx="minor">
-            <a:schemeClr val="tx1"/>
-          </a:fontRef>
-        </p:style>
-      </p:cxnSp>
-      <p:cxnSp>
-        <p:nvCxnSpPr>
-          <p:cNvPr id="26" name="Straight Connector 25">
-            <a:extLst>
-              <a:ext uri="{FF2B5EF4-FFF2-40B4-BE49-F238E27FC236}">
-                <a16:creationId xmlns:a16="http://schemas.microsoft.com/office/drawing/2014/main" id="{511F49E2-5C0E-41A7-924D-4B58F63744FA}"/>
-              </a:ext>
-            </a:extLst>
-          </p:cNvPr>
-          <p:cNvCxnSpPr>
-            <a:cxnSpLocks/>
-          </p:cNvCxnSpPr>
-          <p:nvPr/>
-        </p:nvCxnSpPr>
-        <p:spPr>
-          <a:xfrm flipH="1">
-            <a:off x="1928105" y="4001294"/>
-            <a:ext cx="8794438" cy="20233"/>
-          </a:xfrm>
-          <a:prstGeom prst="line">
-            <a:avLst/>
-          </a:prstGeom>
-        </p:spPr>
-        <p:style>
-          <a:lnRef idx="1">
-            <a:schemeClr val="accent1"/>
-          </a:lnRef>
-          <a:fillRef idx="0">
-            <a:schemeClr val="accent1"/>
-          </a:fillRef>
-          <a:effectRef idx="0">
-            <a:schemeClr val="accent1"/>
-          </a:effectRef>
-          <a:fontRef idx="minor">
-            <a:schemeClr val="tx1"/>
-          </a:fontRef>
-        </p:style>
-      </p:cxnSp>
-      <p:cxnSp>
-        <p:nvCxnSpPr>
-          <p:cNvPr id="29" name="Straight Connector 28">
-            <a:extLst>
-              <a:ext uri="{FF2B5EF4-FFF2-40B4-BE49-F238E27FC236}">
-                <a16:creationId xmlns:a16="http://schemas.microsoft.com/office/drawing/2014/main" id="{C511A055-6226-4E36-913E-B2EBD7D64C39}"/>
-              </a:ext>
-            </a:extLst>
-          </p:cNvPr>
-          <p:cNvCxnSpPr>
-            <a:cxnSpLocks/>
-          </p:cNvCxnSpPr>
-          <p:nvPr/>
-        </p:nvCxnSpPr>
-        <p:spPr>
-          <a:xfrm flipV="1">
-            <a:off x="1928105" y="4036983"/>
-            <a:ext cx="0" cy="599032"/>
-          </a:xfrm>
-          <a:prstGeom prst="line">
-            <a:avLst/>
-          </a:prstGeom>
-        </p:spPr>
-        <p:style>
-          <a:lnRef idx="1">
-            <a:schemeClr val="accent1"/>
-          </a:lnRef>
-          <a:fillRef idx="0">
-            <a:schemeClr val="accent1"/>
-          </a:fillRef>
-          <a:effectRef idx="0">
-            <a:schemeClr val="accent1"/>
-          </a:effectRef>
-          <a:fontRef idx="minor">
-            <a:schemeClr val="tx1"/>
-          </a:fontRef>
-        </p:style>
-      </p:cxnSp>
-      <p:cxnSp>
-        <p:nvCxnSpPr>
-          <p:cNvPr id="34" name="Straight Arrow Connector 33">
-            <a:extLst>
-              <a:ext uri="{FF2B5EF4-FFF2-40B4-BE49-F238E27FC236}">
-                <a16:creationId xmlns:a16="http://schemas.microsoft.com/office/drawing/2014/main" id="{A078943F-B007-4A58-8109-F3DB5183917A}"/>
-              </a:ext>
-            </a:extLst>
-          </p:cNvPr>
-          <p:cNvCxnSpPr>
-            <a:cxnSpLocks/>
-          </p:cNvCxnSpPr>
-          <p:nvPr/>
-        </p:nvCxnSpPr>
-        <p:spPr>
-          <a:xfrm>
-            <a:off x="984132" y="2716110"/>
-            <a:ext cx="591954" cy="0"/>
-          </a:xfrm>
-          <a:prstGeom prst="straightConnector1">
-            <a:avLst/>
-          </a:prstGeom>
-          <a:ln>
-            <a:tailEnd type="triangle"/>
-          </a:ln>
-        </p:spPr>
-        <p:style>
-          <a:lnRef idx="1">
-            <a:schemeClr val="accent1"/>
-          </a:lnRef>
-          <a:fillRef idx="0">
-            <a:schemeClr val="accent1"/>
-          </a:fillRef>
-          <a:effectRef idx="0">
-            <a:schemeClr val="accent1"/>
-          </a:effectRef>
-          <a:fontRef idx="minor">
-            <a:schemeClr val="tx1"/>
-          </a:fontRef>
-        </p:style>
-      </p:cxnSp>
-      <p:cxnSp>
-        <p:nvCxnSpPr>
-          <p:cNvPr id="35" name="Straight Connector 34">
-            <a:extLst>
-              <a:ext uri="{FF2B5EF4-FFF2-40B4-BE49-F238E27FC236}">
-                <a16:creationId xmlns:a16="http://schemas.microsoft.com/office/drawing/2014/main" id="{9FF803B8-4480-48A8-BC36-D026F777ADD5}"/>
-              </a:ext>
-            </a:extLst>
-          </p:cNvPr>
-          <p:cNvCxnSpPr>
-            <a:cxnSpLocks/>
-          </p:cNvCxnSpPr>
-          <p:nvPr/>
-        </p:nvCxnSpPr>
-        <p:spPr>
-          <a:xfrm flipH="1" flipV="1">
-            <a:off x="984132" y="2716111"/>
-            <a:ext cx="26021" cy="3203426"/>
-          </a:xfrm>
-          <a:prstGeom prst="line">
-            <a:avLst/>
-          </a:prstGeom>
-        </p:spPr>
-        <p:style>
-          <a:lnRef idx="1">
-            <a:schemeClr val="accent1"/>
-          </a:lnRef>
-          <a:fillRef idx="0">
-            <a:schemeClr val="accent1"/>
-          </a:fillRef>
-          <a:effectRef idx="0">
-            <a:schemeClr val="accent1"/>
-          </a:effectRef>
-          <a:fontRef idx="minor">
-            <a:schemeClr val="tx1"/>
-          </a:fontRef>
-        </p:style>
-      </p:cxnSp>
-      <p:cxnSp>
-        <p:nvCxnSpPr>
-          <p:cNvPr id="38" name="Straight Connector 37">
-            <a:extLst>
-              <a:ext uri="{FF2B5EF4-FFF2-40B4-BE49-F238E27FC236}">
-                <a16:creationId xmlns:a16="http://schemas.microsoft.com/office/drawing/2014/main" id="{6F6508BE-27C3-4E24-B02D-45DEC9A479A8}"/>
-              </a:ext>
-            </a:extLst>
-          </p:cNvPr>
-          <p:cNvCxnSpPr>
-            <a:cxnSpLocks/>
-          </p:cNvCxnSpPr>
-          <p:nvPr/>
-        </p:nvCxnSpPr>
-        <p:spPr>
-          <a:xfrm flipH="1">
-            <a:off x="1010153" y="5864072"/>
-            <a:ext cx="9712390" cy="51611"/>
-          </a:xfrm>
-          <a:prstGeom prst="line">
-            <a:avLst/>
-          </a:prstGeom>
-        </p:spPr>
-        <p:style>
-          <a:lnRef idx="1">
-            <a:schemeClr val="accent1"/>
-          </a:lnRef>
-          <a:fillRef idx="0">
-            <a:schemeClr val="accent1"/>
-          </a:fillRef>
-          <a:effectRef idx="0">
-            <a:schemeClr val="accent1"/>
-          </a:effectRef>
-          <a:fontRef idx="minor">
-            <a:schemeClr val="tx1"/>
-          </a:fontRef>
-        </p:style>
-      </p:cxnSp>
-      <p:cxnSp>
-        <p:nvCxnSpPr>
-          <p:cNvPr id="41" name="Straight Connector 40">
-            <a:extLst>
-              <a:ext uri="{FF2B5EF4-FFF2-40B4-BE49-F238E27FC236}">
-                <a16:creationId xmlns:a16="http://schemas.microsoft.com/office/drawing/2014/main" id="{B80C6309-44D4-448D-A813-9304BB739287}"/>
-              </a:ext>
-            </a:extLst>
-          </p:cNvPr>
-          <p:cNvCxnSpPr>
-            <a:cxnSpLocks/>
-          </p:cNvCxnSpPr>
-          <p:nvPr/>
-        </p:nvCxnSpPr>
-        <p:spPr>
-          <a:xfrm flipV="1">
-            <a:off x="10722543" y="4939319"/>
-            <a:ext cx="0" cy="920899"/>
-          </a:xfrm>
-          <a:prstGeom prst="line">
-            <a:avLst/>
-          </a:prstGeom>
-        </p:spPr>
-        <p:style>
-          <a:lnRef idx="1">
-            <a:schemeClr val="accent1"/>
-          </a:lnRef>
-          <a:fillRef idx="0">
-            <a:schemeClr val="accent1"/>
-          </a:fillRef>
-          <a:effectRef idx="0">
-            <a:schemeClr val="accent1"/>
-          </a:effectRef>
-          <a:fontRef idx="minor">
-            <a:schemeClr val="tx1"/>
-          </a:fontRef>
-        </p:style>
-      </p:cxnSp>
-      <p:cxnSp>
-        <p:nvCxnSpPr>
-          <p:cNvPr id="44" name="Straight Connector 43">
-            <a:extLst>
-              <a:ext uri="{FF2B5EF4-FFF2-40B4-BE49-F238E27FC236}">
-                <a16:creationId xmlns:a16="http://schemas.microsoft.com/office/drawing/2014/main" id="{D44D3A66-4A63-4494-8DCF-CE5B59CE78B5}"/>
-              </a:ext>
-            </a:extLst>
-          </p:cNvPr>
-          <p:cNvCxnSpPr>
-            <a:cxnSpLocks/>
-          </p:cNvCxnSpPr>
-          <p:nvPr/>
-        </p:nvCxnSpPr>
-        <p:spPr>
-          <a:xfrm>
-            <a:off x="10250905" y="4935466"/>
-            <a:ext cx="471638" cy="0"/>
-          </a:xfrm>
-          <a:prstGeom prst="line">
-            <a:avLst/>
-          </a:prstGeom>
-        </p:spPr>
-        <p:style>
-          <a:lnRef idx="1">
-            <a:schemeClr val="accent1"/>
-          </a:lnRef>
-          <a:fillRef idx="0">
-            <a:schemeClr val="accent1"/>
-          </a:fillRef>
-          <a:effectRef idx="0">
-            <a:schemeClr val="accent1"/>
-          </a:effectRef>
-          <a:fontRef idx="minor">
-            <a:schemeClr val="tx1"/>
-          </a:fontRef>
-        </p:style>
-      </p:cxnSp>
-      <p:grpSp>
-        <p:nvGrpSpPr>
-          <p:cNvPr id="28" name="Group 27">
-            <a:extLst>
-              <a:ext uri="{FF2B5EF4-FFF2-40B4-BE49-F238E27FC236}">
-                <a16:creationId xmlns:a16="http://schemas.microsoft.com/office/drawing/2014/main" id="{420A10DB-9774-45F5-851A-13D155764693}"/>
-              </a:ext>
-            </a:extLst>
-          </p:cNvPr>
-          <p:cNvGrpSpPr/>
-          <p:nvPr/>
-        </p:nvGrpSpPr>
-        <p:grpSpPr>
-          <a:xfrm>
-            <a:off x="7487811" y="2182011"/>
-            <a:ext cx="5297585" cy="5306444"/>
-            <a:chOff x="7487811" y="2182011"/>
-            <a:chExt cx="5297585" cy="5306444"/>
-          </a:xfrm>
-        </p:grpSpPr>
-        <p:pic>
-          <p:nvPicPr>
-            <p:cNvPr id="30" name="Picture 29">
-              <a:extLst>
-                <a:ext uri="{FF2B5EF4-FFF2-40B4-BE49-F238E27FC236}">
-                  <a16:creationId xmlns:a16="http://schemas.microsoft.com/office/drawing/2014/main" id="{D8486B29-3585-40CE-9DA3-5FDF7052B7AB}"/>
-                </a:ext>
-              </a:extLst>
-            </p:cNvPr>
-            <p:cNvPicPr>
-              <a:picLocks noChangeAspect="1"/>
-            </p:cNvPicPr>
-            <p:nvPr/>
-          </p:nvPicPr>
-          <p:blipFill>
-            <a:blip r:embed="rId2">
-              <a:extLst>
-                <a:ext uri="{28A0092B-C50C-407E-A947-70E740481C1C}">
-                  <a14:useLocalDpi xmlns:a14="http://schemas.microsoft.com/office/drawing/2010/main" val="0"/>
-                </a:ext>
-              </a:extLst>
-            </a:blip>
-            <a:stretch>
-              <a:fillRect/>
-            </a:stretch>
-          </p:blipFill>
-          <p:spPr>
-            <a:xfrm>
-              <a:off x="7487811" y="2182011"/>
-              <a:ext cx="5297585" cy="5297585"/>
-            </a:xfrm>
-            <a:prstGeom prst="rect">
-              <a:avLst/>
-            </a:prstGeom>
-            <a:effectLst/>
-          </p:spPr>
-        </p:pic>
-        <p:sp>
-          <p:nvSpPr>
-            <p:cNvPr id="31" name="Rectangle 30">
-              <a:extLst>
-                <a:ext uri="{FF2B5EF4-FFF2-40B4-BE49-F238E27FC236}">
-                  <a16:creationId xmlns:a16="http://schemas.microsoft.com/office/drawing/2014/main" id="{EA84EE93-F6ED-4457-85ED-756C27E4796E}"/>
-                </a:ext>
-              </a:extLst>
-            </p:cNvPr>
-            <p:cNvSpPr/>
-            <p:nvPr/>
-          </p:nvSpPr>
-          <p:spPr>
-            <a:xfrm>
-              <a:off x="7488455" y="2184935"/>
-              <a:ext cx="5293894" cy="5303520"/>
-            </a:xfrm>
-            <a:prstGeom prst="rect">
-              <a:avLst/>
-            </a:prstGeom>
-            <a:solidFill>
-              <a:schemeClr val="bg1">
-                <a:alpha val="89000"/>
-              </a:schemeClr>
-            </a:solidFill>
-            <a:ln>
-              <a:noFill/>
-            </a:ln>
-          </p:spPr>
-          <p:style>
-            <a:lnRef idx="2">
-              <a:schemeClr val="accent1">
-                <a:shade val="50000"/>
-              </a:schemeClr>
-            </a:lnRef>
-            <a:fillRef idx="1">
-              <a:schemeClr val="accent1"/>
-            </a:fillRef>
-            <a:effectRef idx="0">
-              <a:schemeClr val="accent1"/>
-            </a:effectRef>
-            <a:fontRef idx="minor">
-              <a:schemeClr val="lt1"/>
-            </a:fontRef>
-          </p:style>
-          <p:txBody>
-            <a:bodyPr rtlCol="0" anchor="ctr"/>
-            <a:lstStyle/>
-            <a:p>
-              <a:pPr algn="ctr"/>
-              <a:endParaRPr lang="en-DK"/>
-            </a:p>
-          </p:txBody>
-        </p:sp>
-      </p:grpSp>
-    </p:spTree>
-    <p:extLst>
-      <p:ext uri="{BB962C8B-B14F-4D97-AF65-F5344CB8AC3E}">
-        <p14:creationId xmlns:p14="http://schemas.microsoft.com/office/powerpoint/2010/main" val="2881475809"/>
-      </p:ext>
-    </p:extLst>
-  </p:cSld>
-  <p:clrMapOvr>
-    <a:masterClrMapping/>
-  </p:clrMapOvr>
-</p:sld>
-</file>
-
-<file path=ppt/slides/slide27.xml><?xml version="1.0" encoding="utf-8"?>
-<p:sld xmlns:a="http://schemas.openxmlformats.org/drawingml/2006/main" xmlns:r="http://schemas.openxmlformats.org/officeDocument/2006/relationships" xmlns:p="http://schemas.openxmlformats.org/presentationml/2006/main">
-  <p:cSld>
-    <p:spTree>
-      <p:nvGrpSpPr>
-        <p:cNvPr id="1" name=""/>
-        <p:cNvGrpSpPr/>
-        <p:nvPr/>
-      </p:nvGrpSpPr>
-      <p:grpSpPr>
-        <a:xfrm>
-          <a:off x="0" y="0"/>
-          <a:ext cx="0" cy="0"/>
-          <a:chOff x="0" y="0"/>
-          <a:chExt cx="0" cy="0"/>
-        </a:xfrm>
-      </p:grpSpPr>
-      <p:sp>
-        <p:nvSpPr>
-          <p:cNvPr id="2" name="Title 1">
-            <a:extLst>
-              <a:ext uri="{FF2B5EF4-FFF2-40B4-BE49-F238E27FC236}">
-                <a16:creationId xmlns:a16="http://schemas.microsoft.com/office/drawing/2014/main" id="{14397800-4F7C-4164-A41D-B694BB821BB3}"/>
-              </a:ext>
-            </a:extLst>
-          </p:cNvPr>
-          <p:cNvSpPr>
-            <a:spLocks noGrp="1"/>
-          </p:cNvSpPr>
-          <p:nvPr>
-            <p:ph type="title"/>
-          </p:nvPr>
-        </p:nvSpPr>
-        <p:spPr/>
-        <p:txBody>
-          <a:bodyPr/>
-          <a:lstStyle/>
-          <a:p>
-            <a:r>
-              <a:rPr lang="en-US" dirty="0"/>
-              <a:t>Q&amp;A</a:t>
-            </a:r>
-            <a:endParaRPr lang="en-DK" dirty="0"/>
-          </a:p>
-        </p:txBody>
-      </p:sp>
-      <p:sp>
-        <p:nvSpPr>
-          <p:cNvPr id="3" name="Text Placeholder 2">
-            <a:extLst>
-              <a:ext uri="{FF2B5EF4-FFF2-40B4-BE49-F238E27FC236}">
-                <a16:creationId xmlns:a16="http://schemas.microsoft.com/office/drawing/2014/main" id="{20F0E223-990A-456B-B418-B8FBEDCEF4E1}"/>
-              </a:ext>
-            </a:extLst>
-          </p:cNvPr>
-          <p:cNvSpPr>
-            <a:spLocks noGrp="1"/>
-          </p:cNvSpPr>
-          <p:nvPr>
-            <p:ph type="body" idx="1"/>
-          </p:nvPr>
-        </p:nvSpPr>
-        <p:spPr/>
-        <p:txBody>
-          <a:bodyPr/>
-          <a:lstStyle/>
-          <a:p>
-            <a:endParaRPr lang="en-DK"/>
-          </a:p>
-        </p:txBody>
-      </p:sp>
-      <p:grpSp>
-        <p:nvGrpSpPr>
-          <p:cNvPr id="4" name="Group 3">
-            <a:extLst>
-              <a:ext uri="{FF2B5EF4-FFF2-40B4-BE49-F238E27FC236}">
-                <a16:creationId xmlns:a16="http://schemas.microsoft.com/office/drawing/2014/main" id="{AC076944-68E5-44B9-A30D-3EEE72BD1698}"/>
-              </a:ext>
-            </a:extLst>
-          </p:cNvPr>
-          <p:cNvGrpSpPr/>
-          <p:nvPr/>
-        </p:nvGrpSpPr>
-        <p:grpSpPr>
-          <a:xfrm>
-            <a:off x="7487811" y="2182011"/>
-            <a:ext cx="5297585" cy="5306444"/>
-            <a:chOff x="7487811" y="2182011"/>
-            <a:chExt cx="5297585" cy="5306444"/>
-          </a:xfrm>
-        </p:grpSpPr>
-        <p:pic>
-          <p:nvPicPr>
-            <p:cNvPr id="5" name="Picture 4">
-              <a:extLst>
-                <a:ext uri="{FF2B5EF4-FFF2-40B4-BE49-F238E27FC236}">
-                  <a16:creationId xmlns:a16="http://schemas.microsoft.com/office/drawing/2014/main" id="{A0471B3A-BF38-443A-95E1-FE9F284F55B7}"/>
-                </a:ext>
-              </a:extLst>
-            </p:cNvPr>
-            <p:cNvPicPr>
-              <a:picLocks noChangeAspect="1"/>
-            </p:cNvPicPr>
-            <p:nvPr/>
-          </p:nvPicPr>
-          <p:blipFill>
-            <a:blip r:embed="rId2">
-              <a:extLst>
-                <a:ext uri="{28A0092B-C50C-407E-A947-70E740481C1C}">
-                  <a14:useLocalDpi xmlns:a14="http://schemas.microsoft.com/office/drawing/2010/main" val="0"/>
-                </a:ext>
-              </a:extLst>
-            </a:blip>
-            <a:stretch>
-              <a:fillRect/>
-            </a:stretch>
-          </p:blipFill>
-          <p:spPr>
-            <a:xfrm>
-              <a:off x="7487811" y="2182011"/>
-              <a:ext cx="5297585" cy="5297585"/>
-            </a:xfrm>
-            <a:prstGeom prst="rect">
-              <a:avLst/>
-            </a:prstGeom>
-            <a:effectLst/>
-          </p:spPr>
-        </p:pic>
-        <p:sp>
-          <p:nvSpPr>
-            <p:cNvPr id="6" name="Rectangle 5">
-              <a:extLst>
-                <a:ext uri="{FF2B5EF4-FFF2-40B4-BE49-F238E27FC236}">
-                  <a16:creationId xmlns:a16="http://schemas.microsoft.com/office/drawing/2014/main" id="{54714F04-CEEE-4E52-9B90-17D2223E81EE}"/>
-                </a:ext>
-              </a:extLst>
-            </p:cNvPr>
-            <p:cNvSpPr/>
-            <p:nvPr/>
-          </p:nvSpPr>
-          <p:spPr>
-            <a:xfrm>
-              <a:off x="7488455" y="2184935"/>
-              <a:ext cx="5293894" cy="5303520"/>
-            </a:xfrm>
-            <a:prstGeom prst="rect">
-              <a:avLst/>
-            </a:prstGeom>
-            <a:solidFill>
-              <a:schemeClr val="bg1">
-                <a:alpha val="89000"/>
-              </a:schemeClr>
-            </a:solidFill>
-            <a:ln>
-              <a:noFill/>
-            </a:ln>
-          </p:spPr>
-          <p:style>
-            <a:lnRef idx="2">
-              <a:schemeClr val="accent1">
-                <a:shade val="50000"/>
-              </a:schemeClr>
-            </a:lnRef>
-            <a:fillRef idx="1">
-              <a:schemeClr val="accent1"/>
-            </a:fillRef>
-            <a:effectRef idx="0">
-              <a:schemeClr val="accent1"/>
-            </a:effectRef>
-            <a:fontRef idx="minor">
-              <a:schemeClr val="lt1"/>
-            </a:fontRef>
-          </p:style>
-          <p:txBody>
-            <a:bodyPr rtlCol="0" anchor="ctr"/>
-            <a:lstStyle/>
-            <a:p>
-              <a:pPr algn="ctr"/>
-              <a:endParaRPr lang="en-DK"/>
-            </a:p>
-          </p:txBody>
-        </p:sp>
-      </p:grpSp>
-    </p:spTree>
-    <p:extLst>
-      <p:ext uri="{BB962C8B-B14F-4D97-AF65-F5344CB8AC3E}">
-        <p14:creationId xmlns:p14="http://schemas.microsoft.com/office/powerpoint/2010/main" val="254688072"/>
-      </p:ext>
-    </p:extLst>
-  </p:cSld>
-  <p:clrMapOvr>
-    <a:masterClrMapping/>
-  </p:clrMapOvr>
-</p:sld>
-</file>
-
-<file path=ppt/slides/slide28.xml><?xml version="1.0" encoding="utf-8"?>
-<p:sld xmlns:a="http://schemas.openxmlformats.org/drawingml/2006/main" xmlns:r="http://schemas.openxmlformats.org/officeDocument/2006/relationships" xmlns:p="http://schemas.openxmlformats.org/presentationml/2006/main">
-  <p:cSld>
-    <p:spTree>
-      <p:nvGrpSpPr>
-        <p:cNvPr id="1" name=""/>
-        <p:cNvGrpSpPr/>
-        <p:nvPr/>
-      </p:nvGrpSpPr>
-      <p:grpSpPr>
-        <a:xfrm>
-          <a:off x="0" y="0"/>
-          <a:ext cx="0" cy="0"/>
-          <a:chOff x="0" y="0"/>
-          <a:chExt cx="0" cy="0"/>
-        </a:xfrm>
-      </p:grpSpPr>
-      <p:grpSp>
-        <p:nvGrpSpPr>
-          <p:cNvPr id="4" name="Group 3">
-            <a:extLst>
-              <a:ext uri="{FF2B5EF4-FFF2-40B4-BE49-F238E27FC236}">
-                <a16:creationId xmlns:a16="http://schemas.microsoft.com/office/drawing/2014/main" id="{06E43E0D-D4FC-4EB7-8648-2C45421AEA0F}"/>
-              </a:ext>
-            </a:extLst>
-          </p:cNvPr>
-          <p:cNvGrpSpPr/>
-          <p:nvPr/>
-        </p:nvGrpSpPr>
-        <p:grpSpPr>
-          <a:xfrm>
-            <a:off x="7487811" y="2182011"/>
-            <a:ext cx="5297585" cy="5306444"/>
-            <a:chOff x="7487811" y="2182011"/>
-            <a:chExt cx="5297585" cy="5306444"/>
-          </a:xfrm>
-        </p:grpSpPr>
-        <p:pic>
-          <p:nvPicPr>
-            <p:cNvPr id="5" name="Picture 4">
-              <a:extLst>
-                <a:ext uri="{FF2B5EF4-FFF2-40B4-BE49-F238E27FC236}">
-                  <a16:creationId xmlns:a16="http://schemas.microsoft.com/office/drawing/2014/main" id="{0191F6CD-250A-455A-B44B-2EC746F7ADA0}"/>
-                </a:ext>
-              </a:extLst>
-            </p:cNvPr>
-            <p:cNvPicPr>
-              <a:picLocks noChangeAspect="1"/>
-            </p:cNvPicPr>
-            <p:nvPr/>
-          </p:nvPicPr>
-          <p:blipFill>
-            <a:blip r:embed="rId2">
-              <a:extLst>
-                <a:ext uri="{28A0092B-C50C-407E-A947-70E740481C1C}">
-                  <a14:useLocalDpi xmlns:a14="http://schemas.microsoft.com/office/drawing/2010/main" val="0"/>
-                </a:ext>
-              </a:extLst>
-            </a:blip>
-            <a:stretch>
-              <a:fillRect/>
-            </a:stretch>
-          </p:blipFill>
-          <p:spPr>
-            <a:xfrm>
-              <a:off x="7487811" y="2182011"/>
-              <a:ext cx="5297585" cy="5297585"/>
-            </a:xfrm>
-            <a:prstGeom prst="rect">
-              <a:avLst/>
-            </a:prstGeom>
-            <a:effectLst/>
-          </p:spPr>
-        </p:pic>
-        <p:sp>
-          <p:nvSpPr>
-            <p:cNvPr id="6" name="Rectangle 5">
-              <a:extLst>
-                <a:ext uri="{FF2B5EF4-FFF2-40B4-BE49-F238E27FC236}">
-                  <a16:creationId xmlns:a16="http://schemas.microsoft.com/office/drawing/2014/main" id="{C6BE406C-D44B-4E35-8C9A-43F7DE425C2F}"/>
-                </a:ext>
-              </a:extLst>
-            </p:cNvPr>
-            <p:cNvSpPr/>
-            <p:nvPr/>
-          </p:nvSpPr>
-          <p:spPr>
-            <a:xfrm>
-              <a:off x="7488455" y="2184935"/>
-              <a:ext cx="5293894" cy="5303520"/>
-            </a:xfrm>
-            <a:prstGeom prst="rect">
-              <a:avLst/>
-            </a:prstGeom>
-            <a:solidFill>
-              <a:schemeClr val="bg1">
-                <a:alpha val="89000"/>
-              </a:schemeClr>
-            </a:solidFill>
-            <a:ln>
-              <a:noFill/>
-            </a:ln>
-          </p:spPr>
-          <p:style>
-            <a:lnRef idx="2">
-              <a:schemeClr val="accent1">
-                <a:shade val="50000"/>
-              </a:schemeClr>
-            </a:lnRef>
-            <a:fillRef idx="1">
-              <a:schemeClr val="accent1"/>
-            </a:fillRef>
-            <a:effectRef idx="0">
-              <a:schemeClr val="accent1"/>
-            </a:effectRef>
-            <a:fontRef idx="minor">
-              <a:schemeClr val="lt1"/>
-            </a:fontRef>
-          </p:style>
-          <p:txBody>
-            <a:bodyPr rtlCol="0" anchor="ctr"/>
-            <a:lstStyle/>
-            <a:p>
-              <a:pPr algn="ctr"/>
-              <a:endParaRPr lang="en-DK"/>
-            </a:p>
-          </p:txBody>
-        </p:sp>
-      </p:grpSp>
-      <p:sp>
-        <p:nvSpPr>
-          <p:cNvPr id="2" name="Title 1">
-            <a:extLst>
-              <a:ext uri="{FF2B5EF4-FFF2-40B4-BE49-F238E27FC236}">
-                <a16:creationId xmlns:a16="http://schemas.microsoft.com/office/drawing/2014/main" id="{A708C343-50C5-463D-A29A-92CAC010EFD9}"/>
-              </a:ext>
-            </a:extLst>
-          </p:cNvPr>
-          <p:cNvSpPr>
-            <a:spLocks noGrp="1"/>
-          </p:cNvSpPr>
-          <p:nvPr>
-            <p:ph type="title"/>
-          </p:nvPr>
-        </p:nvSpPr>
-        <p:spPr/>
-        <p:txBody>
-          <a:bodyPr/>
-          <a:lstStyle/>
-          <a:p>
-            <a:endParaRPr lang="en-DK"/>
-          </a:p>
-        </p:txBody>
-      </p:sp>
-      <p:sp>
-        <p:nvSpPr>
-          <p:cNvPr id="3" name="Content Placeholder 2">
-            <a:extLst>
-              <a:ext uri="{FF2B5EF4-FFF2-40B4-BE49-F238E27FC236}">
-                <a16:creationId xmlns:a16="http://schemas.microsoft.com/office/drawing/2014/main" id="{CE40FD86-6D82-4D00-9B66-D6C57B7CE97F}"/>
-              </a:ext>
-            </a:extLst>
-          </p:cNvPr>
-          <p:cNvSpPr>
-            <a:spLocks noGrp="1"/>
-          </p:cNvSpPr>
-          <p:nvPr>
-            <p:ph idx="1"/>
-          </p:nvPr>
-        </p:nvSpPr>
-        <p:spPr/>
-        <p:txBody>
-          <a:bodyPr/>
-          <a:lstStyle/>
-          <a:p>
-            <a:pPr marL="0" indent="0">
-              <a:buNone/>
-            </a:pPr>
-            <a:r>
-              <a:rPr lang="da-DK" dirty="0"/>
-              <a:t>More info: </a:t>
-            </a:r>
-          </a:p>
-          <a:p>
-            <a:r>
-              <a:rPr lang="da-DK" dirty="0">
-                <a:hlinkClick r:id="rId3"/>
-              </a:rPr>
-              <a:t>https://www.prisma.io/blog/comparison-of-database-models-1iz9u29nwn37</a:t>
-            </a:r>
-            <a:r>
-              <a:rPr lang="da-DK" dirty="0"/>
-              <a:t> </a:t>
-            </a:r>
-          </a:p>
-          <a:p>
-            <a:r>
-              <a:rPr lang="da-DK" dirty="0">
-                <a:hlinkClick r:id="rId4"/>
-              </a:rPr>
-              <a:t>https://www.cleverism.com/graph-databases-effective-big-data-analytics/</a:t>
-            </a:r>
-            <a:r>
-              <a:rPr lang="da-DK" dirty="0"/>
-              <a:t> </a:t>
-            </a:r>
-          </a:p>
-          <a:p>
-            <a:r>
-              <a:rPr lang="da-DK" dirty="0">
-                <a:hlinkClick r:id="rId5"/>
-              </a:rPr>
-              <a:t>https://oxygen.dk/indsigt/machine-learning</a:t>
-            </a:r>
-            <a:r>
-              <a:rPr lang="da-DK" dirty="0"/>
-              <a:t> </a:t>
-            </a:r>
-            <a:endParaRPr lang="en-DK" dirty="0"/>
-          </a:p>
-        </p:txBody>
-      </p:sp>
-    </p:spTree>
-    <p:extLst>
-      <p:ext uri="{BB962C8B-B14F-4D97-AF65-F5344CB8AC3E}">
-        <p14:creationId xmlns:p14="http://schemas.microsoft.com/office/powerpoint/2010/main" val="3612702235"/>
-      </p:ext>
-    </p:extLst>
-  </p:cSld>
-  <p:clrMapOvr>
-    <a:masterClrMapping/>
-  </p:clrMapOvr>
-</p:sld>
-</file>
-
-<file path=ppt/slides/slide29.xml><?xml version="1.0" encoding="utf-8"?>
-<p:sld xmlns:a="http://schemas.openxmlformats.org/drawingml/2006/main" xmlns:r="http://schemas.openxmlformats.org/officeDocument/2006/relationships" xmlns:p="http://schemas.openxmlformats.org/presentationml/2006/main">
-  <p:cSld>
-    <p:spTree>
-      <p:nvGrpSpPr>
-        <p:cNvPr id="1" name=""/>
-        <p:cNvGrpSpPr/>
-        <p:nvPr/>
-      </p:nvGrpSpPr>
-      <p:grpSpPr>
-        <a:xfrm>
-          <a:off x="0" y="0"/>
-          <a:ext cx="0" cy="0"/>
-          <a:chOff x="0" y="0"/>
-          <a:chExt cx="0" cy="0"/>
-        </a:xfrm>
-      </p:grpSpPr>
-      <p:grpSp>
-        <p:nvGrpSpPr>
-          <p:cNvPr id="4" name="Group 3">
-            <a:extLst>
-              <a:ext uri="{FF2B5EF4-FFF2-40B4-BE49-F238E27FC236}">
-                <a16:creationId xmlns:a16="http://schemas.microsoft.com/office/drawing/2014/main" id="{028AF619-AED7-4598-ADDD-6CC825F13912}"/>
-              </a:ext>
-            </a:extLst>
-          </p:cNvPr>
-          <p:cNvGrpSpPr/>
-          <p:nvPr/>
-        </p:nvGrpSpPr>
-        <p:grpSpPr>
-          <a:xfrm>
-            <a:off x="7487811" y="2182011"/>
-            <a:ext cx="5297585" cy="5306444"/>
-            <a:chOff x="7487811" y="2182011"/>
-            <a:chExt cx="5297585" cy="5306444"/>
-          </a:xfrm>
-        </p:grpSpPr>
-        <p:pic>
-          <p:nvPicPr>
-            <p:cNvPr id="5" name="Picture 4">
-              <a:extLst>
-                <a:ext uri="{FF2B5EF4-FFF2-40B4-BE49-F238E27FC236}">
-                  <a16:creationId xmlns:a16="http://schemas.microsoft.com/office/drawing/2014/main" id="{B06AD79C-93A9-42A1-B6DC-3AAD2FFBEF16}"/>
-                </a:ext>
-              </a:extLst>
-            </p:cNvPr>
-            <p:cNvPicPr>
-              <a:picLocks noChangeAspect="1"/>
-            </p:cNvPicPr>
-            <p:nvPr/>
-          </p:nvPicPr>
-          <p:blipFill>
-            <a:blip r:embed="rId2">
-              <a:extLst>
-                <a:ext uri="{28A0092B-C50C-407E-A947-70E740481C1C}">
-                  <a14:useLocalDpi xmlns:a14="http://schemas.microsoft.com/office/drawing/2010/main" val="0"/>
-                </a:ext>
-              </a:extLst>
-            </a:blip>
-            <a:stretch>
-              <a:fillRect/>
-            </a:stretch>
-          </p:blipFill>
-          <p:spPr>
-            <a:xfrm>
-              <a:off x="7487811" y="2182011"/>
-              <a:ext cx="5297585" cy="5297585"/>
-            </a:xfrm>
-            <a:prstGeom prst="rect">
-              <a:avLst/>
-            </a:prstGeom>
-            <a:effectLst/>
-          </p:spPr>
-        </p:pic>
-        <p:sp>
-          <p:nvSpPr>
-            <p:cNvPr id="6" name="Rectangle 5">
-              <a:extLst>
-                <a:ext uri="{FF2B5EF4-FFF2-40B4-BE49-F238E27FC236}">
-                  <a16:creationId xmlns:a16="http://schemas.microsoft.com/office/drawing/2014/main" id="{5BCE7384-C0CC-468D-92BC-1703CA41421B}"/>
-                </a:ext>
-              </a:extLst>
-            </p:cNvPr>
-            <p:cNvSpPr/>
-            <p:nvPr/>
-          </p:nvSpPr>
-          <p:spPr>
-            <a:xfrm>
-              <a:off x="7488455" y="2184935"/>
-              <a:ext cx="5293894" cy="5303520"/>
-            </a:xfrm>
-            <a:prstGeom prst="rect">
-              <a:avLst/>
-            </a:prstGeom>
-            <a:solidFill>
-              <a:schemeClr val="bg1">
-                <a:alpha val="89000"/>
-              </a:schemeClr>
-            </a:solidFill>
-            <a:ln>
-              <a:noFill/>
-            </a:ln>
-          </p:spPr>
-          <p:style>
-            <a:lnRef idx="2">
-              <a:schemeClr val="accent1">
-                <a:shade val="50000"/>
-              </a:schemeClr>
-            </a:lnRef>
-            <a:fillRef idx="1">
-              <a:schemeClr val="accent1"/>
-            </a:fillRef>
-            <a:effectRef idx="0">
-              <a:schemeClr val="accent1"/>
-            </a:effectRef>
-            <a:fontRef idx="minor">
-              <a:schemeClr val="lt1"/>
-            </a:fontRef>
-          </p:style>
-          <p:txBody>
-            <a:bodyPr rtlCol="0" anchor="ctr"/>
-            <a:lstStyle/>
-            <a:p>
-              <a:pPr algn="ctr"/>
-              <a:endParaRPr lang="en-DK"/>
-            </a:p>
-          </p:txBody>
-        </p:sp>
-      </p:grpSp>
-      <p:sp>
-        <p:nvSpPr>
-          <p:cNvPr id="2" name="Title 1">
-            <a:extLst>
-              <a:ext uri="{FF2B5EF4-FFF2-40B4-BE49-F238E27FC236}">
-                <a16:creationId xmlns:a16="http://schemas.microsoft.com/office/drawing/2014/main" id="{5A5FE6FE-AC5D-4F9B-80EA-3B9AF7E77F6E}"/>
-              </a:ext>
-            </a:extLst>
-          </p:cNvPr>
-          <p:cNvSpPr>
-            <a:spLocks noGrp="1"/>
-          </p:cNvSpPr>
-          <p:nvPr>
-            <p:ph type="title"/>
-          </p:nvPr>
-        </p:nvSpPr>
-        <p:spPr/>
-        <p:txBody>
-          <a:bodyPr/>
-          <a:lstStyle/>
-          <a:p>
-            <a:endParaRPr lang="en-DK"/>
-          </a:p>
-        </p:txBody>
-      </p:sp>
-      <p:sp>
-        <p:nvSpPr>
-          <p:cNvPr id="3" name="Content Placeholder 2">
-            <a:extLst>
-              <a:ext uri="{FF2B5EF4-FFF2-40B4-BE49-F238E27FC236}">
-                <a16:creationId xmlns:a16="http://schemas.microsoft.com/office/drawing/2014/main" id="{A1302033-8B08-4F67-A848-4F47BE552A1B}"/>
-              </a:ext>
-            </a:extLst>
-          </p:cNvPr>
-          <p:cNvSpPr>
-            <a:spLocks noGrp="1"/>
-          </p:cNvSpPr>
-          <p:nvPr>
-            <p:ph idx="1"/>
-          </p:nvPr>
-        </p:nvSpPr>
-        <p:spPr/>
-        <p:txBody>
-          <a:bodyPr/>
-          <a:lstStyle/>
-          <a:p>
-            <a:endParaRPr lang="en-US" dirty="0"/>
-          </a:p>
-          <a:p>
-            <a:r>
-              <a:rPr lang="en-US" b="1" dirty="0"/>
-              <a:t>A node</a:t>
-            </a:r>
-            <a:r>
-              <a:rPr lang="en-US" dirty="0"/>
-              <a:t>, which represents an entity. This can be a person, a place, a thing and so on.</a:t>
-            </a:r>
-          </a:p>
-          <a:p>
-            <a:r>
-              <a:rPr lang="en-US" b="1" dirty="0"/>
-              <a:t>A relationship</a:t>
-            </a:r>
-            <a:r>
-              <a:rPr lang="en-US" dirty="0"/>
-              <a:t>, which is the connection between two separate nodes.</a:t>
-            </a:r>
-          </a:p>
-          <a:p>
-            <a:endParaRPr lang="en-DK" dirty="0"/>
-          </a:p>
-        </p:txBody>
-      </p:sp>
-    </p:spTree>
-    <p:extLst>
-      <p:ext uri="{BB962C8B-B14F-4D97-AF65-F5344CB8AC3E}">
-        <p14:creationId xmlns:p14="http://schemas.microsoft.com/office/powerpoint/2010/main" val="664068462"/>
-      </p:ext>
-    </p:extLst>
-  </p:cSld>
-  <p:clrMapOvr>
-    <a:masterClrMapping/>
-  </p:clrMapOvr>
-</p:sld>
-</file>
-
-<file path=ppt/slides/slide3.xml><?xml version="1.0" encoding="utf-8"?>
+<file path=ppt/slides/slide8.xml><?xml version="1.0" encoding="utf-8"?>
 <p:sld xmlns:a="http://schemas.openxmlformats.org/drawingml/2006/main" xmlns:r="http://schemas.openxmlformats.org/officeDocument/2006/relationships" xmlns:p="http://schemas.openxmlformats.org/presentationml/2006/main">
   <p:cSld>
     <p:spTree>
@@ -12549,280 +13315,7 @@
 </p:sld>
 </file>
 
-<file path=ppt/slides/slide30.xml><?xml version="1.0" encoding="utf-8"?>
-<p:sld xmlns:a="http://schemas.openxmlformats.org/drawingml/2006/main" xmlns:r="http://schemas.openxmlformats.org/officeDocument/2006/relationships" xmlns:p="http://schemas.openxmlformats.org/presentationml/2006/main">
-  <p:cSld>
-    <p:spTree>
-      <p:nvGrpSpPr>
-        <p:cNvPr id="1" name=""/>
-        <p:cNvGrpSpPr/>
-        <p:nvPr/>
-      </p:nvGrpSpPr>
-      <p:grpSpPr>
-        <a:xfrm>
-          <a:off x="0" y="0"/>
-          <a:ext cx="0" cy="0"/>
-          <a:chOff x="0" y="0"/>
-          <a:chExt cx="0" cy="0"/>
-        </a:xfrm>
-      </p:grpSpPr>
-      <p:grpSp>
-        <p:nvGrpSpPr>
-          <p:cNvPr id="7" name="Group 6">
-            <a:extLst>
-              <a:ext uri="{FF2B5EF4-FFF2-40B4-BE49-F238E27FC236}">
-                <a16:creationId xmlns:a16="http://schemas.microsoft.com/office/drawing/2014/main" id="{D22A4516-36AC-4108-95BD-B6B13FAE23A3}"/>
-              </a:ext>
-            </a:extLst>
-          </p:cNvPr>
-          <p:cNvGrpSpPr/>
-          <p:nvPr/>
-        </p:nvGrpSpPr>
-        <p:grpSpPr>
-          <a:xfrm>
-            <a:off x="7487811" y="2182011"/>
-            <a:ext cx="5297585" cy="5306444"/>
-            <a:chOff x="7487811" y="2182011"/>
-            <a:chExt cx="5297585" cy="5306444"/>
-          </a:xfrm>
-        </p:grpSpPr>
-        <p:pic>
-          <p:nvPicPr>
-            <p:cNvPr id="8" name="Picture 7">
-              <a:extLst>
-                <a:ext uri="{FF2B5EF4-FFF2-40B4-BE49-F238E27FC236}">
-                  <a16:creationId xmlns:a16="http://schemas.microsoft.com/office/drawing/2014/main" id="{26D6662C-0E62-47E9-A54A-CE5EE440C259}"/>
-                </a:ext>
-              </a:extLst>
-            </p:cNvPr>
-            <p:cNvPicPr>
-              <a:picLocks noChangeAspect="1"/>
-            </p:cNvPicPr>
-            <p:nvPr/>
-          </p:nvPicPr>
-          <p:blipFill>
-            <a:blip r:embed="rId3">
-              <a:extLst>
-                <a:ext uri="{28A0092B-C50C-407E-A947-70E740481C1C}">
-                  <a14:useLocalDpi xmlns:a14="http://schemas.microsoft.com/office/drawing/2010/main" val="0"/>
-                </a:ext>
-              </a:extLst>
-            </a:blip>
-            <a:stretch>
-              <a:fillRect/>
-            </a:stretch>
-          </p:blipFill>
-          <p:spPr>
-            <a:xfrm>
-              <a:off x="7487811" y="2182011"/>
-              <a:ext cx="5297585" cy="5297585"/>
-            </a:xfrm>
-            <a:prstGeom prst="rect">
-              <a:avLst/>
-            </a:prstGeom>
-            <a:effectLst/>
-          </p:spPr>
-        </p:pic>
-        <p:sp>
-          <p:nvSpPr>
-            <p:cNvPr id="9" name="Rectangle 8">
-              <a:extLst>
-                <a:ext uri="{FF2B5EF4-FFF2-40B4-BE49-F238E27FC236}">
-                  <a16:creationId xmlns:a16="http://schemas.microsoft.com/office/drawing/2014/main" id="{AF22FA29-F69E-406E-9BD6-A3A95FF2A93D}"/>
-                </a:ext>
-              </a:extLst>
-            </p:cNvPr>
-            <p:cNvSpPr/>
-            <p:nvPr/>
-          </p:nvSpPr>
-          <p:spPr>
-            <a:xfrm>
-              <a:off x="7488455" y="2184935"/>
-              <a:ext cx="5293894" cy="5303520"/>
-            </a:xfrm>
-            <a:prstGeom prst="rect">
-              <a:avLst/>
-            </a:prstGeom>
-            <a:solidFill>
-              <a:schemeClr val="bg1">
-                <a:alpha val="89000"/>
-              </a:schemeClr>
-            </a:solidFill>
-            <a:ln>
-              <a:noFill/>
-            </a:ln>
-          </p:spPr>
-          <p:style>
-            <a:lnRef idx="2">
-              <a:schemeClr val="accent1">
-                <a:shade val="50000"/>
-              </a:schemeClr>
-            </a:lnRef>
-            <a:fillRef idx="1">
-              <a:schemeClr val="accent1"/>
-            </a:fillRef>
-            <a:effectRef idx="0">
-              <a:schemeClr val="accent1"/>
-            </a:effectRef>
-            <a:fontRef idx="minor">
-              <a:schemeClr val="lt1"/>
-            </a:fontRef>
-          </p:style>
-          <p:txBody>
-            <a:bodyPr rtlCol="0" anchor="ctr"/>
-            <a:lstStyle/>
-            <a:p>
-              <a:pPr algn="ctr"/>
-              <a:endParaRPr lang="en-DK"/>
-            </a:p>
-          </p:txBody>
-        </p:sp>
-      </p:grpSp>
-      <p:sp>
-        <p:nvSpPr>
-          <p:cNvPr id="2" name="Title 1">
-            <a:extLst>
-              <a:ext uri="{FF2B5EF4-FFF2-40B4-BE49-F238E27FC236}">
-                <a16:creationId xmlns:a16="http://schemas.microsoft.com/office/drawing/2014/main" id="{89D29649-D343-44F2-B438-451355E4409F}"/>
-              </a:ext>
-            </a:extLst>
-          </p:cNvPr>
-          <p:cNvSpPr>
-            <a:spLocks noGrp="1"/>
-          </p:cNvSpPr>
-          <p:nvPr>
-            <p:ph type="title"/>
-          </p:nvPr>
-        </p:nvSpPr>
-        <p:spPr/>
-        <p:txBody>
-          <a:bodyPr/>
-          <a:lstStyle/>
-          <a:p>
-            <a:r>
-              <a:rPr lang="da-DK" dirty="0"/>
-              <a:t>Graph databases</a:t>
-            </a:r>
-            <a:endParaRPr lang="en-DK" dirty="0"/>
-          </a:p>
-        </p:txBody>
-      </p:sp>
-      <p:pic>
-        <p:nvPicPr>
-          <p:cNvPr id="5" name="Content Placeholder 4">
-            <a:extLst>
-              <a:ext uri="{FF2B5EF4-FFF2-40B4-BE49-F238E27FC236}">
-                <a16:creationId xmlns:a16="http://schemas.microsoft.com/office/drawing/2014/main" id="{81048605-2134-4C73-9DA7-F5AED9A1CC5F}"/>
-              </a:ext>
-            </a:extLst>
-          </p:cNvPr>
-          <p:cNvPicPr>
-            <a:picLocks noGrp="1" noChangeAspect="1"/>
-          </p:cNvPicPr>
-          <p:nvPr>
-            <p:ph idx="1"/>
-          </p:nvPr>
-        </p:nvPicPr>
-        <p:blipFill>
-          <a:blip r:embed="rId4">
-            <a:extLst>
-              <a:ext uri="{28A0092B-C50C-407E-A947-70E740481C1C}">
-                <a14:useLocalDpi xmlns:a14="http://schemas.microsoft.com/office/drawing/2010/main" val="0"/>
-              </a:ext>
-            </a:extLst>
-          </a:blip>
-          <a:stretch>
-            <a:fillRect/>
-          </a:stretch>
-        </p:blipFill>
-        <p:spPr>
-          <a:xfrm>
-            <a:off x="1398433" y="1802765"/>
-            <a:ext cx="6286173" cy="4351338"/>
-          </a:xfrm>
-        </p:spPr>
-      </p:pic>
-      <p:sp>
-        <p:nvSpPr>
-          <p:cNvPr id="6" name="TextBox 5">
-            <a:extLst>
-              <a:ext uri="{FF2B5EF4-FFF2-40B4-BE49-F238E27FC236}">
-                <a16:creationId xmlns:a16="http://schemas.microsoft.com/office/drawing/2014/main" id="{4BDA5506-EA17-4252-9D62-BE5D88E3B31A}"/>
-              </a:ext>
-            </a:extLst>
-          </p:cNvPr>
-          <p:cNvSpPr txBox="1"/>
-          <p:nvPr/>
-        </p:nvSpPr>
-        <p:spPr>
-          <a:xfrm>
-            <a:off x="9182100" y="3825240"/>
-            <a:ext cx="1566519" cy="1200329"/>
-          </a:xfrm>
-          <a:prstGeom prst="rect">
-            <a:avLst/>
-          </a:prstGeom>
-          <a:noFill/>
-        </p:spPr>
-        <p:txBody>
-          <a:bodyPr wrap="none" rtlCol="0">
-            <a:spAutoFit/>
-          </a:bodyPr>
-          <a:lstStyle/>
-          <a:p>
-            <a:r>
-              <a:rPr lang="en-US" dirty="0"/>
-              <a:t>Examples:</a:t>
-            </a:r>
-          </a:p>
-          <a:p>
-            <a:pPr marL="285750" indent="-285750">
-              <a:buFont typeface="Arial" panose="020B0604020202020204" pitchFamily="34" charset="0"/>
-              <a:buChar char="•"/>
-            </a:pPr>
-            <a:r>
-              <a:rPr lang="en-US" dirty="0"/>
-              <a:t>Neo4j</a:t>
-            </a:r>
-          </a:p>
-          <a:p>
-            <a:pPr marL="285750" indent="-285750">
-              <a:buFont typeface="Arial" panose="020B0604020202020204" pitchFamily="34" charset="0"/>
-              <a:buChar char="•"/>
-            </a:pPr>
-            <a:r>
-              <a:rPr lang="en-US" dirty="0" err="1"/>
-              <a:t>JanusGraph</a:t>
-            </a:r>
-            <a:endParaRPr lang="en-US" dirty="0"/>
-          </a:p>
-          <a:p>
-            <a:pPr marL="285750" indent="-285750">
-              <a:buFont typeface="Arial" panose="020B0604020202020204" pitchFamily="34" charset="0"/>
-              <a:buChar char="•"/>
-            </a:pPr>
-            <a:r>
-              <a:rPr lang="en-US" dirty="0" err="1"/>
-              <a:t>Dgraph</a:t>
-            </a:r>
-            <a:endParaRPr lang="en-US" dirty="0"/>
-          </a:p>
-        </p:txBody>
-      </p:sp>
-    </p:spTree>
-    <p:extLst>
-      <p:ext uri="{BB962C8B-B14F-4D97-AF65-F5344CB8AC3E}">
-        <p14:creationId xmlns:p14="http://schemas.microsoft.com/office/powerpoint/2010/main" val="465704860"/>
-      </p:ext>
-    </p:extLst>
-  </p:cSld>
-  <p:clrMapOvr>
-    <a:masterClrMapping/>
-  </p:clrMapOvr>
-</p:sld>
-</file>
-
-<file path=ppt/slides/slide4.xml><?xml version="1.0" encoding="utf-8"?>
+<file path=ppt/slides/slide9.xml><?xml version="1.0" encoding="utf-8"?>
 <p:sld xmlns:a="http://schemas.openxmlformats.org/drawingml/2006/main" xmlns:r="http://schemas.openxmlformats.org/officeDocument/2006/relationships" xmlns:p="http://schemas.openxmlformats.org/presentationml/2006/main">
   <p:cSld>
     <p:spTree>
@@ -13089,1305 +13582,6 @@
     <p:extLst>
       <p:ext uri="{BB962C8B-B14F-4D97-AF65-F5344CB8AC3E}">
         <p14:creationId xmlns:p14="http://schemas.microsoft.com/office/powerpoint/2010/main" val="3227001530"/>
-      </p:ext>
-    </p:extLst>
-  </p:cSld>
-  <p:clrMapOvr>
-    <a:masterClrMapping/>
-  </p:clrMapOvr>
-</p:sld>
-</file>
-
-<file path=ppt/slides/slide5.xml><?xml version="1.0" encoding="utf-8"?>
-<p:sld xmlns:a="http://schemas.openxmlformats.org/drawingml/2006/main" xmlns:r="http://schemas.openxmlformats.org/officeDocument/2006/relationships" xmlns:p="http://schemas.openxmlformats.org/presentationml/2006/main">
-  <p:cSld>
-    <p:spTree>
-      <p:nvGrpSpPr>
-        <p:cNvPr id="1" name=""/>
-        <p:cNvGrpSpPr/>
-        <p:nvPr/>
-      </p:nvGrpSpPr>
-      <p:grpSpPr>
-        <a:xfrm>
-          <a:off x="0" y="0"/>
-          <a:ext cx="0" cy="0"/>
-          <a:chOff x="0" y="0"/>
-          <a:chExt cx="0" cy="0"/>
-        </a:xfrm>
-      </p:grpSpPr>
-      <p:grpSp>
-        <p:nvGrpSpPr>
-          <p:cNvPr id="7" name="Group 6">
-            <a:extLst>
-              <a:ext uri="{FF2B5EF4-FFF2-40B4-BE49-F238E27FC236}">
-                <a16:creationId xmlns:a16="http://schemas.microsoft.com/office/drawing/2014/main" id="{D1B99D80-69C1-4468-ACB9-CFA3277DF005}"/>
-              </a:ext>
-            </a:extLst>
-          </p:cNvPr>
-          <p:cNvGrpSpPr/>
-          <p:nvPr/>
-        </p:nvGrpSpPr>
-        <p:grpSpPr>
-          <a:xfrm>
-            <a:off x="7487811" y="2182011"/>
-            <a:ext cx="5297585" cy="5306444"/>
-            <a:chOff x="7487811" y="2182011"/>
-            <a:chExt cx="5297585" cy="5306444"/>
-          </a:xfrm>
-        </p:grpSpPr>
-        <p:pic>
-          <p:nvPicPr>
-            <p:cNvPr id="8" name="Picture 7">
-              <a:extLst>
-                <a:ext uri="{FF2B5EF4-FFF2-40B4-BE49-F238E27FC236}">
-                  <a16:creationId xmlns:a16="http://schemas.microsoft.com/office/drawing/2014/main" id="{85AD1EB9-EDDD-430E-BB3B-A5006BABA01C}"/>
-                </a:ext>
-              </a:extLst>
-            </p:cNvPr>
-            <p:cNvPicPr>
-              <a:picLocks noChangeAspect="1"/>
-            </p:cNvPicPr>
-            <p:nvPr/>
-          </p:nvPicPr>
-          <p:blipFill>
-            <a:blip r:embed="rId3">
-              <a:extLst>
-                <a:ext uri="{28A0092B-C50C-407E-A947-70E740481C1C}">
-                  <a14:useLocalDpi xmlns:a14="http://schemas.microsoft.com/office/drawing/2010/main" val="0"/>
-                </a:ext>
-              </a:extLst>
-            </a:blip>
-            <a:stretch>
-              <a:fillRect/>
-            </a:stretch>
-          </p:blipFill>
-          <p:spPr>
-            <a:xfrm>
-              <a:off x="7487811" y="2182011"/>
-              <a:ext cx="5297585" cy="5297585"/>
-            </a:xfrm>
-            <a:prstGeom prst="rect">
-              <a:avLst/>
-            </a:prstGeom>
-            <a:effectLst/>
-          </p:spPr>
-        </p:pic>
-        <p:sp>
-          <p:nvSpPr>
-            <p:cNvPr id="9" name="Rectangle 8">
-              <a:extLst>
-                <a:ext uri="{FF2B5EF4-FFF2-40B4-BE49-F238E27FC236}">
-                  <a16:creationId xmlns:a16="http://schemas.microsoft.com/office/drawing/2014/main" id="{31733A34-3737-4CDB-98B5-DD736E33FC4E}"/>
-                </a:ext>
-              </a:extLst>
-            </p:cNvPr>
-            <p:cNvSpPr/>
-            <p:nvPr/>
-          </p:nvSpPr>
-          <p:spPr>
-            <a:xfrm>
-              <a:off x="7488455" y="2184935"/>
-              <a:ext cx="5293894" cy="5303520"/>
-            </a:xfrm>
-            <a:prstGeom prst="rect">
-              <a:avLst/>
-            </a:prstGeom>
-            <a:solidFill>
-              <a:schemeClr val="bg1">
-                <a:alpha val="89000"/>
-              </a:schemeClr>
-            </a:solidFill>
-            <a:ln>
-              <a:noFill/>
-            </a:ln>
-          </p:spPr>
-          <p:style>
-            <a:lnRef idx="2">
-              <a:schemeClr val="accent1">
-                <a:shade val="50000"/>
-              </a:schemeClr>
-            </a:lnRef>
-            <a:fillRef idx="1">
-              <a:schemeClr val="accent1"/>
-            </a:fillRef>
-            <a:effectRef idx="0">
-              <a:schemeClr val="accent1"/>
-            </a:effectRef>
-            <a:fontRef idx="minor">
-              <a:schemeClr val="lt1"/>
-            </a:fontRef>
-          </p:style>
-          <p:txBody>
-            <a:bodyPr rtlCol="0" anchor="ctr"/>
-            <a:lstStyle/>
-            <a:p>
-              <a:pPr algn="ctr"/>
-              <a:endParaRPr lang="en-DK"/>
-            </a:p>
-          </p:txBody>
-        </p:sp>
-      </p:grpSp>
-      <p:sp>
-        <p:nvSpPr>
-          <p:cNvPr id="2" name="Title 1">
-            <a:extLst>
-              <a:ext uri="{FF2B5EF4-FFF2-40B4-BE49-F238E27FC236}">
-                <a16:creationId xmlns:a16="http://schemas.microsoft.com/office/drawing/2014/main" id="{E5CDD1F5-48AC-4C98-8B85-EB6BBC5EAAB8}"/>
-              </a:ext>
-            </a:extLst>
-          </p:cNvPr>
-          <p:cNvSpPr>
-            <a:spLocks noGrp="1"/>
-          </p:cNvSpPr>
-          <p:nvPr>
-            <p:ph type="title"/>
-          </p:nvPr>
-        </p:nvSpPr>
-        <p:spPr/>
-        <p:txBody>
-          <a:bodyPr/>
-          <a:lstStyle/>
-          <a:p>
-            <a:r>
-              <a:rPr lang="da-DK" dirty="0"/>
-              <a:t>Network databases</a:t>
-            </a:r>
-            <a:endParaRPr lang="en-DK" dirty="0"/>
-          </a:p>
-        </p:txBody>
-      </p:sp>
-      <p:pic>
-        <p:nvPicPr>
-          <p:cNvPr id="5" name="Content Placeholder 4">
-            <a:extLst>
-              <a:ext uri="{FF2B5EF4-FFF2-40B4-BE49-F238E27FC236}">
-                <a16:creationId xmlns:a16="http://schemas.microsoft.com/office/drawing/2014/main" id="{168BFC28-4A39-4BDC-BBA6-40CDE0C46B9B}"/>
-              </a:ext>
-            </a:extLst>
-          </p:cNvPr>
-          <p:cNvPicPr>
-            <a:picLocks noGrp="1" noChangeAspect="1"/>
-          </p:cNvPicPr>
-          <p:nvPr>
-            <p:ph idx="1"/>
-          </p:nvPr>
-        </p:nvPicPr>
-        <p:blipFill>
-          <a:blip r:embed="rId4">
-            <a:extLst>
-              <a:ext uri="{28A0092B-C50C-407E-A947-70E740481C1C}">
-                <a14:useLocalDpi xmlns:a14="http://schemas.microsoft.com/office/drawing/2010/main" val="0"/>
-              </a:ext>
-            </a:extLst>
-          </a:blip>
-          <a:stretch>
-            <a:fillRect/>
-          </a:stretch>
-        </p:blipFill>
-        <p:spPr>
-          <a:xfrm>
-            <a:off x="2196465" y="2075339"/>
-            <a:ext cx="2647950" cy="2343150"/>
-          </a:xfrm>
-        </p:spPr>
-      </p:pic>
-      <p:sp>
-        <p:nvSpPr>
-          <p:cNvPr id="6" name="TextBox 5">
-            <a:extLst>
-              <a:ext uri="{FF2B5EF4-FFF2-40B4-BE49-F238E27FC236}">
-                <a16:creationId xmlns:a16="http://schemas.microsoft.com/office/drawing/2014/main" id="{12A6B621-DD85-475F-8AAB-6A058F95E0B7}"/>
-              </a:ext>
-            </a:extLst>
-          </p:cNvPr>
-          <p:cNvSpPr txBox="1"/>
-          <p:nvPr/>
-        </p:nvSpPr>
-        <p:spPr>
-          <a:xfrm>
-            <a:off x="7490460" y="4091940"/>
-            <a:ext cx="1129476" cy="646331"/>
-          </a:xfrm>
-          <a:prstGeom prst="rect">
-            <a:avLst/>
-          </a:prstGeom>
-          <a:noFill/>
-        </p:spPr>
-        <p:txBody>
-          <a:bodyPr wrap="none" rtlCol="0">
-            <a:spAutoFit/>
-          </a:bodyPr>
-          <a:lstStyle/>
-          <a:p>
-            <a:r>
-              <a:rPr lang="en-US" dirty="0"/>
-              <a:t>Examples:</a:t>
-            </a:r>
-          </a:p>
-          <a:p>
-            <a:pPr marL="285750" indent="-285750">
-              <a:buFont typeface="Arial" panose="020B0604020202020204" pitchFamily="34" charset="0"/>
-              <a:buChar char="•"/>
-            </a:pPr>
-            <a:r>
-              <a:rPr lang="en-US" dirty="0"/>
-              <a:t>IDMS</a:t>
-            </a:r>
-            <a:endParaRPr lang="en-DK" dirty="0"/>
-          </a:p>
-        </p:txBody>
-      </p:sp>
-    </p:spTree>
-    <p:extLst>
-      <p:ext uri="{BB962C8B-B14F-4D97-AF65-F5344CB8AC3E}">
-        <p14:creationId xmlns:p14="http://schemas.microsoft.com/office/powerpoint/2010/main" val="3074427835"/>
-      </p:ext>
-    </p:extLst>
-  </p:cSld>
-  <p:clrMapOvr>
-    <a:masterClrMapping/>
-  </p:clrMapOvr>
-</p:sld>
-</file>
-
-<file path=ppt/slides/slide6.xml><?xml version="1.0" encoding="utf-8"?>
-<p:sld xmlns:a="http://schemas.openxmlformats.org/drawingml/2006/main" xmlns:r="http://schemas.openxmlformats.org/officeDocument/2006/relationships" xmlns:p="http://schemas.openxmlformats.org/presentationml/2006/main">
-  <p:cSld>
-    <p:spTree>
-      <p:nvGrpSpPr>
-        <p:cNvPr id="1" name=""/>
-        <p:cNvGrpSpPr/>
-        <p:nvPr/>
-      </p:nvGrpSpPr>
-      <p:grpSpPr>
-        <a:xfrm>
-          <a:off x="0" y="0"/>
-          <a:ext cx="0" cy="0"/>
-          <a:chOff x="0" y="0"/>
-          <a:chExt cx="0" cy="0"/>
-        </a:xfrm>
-      </p:grpSpPr>
-      <p:grpSp>
-        <p:nvGrpSpPr>
-          <p:cNvPr id="7" name="Group 6">
-            <a:extLst>
-              <a:ext uri="{FF2B5EF4-FFF2-40B4-BE49-F238E27FC236}">
-                <a16:creationId xmlns:a16="http://schemas.microsoft.com/office/drawing/2014/main" id="{BA070B19-22BA-43D1-AC87-4EE2F052824D}"/>
-              </a:ext>
-            </a:extLst>
-          </p:cNvPr>
-          <p:cNvGrpSpPr/>
-          <p:nvPr/>
-        </p:nvGrpSpPr>
-        <p:grpSpPr>
-          <a:xfrm>
-            <a:off x="7487811" y="2182011"/>
-            <a:ext cx="5297585" cy="5306444"/>
-            <a:chOff x="7487811" y="2182011"/>
-            <a:chExt cx="5297585" cy="5306444"/>
-          </a:xfrm>
-        </p:grpSpPr>
-        <p:pic>
-          <p:nvPicPr>
-            <p:cNvPr id="8" name="Picture 7">
-              <a:extLst>
-                <a:ext uri="{FF2B5EF4-FFF2-40B4-BE49-F238E27FC236}">
-                  <a16:creationId xmlns:a16="http://schemas.microsoft.com/office/drawing/2014/main" id="{CA7D47EE-30D9-4BA4-9EC2-291A1BD16934}"/>
-                </a:ext>
-              </a:extLst>
-            </p:cNvPr>
-            <p:cNvPicPr>
-              <a:picLocks noChangeAspect="1"/>
-            </p:cNvPicPr>
-            <p:nvPr/>
-          </p:nvPicPr>
-          <p:blipFill>
-            <a:blip r:embed="rId3">
-              <a:extLst>
-                <a:ext uri="{28A0092B-C50C-407E-A947-70E740481C1C}">
-                  <a14:useLocalDpi xmlns:a14="http://schemas.microsoft.com/office/drawing/2010/main" val="0"/>
-                </a:ext>
-              </a:extLst>
-            </a:blip>
-            <a:stretch>
-              <a:fillRect/>
-            </a:stretch>
-          </p:blipFill>
-          <p:spPr>
-            <a:xfrm>
-              <a:off x="7487811" y="2182011"/>
-              <a:ext cx="5297585" cy="5297585"/>
-            </a:xfrm>
-            <a:prstGeom prst="rect">
-              <a:avLst/>
-            </a:prstGeom>
-            <a:effectLst/>
-          </p:spPr>
-        </p:pic>
-        <p:sp>
-          <p:nvSpPr>
-            <p:cNvPr id="9" name="Rectangle 8">
-              <a:extLst>
-                <a:ext uri="{FF2B5EF4-FFF2-40B4-BE49-F238E27FC236}">
-                  <a16:creationId xmlns:a16="http://schemas.microsoft.com/office/drawing/2014/main" id="{ADBD2F91-3C7B-466C-AEDC-4C913E8A6915}"/>
-                </a:ext>
-              </a:extLst>
-            </p:cNvPr>
-            <p:cNvSpPr/>
-            <p:nvPr/>
-          </p:nvSpPr>
-          <p:spPr>
-            <a:xfrm>
-              <a:off x="7488455" y="2184935"/>
-              <a:ext cx="5293894" cy="5303520"/>
-            </a:xfrm>
-            <a:prstGeom prst="rect">
-              <a:avLst/>
-            </a:prstGeom>
-            <a:solidFill>
-              <a:schemeClr val="bg1">
-                <a:alpha val="89000"/>
-              </a:schemeClr>
-            </a:solidFill>
-            <a:ln>
-              <a:noFill/>
-            </a:ln>
-          </p:spPr>
-          <p:style>
-            <a:lnRef idx="2">
-              <a:schemeClr val="accent1">
-                <a:shade val="50000"/>
-              </a:schemeClr>
-            </a:lnRef>
-            <a:fillRef idx="1">
-              <a:schemeClr val="accent1"/>
-            </a:fillRef>
-            <a:effectRef idx="0">
-              <a:schemeClr val="accent1"/>
-            </a:effectRef>
-            <a:fontRef idx="minor">
-              <a:schemeClr val="lt1"/>
-            </a:fontRef>
-          </p:style>
-          <p:txBody>
-            <a:bodyPr rtlCol="0" anchor="ctr"/>
-            <a:lstStyle/>
-            <a:p>
-              <a:pPr algn="ctr"/>
-              <a:endParaRPr lang="en-DK"/>
-            </a:p>
-          </p:txBody>
-        </p:sp>
-      </p:grpSp>
-      <p:sp>
-        <p:nvSpPr>
-          <p:cNvPr id="2" name="Title 1">
-            <a:extLst>
-              <a:ext uri="{FF2B5EF4-FFF2-40B4-BE49-F238E27FC236}">
-                <a16:creationId xmlns:a16="http://schemas.microsoft.com/office/drawing/2014/main" id="{C14DA020-5B03-4221-8CED-8C948436B20F}"/>
-              </a:ext>
-            </a:extLst>
-          </p:cNvPr>
-          <p:cNvSpPr>
-            <a:spLocks noGrp="1"/>
-          </p:cNvSpPr>
-          <p:nvPr>
-            <p:ph type="title"/>
-          </p:nvPr>
-        </p:nvSpPr>
-        <p:spPr/>
-        <p:txBody>
-          <a:bodyPr/>
-          <a:lstStyle/>
-          <a:p>
-            <a:r>
-              <a:rPr lang="da-DK" dirty="0" err="1"/>
-              <a:t>Relational</a:t>
-            </a:r>
-            <a:r>
-              <a:rPr lang="da-DK" dirty="0"/>
-              <a:t> databases</a:t>
-            </a:r>
-            <a:endParaRPr lang="en-DK" dirty="0"/>
-          </a:p>
-        </p:txBody>
-      </p:sp>
-      <p:pic>
-        <p:nvPicPr>
-          <p:cNvPr id="5" name="Content Placeholder 4">
-            <a:extLst>
-              <a:ext uri="{FF2B5EF4-FFF2-40B4-BE49-F238E27FC236}">
-                <a16:creationId xmlns:a16="http://schemas.microsoft.com/office/drawing/2014/main" id="{59176588-F802-4846-8AE0-1504B9978B3D}"/>
-              </a:ext>
-            </a:extLst>
-          </p:cNvPr>
-          <p:cNvPicPr>
-            <a:picLocks noGrp="1" noChangeAspect="1"/>
-          </p:cNvPicPr>
-          <p:nvPr>
-            <p:ph idx="1"/>
-          </p:nvPr>
-        </p:nvPicPr>
-        <p:blipFill>
-          <a:blip r:embed="rId4">
-            <a:extLst>
-              <a:ext uri="{28A0092B-C50C-407E-A947-70E740481C1C}">
-                <a14:useLocalDpi xmlns:a14="http://schemas.microsoft.com/office/drawing/2010/main" val="0"/>
-              </a:ext>
-            </a:extLst>
-          </a:blip>
-          <a:stretch>
-            <a:fillRect/>
-          </a:stretch>
-        </p:blipFill>
-        <p:spPr>
-          <a:xfrm>
-            <a:off x="2026659" y="1690688"/>
-            <a:ext cx="3460002" cy="4351338"/>
-          </a:xfrm>
-        </p:spPr>
-      </p:pic>
-      <p:sp>
-        <p:nvSpPr>
-          <p:cNvPr id="6" name="TextBox 5">
-            <a:extLst>
-              <a:ext uri="{FF2B5EF4-FFF2-40B4-BE49-F238E27FC236}">
-                <a16:creationId xmlns:a16="http://schemas.microsoft.com/office/drawing/2014/main" id="{52F6D74E-9576-45BD-9BE9-46A354105C97}"/>
-              </a:ext>
-            </a:extLst>
-          </p:cNvPr>
-          <p:cNvSpPr txBox="1"/>
-          <p:nvPr/>
-        </p:nvSpPr>
-        <p:spPr>
-          <a:xfrm>
-            <a:off x="7780020" y="3489960"/>
-            <a:ext cx="1533818" cy="1477328"/>
-          </a:xfrm>
-          <a:prstGeom prst="rect">
-            <a:avLst/>
-          </a:prstGeom>
-          <a:noFill/>
-        </p:spPr>
-        <p:txBody>
-          <a:bodyPr wrap="none" rtlCol="0">
-            <a:spAutoFit/>
-          </a:bodyPr>
-          <a:lstStyle/>
-          <a:p>
-            <a:r>
-              <a:rPr lang="en-US" dirty="0"/>
-              <a:t>Examples:</a:t>
-            </a:r>
-          </a:p>
-          <a:p>
-            <a:pPr marL="285750" indent="-285750">
-              <a:buFont typeface="Arial" panose="020B0604020202020204" pitchFamily="34" charset="0"/>
-              <a:buChar char="•"/>
-            </a:pPr>
-            <a:r>
-              <a:rPr lang="en-US" dirty="0"/>
-              <a:t>MS-SQL</a:t>
-            </a:r>
-          </a:p>
-          <a:p>
-            <a:pPr marL="285750" indent="-285750">
-              <a:buFont typeface="Arial" panose="020B0604020202020204" pitchFamily="34" charset="0"/>
-              <a:buChar char="•"/>
-            </a:pPr>
-            <a:r>
-              <a:rPr lang="en-US" dirty="0"/>
-              <a:t>MySQL</a:t>
-            </a:r>
-          </a:p>
-          <a:p>
-            <a:pPr marL="285750" indent="-285750">
-              <a:buFont typeface="Arial" panose="020B0604020202020204" pitchFamily="34" charset="0"/>
-              <a:buChar char="•"/>
-            </a:pPr>
-            <a:r>
-              <a:rPr lang="en-US" dirty="0"/>
-              <a:t>PostgreSQL</a:t>
-            </a:r>
-          </a:p>
-          <a:p>
-            <a:pPr marL="285750" indent="-285750">
-              <a:buFont typeface="Arial" panose="020B0604020202020204" pitchFamily="34" charset="0"/>
-              <a:buChar char="•"/>
-            </a:pPr>
-            <a:r>
-              <a:rPr lang="en-US" dirty="0"/>
-              <a:t>SQLite</a:t>
-            </a:r>
-            <a:endParaRPr lang="en-DK" dirty="0"/>
-          </a:p>
-        </p:txBody>
-      </p:sp>
-    </p:spTree>
-    <p:extLst>
-      <p:ext uri="{BB962C8B-B14F-4D97-AF65-F5344CB8AC3E}">
-        <p14:creationId xmlns:p14="http://schemas.microsoft.com/office/powerpoint/2010/main" val="2468673394"/>
-      </p:ext>
-    </p:extLst>
-  </p:cSld>
-  <p:clrMapOvr>
-    <a:masterClrMapping/>
-  </p:clrMapOvr>
-</p:sld>
-</file>
-
-<file path=ppt/slides/slide7.xml><?xml version="1.0" encoding="utf-8"?>
-<p:sld xmlns:a="http://schemas.openxmlformats.org/drawingml/2006/main" xmlns:r="http://schemas.openxmlformats.org/officeDocument/2006/relationships" xmlns:p="http://schemas.openxmlformats.org/presentationml/2006/main">
-  <p:cSld>
-    <p:spTree>
-      <p:nvGrpSpPr>
-        <p:cNvPr id="1" name=""/>
-        <p:cNvGrpSpPr/>
-        <p:nvPr/>
-      </p:nvGrpSpPr>
-      <p:grpSpPr>
-        <a:xfrm>
-          <a:off x="0" y="0"/>
-          <a:ext cx="0" cy="0"/>
-          <a:chOff x="0" y="0"/>
-          <a:chExt cx="0" cy="0"/>
-        </a:xfrm>
-      </p:grpSpPr>
-      <p:grpSp>
-        <p:nvGrpSpPr>
-          <p:cNvPr id="7" name="Group 6">
-            <a:extLst>
-              <a:ext uri="{FF2B5EF4-FFF2-40B4-BE49-F238E27FC236}">
-                <a16:creationId xmlns:a16="http://schemas.microsoft.com/office/drawing/2014/main" id="{1092CEBD-E091-46E1-86AB-E3003881D793}"/>
-              </a:ext>
-            </a:extLst>
-          </p:cNvPr>
-          <p:cNvGrpSpPr/>
-          <p:nvPr/>
-        </p:nvGrpSpPr>
-        <p:grpSpPr>
-          <a:xfrm>
-            <a:off x="7487811" y="2182011"/>
-            <a:ext cx="5297585" cy="5306444"/>
-            <a:chOff x="7487811" y="2182011"/>
-            <a:chExt cx="5297585" cy="5306444"/>
-          </a:xfrm>
-        </p:grpSpPr>
-        <p:pic>
-          <p:nvPicPr>
-            <p:cNvPr id="8" name="Picture 7">
-              <a:extLst>
-                <a:ext uri="{FF2B5EF4-FFF2-40B4-BE49-F238E27FC236}">
-                  <a16:creationId xmlns:a16="http://schemas.microsoft.com/office/drawing/2014/main" id="{FE410A3B-177D-455E-860E-3FEC52DC9995}"/>
-                </a:ext>
-              </a:extLst>
-            </p:cNvPr>
-            <p:cNvPicPr>
-              <a:picLocks noChangeAspect="1"/>
-            </p:cNvPicPr>
-            <p:nvPr/>
-          </p:nvPicPr>
-          <p:blipFill>
-            <a:blip r:embed="rId3">
-              <a:extLst>
-                <a:ext uri="{28A0092B-C50C-407E-A947-70E740481C1C}">
-                  <a14:useLocalDpi xmlns:a14="http://schemas.microsoft.com/office/drawing/2010/main" val="0"/>
-                </a:ext>
-              </a:extLst>
-            </a:blip>
-            <a:stretch>
-              <a:fillRect/>
-            </a:stretch>
-          </p:blipFill>
-          <p:spPr>
-            <a:xfrm>
-              <a:off x="7487811" y="2182011"/>
-              <a:ext cx="5297585" cy="5297585"/>
-            </a:xfrm>
-            <a:prstGeom prst="rect">
-              <a:avLst/>
-            </a:prstGeom>
-            <a:effectLst/>
-          </p:spPr>
-        </p:pic>
-        <p:sp>
-          <p:nvSpPr>
-            <p:cNvPr id="9" name="Rectangle 8">
-              <a:extLst>
-                <a:ext uri="{FF2B5EF4-FFF2-40B4-BE49-F238E27FC236}">
-                  <a16:creationId xmlns:a16="http://schemas.microsoft.com/office/drawing/2014/main" id="{D46DEA6D-087B-4ADA-89FA-C226C9E336FE}"/>
-                </a:ext>
-              </a:extLst>
-            </p:cNvPr>
-            <p:cNvSpPr/>
-            <p:nvPr/>
-          </p:nvSpPr>
-          <p:spPr>
-            <a:xfrm>
-              <a:off x="7488455" y="2184935"/>
-              <a:ext cx="5293894" cy="5303520"/>
-            </a:xfrm>
-            <a:prstGeom prst="rect">
-              <a:avLst/>
-            </a:prstGeom>
-            <a:solidFill>
-              <a:schemeClr val="bg1">
-                <a:alpha val="89000"/>
-              </a:schemeClr>
-            </a:solidFill>
-            <a:ln>
-              <a:noFill/>
-            </a:ln>
-          </p:spPr>
-          <p:style>
-            <a:lnRef idx="2">
-              <a:schemeClr val="accent1">
-                <a:shade val="50000"/>
-              </a:schemeClr>
-            </a:lnRef>
-            <a:fillRef idx="1">
-              <a:schemeClr val="accent1"/>
-            </a:fillRef>
-            <a:effectRef idx="0">
-              <a:schemeClr val="accent1"/>
-            </a:effectRef>
-            <a:fontRef idx="minor">
-              <a:schemeClr val="lt1"/>
-            </a:fontRef>
-          </p:style>
-          <p:txBody>
-            <a:bodyPr rtlCol="0" anchor="ctr"/>
-            <a:lstStyle/>
-            <a:p>
-              <a:pPr algn="ctr"/>
-              <a:endParaRPr lang="en-DK"/>
-            </a:p>
-          </p:txBody>
-        </p:sp>
-      </p:grpSp>
-      <p:sp>
-        <p:nvSpPr>
-          <p:cNvPr id="2" name="Title 1">
-            <a:extLst>
-              <a:ext uri="{FF2B5EF4-FFF2-40B4-BE49-F238E27FC236}">
-                <a16:creationId xmlns:a16="http://schemas.microsoft.com/office/drawing/2014/main" id="{69A03B0F-CEE3-4886-BA09-458961B714DA}"/>
-              </a:ext>
-            </a:extLst>
-          </p:cNvPr>
-          <p:cNvSpPr>
-            <a:spLocks noGrp="1"/>
-          </p:cNvSpPr>
-          <p:nvPr>
-            <p:ph type="title"/>
-          </p:nvPr>
-        </p:nvSpPr>
-        <p:spPr/>
-        <p:txBody>
-          <a:bodyPr/>
-          <a:lstStyle/>
-          <a:p>
-            <a:r>
-              <a:rPr lang="da-DK" dirty="0" err="1"/>
-              <a:t>NoSQL</a:t>
-            </a:r>
-            <a:r>
-              <a:rPr lang="da-DK" dirty="0"/>
-              <a:t> databases (Key </a:t>
-            </a:r>
-            <a:r>
-              <a:rPr lang="da-DK" dirty="0" err="1"/>
-              <a:t>value</a:t>
-            </a:r>
-            <a:r>
-              <a:rPr lang="da-DK" dirty="0"/>
-              <a:t> pair)</a:t>
-            </a:r>
-            <a:endParaRPr lang="en-DK" dirty="0"/>
-          </a:p>
-        </p:txBody>
-      </p:sp>
-      <p:sp>
-        <p:nvSpPr>
-          <p:cNvPr id="3" name="Content Placeholder 2">
-            <a:extLst>
-              <a:ext uri="{FF2B5EF4-FFF2-40B4-BE49-F238E27FC236}">
-                <a16:creationId xmlns:a16="http://schemas.microsoft.com/office/drawing/2014/main" id="{FE228B89-4A85-4146-AA63-9223D3DFE11B}"/>
-              </a:ext>
-            </a:extLst>
-          </p:cNvPr>
-          <p:cNvSpPr>
-            <a:spLocks noGrp="1"/>
-          </p:cNvSpPr>
-          <p:nvPr>
-            <p:ph idx="1"/>
-          </p:nvPr>
-        </p:nvSpPr>
-        <p:spPr/>
-        <p:txBody>
-          <a:bodyPr/>
-          <a:lstStyle/>
-          <a:p>
-            <a:endParaRPr lang="en-DK" dirty="0"/>
-          </a:p>
-        </p:txBody>
-      </p:sp>
-      <p:pic>
-        <p:nvPicPr>
-          <p:cNvPr id="5" name="Picture 4">
-            <a:extLst>
-              <a:ext uri="{FF2B5EF4-FFF2-40B4-BE49-F238E27FC236}">
-                <a16:creationId xmlns:a16="http://schemas.microsoft.com/office/drawing/2014/main" id="{2F29F9C0-91E1-42DC-9628-33DAB736EE60}"/>
-              </a:ext>
-            </a:extLst>
-          </p:cNvPr>
-          <p:cNvPicPr>
-            <a:picLocks noChangeAspect="1"/>
-          </p:cNvPicPr>
-          <p:nvPr/>
-        </p:nvPicPr>
-        <p:blipFill>
-          <a:blip r:embed="rId4">
-            <a:extLst>
-              <a:ext uri="{28A0092B-C50C-407E-A947-70E740481C1C}">
-                <a14:useLocalDpi xmlns:a14="http://schemas.microsoft.com/office/drawing/2010/main" val="0"/>
-              </a:ext>
-            </a:extLst>
-          </a:blip>
-          <a:stretch>
-            <a:fillRect/>
-          </a:stretch>
-        </p:blipFill>
-        <p:spPr>
-          <a:xfrm>
-            <a:off x="2046922" y="2578417"/>
-            <a:ext cx="3190875" cy="1076325"/>
-          </a:xfrm>
-          <a:prstGeom prst="rect">
-            <a:avLst/>
-          </a:prstGeom>
-        </p:spPr>
-      </p:pic>
-      <p:sp>
-        <p:nvSpPr>
-          <p:cNvPr id="6" name="TextBox 5">
-            <a:extLst>
-              <a:ext uri="{FF2B5EF4-FFF2-40B4-BE49-F238E27FC236}">
-                <a16:creationId xmlns:a16="http://schemas.microsoft.com/office/drawing/2014/main" id="{11486C0D-D0EF-47F8-9F7C-CD49F42B40CF}"/>
-              </a:ext>
-            </a:extLst>
-          </p:cNvPr>
-          <p:cNvSpPr txBox="1"/>
-          <p:nvPr/>
-        </p:nvSpPr>
-        <p:spPr>
-          <a:xfrm>
-            <a:off x="7391400" y="3825240"/>
-            <a:ext cx="1620636" cy="923330"/>
-          </a:xfrm>
-          <a:prstGeom prst="rect">
-            <a:avLst/>
-          </a:prstGeom>
-          <a:noFill/>
-        </p:spPr>
-        <p:txBody>
-          <a:bodyPr wrap="none" rtlCol="0">
-            <a:spAutoFit/>
-          </a:bodyPr>
-          <a:lstStyle/>
-          <a:p>
-            <a:r>
-              <a:rPr lang="en-US" dirty="0"/>
-              <a:t>Examples:</a:t>
-            </a:r>
-          </a:p>
-          <a:p>
-            <a:pPr marL="285750" indent="-285750">
-              <a:buFont typeface="Arial" panose="020B0604020202020204" pitchFamily="34" charset="0"/>
-              <a:buChar char="•"/>
-            </a:pPr>
-            <a:r>
-              <a:rPr lang="en-US" dirty="0"/>
-              <a:t>Redis</a:t>
-            </a:r>
-          </a:p>
-          <a:p>
-            <a:pPr marL="285750" indent="-285750">
-              <a:buFont typeface="Arial" panose="020B0604020202020204" pitchFamily="34" charset="0"/>
-              <a:buChar char="•"/>
-            </a:pPr>
-            <a:r>
-              <a:rPr lang="en-US" dirty="0" err="1"/>
-              <a:t>memcached</a:t>
-            </a:r>
-            <a:endParaRPr lang="en-DK" dirty="0"/>
-          </a:p>
-        </p:txBody>
-      </p:sp>
-    </p:spTree>
-    <p:extLst>
-      <p:ext uri="{BB962C8B-B14F-4D97-AF65-F5344CB8AC3E}">
-        <p14:creationId xmlns:p14="http://schemas.microsoft.com/office/powerpoint/2010/main" val="11293107"/>
-      </p:ext>
-    </p:extLst>
-  </p:cSld>
-  <p:clrMapOvr>
-    <a:masterClrMapping/>
-  </p:clrMapOvr>
-</p:sld>
-</file>
-
-<file path=ppt/slides/slide8.xml><?xml version="1.0" encoding="utf-8"?>
-<p:sld xmlns:a="http://schemas.openxmlformats.org/drawingml/2006/main" xmlns:r="http://schemas.openxmlformats.org/officeDocument/2006/relationships" xmlns:p="http://schemas.openxmlformats.org/presentationml/2006/main">
-  <p:cSld>
-    <p:spTree>
-      <p:nvGrpSpPr>
-        <p:cNvPr id="1" name=""/>
-        <p:cNvGrpSpPr/>
-        <p:nvPr/>
-      </p:nvGrpSpPr>
-      <p:grpSpPr>
-        <a:xfrm>
-          <a:off x="0" y="0"/>
-          <a:ext cx="0" cy="0"/>
-          <a:chOff x="0" y="0"/>
-          <a:chExt cx="0" cy="0"/>
-        </a:xfrm>
-      </p:grpSpPr>
-      <p:grpSp>
-        <p:nvGrpSpPr>
-          <p:cNvPr id="7" name="Group 6">
-            <a:extLst>
-              <a:ext uri="{FF2B5EF4-FFF2-40B4-BE49-F238E27FC236}">
-                <a16:creationId xmlns:a16="http://schemas.microsoft.com/office/drawing/2014/main" id="{08642DD6-FFA5-4254-9B3B-18DE545162B2}"/>
-              </a:ext>
-            </a:extLst>
-          </p:cNvPr>
-          <p:cNvGrpSpPr/>
-          <p:nvPr/>
-        </p:nvGrpSpPr>
-        <p:grpSpPr>
-          <a:xfrm>
-            <a:off x="7487811" y="2182011"/>
-            <a:ext cx="5297585" cy="5306444"/>
-            <a:chOff x="7487811" y="2182011"/>
-            <a:chExt cx="5297585" cy="5306444"/>
-          </a:xfrm>
-        </p:grpSpPr>
-        <p:pic>
-          <p:nvPicPr>
-            <p:cNvPr id="8" name="Picture 7">
-              <a:extLst>
-                <a:ext uri="{FF2B5EF4-FFF2-40B4-BE49-F238E27FC236}">
-                  <a16:creationId xmlns:a16="http://schemas.microsoft.com/office/drawing/2014/main" id="{F4079309-BF1D-4CCD-B822-572687C105FC}"/>
-                </a:ext>
-              </a:extLst>
-            </p:cNvPr>
-            <p:cNvPicPr>
-              <a:picLocks noChangeAspect="1"/>
-            </p:cNvPicPr>
-            <p:nvPr/>
-          </p:nvPicPr>
-          <p:blipFill>
-            <a:blip r:embed="rId3">
-              <a:extLst>
-                <a:ext uri="{28A0092B-C50C-407E-A947-70E740481C1C}">
-                  <a14:useLocalDpi xmlns:a14="http://schemas.microsoft.com/office/drawing/2010/main" val="0"/>
-                </a:ext>
-              </a:extLst>
-            </a:blip>
-            <a:stretch>
-              <a:fillRect/>
-            </a:stretch>
-          </p:blipFill>
-          <p:spPr>
-            <a:xfrm>
-              <a:off x="7487811" y="2182011"/>
-              <a:ext cx="5297585" cy="5297585"/>
-            </a:xfrm>
-            <a:prstGeom prst="rect">
-              <a:avLst/>
-            </a:prstGeom>
-            <a:effectLst/>
-          </p:spPr>
-        </p:pic>
-        <p:sp>
-          <p:nvSpPr>
-            <p:cNvPr id="9" name="Rectangle 8">
-              <a:extLst>
-                <a:ext uri="{FF2B5EF4-FFF2-40B4-BE49-F238E27FC236}">
-                  <a16:creationId xmlns:a16="http://schemas.microsoft.com/office/drawing/2014/main" id="{19E3938B-3F8C-4CAD-B438-A212F9AC6382}"/>
-                </a:ext>
-              </a:extLst>
-            </p:cNvPr>
-            <p:cNvSpPr/>
-            <p:nvPr/>
-          </p:nvSpPr>
-          <p:spPr>
-            <a:xfrm>
-              <a:off x="7488455" y="2184935"/>
-              <a:ext cx="5293894" cy="5303520"/>
-            </a:xfrm>
-            <a:prstGeom prst="rect">
-              <a:avLst/>
-            </a:prstGeom>
-            <a:solidFill>
-              <a:schemeClr val="bg1">
-                <a:alpha val="89000"/>
-              </a:schemeClr>
-            </a:solidFill>
-            <a:ln>
-              <a:noFill/>
-            </a:ln>
-          </p:spPr>
-          <p:style>
-            <a:lnRef idx="2">
-              <a:schemeClr val="accent1">
-                <a:shade val="50000"/>
-              </a:schemeClr>
-            </a:lnRef>
-            <a:fillRef idx="1">
-              <a:schemeClr val="accent1"/>
-            </a:fillRef>
-            <a:effectRef idx="0">
-              <a:schemeClr val="accent1"/>
-            </a:effectRef>
-            <a:fontRef idx="minor">
-              <a:schemeClr val="lt1"/>
-            </a:fontRef>
-          </p:style>
-          <p:txBody>
-            <a:bodyPr rtlCol="0" anchor="ctr"/>
-            <a:lstStyle/>
-            <a:p>
-              <a:pPr algn="ctr"/>
-              <a:endParaRPr lang="en-DK"/>
-            </a:p>
-          </p:txBody>
-        </p:sp>
-      </p:grpSp>
-      <p:sp>
-        <p:nvSpPr>
-          <p:cNvPr id="2" name="Title 1">
-            <a:extLst>
-              <a:ext uri="{FF2B5EF4-FFF2-40B4-BE49-F238E27FC236}">
-                <a16:creationId xmlns:a16="http://schemas.microsoft.com/office/drawing/2014/main" id="{A95EB749-B6D7-4C94-AE7A-7D919BD1802E}"/>
-              </a:ext>
-            </a:extLst>
-          </p:cNvPr>
-          <p:cNvSpPr>
-            <a:spLocks noGrp="1"/>
-          </p:cNvSpPr>
-          <p:nvPr>
-            <p:ph type="title"/>
-          </p:nvPr>
-        </p:nvSpPr>
-        <p:spPr/>
-        <p:txBody>
-          <a:bodyPr/>
-          <a:lstStyle/>
-          <a:p>
-            <a:r>
-              <a:rPr lang="en-US" dirty="0"/>
-              <a:t>NoSQL (Document databases)</a:t>
-            </a:r>
-            <a:endParaRPr lang="en-DK" dirty="0"/>
-          </a:p>
-        </p:txBody>
-      </p:sp>
-      <p:pic>
-        <p:nvPicPr>
-          <p:cNvPr id="5" name="Content Placeholder 4">
-            <a:extLst>
-              <a:ext uri="{FF2B5EF4-FFF2-40B4-BE49-F238E27FC236}">
-                <a16:creationId xmlns:a16="http://schemas.microsoft.com/office/drawing/2014/main" id="{99CCDA4B-C509-49F9-BD9B-1E02983AC69D}"/>
-              </a:ext>
-            </a:extLst>
-          </p:cNvPr>
-          <p:cNvPicPr>
-            <a:picLocks noGrp="1" noChangeAspect="1"/>
-          </p:cNvPicPr>
-          <p:nvPr>
-            <p:ph idx="1"/>
-          </p:nvPr>
-        </p:nvPicPr>
-        <p:blipFill>
-          <a:blip r:embed="rId4">
-            <a:extLst>
-              <a:ext uri="{28A0092B-C50C-407E-A947-70E740481C1C}">
-                <a14:useLocalDpi xmlns:a14="http://schemas.microsoft.com/office/drawing/2010/main" val="0"/>
-              </a:ext>
-            </a:extLst>
-          </a:blip>
-          <a:stretch>
-            <a:fillRect/>
-          </a:stretch>
-        </p:blipFill>
-        <p:spPr>
-          <a:xfrm>
-            <a:off x="1178242" y="2028666"/>
-            <a:ext cx="5934075" cy="3152775"/>
-          </a:xfrm>
-        </p:spPr>
-      </p:pic>
-      <p:sp>
-        <p:nvSpPr>
-          <p:cNvPr id="6" name="TextBox 5">
-            <a:extLst>
-              <a:ext uri="{FF2B5EF4-FFF2-40B4-BE49-F238E27FC236}">
-                <a16:creationId xmlns:a16="http://schemas.microsoft.com/office/drawing/2014/main" id="{77DFB75F-D4F8-49B1-A1D7-A11809AA18A3}"/>
-              </a:ext>
-            </a:extLst>
-          </p:cNvPr>
-          <p:cNvSpPr txBox="1"/>
-          <p:nvPr/>
-        </p:nvSpPr>
-        <p:spPr>
-          <a:xfrm>
-            <a:off x="7848600" y="2933700"/>
-            <a:ext cx="1453796" cy="923330"/>
-          </a:xfrm>
-          <a:prstGeom prst="rect">
-            <a:avLst/>
-          </a:prstGeom>
-          <a:noFill/>
-        </p:spPr>
-        <p:txBody>
-          <a:bodyPr wrap="none" rtlCol="0">
-            <a:spAutoFit/>
-          </a:bodyPr>
-          <a:lstStyle/>
-          <a:p>
-            <a:r>
-              <a:rPr lang="en-US" dirty="0"/>
-              <a:t>Examples:</a:t>
-            </a:r>
-          </a:p>
-          <a:p>
-            <a:pPr marL="285750" indent="-285750">
-              <a:buFont typeface="Arial" panose="020B0604020202020204" pitchFamily="34" charset="0"/>
-              <a:buChar char="•"/>
-            </a:pPr>
-            <a:r>
-              <a:rPr lang="en-US" dirty="0"/>
-              <a:t>MongoDB</a:t>
-            </a:r>
-          </a:p>
-          <a:p>
-            <a:pPr marL="285750" indent="-285750">
-              <a:buFont typeface="Arial" panose="020B0604020202020204" pitchFamily="34" charset="0"/>
-              <a:buChar char="•"/>
-            </a:pPr>
-            <a:r>
-              <a:rPr lang="en-US" dirty="0" err="1"/>
-              <a:t>RethinkDB</a:t>
-            </a:r>
-            <a:endParaRPr lang="en-US" dirty="0"/>
-          </a:p>
-        </p:txBody>
-      </p:sp>
-    </p:spTree>
-    <p:extLst>
-      <p:ext uri="{BB962C8B-B14F-4D97-AF65-F5344CB8AC3E}">
-        <p14:creationId xmlns:p14="http://schemas.microsoft.com/office/powerpoint/2010/main" val="4083899280"/>
-      </p:ext>
-    </p:extLst>
-  </p:cSld>
-  <p:clrMapOvr>
-    <a:masterClrMapping/>
-  </p:clrMapOvr>
-</p:sld>
-</file>
-
-<file path=ppt/slides/slide9.xml><?xml version="1.0" encoding="utf-8"?>
-<p:sld xmlns:a="http://schemas.openxmlformats.org/drawingml/2006/main" xmlns:r="http://schemas.openxmlformats.org/officeDocument/2006/relationships" xmlns:p="http://schemas.openxmlformats.org/presentationml/2006/main">
-  <p:cSld>
-    <p:spTree>
-      <p:nvGrpSpPr>
-        <p:cNvPr id="1" name=""/>
-        <p:cNvGrpSpPr/>
-        <p:nvPr/>
-      </p:nvGrpSpPr>
-      <p:grpSpPr>
-        <a:xfrm>
-          <a:off x="0" y="0"/>
-          <a:ext cx="0" cy="0"/>
-          <a:chOff x="0" y="0"/>
-          <a:chExt cx="0" cy="0"/>
-        </a:xfrm>
-      </p:grpSpPr>
-      <p:grpSp>
-        <p:nvGrpSpPr>
-          <p:cNvPr id="4" name="Group 3">
-            <a:extLst>
-              <a:ext uri="{FF2B5EF4-FFF2-40B4-BE49-F238E27FC236}">
-                <a16:creationId xmlns:a16="http://schemas.microsoft.com/office/drawing/2014/main" id="{7F506E0D-8001-4A8A-B22B-B24529E5EF61}"/>
-              </a:ext>
-            </a:extLst>
-          </p:cNvPr>
-          <p:cNvGrpSpPr/>
-          <p:nvPr/>
-        </p:nvGrpSpPr>
-        <p:grpSpPr>
-          <a:xfrm>
-            <a:off x="7487811" y="2182011"/>
-            <a:ext cx="5297585" cy="5306444"/>
-            <a:chOff x="7487811" y="2182011"/>
-            <a:chExt cx="5297585" cy="5306444"/>
-          </a:xfrm>
-        </p:grpSpPr>
-        <p:pic>
-          <p:nvPicPr>
-            <p:cNvPr id="5" name="Picture 4">
-              <a:extLst>
-                <a:ext uri="{FF2B5EF4-FFF2-40B4-BE49-F238E27FC236}">
-                  <a16:creationId xmlns:a16="http://schemas.microsoft.com/office/drawing/2014/main" id="{E236022F-B496-4771-A54F-5ED7B71612B5}"/>
-                </a:ext>
-              </a:extLst>
-            </p:cNvPr>
-            <p:cNvPicPr>
-              <a:picLocks noChangeAspect="1"/>
-            </p:cNvPicPr>
-            <p:nvPr/>
-          </p:nvPicPr>
-          <p:blipFill>
-            <a:blip r:embed="rId2">
-              <a:extLst>
-                <a:ext uri="{28A0092B-C50C-407E-A947-70E740481C1C}">
-                  <a14:useLocalDpi xmlns:a14="http://schemas.microsoft.com/office/drawing/2010/main" val="0"/>
-                </a:ext>
-              </a:extLst>
-            </a:blip>
-            <a:stretch>
-              <a:fillRect/>
-            </a:stretch>
-          </p:blipFill>
-          <p:spPr>
-            <a:xfrm>
-              <a:off x="7487811" y="2182011"/>
-              <a:ext cx="5297585" cy="5297585"/>
-            </a:xfrm>
-            <a:prstGeom prst="rect">
-              <a:avLst/>
-            </a:prstGeom>
-            <a:effectLst/>
-          </p:spPr>
-        </p:pic>
-        <p:sp>
-          <p:nvSpPr>
-            <p:cNvPr id="6" name="Rectangle 5">
-              <a:extLst>
-                <a:ext uri="{FF2B5EF4-FFF2-40B4-BE49-F238E27FC236}">
-                  <a16:creationId xmlns:a16="http://schemas.microsoft.com/office/drawing/2014/main" id="{5F9837A7-1F81-44CE-9269-13541B13DEBA}"/>
-                </a:ext>
-              </a:extLst>
-            </p:cNvPr>
-            <p:cNvSpPr/>
-            <p:nvPr/>
-          </p:nvSpPr>
-          <p:spPr>
-            <a:xfrm>
-              <a:off x="7488455" y="2184935"/>
-              <a:ext cx="5293894" cy="5303520"/>
-            </a:xfrm>
-            <a:prstGeom prst="rect">
-              <a:avLst/>
-            </a:prstGeom>
-            <a:solidFill>
-              <a:schemeClr val="bg1">
-                <a:alpha val="89000"/>
-              </a:schemeClr>
-            </a:solidFill>
-            <a:ln>
-              <a:noFill/>
-            </a:ln>
-          </p:spPr>
-          <p:style>
-            <a:lnRef idx="2">
-              <a:schemeClr val="accent1">
-                <a:shade val="50000"/>
-              </a:schemeClr>
-            </a:lnRef>
-            <a:fillRef idx="1">
-              <a:schemeClr val="accent1"/>
-            </a:fillRef>
-            <a:effectRef idx="0">
-              <a:schemeClr val="accent1"/>
-            </a:effectRef>
-            <a:fontRef idx="minor">
-              <a:schemeClr val="lt1"/>
-            </a:fontRef>
-          </p:style>
-          <p:txBody>
-            <a:bodyPr rtlCol="0" anchor="ctr"/>
-            <a:lstStyle/>
-            <a:p>
-              <a:pPr algn="ctr"/>
-              <a:endParaRPr lang="en-DK"/>
-            </a:p>
-          </p:txBody>
-        </p:sp>
-      </p:grpSp>
-      <p:sp>
-        <p:nvSpPr>
-          <p:cNvPr id="2" name="Title 1">
-            <a:extLst>
-              <a:ext uri="{FF2B5EF4-FFF2-40B4-BE49-F238E27FC236}">
-                <a16:creationId xmlns:a16="http://schemas.microsoft.com/office/drawing/2014/main" id="{3B075B62-A669-48C7-8862-B0CC05ED729A}"/>
-              </a:ext>
-            </a:extLst>
-          </p:cNvPr>
-          <p:cNvSpPr>
-            <a:spLocks noGrp="1"/>
-          </p:cNvSpPr>
-          <p:nvPr>
-            <p:ph type="title"/>
-          </p:nvPr>
-        </p:nvSpPr>
-        <p:spPr/>
-        <p:txBody>
-          <a:bodyPr/>
-          <a:lstStyle/>
-          <a:p>
-            <a:r>
-              <a:rPr lang="en-US" dirty="0"/>
-              <a:t>How does data truly look?</a:t>
-            </a:r>
-            <a:endParaRPr lang="en-DK" dirty="0"/>
-          </a:p>
-        </p:txBody>
-      </p:sp>
-      <p:sp>
-        <p:nvSpPr>
-          <p:cNvPr id="3" name="Text Placeholder 2">
-            <a:extLst>
-              <a:ext uri="{FF2B5EF4-FFF2-40B4-BE49-F238E27FC236}">
-                <a16:creationId xmlns:a16="http://schemas.microsoft.com/office/drawing/2014/main" id="{9537D7D8-196C-4229-853A-E33B538CEE1A}"/>
-              </a:ext>
-            </a:extLst>
-          </p:cNvPr>
-          <p:cNvSpPr>
-            <a:spLocks noGrp="1"/>
-          </p:cNvSpPr>
-          <p:nvPr>
-            <p:ph type="body" idx="1"/>
-          </p:nvPr>
-        </p:nvSpPr>
-        <p:spPr/>
-        <p:txBody>
-          <a:bodyPr/>
-          <a:lstStyle/>
-          <a:p>
-            <a:r>
-              <a:rPr lang="en-US" dirty="0"/>
-              <a:t>If the data model does not represent the data it describes, the data will be incorrect.</a:t>
-            </a:r>
-          </a:p>
-        </p:txBody>
-      </p:sp>
-    </p:spTree>
-    <p:extLst>
-      <p:ext uri="{BB962C8B-B14F-4D97-AF65-F5344CB8AC3E}">
-        <p14:creationId xmlns:p14="http://schemas.microsoft.com/office/powerpoint/2010/main" val="3870847368"/>
       </p:ext>
     </p:extLst>
   </p:cSld>

--- a/Presentation.pptx
+++ b/Presentation.pptx
@@ -5,7 +5,7 @@
     <p:sldMasterId id="2147483648" r:id="rId1"/>
   </p:sldMasterIdLst>
   <p:notesMasterIdLst>
-    <p:notesMasterId r:id="rId29"/>
+    <p:notesMasterId r:id="rId30"/>
   </p:notesMasterIdLst>
   <p:sldIdLst>
     <p:sldId id="256" r:id="rId2"/>
@@ -34,7 +34,8 @@
     <p:sldId id="283" r:id="rId25"/>
     <p:sldId id="284" r:id="rId26"/>
     <p:sldId id="285" r:id="rId27"/>
-    <p:sldId id="286" r:id="rId28"/>
+    <p:sldId id="287" r:id="rId28"/>
+    <p:sldId id="286" r:id="rId29"/>
   </p:sldIdLst>
   <p:sldSz cx="12192000" cy="6858000"/>
   <p:notesSz cx="6858000" cy="9144000"/>
@@ -9275,6 +9276,210 @@
 </file>
 
 <file path=ppt/slides/slide27.xml><?xml version="1.0" encoding="utf-8"?>
+<p:sld xmlns:a="http://schemas.openxmlformats.org/drawingml/2006/main" xmlns:r="http://schemas.openxmlformats.org/officeDocument/2006/relationships" xmlns:p="http://schemas.openxmlformats.org/presentationml/2006/main">
+  <p:cSld>
+    <p:spTree>
+      <p:nvGrpSpPr>
+        <p:cNvPr id="1" name=""/>
+        <p:cNvGrpSpPr/>
+        <p:nvPr/>
+      </p:nvGrpSpPr>
+      <p:grpSpPr>
+        <a:xfrm>
+          <a:off x="0" y="0"/>
+          <a:ext cx="0" cy="0"/>
+          <a:chOff x="0" y="0"/>
+          <a:chExt cx="0" cy="0"/>
+        </a:xfrm>
+      </p:grpSpPr>
+      <p:grpSp>
+        <p:nvGrpSpPr>
+          <p:cNvPr id="4" name="Group 3">
+            <a:extLst>
+              <a:ext uri="{FF2B5EF4-FFF2-40B4-BE49-F238E27FC236}">
+                <a16:creationId xmlns:a16="http://schemas.microsoft.com/office/drawing/2014/main" id="{102A380B-F3B8-4F53-B930-1FA9D0586065}"/>
+              </a:ext>
+            </a:extLst>
+          </p:cNvPr>
+          <p:cNvGrpSpPr/>
+          <p:nvPr/>
+        </p:nvGrpSpPr>
+        <p:grpSpPr>
+          <a:xfrm>
+            <a:off x="7487811" y="2182011"/>
+            <a:ext cx="5297585" cy="5306444"/>
+            <a:chOff x="7487811" y="2182011"/>
+            <a:chExt cx="5297585" cy="5306444"/>
+          </a:xfrm>
+        </p:grpSpPr>
+        <p:pic>
+          <p:nvPicPr>
+            <p:cNvPr id="5" name="Picture 4">
+              <a:extLst>
+                <a:ext uri="{FF2B5EF4-FFF2-40B4-BE49-F238E27FC236}">
+                  <a16:creationId xmlns:a16="http://schemas.microsoft.com/office/drawing/2014/main" id="{ABAADB5A-2902-462A-AAC2-04D214C47FFD}"/>
+                </a:ext>
+              </a:extLst>
+            </p:cNvPr>
+            <p:cNvPicPr>
+              <a:picLocks noChangeAspect="1"/>
+            </p:cNvPicPr>
+            <p:nvPr/>
+          </p:nvPicPr>
+          <p:blipFill>
+            <a:blip r:embed="rId2">
+              <a:extLst>
+                <a:ext uri="{28A0092B-C50C-407E-A947-70E740481C1C}">
+                  <a14:useLocalDpi xmlns:a14="http://schemas.microsoft.com/office/drawing/2010/main" val="0"/>
+                </a:ext>
+              </a:extLst>
+            </a:blip>
+            <a:stretch>
+              <a:fillRect/>
+            </a:stretch>
+          </p:blipFill>
+          <p:spPr>
+            <a:xfrm>
+              <a:off x="7487811" y="2182011"/>
+              <a:ext cx="5297585" cy="5297585"/>
+            </a:xfrm>
+            <a:prstGeom prst="rect">
+              <a:avLst/>
+            </a:prstGeom>
+            <a:effectLst/>
+          </p:spPr>
+        </p:pic>
+        <p:sp>
+          <p:nvSpPr>
+            <p:cNvPr id="6" name="Rectangle 5">
+              <a:extLst>
+                <a:ext uri="{FF2B5EF4-FFF2-40B4-BE49-F238E27FC236}">
+                  <a16:creationId xmlns:a16="http://schemas.microsoft.com/office/drawing/2014/main" id="{267A98D5-C2FB-4219-ADC8-9C634EC561C7}"/>
+                </a:ext>
+              </a:extLst>
+            </p:cNvPr>
+            <p:cNvSpPr/>
+            <p:nvPr/>
+          </p:nvSpPr>
+          <p:spPr>
+            <a:xfrm>
+              <a:off x="7488455" y="2184935"/>
+              <a:ext cx="5293894" cy="5303520"/>
+            </a:xfrm>
+            <a:prstGeom prst="rect">
+              <a:avLst/>
+            </a:prstGeom>
+            <a:solidFill>
+              <a:schemeClr val="bg1">
+                <a:alpha val="89000"/>
+              </a:schemeClr>
+            </a:solidFill>
+            <a:ln>
+              <a:noFill/>
+            </a:ln>
+          </p:spPr>
+          <p:style>
+            <a:lnRef idx="2">
+              <a:schemeClr val="accent1">
+                <a:shade val="50000"/>
+              </a:schemeClr>
+            </a:lnRef>
+            <a:fillRef idx="1">
+              <a:schemeClr val="accent1"/>
+            </a:fillRef>
+            <a:effectRef idx="0">
+              <a:schemeClr val="accent1"/>
+            </a:effectRef>
+            <a:fontRef idx="minor">
+              <a:schemeClr val="lt1"/>
+            </a:fontRef>
+          </p:style>
+          <p:txBody>
+            <a:bodyPr rtlCol="0" anchor="ctr"/>
+            <a:lstStyle/>
+            <a:p>
+              <a:pPr algn="ctr"/>
+              <a:endParaRPr lang="en-DK"/>
+            </a:p>
+          </p:txBody>
+        </p:sp>
+      </p:grpSp>
+      <p:sp>
+        <p:nvSpPr>
+          <p:cNvPr id="2" name="Title 1">
+            <a:extLst>
+              <a:ext uri="{FF2B5EF4-FFF2-40B4-BE49-F238E27FC236}">
+                <a16:creationId xmlns:a16="http://schemas.microsoft.com/office/drawing/2014/main" id="{98844CEC-848D-469C-A8C8-3FF629314F98}"/>
+              </a:ext>
+            </a:extLst>
+          </p:cNvPr>
+          <p:cNvSpPr>
+            <a:spLocks noGrp="1"/>
+          </p:cNvSpPr>
+          <p:nvPr>
+            <p:ph type="title"/>
+          </p:nvPr>
+        </p:nvSpPr>
+        <p:spPr/>
+        <p:txBody>
+          <a:bodyPr/>
+          <a:lstStyle/>
+          <a:p>
+            <a:r>
+              <a:rPr lang="en-US" dirty="0"/>
+              <a:t>Take away</a:t>
+            </a:r>
+            <a:endParaRPr lang="en-DK" dirty="0"/>
+          </a:p>
+        </p:txBody>
+      </p:sp>
+      <p:sp>
+        <p:nvSpPr>
+          <p:cNvPr id="3" name="Text Placeholder 2">
+            <a:extLst>
+              <a:ext uri="{FF2B5EF4-FFF2-40B4-BE49-F238E27FC236}">
+                <a16:creationId xmlns:a16="http://schemas.microsoft.com/office/drawing/2014/main" id="{7B91CD2A-7B56-4982-BC68-742FC4A10D62}"/>
+              </a:ext>
+            </a:extLst>
+          </p:cNvPr>
+          <p:cNvSpPr>
+            <a:spLocks noGrp="1"/>
+          </p:cNvSpPr>
+          <p:nvPr>
+            <p:ph type="body" idx="1"/>
+          </p:nvPr>
+        </p:nvSpPr>
+        <p:spPr/>
+        <p:txBody>
+          <a:bodyPr/>
+          <a:lstStyle/>
+          <a:p>
+            <a:r>
+              <a:rPr lang="en-US" dirty="0"/>
+              <a:t>Model your data “more” like what </a:t>
+            </a:r>
+            <a:r>
+              <a:rPr lang="en-US"/>
+              <a:t>is represents.</a:t>
+            </a:r>
+            <a:endParaRPr lang="en-DK" dirty="0"/>
+          </a:p>
+        </p:txBody>
+      </p:sp>
+    </p:spTree>
+    <p:extLst>
+      <p:ext uri="{BB962C8B-B14F-4D97-AF65-F5344CB8AC3E}">
+        <p14:creationId xmlns:p14="http://schemas.microsoft.com/office/powerpoint/2010/main" val="3865673438"/>
+      </p:ext>
+    </p:extLst>
+  </p:cSld>
+  <p:clrMapOvr>
+    <a:masterClrMapping/>
+  </p:clrMapOvr>
+</p:sld>
+</file>
+
+<file path=ppt/slides/slide28.xml><?xml version="1.0" encoding="utf-8"?>
 <p:sld xmlns:a="http://schemas.openxmlformats.org/drawingml/2006/main" xmlns:r="http://schemas.openxmlformats.org/officeDocument/2006/relationships" xmlns:p="http://schemas.openxmlformats.org/presentationml/2006/main">
   <p:cSld>
     <p:spTree>

--- a/Presentation.pptx
+++ b/Presentation.pptx
@@ -9456,11 +9456,7 @@
           <a:p>
             <a:r>
               <a:rPr lang="en-US" dirty="0"/>
-              <a:t>Model your data “more” like what </a:t>
-            </a:r>
-            <a:r>
-              <a:rPr lang="en-US"/>
-              <a:t>is represents.</a:t>
+              <a:t>Model your data “more” like what is represents.</a:t>
             </a:r>
             <a:endParaRPr lang="en-DK" dirty="0"/>
           </a:p>
@@ -9912,335 +9908,6 @@
           <a:chExt cx="0" cy="0"/>
         </a:xfrm>
       </p:grpSpPr>
-      <p:sp>
-        <p:nvSpPr>
-          <p:cNvPr id="2" name="Title 1">
-            <a:extLst>
-              <a:ext uri="{FF2B5EF4-FFF2-40B4-BE49-F238E27FC236}">
-                <a16:creationId xmlns:a16="http://schemas.microsoft.com/office/drawing/2014/main" id="{2F0BA258-D05A-4487-9A22-6A88490A64E8}"/>
-              </a:ext>
-            </a:extLst>
-          </p:cNvPr>
-          <p:cNvSpPr>
-            <a:spLocks noGrp="1"/>
-          </p:cNvSpPr>
-          <p:nvPr>
-            <p:ph type="title"/>
-          </p:nvPr>
-        </p:nvSpPr>
-        <p:spPr/>
-        <p:txBody>
-          <a:bodyPr/>
-          <a:lstStyle/>
-          <a:p>
-            <a:r>
-              <a:rPr lang="en-US" dirty="0"/>
-              <a:t>Traditional decisions</a:t>
-            </a:r>
-            <a:endParaRPr lang="en-DK" dirty="0"/>
-          </a:p>
-        </p:txBody>
-      </p:sp>
-      <p:sp>
-        <p:nvSpPr>
-          <p:cNvPr id="3" name="Content Placeholder 2">
-            <a:extLst>
-              <a:ext uri="{FF2B5EF4-FFF2-40B4-BE49-F238E27FC236}">
-                <a16:creationId xmlns:a16="http://schemas.microsoft.com/office/drawing/2014/main" id="{5E87FEE9-6F8E-4C1B-B45E-1C925E40EFD7}"/>
-              </a:ext>
-            </a:extLst>
-          </p:cNvPr>
-          <p:cNvSpPr>
-            <a:spLocks noGrp="1"/>
-          </p:cNvSpPr>
-          <p:nvPr>
-            <p:ph idx="1"/>
-          </p:nvPr>
-        </p:nvSpPr>
-        <p:spPr/>
-        <p:txBody>
-          <a:bodyPr/>
-          <a:lstStyle/>
-          <a:p>
-            <a:endParaRPr lang="en-DK" dirty="0"/>
-          </a:p>
-        </p:txBody>
-      </p:sp>
-      <p:sp>
-        <p:nvSpPr>
-          <p:cNvPr id="4" name="Rectangle: Rounded Corners 3">
-            <a:extLst>
-              <a:ext uri="{FF2B5EF4-FFF2-40B4-BE49-F238E27FC236}">
-                <a16:creationId xmlns:a16="http://schemas.microsoft.com/office/drawing/2014/main" id="{02261E87-E5E7-45A9-97C5-789436949573}"/>
-              </a:ext>
-            </a:extLst>
-          </p:cNvPr>
-          <p:cNvSpPr/>
-          <p:nvPr/>
-        </p:nvSpPr>
-        <p:spPr>
-          <a:xfrm>
-            <a:off x="4995512" y="3330341"/>
-            <a:ext cx="2358189" cy="1386038"/>
-          </a:xfrm>
-          <a:prstGeom prst="roundRect">
-            <a:avLst/>
-          </a:prstGeom>
-        </p:spPr>
-        <p:style>
-          <a:lnRef idx="2">
-            <a:schemeClr val="accent1">
-              <a:shade val="50000"/>
-            </a:schemeClr>
-          </a:lnRef>
-          <a:fillRef idx="1">
-            <a:schemeClr val="accent1"/>
-          </a:fillRef>
-          <a:effectRef idx="0">
-            <a:schemeClr val="accent1"/>
-          </a:effectRef>
-          <a:fontRef idx="minor">
-            <a:schemeClr val="lt1"/>
-          </a:fontRef>
-        </p:style>
-        <p:txBody>
-          <a:bodyPr rtlCol="0" anchor="ctr"/>
-          <a:lstStyle/>
-          <a:p>
-            <a:pPr algn="ctr"/>
-            <a:r>
-              <a:rPr lang="en-US" dirty="0"/>
-              <a:t>Traditional Programming</a:t>
-            </a:r>
-            <a:endParaRPr lang="en-DK" dirty="0"/>
-          </a:p>
-        </p:txBody>
-      </p:sp>
-      <p:sp>
-        <p:nvSpPr>
-          <p:cNvPr id="5" name="TextBox 4">
-            <a:extLst>
-              <a:ext uri="{FF2B5EF4-FFF2-40B4-BE49-F238E27FC236}">
-                <a16:creationId xmlns:a16="http://schemas.microsoft.com/office/drawing/2014/main" id="{4C83E5E6-38BA-4CCC-B411-7CC64533E6EB}"/>
-              </a:ext>
-            </a:extLst>
-          </p:cNvPr>
-          <p:cNvSpPr txBox="1"/>
-          <p:nvPr/>
-        </p:nvSpPr>
-        <p:spPr>
-          <a:xfrm>
-            <a:off x="2562402" y="3522846"/>
-            <a:ext cx="620554" cy="369332"/>
-          </a:xfrm>
-          <a:prstGeom prst="rect">
-            <a:avLst/>
-          </a:prstGeom>
-          <a:noFill/>
-        </p:spPr>
-        <p:txBody>
-          <a:bodyPr wrap="none" rtlCol="0">
-            <a:spAutoFit/>
-          </a:bodyPr>
-          <a:lstStyle/>
-          <a:p>
-            <a:r>
-              <a:rPr lang="en-US" dirty="0"/>
-              <a:t>Data</a:t>
-            </a:r>
-            <a:endParaRPr lang="en-DK" dirty="0"/>
-          </a:p>
-        </p:txBody>
-      </p:sp>
-      <p:sp>
-        <p:nvSpPr>
-          <p:cNvPr id="6" name="TextBox 5">
-            <a:extLst>
-              <a:ext uri="{FF2B5EF4-FFF2-40B4-BE49-F238E27FC236}">
-                <a16:creationId xmlns:a16="http://schemas.microsoft.com/office/drawing/2014/main" id="{E84D15D6-BF28-49DD-AE29-CC23B20D1F4F}"/>
-              </a:ext>
-            </a:extLst>
-          </p:cNvPr>
-          <p:cNvSpPr txBox="1"/>
-          <p:nvPr/>
-        </p:nvSpPr>
-        <p:spPr>
-          <a:xfrm>
-            <a:off x="2493344" y="4086469"/>
-            <a:ext cx="689612" cy="369332"/>
-          </a:xfrm>
-          <a:prstGeom prst="rect">
-            <a:avLst/>
-          </a:prstGeom>
-          <a:noFill/>
-        </p:spPr>
-        <p:txBody>
-          <a:bodyPr wrap="none" rtlCol="0">
-            <a:spAutoFit/>
-          </a:bodyPr>
-          <a:lstStyle/>
-          <a:p>
-            <a:r>
-              <a:rPr lang="en-US" dirty="0"/>
-              <a:t>Rules</a:t>
-            </a:r>
-            <a:endParaRPr lang="en-DK" dirty="0"/>
-          </a:p>
-        </p:txBody>
-      </p:sp>
-      <p:sp>
-        <p:nvSpPr>
-          <p:cNvPr id="7" name="TextBox 6">
-            <a:extLst>
-              <a:ext uri="{FF2B5EF4-FFF2-40B4-BE49-F238E27FC236}">
-                <a16:creationId xmlns:a16="http://schemas.microsoft.com/office/drawing/2014/main" id="{0EA5FAC9-E35B-4D27-86FB-766A21EBB42F}"/>
-              </a:ext>
-            </a:extLst>
-          </p:cNvPr>
-          <p:cNvSpPr txBox="1"/>
-          <p:nvPr/>
-        </p:nvSpPr>
-        <p:spPr>
-          <a:xfrm>
-            <a:off x="9054162" y="3816628"/>
-            <a:ext cx="972574" cy="369332"/>
-          </a:xfrm>
-          <a:prstGeom prst="rect">
-            <a:avLst/>
-          </a:prstGeom>
-          <a:noFill/>
-        </p:spPr>
-        <p:txBody>
-          <a:bodyPr wrap="none" rtlCol="0">
-            <a:spAutoFit/>
-          </a:bodyPr>
-          <a:lstStyle/>
-          <a:p>
-            <a:r>
-              <a:rPr lang="en-US" dirty="0"/>
-              <a:t>Answers</a:t>
-            </a:r>
-            <a:endParaRPr lang="en-DK" dirty="0"/>
-          </a:p>
-        </p:txBody>
-      </p:sp>
-      <p:cxnSp>
-        <p:nvCxnSpPr>
-          <p:cNvPr id="9" name="Straight Arrow Connector 8">
-            <a:extLst>
-              <a:ext uri="{FF2B5EF4-FFF2-40B4-BE49-F238E27FC236}">
-                <a16:creationId xmlns:a16="http://schemas.microsoft.com/office/drawing/2014/main" id="{DBB3DE80-D66C-464F-9924-B61597EA23FA}"/>
-              </a:ext>
-            </a:extLst>
-          </p:cNvPr>
-          <p:cNvCxnSpPr/>
-          <p:nvPr/>
-        </p:nvCxnSpPr>
-        <p:spPr>
-          <a:xfrm>
-            <a:off x="3513221" y="3707512"/>
-            <a:ext cx="1183907" cy="0"/>
-          </a:xfrm>
-          <a:prstGeom prst="straightConnector1">
-            <a:avLst/>
-          </a:prstGeom>
-          <a:ln>
-            <a:tailEnd type="triangle"/>
-          </a:ln>
-        </p:spPr>
-        <p:style>
-          <a:lnRef idx="1">
-            <a:schemeClr val="accent1"/>
-          </a:lnRef>
-          <a:fillRef idx="0">
-            <a:schemeClr val="accent1"/>
-          </a:fillRef>
-          <a:effectRef idx="0">
-            <a:schemeClr val="accent1"/>
-          </a:effectRef>
-          <a:fontRef idx="minor">
-            <a:schemeClr val="tx1"/>
-          </a:fontRef>
-        </p:style>
-      </p:cxnSp>
-      <p:cxnSp>
-        <p:nvCxnSpPr>
-          <p:cNvPr id="10" name="Straight Arrow Connector 9">
-            <a:extLst>
-              <a:ext uri="{FF2B5EF4-FFF2-40B4-BE49-F238E27FC236}">
-                <a16:creationId xmlns:a16="http://schemas.microsoft.com/office/drawing/2014/main" id="{018C82E0-5577-4F2B-8967-AE8DF91A33D8}"/>
-              </a:ext>
-            </a:extLst>
-          </p:cNvPr>
-          <p:cNvCxnSpPr/>
-          <p:nvPr/>
-        </p:nvCxnSpPr>
-        <p:spPr>
-          <a:xfrm>
-            <a:off x="3513220" y="4271135"/>
-            <a:ext cx="1183907" cy="0"/>
-          </a:xfrm>
-          <a:prstGeom prst="straightConnector1">
-            <a:avLst/>
-          </a:prstGeom>
-          <a:ln>
-            <a:tailEnd type="triangle"/>
-          </a:ln>
-        </p:spPr>
-        <p:style>
-          <a:lnRef idx="1">
-            <a:schemeClr val="accent1"/>
-          </a:lnRef>
-          <a:fillRef idx="0">
-            <a:schemeClr val="accent1"/>
-          </a:fillRef>
-          <a:effectRef idx="0">
-            <a:schemeClr val="accent1"/>
-          </a:effectRef>
-          <a:fontRef idx="minor">
-            <a:schemeClr val="tx1"/>
-          </a:fontRef>
-        </p:style>
-      </p:cxnSp>
-      <p:cxnSp>
-        <p:nvCxnSpPr>
-          <p:cNvPr id="11" name="Straight Arrow Connector 10">
-            <a:extLst>
-              <a:ext uri="{FF2B5EF4-FFF2-40B4-BE49-F238E27FC236}">
-                <a16:creationId xmlns:a16="http://schemas.microsoft.com/office/drawing/2014/main" id="{184CF286-22C0-4C1A-91C3-EE983E6BCC54}"/>
-              </a:ext>
-            </a:extLst>
-          </p:cNvPr>
-          <p:cNvCxnSpPr/>
-          <p:nvPr/>
-        </p:nvCxnSpPr>
-        <p:spPr>
-          <a:xfrm>
-            <a:off x="7611978" y="4001294"/>
-            <a:ext cx="1183907" cy="0"/>
-          </a:xfrm>
-          <a:prstGeom prst="straightConnector1">
-            <a:avLst/>
-          </a:prstGeom>
-          <a:ln>
-            <a:tailEnd type="triangle"/>
-          </a:ln>
-        </p:spPr>
-        <p:style>
-          <a:lnRef idx="1">
-            <a:schemeClr val="accent1"/>
-          </a:lnRef>
-          <a:fillRef idx="0">
-            <a:schemeClr val="accent1"/>
-          </a:fillRef>
-          <a:effectRef idx="0">
-            <a:schemeClr val="accent1"/>
-          </a:effectRef>
-          <a:fontRef idx="minor">
-            <a:schemeClr val="tx1"/>
-          </a:fontRef>
-        </p:style>
-      </p:cxnSp>
       <p:grpSp>
         <p:nvGrpSpPr>
           <p:cNvPr id="12" name="Group 11">
@@ -10353,36 +10020,6 @@
           </p:txBody>
         </p:sp>
       </p:grpSp>
-    </p:spTree>
-    <p:extLst>
-      <p:ext uri="{BB962C8B-B14F-4D97-AF65-F5344CB8AC3E}">
-        <p14:creationId xmlns:p14="http://schemas.microsoft.com/office/powerpoint/2010/main" val="1459036337"/>
-      </p:ext>
-    </p:extLst>
-  </p:cSld>
-  <p:clrMapOvr>
-    <a:masterClrMapping/>
-  </p:clrMapOvr>
-</p:sld>
-</file>
-
-<file path=ppt/slides/slide5.xml><?xml version="1.0" encoding="utf-8"?>
-<p:sld xmlns:a="http://schemas.openxmlformats.org/drawingml/2006/main" xmlns:r="http://schemas.openxmlformats.org/officeDocument/2006/relationships" xmlns:p="http://schemas.openxmlformats.org/presentationml/2006/main">
-  <p:cSld>
-    <p:spTree>
-      <p:nvGrpSpPr>
-        <p:cNvPr id="1" name=""/>
-        <p:cNvGrpSpPr/>
-        <p:nvPr/>
-      </p:nvGrpSpPr>
-      <p:grpSpPr>
-        <a:xfrm>
-          <a:off x="0" y="0"/>
-          <a:ext cx="0" cy="0"/>
-          <a:chOff x="0" y="0"/>
-          <a:chExt cx="0" cy="0"/>
-        </a:xfrm>
-      </p:grpSpPr>
       <p:sp>
         <p:nvSpPr>
           <p:cNvPr id="2" name="Title 1">
@@ -10406,7 +10043,7 @@
           <a:p>
             <a:r>
               <a:rPr lang="en-US" dirty="0"/>
-              <a:t>Machines learn like this.</a:t>
+              <a:t>Traditional decisions</a:t>
             </a:r>
             <a:endParaRPr lang="en-DK" dirty="0"/>
           </a:p>
@@ -10481,7 +10118,7 @@
             <a:pPr algn="ctr"/>
             <a:r>
               <a:rPr lang="en-US" dirty="0"/>
-              <a:t>Machine Learning</a:t>
+              <a:t>Traditional Programming</a:t>
             </a:r>
             <a:endParaRPr lang="en-DK" dirty="0"/>
           </a:p>
@@ -10501,7 +10138,79 @@
         </p:nvSpPr>
         <p:spPr>
           <a:xfrm>
-            <a:off x="2322477" y="3522846"/>
+            <a:off x="2562402" y="3522846"/>
+            <a:ext cx="620554" cy="369332"/>
+          </a:xfrm>
+          <a:prstGeom prst="rect">
+            <a:avLst/>
+          </a:prstGeom>
+          <a:noFill/>
+        </p:spPr>
+        <p:txBody>
+          <a:bodyPr wrap="none" rtlCol="0">
+            <a:spAutoFit/>
+          </a:bodyPr>
+          <a:lstStyle/>
+          <a:p>
+            <a:r>
+              <a:rPr lang="en-US" dirty="0"/>
+              <a:t>Data</a:t>
+            </a:r>
+            <a:endParaRPr lang="en-DK" dirty="0"/>
+          </a:p>
+        </p:txBody>
+      </p:sp>
+      <p:sp>
+        <p:nvSpPr>
+          <p:cNvPr id="6" name="TextBox 5">
+            <a:extLst>
+              <a:ext uri="{FF2B5EF4-FFF2-40B4-BE49-F238E27FC236}">
+                <a16:creationId xmlns:a16="http://schemas.microsoft.com/office/drawing/2014/main" id="{E84D15D6-BF28-49DD-AE29-CC23B20D1F4F}"/>
+              </a:ext>
+            </a:extLst>
+          </p:cNvPr>
+          <p:cNvSpPr txBox="1"/>
+          <p:nvPr/>
+        </p:nvSpPr>
+        <p:spPr>
+          <a:xfrm>
+            <a:off x="2493344" y="4086469"/>
+            <a:ext cx="689612" cy="369332"/>
+          </a:xfrm>
+          <a:prstGeom prst="rect">
+            <a:avLst/>
+          </a:prstGeom>
+          <a:noFill/>
+        </p:spPr>
+        <p:txBody>
+          <a:bodyPr wrap="none" rtlCol="0">
+            <a:spAutoFit/>
+          </a:bodyPr>
+          <a:lstStyle/>
+          <a:p>
+            <a:r>
+              <a:rPr lang="en-US" dirty="0"/>
+              <a:t>Rules</a:t>
+            </a:r>
+            <a:endParaRPr lang="en-DK" dirty="0"/>
+          </a:p>
+        </p:txBody>
+      </p:sp>
+      <p:sp>
+        <p:nvSpPr>
+          <p:cNvPr id="7" name="TextBox 6">
+            <a:extLst>
+              <a:ext uri="{FF2B5EF4-FFF2-40B4-BE49-F238E27FC236}">
+                <a16:creationId xmlns:a16="http://schemas.microsoft.com/office/drawing/2014/main" id="{0EA5FAC9-E35B-4D27-86FB-766A21EBB42F}"/>
+              </a:ext>
+            </a:extLst>
+          </p:cNvPr>
+          <p:cNvSpPr txBox="1"/>
+          <p:nvPr/>
+        </p:nvSpPr>
+        <p:spPr>
+          <a:xfrm>
+            <a:off x="9054162" y="3816628"/>
             <a:ext cx="972574" cy="369332"/>
           </a:xfrm>
           <a:prstGeom prst="rect">
@@ -10518,78 +10227,6 @@
             <a:r>
               <a:rPr lang="en-US" dirty="0"/>
               <a:t>Answers</a:t>
-            </a:r>
-            <a:endParaRPr lang="en-DK" dirty="0"/>
-          </a:p>
-        </p:txBody>
-      </p:sp>
-      <p:sp>
-        <p:nvSpPr>
-          <p:cNvPr id="6" name="TextBox 5">
-            <a:extLst>
-              <a:ext uri="{FF2B5EF4-FFF2-40B4-BE49-F238E27FC236}">
-                <a16:creationId xmlns:a16="http://schemas.microsoft.com/office/drawing/2014/main" id="{E84D15D6-BF28-49DD-AE29-CC23B20D1F4F}"/>
-              </a:ext>
-            </a:extLst>
-          </p:cNvPr>
-          <p:cNvSpPr txBox="1"/>
-          <p:nvPr/>
-        </p:nvSpPr>
-        <p:spPr>
-          <a:xfrm>
-            <a:off x="2674497" y="4086469"/>
-            <a:ext cx="620554" cy="369332"/>
-          </a:xfrm>
-          <a:prstGeom prst="rect">
-            <a:avLst/>
-          </a:prstGeom>
-          <a:noFill/>
-        </p:spPr>
-        <p:txBody>
-          <a:bodyPr wrap="none" rtlCol="0">
-            <a:spAutoFit/>
-          </a:bodyPr>
-          <a:lstStyle/>
-          <a:p>
-            <a:r>
-              <a:rPr lang="en-US" dirty="0"/>
-              <a:t>Data</a:t>
-            </a:r>
-            <a:endParaRPr lang="en-DK" dirty="0"/>
-          </a:p>
-        </p:txBody>
-      </p:sp>
-      <p:sp>
-        <p:nvSpPr>
-          <p:cNvPr id="7" name="TextBox 6">
-            <a:extLst>
-              <a:ext uri="{FF2B5EF4-FFF2-40B4-BE49-F238E27FC236}">
-                <a16:creationId xmlns:a16="http://schemas.microsoft.com/office/drawing/2014/main" id="{0EA5FAC9-E35B-4D27-86FB-766A21EBB42F}"/>
-              </a:ext>
-            </a:extLst>
-          </p:cNvPr>
-          <p:cNvSpPr txBox="1"/>
-          <p:nvPr/>
-        </p:nvSpPr>
-        <p:spPr>
-          <a:xfrm>
-            <a:off x="9054162" y="3816628"/>
-            <a:ext cx="689612" cy="369332"/>
-          </a:xfrm>
-          <a:prstGeom prst="rect">
-            <a:avLst/>
-          </a:prstGeom>
-          <a:noFill/>
-        </p:spPr>
-        <p:txBody>
-          <a:bodyPr wrap="none" rtlCol="0">
-            <a:spAutoFit/>
-          </a:bodyPr>
-          <a:lstStyle/>
-          <a:p>
-            <a:r>
-              <a:rPr lang="en-US" dirty="0"/>
-              <a:t>Rules</a:t>
             </a:r>
             <a:endParaRPr lang="en-DK" dirty="0"/>
           </a:p>
@@ -10712,6 +10349,36 @@
           </a:fontRef>
         </p:style>
       </p:cxnSp>
+    </p:spTree>
+    <p:extLst>
+      <p:ext uri="{BB962C8B-B14F-4D97-AF65-F5344CB8AC3E}">
+        <p14:creationId xmlns:p14="http://schemas.microsoft.com/office/powerpoint/2010/main" val="1459036337"/>
+      </p:ext>
+    </p:extLst>
+  </p:cSld>
+  <p:clrMapOvr>
+    <a:masterClrMapping/>
+  </p:clrMapOvr>
+</p:sld>
+</file>
+
+<file path=ppt/slides/slide5.xml><?xml version="1.0" encoding="utf-8"?>
+<p:sld xmlns:a="http://schemas.openxmlformats.org/drawingml/2006/main" xmlns:r="http://schemas.openxmlformats.org/officeDocument/2006/relationships" xmlns:p="http://schemas.openxmlformats.org/presentationml/2006/main">
+  <p:cSld>
+    <p:spTree>
+      <p:nvGrpSpPr>
+        <p:cNvPr id="1" name=""/>
+        <p:cNvGrpSpPr/>
+        <p:nvPr/>
+      </p:nvGrpSpPr>
+      <p:grpSpPr>
+        <a:xfrm>
+          <a:off x="0" y="0"/>
+          <a:ext cx="0" cy="0"/>
+          <a:chOff x="0" y="0"/>
+          <a:chExt cx="0" cy="0"/>
+        </a:xfrm>
+      </p:grpSpPr>
       <p:grpSp>
         <p:nvGrpSpPr>
           <p:cNvPr id="12" name="Group 11">
@@ -10824,6 +10491,335 @@
           </p:txBody>
         </p:sp>
       </p:grpSp>
+      <p:sp>
+        <p:nvSpPr>
+          <p:cNvPr id="2" name="Title 1">
+            <a:extLst>
+              <a:ext uri="{FF2B5EF4-FFF2-40B4-BE49-F238E27FC236}">
+                <a16:creationId xmlns:a16="http://schemas.microsoft.com/office/drawing/2014/main" id="{2F0BA258-D05A-4487-9A22-6A88490A64E8}"/>
+              </a:ext>
+            </a:extLst>
+          </p:cNvPr>
+          <p:cNvSpPr>
+            <a:spLocks noGrp="1"/>
+          </p:cNvSpPr>
+          <p:nvPr>
+            <p:ph type="title"/>
+          </p:nvPr>
+        </p:nvSpPr>
+        <p:spPr/>
+        <p:txBody>
+          <a:bodyPr/>
+          <a:lstStyle/>
+          <a:p>
+            <a:r>
+              <a:rPr lang="en-US" dirty="0"/>
+              <a:t>Machines learn like this.</a:t>
+            </a:r>
+            <a:endParaRPr lang="en-DK" dirty="0"/>
+          </a:p>
+        </p:txBody>
+      </p:sp>
+      <p:sp>
+        <p:nvSpPr>
+          <p:cNvPr id="3" name="Content Placeholder 2">
+            <a:extLst>
+              <a:ext uri="{FF2B5EF4-FFF2-40B4-BE49-F238E27FC236}">
+                <a16:creationId xmlns:a16="http://schemas.microsoft.com/office/drawing/2014/main" id="{5E87FEE9-6F8E-4C1B-B45E-1C925E40EFD7}"/>
+              </a:ext>
+            </a:extLst>
+          </p:cNvPr>
+          <p:cNvSpPr>
+            <a:spLocks noGrp="1"/>
+          </p:cNvSpPr>
+          <p:nvPr>
+            <p:ph idx="1"/>
+          </p:nvPr>
+        </p:nvSpPr>
+        <p:spPr/>
+        <p:txBody>
+          <a:bodyPr/>
+          <a:lstStyle/>
+          <a:p>
+            <a:endParaRPr lang="en-DK" dirty="0"/>
+          </a:p>
+        </p:txBody>
+      </p:sp>
+      <p:sp>
+        <p:nvSpPr>
+          <p:cNvPr id="4" name="Rectangle: Rounded Corners 3">
+            <a:extLst>
+              <a:ext uri="{FF2B5EF4-FFF2-40B4-BE49-F238E27FC236}">
+                <a16:creationId xmlns:a16="http://schemas.microsoft.com/office/drawing/2014/main" id="{02261E87-E5E7-45A9-97C5-789436949573}"/>
+              </a:ext>
+            </a:extLst>
+          </p:cNvPr>
+          <p:cNvSpPr/>
+          <p:nvPr/>
+        </p:nvSpPr>
+        <p:spPr>
+          <a:xfrm>
+            <a:off x="4995512" y="3330341"/>
+            <a:ext cx="2358189" cy="1386038"/>
+          </a:xfrm>
+          <a:prstGeom prst="roundRect">
+            <a:avLst/>
+          </a:prstGeom>
+        </p:spPr>
+        <p:style>
+          <a:lnRef idx="2">
+            <a:schemeClr val="accent1">
+              <a:shade val="50000"/>
+            </a:schemeClr>
+          </a:lnRef>
+          <a:fillRef idx="1">
+            <a:schemeClr val="accent1"/>
+          </a:fillRef>
+          <a:effectRef idx="0">
+            <a:schemeClr val="accent1"/>
+          </a:effectRef>
+          <a:fontRef idx="minor">
+            <a:schemeClr val="lt1"/>
+          </a:fontRef>
+        </p:style>
+        <p:txBody>
+          <a:bodyPr rtlCol="0" anchor="ctr"/>
+          <a:lstStyle/>
+          <a:p>
+            <a:pPr algn="ctr"/>
+            <a:r>
+              <a:rPr lang="en-US" dirty="0"/>
+              <a:t>Machine Learning</a:t>
+            </a:r>
+            <a:endParaRPr lang="en-DK" dirty="0"/>
+          </a:p>
+        </p:txBody>
+      </p:sp>
+      <p:sp>
+        <p:nvSpPr>
+          <p:cNvPr id="5" name="TextBox 4">
+            <a:extLst>
+              <a:ext uri="{FF2B5EF4-FFF2-40B4-BE49-F238E27FC236}">
+                <a16:creationId xmlns:a16="http://schemas.microsoft.com/office/drawing/2014/main" id="{4C83E5E6-38BA-4CCC-B411-7CC64533E6EB}"/>
+              </a:ext>
+            </a:extLst>
+          </p:cNvPr>
+          <p:cNvSpPr txBox="1"/>
+          <p:nvPr/>
+        </p:nvSpPr>
+        <p:spPr>
+          <a:xfrm>
+            <a:off x="2322477" y="3522846"/>
+            <a:ext cx="972574" cy="369332"/>
+          </a:xfrm>
+          <a:prstGeom prst="rect">
+            <a:avLst/>
+          </a:prstGeom>
+          <a:noFill/>
+        </p:spPr>
+        <p:txBody>
+          <a:bodyPr wrap="none" rtlCol="0">
+            <a:spAutoFit/>
+          </a:bodyPr>
+          <a:lstStyle/>
+          <a:p>
+            <a:r>
+              <a:rPr lang="en-US" dirty="0"/>
+              <a:t>Answers</a:t>
+            </a:r>
+            <a:endParaRPr lang="en-DK" dirty="0"/>
+          </a:p>
+        </p:txBody>
+      </p:sp>
+      <p:sp>
+        <p:nvSpPr>
+          <p:cNvPr id="6" name="TextBox 5">
+            <a:extLst>
+              <a:ext uri="{FF2B5EF4-FFF2-40B4-BE49-F238E27FC236}">
+                <a16:creationId xmlns:a16="http://schemas.microsoft.com/office/drawing/2014/main" id="{E84D15D6-BF28-49DD-AE29-CC23B20D1F4F}"/>
+              </a:ext>
+            </a:extLst>
+          </p:cNvPr>
+          <p:cNvSpPr txBox="1"/>
+          <p:nvPr/>
+        </p:nvSpPr>
+        <p:spPr>
+          <a:xfrm>
+            <a:off x="2674497" y="4086469"/>
+            <a:ext cx="620554" cy="369332"/>
+          </a:xfrm>
+          <a:prstGeom prst="rect">
+            <a:avLst/>
+          </a:prstGeom>
+          <a:noFill/>
+        </p:spPr>
+        <p:txBody>
+          <a:bodyPr wrap="none" rtlCol="0">
+            <a:spAutoFit/>
+          </a:bodyPr>
+          <a:lstStyle/>
+          <a:p>
+            <a:r>
+              <a:rPr lang="en-US" dirty="0"/>
+              <a:t>Data</a:t>
+            </a:r>
+            <a:endParaRPr lang="en-DK" dirty="0"/>
+          </a:p>
+        </p:txBody>
+      </p:sp>
+      <p:sp>
+        <p:nvSpPr>
+          <p:cNvPr id="7" name="TextBox 6">
+            <a:extLst>
+              <a:ext uri="{FF2B5EF4-FFF2-40B4-BE49-F238E27FC236}">
+                <a16:creationId xmlns:a16="http://schemas.microsoft.com/office/drawing/2014/main" id="{0EA5FAC9-E35B-4D27-86FB-766A21EBB42F}"/>
+              </a:ext>
+            </a:extLst>
+          </p:cNvPr>
+          <p:cNvSpPr txBox="1"/>
+          <p:nvPr/>
+        </p:nvSpPr>
+        <p:spPr>
+          <a:xfrm>
+            <a:off x="9054162" y="3816628"/>
+            <a:ext cx="689612" cy="369332"/>
+          </a:xfrm>
+          <a:prstGeom prst="rect">
+            <a:avLst/>
+          </a:prstGeom>
+          <a:noFill/>
+        </p:spPr>
+        <p:txBody>
+          <a:bodyPr wrap="none" rtlCol="0">
+            <a:spAutoFit/>
+          </a:bodyPr>
+          <a:lstStyle/>
+          <a:p>
+            <a:r>
+              <a:rPr lang="en-US" dirty="0"/>
+              <a:t>Rules</a:t>
+            </a:r>
+            <a:endParaRPr lang="en-DK" dirty="0"/>
+          </a:p>
+        </p:txBody>
+      </p:sp>
+      <p:cxnSp>
+        <p:nvCxnSpPr>
+          <p:cNvPr id="9" name="Straight Arrow Connector 8">
+            <a:extLst>
+              <a:ext uri="{FF2B5EF4-FFF2-40B4-BE49-F238E27FC236}">
+                <a16:creationId xmlns:a16="http://schemas.microsoft.com/office/drawing/2014/main" id="{DBB3DE80-D66C-464F-9924-B61597EA23FA}"/>
+              </a:ext>
+            </a:extLst>
+          </p:cNvPr>
+          <p:cNvCxnSpPr/>
+          <p:nvPr/>
+        </p:nvCxnSpPr>
+        <p:spPr>
+          <a:xfrm>
+            <a:off x="3513221" y="3707512"/>
+            <a:ext cx="1183907" cy="0"/>
+          </a:xfrm>
+          <a:prstGeom prst="straightConnector1">
+            <a:avLst/>
+          </a:prstGeom>
+          <a:ln>
+            <a:tailEnd type="triangle"/>
+          </a:ln>
+        </p:spPr>
+        <p:style>
+          <a:lnRef idx="1">
+            <a:schemeClr val="accent1"/>
+          </a:lnRef>
+          <a:fillRef idx="0">
+            <a:schemeClr val="accent1"/>
+          </a:fillRef>
+          <a:effectRef idx="0">
+            <a:schemeClr val="accent1"/>
+          </a:effectRef>
+          <a:fontRef idx="minor">
+            <a:schemeClr val="tx1"/>
+          </a:fontRef>
+        </p:style>
+      </p:cxnSp>
+      <p:cxnSp>
+        <p:nvCxnSpPr>
+          <p:cNvPr id="10" name="Straight Arrow Connector 9">
+            <a:extLst>
+              <a:ext uri="{FF2B5EF4-FFF2-40B4-BE49-F238E27FC236}">
+                <a16:creationId xmlns:a16="http://schemas.microsoft.com/office/drawing/2014/main" id="{018C82E0-5577-4F2B-8967-AE8DF91A33D8}"/>
+              </a:ext>
+            </a:extLst>
+          </p:cNvPr>
+          <p:cNvCxnSpPr/>
+          <p:nvPr/>
+        </p:nvCxnSpPr>
+        <p:spPr>
+          <a:xfrm>
+            <a:off x="3513220" y="4271135"/>
+            <a:ext cx="1183907" cy="0"/>
+          </a:xfrm>
+          <a:prstGeom prst="straightConnector1">
+            <a:avLst/>
+          </a:prstGeom>
+          <a:ln>
+            <a:tailEnd type="triangle"/>
+          </a:ln>
+        </p:spPr>
+        <p:style>
+          <a:lnRef idx="1">
+            <a:schemeClr val="accent1"/>
+          </a:lnRef>
+          <a:fillRef idx="0">
+            <a:schemeClr val="accent1"/>
+          </a:fillRef>
+          <a:effectRef idx="0">
+            <a:schemeClr val="accent1"/>
+          </a:effectRef>
+          <a:fontRef idx="minor">
+            <a:schemeClr val="tx1"/>
+          </a:fontRef>
+        </p:style>
+      </p:cxnSp>
+      <p:cxnSp>
+        <p:nvCxnSpPr>
+          <p:cNvPr id="11" name="Straight Arrow Connector 10">
+            <a:extLst>
+              <a:ext uri="{FF2B5EF4-FFF2-40B4-BE49-F238E27FC236}">
+                <a16:creationId xmlns:a16="http://schemas.microsoft.com/office/drawing/2014/main" id="{184CF286-22C0-4C1A-91C3-EE983E6BCC54}"/>
+              </a:ext>
+            </a:extLst>
+          </p:cNvPr>
+          <p:cNvCxnSpPr/>
+          <p:nvPr/>
+        </p:nvCxnSpPr>
+        <p:spPr>
+          <a:xfrm>
+            <a:off x="7611978" y="4001294"/>
+            <a:ext cx="1183907" cy="0"/>
+          </a:xfrm>
+          <a:prstGeom prst="straightConnector1">
+            <a:avLst/>
+          </a:prstGeom>
+          <a:ln>
+            <a:tailEnd type="triangle"/>
+          </a:ln>
+        </p:spPr>
+        <p:style>
+          <a:lnRef idx="1">
+            <a:schemeClr val="accent1"/>
+          </a:lnRef>
+          <a:fillRef idx="0">
+            <a:schemeClr val="accent1"/>
+          </a:fillRef>
+          <a:effectRef idx="0">
+            <a:schemeClr val="accent1"/>
+          </a:effectRef>
+          <a:fontRef idx="minor">
+            <a:schemeClr val="tx1"/>
+          </a:fontRef>
+        </p:style>
+      </p:cxnSp>
     </p:spTree>
     <p:extLst>
       <p:ext uri="{BB962C8B-B14F-4D97-AF65-F5344CB8AC3E}">
